--- a/presentation/Design Patterns.pptx
+++ b/presentation/Design Patterns.pptx
@@ -5,7 +5,7 @@
     <p:sldMasterId id="2147483660" r:id="rId1"/>
   </p:sldMasterIdLst>
   <p:notesMasterIdLst>
-    <p:notesMasterId r:id="rId10"/>
+    <p:notesMasterId r:id="rId19"/>
   </p:notesMasterIdLst>
   <p:sldIdLst>
     <p:sldId id="256" r:id="rId2"/>
@@ -15,7 +15,16 @@
     <p:sldId id="262" r:id="rId6"/>
     <p:sldId id="261" r:id="rId7"/>
     <p:sldId id="263" r:id="rId8"/>
-    <p:sldId id="259" r:id="rId9"/>
+    <p:sldId id="264" r:id="rId9"/>
+    <p:sldId id="265" r:id="rId10"/>
+    <p:sldId id="266" r:id="rId11"/>
+    <p:sldId id="267" r:id="rId12"/>
+    <p:sldId id="268" r:id="rId13"/>
+    <p:sldId id="269" r:id="rId14"/>
+    <p:sldId id="270" r:id="rId15"/>
+    <p:sldId id="271" r:id="rId16"/>
+    <p:sldId id="272" r:id="rId17"/>
+    <p:sldId id="259" r:id="rId18"/>
   </p:sldIdLst>
   <p:sldSz cx="9144000" cy="6858000" type="screen4x3"/>
   <p:notesSz cx="6858000" cy="9144000"/>
@@ -5374,6 +5383,220 @@
 </p:notes>
 </file>
 
+<file path=ppt/notesSlides/notesSlide3.xml><?xml version="1.0" encoding="utf-8"?>
+<p:notes xmlns:a="http://schemas.openxmlformats.org/drawingml/2006/main" xmlns:r="http://schemas.openxmlformats.org/officeDocument/2006/relationships" xmlns:p="http://schemas.openxmlformats.org/presentationml/2006/main">
+  <p:cSld>
+    <p:spTree>
+      <p:nvGrpSpPr>
+        <p:cNvPr id="1" name=""/>
+        <p:cNvGrpSpPr/>
+        <p:nvPr/>
+      </p:nvGrpSpPr>
+      <p:grpSpPr>
+        <a:xfrm>
+          <a:off x="0" y="0"/>
+          <a:ext cx="0" cy="0"/>
+          <a:chOff x="0" y="0"/>
+          <a:chExt cx="0" cy="0"/>
+        </a:xfrm>
+      </p:grpSpPr>
+      <p:sp>
+        <p:nvSpPr>
+          <p:cNvPr id="2" name="Folienbildplatzhalter 1"/>
+          <p:cNvSpPr>
+            <a:spLocks noGrp="1" noRot="1" noChangeAspect="1"/>
+          </p:cNvSpPr>
+          <p:nvPr>
+            <p:ph type="sldImg"/>
+          </p:nvPr>
+        </p:nvSpPr>
+        <p:spPr/>
+      </p:sp>
+      <p:sp>
+        <p:nvSpPr>
+          <p:cNvPr id="3" name="Notizenplatzhalter 2"/>
+          <p:cNvSpPr>
+            <a:spLocks noGrp="1"/>
+          </p:cNvSpPr>
+          <p:nvPr>
+            <p:ph type="body" idx="1"/>
+          </p:nvPr>
+        </p:nvSpPr>
+        <p:spPr/>
+        <p:txBody>
+          <a:bodyPr>
+            <a:normAutofit/>
+          </a:bodyPr>
+          <a:lstStyle/>
+          <a:p>
+            <a:r>
+              <a:rPr lang="en-US" sz="1200" b="1" i="0" kern="1200" dirty="0" smtClean="0">
+                <a:solidFill>
+                  <a:schemeClr val="tx1"/>
+                </a:solidFill>
+                <a:latin typeface="+mn-lt"/>
+                <a:ea typeface="+mn-ea"/>
+                <a:cs typeface="+mn-cs"/>
+              </a:rPr>
+              <a:t>Creational Patterns</a:t>
+            </a:r>
+            <a:r>
+              <a:rPr lang="en-US" dirty="0" smtClean="0"/>
+              <a:t/>
+            </a:r>
+            <a:br>
+              <a:rPr lang="en-US" dirty="0" smtClean="0"/>
+            </a:br>
+            <a:r>
+              <a:rPr lang="en-US" sz="1200" b="0" i="0" kern="1200" dirty="0" smtClean="0">
+                <a:solidFill>
+                  <a:schemeClr val="tx1"/>
+                </a:solidFill>
+                <a:latin typeface="+mn-lt"/>
+                <a:ea typeface="+mn-ea"/>
+                <a:cs typeface="+mn-cs"/>
+              </a:rPr>
+              <a:t>These design patterns provide a way to create objects while hiding the creation logic, rather than instantiating objects directly using new </a:t>
+            </a:r>
+            <a:r>
+              <a:rPr lang="en-US" sz="1200" b="0" i="0" kern="1200" dirty="0" err="1" smtClean="0">
+                <a:solidFill>
+                  <a:schemeClr val="tx1"/>
+                </a:solidFill>
+                <a:latin typeface="+mn-lt"/>
+                <a:ea typeface="+mn-ea"/>
+                <a:cs typeface="+mn-cs"/>
+              </a:rPr>
+              <a:t>opreator</a:t>
+            </a:r>
+            <a:r>
+              <a:rPr lang="en-US" sz="1200" b="0" i="0" kern="1200" dirty="0" smtClean="0">
+                <a:solidFill>
+                  <a:schemeClr val="tx1"/>
+                </a:solidFill>
+                <a:latin typeface="+mn-lt"/>
+                <a:ea typeface="+mn-ea"/>
+                <a:cs typeface="+mn-cs"/>
+              </a:rPr>
+              <a:t>. This gives program more flexibility in deciding which objects need to be created for a given use case.</a:t>
+            </a:r>
+          </a:p>
+          <a:p>
+            <a:endParaRPr lang="en-US" sz="1200" b="0" i="0" kern="1200" dirty="0" smtClean="0">
+              <a:solidFill>
+                <a:schemeClr val="tx1"/>
+              </a:solidFill>
+              <a:latin typeface="+mn-lt"/>
+              <a:ea typeface="+mn-ea"/>
+              <a:cs typeface="+mn-cs"/>
+            </a:endParaRPr>
+          </a:p>
+          <a:p>
+            <a:r>
+              <a:rPr lang="en-US" sz="1200" b="1" i="0" kern="1200" dirty="0" smtClean="0">
+                <a:solidFill>
+                  <a:schemeClr val="tx1"/>
+                </a:solidFill>
+                <a:latin typeface="+mn-lt"/>
+                <a:ea typeface="+mn-ea"/>
+                <a:cs typeface="+mn-cs"/>
+              </a:rPr>
+              <a:t>Structural Patterns</a:t>
+            </a:r>
+            <a:r>
+              <a:rPr lang="en-US" dirty="0" smtClean="0"/>
+              <a:t/>
+            </a:r>
+            <a:br>
+              <a:rPr lang="en-US" dirty="0" smtClean="0"/>
+            </a:br>
+            <a:r>
+              <a:rPr lang="en-US" sz="1200" b="0" i="0" kern="1200" dirty="0" smtClean="0">
+                <a:solidFill>
+                  <a:schemeClr val="tx1"/>
+                </a:solidFill>
+                <a:latin typeface="+mn-lt"/>
+                <a:ea typeface="+mn-ea"/>
+                <a:cs typeface="+mn-cs"/>
+              </a:rPr>
+              <a:t>These design patterns concern class and object composition. Concept of inheritance is used to compose interfaces and define ways to compose objects to obtain new functionalities.</a:t>
+            </a:r>
+          </a:p>
+          <a:p>
+            <a:endParaRPr lang="en-US" sz="1200" b="0" i="0" kern="1200" dirty="0" smtClean="0">
+              <a:solidFill>
+                <a:schemeClr val="tx1"/>
+              </a:solidFill>
+              <a:latin typeface="+mn-lt"/>
+              <a:ea typeface="+mn-ea"/>
+              <a:cs typeface="+mn-cs"/>
+            </a:endParaRPr>
+          </a:p>
+          <a:p>
+            <a:r>
+              <a:rPr lang="en-US" sz="1200" b="1" i="0" kern="1200" dirty="0" smtClean="0">
+                <a:solidFill>
+                  <a:schemeClr val="tx1"/>
+                </a:solidFill>
+                <a:latin typeface="+mn-lt"/>
+                <a:ea typeface="+mn-ea"/>
+                <a:cs typeface="+mn-cs"/>
+              </a:rPr>
+              <a:t>Behavioral Patterns</a:t>
+            </a:r>
+            <a:r>
+              <a:rPr lang="en-US" dirty="0" smtClean="0"/>
+              <a:t/>
+            </a:r>
+            <a:br>
+              <a:rPr lang="en-US" dirty="0" smtClean="0"/>
+            </a:br>
+            <a:r>
+              <a:rPr lang="en-US" sz="1200" b="0" i="0" kern="1200" dirty="0" smtClean="0">
+                <a:solidFill>
+                  <a:schemeClr val="tx1"/>
+                </a:solidFill>
+                <a:latin typeface="+mn-lt"/>
+                <a:ea typeface="+mn-ea"/>
+                <a:cs typeface="+mn-cs"/>
+              </a:rPr>
+              <a:t>These design patterns are specifically concerned with communication between objects.</a:t>
+            </a:r>
+            <a:endParaRPr lang="de-DE" dirty="0"/>
+          </a:p>
+        </p:txBody>
+      </p:sp>
+      <p:sp>
+        <p:nvSpPr>
+          <p:cNvPr id="4" name="Foliennummernplatzhalter 3"/>
+          <p:cNvSpPr>
+            <a:spLocks noGrp="1"/>
+          </p:cNvSpPr>
+          <p:nvPr>
+            <p:ph type="sldNum" sz="quarter" idx="10"/>
+          </p:nvPr>
+        </p:nvSpPr>
+        <p:spPr/>
+        <p:txBody>
+          <a:bodyPr/>
+          <a:lstStyle/>
+          <a:p>
+            <a:fld id="{5652F815-8907-4933-9379-FDD7E595D6C2}" type="slidenum">
+              <a:rPr lang="de-DE" smtClean="0"/>
+              <a:t>7</a:t>
+            </a:fld>
+            <a:endParaRPr lang="de-DE"/>
+          </a:p>
+        </p:txBody>
+      </p:sp>
+    </p:spTree>
+  </p:cSld>
+  <p:clrMapOvr>
+    <a:masterClrMapping/>
+  </p:clrMapOvr>
+</p:notes>
+</file>
+
 <file path=ppt/slideLayouts/slideLayout1.xml><?xml version="1.0" encoding="utf-8"?>
 <p:sldLayout xmlns:a="http://schemas.openxmlformats.org/drawingml/2006/main" xmlns:r="http://schemas.openxmlformats.org/officeDocument/2006/relationships" xmlns:p="http://schemas.openxmlformats.org/presentationml/2006/main" showMasterSp="0" type="title" preserve="1">
   <p:cSld name="Titelfolie">
@@ -9454,6 +9677,1975 @@
 </p:sld>
 </file>
 
+<file path=ppt/slides/slide10.xml><?xml version="1.0" encoding="utf-8"?>
+<p:sld xmlns:a="http://schemas.openxmlformats.org/drawingml/2006/main" xmlns:r="http://schemas.openxmlformats.org/officeDocument/2006/relationships" xmlns:p="http://schemas.openxmlformats.org/presentationml/2006/main">
+  <p:cSld>
+    <p:spTree>
+      <p:nvGrpSpPr>
+        <p:cNvPr id="1" name=""/>
+        <p:cNvGrpSpPr/>
+        <p:nvPr/>
+      </p:nvGrpSpPr>
+      <p:grpSpPr>
+        <a:xfrm>
+          <a:off x="0" y="0"/>
+          <a:ext cx="0" cy="0"/>
+          <a:chOff x="0" y="0"/>
+          <a:chExt cx="0" cy="0"/>
+        </a:xfrm>
+      </p:grpSpPr>
+      <p:sp>
+        <p:nvSpPr>
+          <p:cNvPr id="2" name="Titel 1"/>
+          <p:cNvSpPr>
+            <a:spLocks noGrp="1"/>
+          </p:cNvSpPr>
+          <p:nvPr>
+            <p:ph type="title"/>
+          </p:nvPr>
+        </p:nvSpPr>
+        <p:spPr/>
+        <p:txBody>
+          <a:bodyPr>
+            <a:normAutofit fontScale="90000"/>
+          </a:bodyPr>
+          <a:lstStyle/>
+          <a:p>
+            <a:r>
+              <a:rPr lang="en-US" smtClean="0"/>
+              <a:t>Important</a:t>
+            </a:r>
+            <a:r>
+              <a:rPr lang="en-US" smtClean="0"/>
+              <a:t> Design Patterns </a:t>
+            </a:r>
+            <a:r>
+              <a:rPr lang="en-US" smtClean="0"/>
+              <a:t>(</a:t>
+            </a:r>
+            <a:r>
+              <a:rPr lang="en-US" smtClean="0"/>
+              <a:t>for </a:t>
+            </a:r>
+            <a:r>
+              <a:rPr lang="en-US" smtClean="0"/>
+              <a:t>Java)</a:t>
+            </a:r>
+            <a:endParaRPr lang="en-US"/>
+          </a:p>
+        </p:txBody>
+      </p:sp>
+      <p:sp>
+        <p:nvSpPr>
+          <p:cNvPr id="3" name="Inhaltsplatzhalter 2"/>
+          <p:cNvSpPr>
+            <a:spLocks noGrp="1"/>
+          </p:cNvSpPr>
+          <p:nvPr>
+            <p:ph idx="1"/>
+          </p:nvPr>
+        </p:nvSpPr>
+        <p:spPr>
+          <a:xfrm>
+            <a:off x="457200" y="2249424"/>
+            <a:ext cx="5194920" cy="4325112"/>
+          </a:xfrm>
+        </p:spPr>
+        <p:txBody>
+          <a:bodyPr/>
+          <a:lstStyle/>
+          <a:p>
+            <a:r>
+              <a:rPr lang="en-US" dirty="0" smtClean="0"/>
+              <a:t>Composite</a:t>
+            </a:r>
+          </a:p>
+          <a:p>
+            <a:pPr lvl="2"/>
+            <a:r>
+              <a:rPr lang="en-US" dirty="0" smtClean="0"/>
+              <a:t>Represent a tree structure</a:t>
+            </a:r>
+          </a:p>
+          <a:p>
+            <a:pPr lvl="2"/>
+            <a:r>
+              <a:rPr lang="en-US" dirty="0" smtClean="0"/>
+              <a:t>User treats individual objects and compositions uniformly</a:t>
+            </a:r>
+          </a:p>
+          <a:p>
+            <a:pPr lvl="2"/>
+            <a:r>
+              <a:rPr lang="en-US" dirty="0" smtClean="0"/>
+              <a:t>Example:</a:t>
+            </a:r>
+            <a:br>
+              <a:rPr lang="en-US" dirty="0" smtClean="0"/>
+            </a:br>
+            <a:r>
+              <a:rPr lang="en-US" dirty="0" smtClean="0"/>
+              <a:t>Graphic components that are formed by other components also formed by components.</a:t>
+            </a:r>
+            <a:endParaRPr lang="en-US" dirty="0"/>
+          </a:p>
+        </p:txBody>
+      </p:sp>
+      <p:pic>
+        <p:nvPicPr>
+          <p:cNvPr id="26626" name="Picture 2" descr="Composite Pattern UML Diagram"/>
+          <p:cNvPicPr>
+            <a:picLocks noChangeAspect="1" noChangeArrowheads="1"/>
+          </p:cNvPicPr>
+          <p:nvPr/>
+        </p:nvPicPr>
+        <p:blipFill>
+          <a:blip r:embed="rId2" cstate="print"/>
+          <a:srcRect/>
+          <a:stretch>
+            <a:fillRect/>
+          </a:stretch>
+        </p:blipFill>
+        <p:spPr bwMode="auto">
+          <a:xfrm>
+            <a:off x="5652120" y="2236811"/>
+            <a:ext cx="3409950" cy="4000501"/>
+          </a:xfrm>
+          <a:prstGeom prst="rect">
+            <a:avLst/>
+          </a:prstGeom>
+          <a:noFill/>
+        </p:spPr>
+      </p:pic>
+      <p:pic>
+        <p:nvPicPr>
+          <p:cNvPr id="26627" name="Picture 3"/>
+          <p:cNvPicPr>
+            <a:picLocks noChangeAspect="1" noChangeArrowheads="1"/>
+          </p:cNvPicPr>
+          <p:nvPr/>
+        </p:nvPicPr>
+        <p:blipFill>
+          <a:blip r:embed="rId3" cstate="print"/>
+          <a:srcRect/>
+          <a:stretch>
+            <a:fillRect/>
+          </a:stretch>
+        </p:blipFill>
+        <p:spPr bwMode="auto">
+          <a:xfrm>
+            <a:off x="661796" y="2204864"/>
+            <a:ext cx="8352928" cy="3935647"/>
+          </a:xfrm>
+          <a:prstGeom prst="rect">
+            <a:avLst/>
+          </a:prstGeom>
+          <a:noFill/>
+          <a:ln w="9525">
+            <a:noFill/>
+            <a:miter lim="800000"/>
+            <a:headEnd/>
+            <a:tailEnd/>
+          </a:ln>
+        </p:spPr>
+      </p:pic>
+    </p:spTree>
+  </p:cSld>
+  <p:clrMapOvr>
+    <a:masterClrMapping/>
+  </p:clrMapOvr>
+  <p:timing>
+    <p:tnLst>
+      <p:par>
+        <p:cTn id="1" dur="indefinite" restart="never" nodeType="tmRoot">
+          <p:childTnLst>
+            <p:seq concurrent="1" nextAc="seek">
+              <p:cTn id="2" dur="indefinite" nodeType="mainSeq">
+                <p:childTnLst>
+                  <p:par>
+                    <p:cTn id="3" fill="hold">
+                      <p:stCondLst>
+                        <p:cond delay="indefinite"/>
+                      </p:stCondLst>
+                      <p:childTnLst>
+                        <p:par>
+                          <p:cTn id="4" fill="hold">
+                            <p:stCondLst>
+                              <p:cond delay="0"/>
+                            </p:stCondLst>
+                            <p:childTnLst>
+                              <p:par>
+                                <p:cTn id="5" presetID="1" presetClass="entr" presetSubtype="0" fill="hold" nodeType="clickEffect">
+                                  <p:stCondLst>
+                                    <p:cond delay="0"/>
+                                  </p:stCondLst>
+                                  <p:childTnLst>
+                                    <p:set>
+                                      <p:cBhvr>
+                                        <p:cTn id="6" dur="1" fill="hold">
+                                          <p:stCondLst>
+                                            <p:cond delay="0"/>
+                                          </p:stCondLst>
+                                        </p:cTn>
+                                        <p:tgtEl>
+                                          <p:spTgt spid="26627"/>
+                                        </p:tgtEl>
+                                        <p:attrNameLst>
+                                          <p:attrName>style.visibility</p:attrName>
+                                        </p:attrNameLst>
+                                      </p:cBhvr>
+                                      <p:to>
+                                        <p:strVal val="visible"/>
+                                      </p:to>
+                                    </p:set>
+                                  </p:childTnLst>
+                                </p:cTn>
+                              </p:par>
+                            </p:childTnLst>
+                          </p:cTn>
+                        </p:par>
+                      </p:childTnLst>
+                    </p:cTn>
+                  </p:par>
+                  <p:par>
+                    <p:cTn id="7" fill="hold">
+                      <p:stCondLst>
+                        <p:cond delay="indefinite"/>
+                      </p:stCondLst>
+                      <p:childTnLst>
+                        <p:par>
+                          <p:cTn id="8" fill="hold">
+                            <p:stCondLst>
+                              <p:cond delay="0"/>
+                            </p:stCondLst>
+                            <p:childTnLst>
+                              <p:par>
+                                <p:cTn id="9" presetID="1" presetClass="exit" presetSubtype="0" fill="hold" nodeType="clickEffect">
+                                  <p:stCondLst>
+                                    <p:cond delay="0"/>
+                                  </p:stCondLst>
+                                  <p:childTnLst>
+                                    <p:set>
+                                      <p:cBhvr>
+                                        <p:cTn id="10" dur="1" fill="hold">
+                                          <p:stCondLst>
+                                            <p:cond delay="0"/>
+                                          </p:stCondLst>
+                                        </p:cTn>
+                                        <p:tgtEl>
+                                          <p:spTgt spid="26627"/>
+                                        </p:tgtEl>
+                                        <p:attrNameLst>
+                                          <p:attrName>style.visibility</p:attrName>
+                                        </p:attrNameLst>
+                                      </p:cBhvr>
+                                      <p:to>
+                                        <p:strVal val="hidden"/>
+                                      </p:to>
+                                    </p:set>
+                                  </p:childTnLst>
+                                </p:cTn>
+                              </p:par>
+                            </p:childTnLst>
+                          </p:cTn>
+                        </p:par>
+                      </p:childTnLst>
+                    </p:cTn>
+                  </p:par>
+                </p:childTnLst>
+              </p:cTn>
+              <p:prevCondLst>
+                <p:cond evt="onPrev" delay="0">
+                  <p:tgtEl>
+                    <p:sldTgt/>
+                  </p:tgtEl>
+                </p:cond>
+              </p:prevCondLst>
+              <p:nextCondLst>
+                <p:cond evt="onNext" delay="0">
+                  <p:tgtEl>
+                    <p:sldTgt/>
+                  </p:tgtEl>
+                </p:cond>
+              </p:nextCondLst>
+            </p:seq>
+          </p:childTnLst>
+        </p:cTn>
+      </p:par>
+    </p:tnLst>
+  </p:timing>
+</p:sld>
+</file>
+
+<file path=ppt/slides/slide11.xml><?xml version="1.0" encoding="utf-8"?>
+<p:sld xmlns:a="http://schemas.openxmlformats.org/drawingml/2006/main" xmlns:r="http://schemas.openxmlformats.org/officeDocument/2006/relationships" xmlns:p="http://schemas.openxmlformats.org/presentationml/2006/main">
+  <p:cSld>
+    <p:spTree>
+      <p:nvGrpSpPr>
+        <p:cNvPr id="1" name=""/>
+        <p:cNvGrpSpPr/>
+        <p:nvPr/>
+      </p:nvGrpSpPr>
+      <p:grpSpPr>
+        <a:xfrm>
+          <a:off x="0" y="0"/>
+          <a:ext cx="0" cy="0"/>
+          <a:chOff x="0" y="0"/>
+          <a:chExt cx="0" cy="0"/>
+        </a:xfrm>
+      </p:grpSpPr>
+      <p:sp>
+        <p:nvSpPr>
+          <p:cNvPr id="6" name="Titel 5"/>
+          <p:cNvSpPr>
+            <a:spLocks noGrp="1"/>
+          </p:cNvSpPr>
+          <p:nvPr>
+            <p:ph type="title"/>
+          </p:nvPr>
+        </p:nvSpPr>
+        <p:spPr/>
+        <p:txBody>
+          <a:bodyPr/>
+          <a:lstStyle/>
+          <a:p>
+            <a:endParaRPr lang="de-DE"/>
+          </a:p>
+        </p:txBody>
+      </p:sp>
+      <p:sp>
+        <p:nvSpPr>
+          <p:cNvPr id="7" name="Inhaltsplatzhalter 6"/>
+          <p:cNvSpPr>
+            <a:spLocks noGrp="1"/>
+          </p:cNvSpPr>
+          <p:nvPr>
+            <p:ph idx="1"/>
+          </p:nvPr>
+        </p:nvSpPr>
+        <p:spPr/>
+        <p:txBody>
+          <a:bodyPr/>
+          <a:lstStyle/>
+          <a:p>
+            <a:endParaRPr lang="de-DE" dirty="0"/>
+          </a:p>
+        </p:txBody>
+      </p:sp>
+      <p:sp>
+        <p:nvSpPr>
+          <p:cNvPr id="9" name="Rechteck 8"/>
+          <p:cNvSpPr/>
+          <p:nvPr/>
+        </p:nvSpPr>
+        <p:spPr>
+          <a:xfrm>
+            <a:off x="0" y="0"/>
+            <a:ext cx="9144000" cy="6858000"/>
+          </a:xfrm>
+          <a:prstGeom prst="rect">
+            <a:avLst/>
+          </a:prstGeom>
+          <a:solidFill>
+            <a:schemeClr val="tx1"/>
+          </a:solidFill>
+          <a:ln>
+            <a:solidFill>
+              <a:schemeClr val="tx1"/>
+            </a:solidFill>
+          </a:ln>
+        </p:spPr>
+        <p:style>
+          <a:lnRef idx="2">
+            <a:schemeClr val="accent1">
+              <a:shade val="50000"/>
+            </a:schemeClr>
+          </a:lnRef>
+          <a:fillRef idx="1">
+            <a:schemeClr val="accent1"/>
+          </a:fillRef>
+          <a:effectRef idx="0">
+            <a:schemeClr val="accent1"/>
+          </a:effectRef>
+          <a:fontRef idx="minor">
+            <a:schemeClr val="lt1"/>
+          </a:fontRef>
+        </p:style>
+        <p:txBody>
+          <a:bodyPr rtlCol="0" anchor="ctr"/>
+          <a:lstStyle/>
+          <a:p>
+            <a:pPr algn="ctr"/>
+            <a:endParaRPr lang="de-DE"/>
+          </a:p>
+        </p:txBody>
+      </p:sp>
+      <p:pic>
+        <p:nvPicPr>
+          <p:cNvPr id="28675" name="Picture 3"/>
+          <p:cNvPicPr>
+            <a:picLocks noChangeAspect="1" noChangeArrowheads="1"/>
+          </p:cNvPicPr>
+          <p:nvPr/>
+        </p:nvPicPr>
+        <p:blipFill>
+          <a:blip r:embed="rId2" cstate="print"/>
+          <a:srcRect/>
+          <a:stretch>
+            <a:fillRect/>
+          </a:stretch>
+        </p:blipFill>
+        <p:spPr bwMode="auto">
+          <a:xfrm>
+            <a:off x="0" y="0"/>
+            <a:ext cx="5306012" cy="6858000"/>
+          </a:xfrm>
+          <a:prstGeom prst="rect">
+            <a:avLst/>
+          </a:prstGeom>
+          <a:noFill/>
+          <a:ln w="9525">
+            <a:noFill/>
+            <a:miter lim="800000"/>
+            <a:headEnd/>
+            <a:tailEnd/>
+          </a:ln>
+        </p:spPr>
+      </p:pic>
+      <p:pic>
+        <p:nvPicPr>
+          <p:cNvPr id="28676" name="Picture 4"/>
+          <p:cNvPicPr>
+            <a:picLocks noChangeAspect="1" noChangeArrowheads="1"/>
+          </p:cNvPicPr>
+          <p:nvPr/>
+        </p:nvPicPr>
+        <p:blipFill>
+          <a:blip r:embed="rId3" cstate="print"/>
+          <a:srcRect/>
+          <a:stretch>
+            <a:fillRect/>
+          </a:stretch>
+        </p:blipFill>
+        <p:spPr bwMode="auto">
+          <a:xfrm>
+            <a:off x="4139952" y="908720"/>
+            <a:ext cx="4608512" cy="1682884"/>
+          </a:xfrm>
+          <a:prstGeom prst="rect">
+            <a:avLst/>
+          </a:prstGeom>
+          <a:ln w="38100" cap="sq">
+            <a:solidFill>
+              <a:srgbClr val="000000"/>
+            </a:solidFill>
+            <a:prstDash val="solid"/>
+            <a:miter lim="800000"/>
+          </a:ln>
+          <a:effectLst>
+            <a:outerShdw blurRad="50800" dist="38100" dir="2700000" algn="tl" rotWithShape="0">
+              <a:srgbClr val="000000">
+                <a:alpha val="43000"/>
+              </a:srgbClr>
+            </a:outerShdw>
+          </a:effectLst>
+        </p:spPr>
+      </p:pic>
+    </p:spTree>
+  </p:cSld>
+  <p:clrMapOvr>
+    <a:masterClrMapping/>
+  </p:clrMapOvr>
+  <p:timing>
+    <p:tnLst>
+      <p:par>
+        <p:cTn id="1" dur="indefinite" restart="never" nodeType="tmRoot"/>
+      </p:par>
+    </p:tnLst>
+  </p:timing>
+</p:sld>
+</file>
+
+<file path=ppt/slides/slide12.xml><?xml version="1.0" encoding="utf-8"?>
+<p:sld xmlns:a="http://schemas.openxmlformats.org/drawingml/2006/main" xmlns:r="http://schemas.openxmlformats.org/officeDocument/2006/relationships" xmlns:p="http://schemas.openxmlformats.org/presentationml/2006/main">
+  <p:cSld>
+    <p:spTree>
+      <p:nvGrpSpPr>
+        <p:cNvPr id="1" name=""/>
+        <p:cNvGrpSpPr/>
+        <p:nvPr/>
+      </p:nvGrpSpPr>
+      <p:grpSpPr>
+        <a:xfrm>
+          <a:off x="0" y="0"/>
+          <a:ext cx="0" cy="0"/>
+          <a:chOff x="0" y="0"/>
+          <a:chExt cx="0" cy="0"/>
+        </a:xfrm>
+      </p:grpSpPr>
+      <p:sp>
+        <p:nvSpPr>
+          <p:cNvPr id="2" name="Titel 1"/>
+          <p:cNvSpPr>
+            <a:spLocks noGrp="1"/>
+          </p:cNvSpPr>
+          <p:nvPr>
+            <p:ph type="title"/>
+          </p:nvPr>
+        </p:nvSpPr>
+        <p:spPr/>
+        <p:txBody>
+          <a:bodyPr>
+            <a:normAutofit fontScale="90000"/>
+          </a:bodyPr>
+          <a:lstStyle/>
+          <a:p>
+            <a:r>
+              <a:rPr lang="en-US" dirty="0" smtClean="0"/>
+              <a:t>Important Design Patterns (for Java)</a:t>
+            </a:r>
+            <a:endParaRPr lang="en-US" dirty="0"/>
+          </a:p>
+        </p:txBody>
+      </p:sp>
+      <p:sp>
+        <p:nvSpPr>
+          <p:cNvPr id="3" name="Inhaltsplatzhalter 2"/>
+          <p:cNvSpPr>
+            <a:spLocks noGrp="1"/>
+          </p:cNvSpPr>
+          <p:nvPr>
+            <p:ph idx="1"/>
+          </p:nvPr>
+        </p:nvSpPr>
+        <p:spPr>
+          <a:xfrm>
+            <a:off x="457200" y="2249424"/>
+            <a:ext cx="8219256" cy="4325112"/>
+          </a:xfrm>
+        </p:spPr>
+        <p:txBody>
+          <a:bodyPr/>
+          <a:lstStyle/>
+          <a:p>
+            <a:r>
+              <a:rPr lang="en-US" dirty="0" smtClean="0"/>
+              <a:t>Decorator / Wrapper</a:t>
+            </a:r>
+          </a:p>
+          <a:p>
+            <a:pPr lvl="2"/>
+            <a:r>
+              <a:rPr lang="en-US" dirty="0" smtClean="0"/>
+              <a:t>Attach additional responsibilities to an object dynamically</a:t>
+            </a:r>
+            <a:br>
+              <a:rPr lang="en-US" dirty="0" smtClean="0"/>
+            </a:br>
+            <a:r>
+              <a:rPr lang="en-US" dirty="0" smtClean="0"/>
+              <a:t>(not to the whole class)</a:t>
+            </a:r>
+          </a:p>
+          <a:p>
+            <a:pPr lvl="2"/>
+            <a:r>
+              <a:rPr lang="en-US" dirty="0" smtClean="0"/>
+              <a:t>Alternative to </a:t>
+            </a:r>
+            <a:r>
+              <a:rPr lang="en-US" dirty="0" err="1" smtClean="0"/>
+              <a:t>subclassing</a:t>
+            </a:r>
+            <a:endParaRPr lang="en-US" dirty="0" smtClean="0"/>
+          </a:p>
+          <a:p>
+            <a:pPr lvl="2"/>
+            <a:r>
+              <a:rPr lang="en-US" dirty="0" smtClean="0"/>
+              <a:t>Allows nesting, because of recursion and transparency</a:t>
+            </a:r>
+          </a:p>
+        </p:txBody>
+      </p:sp>
+    </p:spTree>
+  </p:cSld>
+  <p:clrMapOvr>
+    <a:masterClrMapping/>
+  </p:clrMapOvr>
+  <p:timing>
+    <p:tnLst>
+      <p:par>
+        <p:cTn id="1" dur="indefinite" restart="never" nodeType="tmRoot"/>
+      </p:par>
+    </p:tnLst>
+  </p:timing>
+</p:sld>
+</file>
+
+<file path=ppt/slides/slide13.xml><?xml version="1.0" encoding="utf-8"?>
+<p:sld xmlns:a="http://schemas.openxmlformats.org/drawingml/2006/main" xmlns:r="http://schemas.openxmlformats.org/officeDocument/2006/relationships" xmlns:p="http://schemas.openxmlformats.org/presentationml/2006/main">
+  <p:cSld>
+    <p:spTree>
+      <p:nvGrpSpPr>
+        <p:cNvPr id="1" name=""/>
+        <p:cNvGrpSpPr/>
+        <p:nvPr/>
+      </p:nvGrpSpPr>
+      <p:grpSpPr>
+        <a:xfrm>
+          <a:off x="0" y="0"/>
+          <a:ext cx="0" cy="0"/>
+          <a:chOff x="0" y="0"/>
+          <a:chExt cx="0" cy="0"/>
+        </a:xfrm>
+      </p:grpSpPr>
+      <p:sp>
+        <p:nvSpPr>
+          <p:cNvPr id="2" name="Titel 1"/>
+          <p:cNvSpPr>
+            <a:spLocks noGrp="1"/>
+          </p:cNvSpPr>
+          <p:nvPr>
+            <p:ph type="title"/>
+          </p:nvPr>
+        </p:nvSpPr>
+        <p:spPr/>
+        <p:txBody>
+          <a:bodyPr>
+            <a:normAutofit fontScale="90000"/>
+          </a:bodyPr>
+          <a:lstStyle/>
+          <a:p>
+            <a:r>
+              <a:rPr lang="en-US" dirty="0" smtClean="0"/>
+              <a:t>Important Design Patterns (for Java)</a:t>
+            </a:r>
+            <a:endParaRPr lang="en-US" dirty="0"/>
+          </a:p>
+        </p:txBody>
+      </p:sp>
+      <p:pic>
+        <p:nvPicPr>
+          <p:cNvPr id="29699" name="Picture 3"/>
+          <p:cNvPicPr>
+            <a:picLocks noChangeAspect="1" noChangeArrowheads="1"/>
+          </p:cNvPicPr>
+          <p:nvPr/>
+        </p:nvPicPr>
+        <p:blipFill>
+          <a:blip r:embed="rId2" cstate="print"/>
+          <a:srcRect/>
+          <a:stretch>
+            <a:fillRect/>
+          </a:stretch>
+        </p:blipFill>
+        <p:spPr bwMode="auto">
+          <a:xfrm>
+            <a:off x="393898" y="2257772"/>
+            <a:ext cx="8210550" cy="3619500"/>
+          </a:xfrm>
+          <a:prstGeom prst="rect">
+            <a:avLst/>
+          </a:prstGeom>
+          <a:noFill/>
+          <a:ln w="9525">
+            <a:noFill/>
+            <a:miter lim="800000"/>
+            <a:headEnd/>
+            <a:tailEnd/>
+          </a:ln>
+        </p:spPr>
+      </p:pic>
+    </p:spTree>
+  </p:cSld>
+  <p:clrMapOvr>
+    <a:masterClrMapping/>
+  </p:clrMapOvr>
+  <p:timing>
+    <p:tnLst>
+      <p:par>
+        <p:cTn id="1" dur="indefinite" restart="never" nodeType="tmRoot"/>
+      </p:par>
+    </p:tnLst>
+  </p:timing>
+</p:sld>
+</file>
+
+<file path=ppt/slides/slide14.xml><?xml version="1.0" encoding="utf-8"?>
+<p:sld xmlns:a="http://schemas.openxmlformats.org/drawingml/2006/main" xmlns:r="http://schemas.openxmlformats.org/officeDocument/2006/relationships" xmlns:p="http://schemas.openxmlformats.org/presentationml/2006/main">
+  <p:cSld>
+    <p:spTree>
+      <p:nvGrpSpPr>
+        <p:cNvPr id="1" name=""/>
+        <p:cNvGrpSpPr/>
+        <p:nvPr/>
+      </p:nvGrpSpPr>
+      <p:grpSpPr>
+        <a:xfrm>
+          <a:off x="0" y="0"/>
+          <a:ext cx="0" cy="0"/>
+          <a:chOff x="0" y="0"/>
+          <a:chExt cx="0" cy="0"/>
+        </a:xfrm>
+      </p:grpSpPr>
+      <p:sp>
+        <p:nvSpPr>
+          <p:cNvPr id="6" name="Titel 5"/>
+          <p:cNvSpPr>
+            <a:spLocks noGrp="1"/>
+          </p:cNvSpPr>
+          <p:nvPr>
+            <p:ph type="title"/>
+          </p:nvPr>
+        </p:nvSpPr>
+        <p:spPr/>
+        <p:txBody>
+          <a:bodyPr/>
+          <a:lstStyle/>
+          <a:p>
+            <a:endParaRPr lang="de-DE"/>
+          </a:p>
+        </p:txBody>
+      </p:sp>
+      <p:sp>
+        <p:nvSpPr>
+          <p:cNvPr id="7" name="Inhaltsplatzhalter 6"/>
+          <p:cNvSpPr>
+            <a:spLocks noGrp="1"/>
+          </p:cNvSpPr>
+          <p:nvPr>
+            <p:ph idx="1"/>
+          </p:nvPr>
+        </p:nvSpPr>
+        <p:spPr/>
+        <p:txBody>
+          <a:bodyPr/>
+          <a:lstStyle/>
+          <a:p>
+            <a:endParaRPr lang="de-DE" dirty="0"/>
+          </a:p>
+        </p:txBody>
+      </p:sp>
+      <p:sp>
+        <p:nvSpPr>
+          <p:cNvPr id="9" name="Rechteck 8"/>
+          <p:cNvSpPr/>
+          <p:nvPr/>
+        </p:nvSpPr>
+        <p:spPr>
+          <a:xfrm>
+            <a:off x="0" y="0"/>
+            <a:ext cx="9144000" cy="6858000"/>
+          </a:xfrm>
+          <a:prstGeom prst="rect">
+            <a:avLst/>
+          </a:prstGeom>
+          <a:solidFill>
+            <a:schemeClr val="tx1"/>
+          </a:solidFill>
+          <a:ln>
+            <a:solidFill>
+              <a:schemeClr val="tx1"/>
+            </a:solidFill>
+          </a:ln>
+        </p:spPr>
+        <p:style>
+          <a:lnRef idx="2">
+            <a:schemeClr val="accent1">
+              <a:shade val="50000"/>
+            </a:schemeClr>
+          </a:lnRef>
+          <a:fillRef idx="1">
+            <a:schemeClr val="accent1"/>
+          </a:fillRef>
+          <a:effectRef idx="0">
+            <a:schemeClr val="accent1"/>
+          </a:effectRef>
+          <a:fontRef idx="minor">
+            <a:schemeClr val="lt1"/>
+          </a:fontRef>
+        </p:style>
+        <p:txBody>
+          <a:bodyPr rtlCol="0" anchor="ctr"/>
+          <a:lstStyle/>
+          <a:p>
+            <a:pPr algn="ctr"/>
+            <a:endParaRPr lang="de-DE"/>
+          </a:p>
+        </p:txBody>
+      </p:sp>
+      <p:pic>
+        <p:nvPicPr>
+          <p:cNvPr id="30722" name="Picture 2"/>
+          <p:cNvPicPr>
+            <a:picLocks noChangeAspect="1" noChangeArrowheads="1"/>
+          </p:cNvPicPr>
+          <p:nvPr/>
+        </p:nvPicPr>
+        <p:blipFill>
+          <a:blip r:embed="rId2" cstate="print"/>
+          <a:srcRect/>
+          <a:stretch>
+            <a:fillRect/>
+          </a:stretch>
+        </p:blipFill>
+        <p:spPr bwMode="auto">
+          <a:xfrm>
+            <a:off x="354807" y="260648"/>
+            <a:ext cx="2628900" cy="600075"/>
+          </a:xfrm>
+          <a:prstGeom prst="rect">
+            <a:avLst/>
+          </a:prstGeom>
+          <a:noFill/>
+          <a:ln w="9525">
+            <a:noFill/>
+            <a:miter lim="800000"/>
+            <a:headEnd/>
+            <a:tailEnd/>
+          </a:ln>
+        </p:spPr>
+      </p:pic>
+      <p:pic>
+        <p:nvPicPr>
+          <p:cNvPr id="30723" name="Picture 3"/>
+          <p:cNvPicPr>
+            <a:picLocks noChangeAspect="1" noChangeArrowheads="1"/>
+          </p:cNvPicPr>
+          <p:nvPr/>
+        </p:nvPicPr>
+        <p:blipFill>
+          <a:blip r:embed="rId3" cstate="print"/>
+          <a:srcRect/>
+          <a:stretch>
+            <a:fillRect/>
+          </a:stretch>
+        </p:blipFill>
+        <p:spPr bwMode="auto">
+          <a:xfrm>
+            <a:off x="323528" y="1340768"/>
+            <a:ext cx="2695575" cy="1333500"/>
+          </a:xfrm>
+          <a:prstGeom prst="rect">
+            <a:avLst/>
+          </a:prstGeom>
+          <a:noFill/>
+          <a:ln w="9525">
+            <a:noFill/>
+            <a:miter lim="800000"/>
+            <a:headEnd/>
+            <a:tailEnd/>
+          </a:ln>
+        </p:spPr>
+      </p:pic>
+      <p:pic>
+        <p:nvPicPr>
+          <p:cNvPr id="30724" name="Picture 4"/>
+          <p:cNvPicPr>
+            <a:picLocks noChangeAspect="1" noChangeArrowheads="1"/>
+          </p:cNvPicPr>
+          <p:nvPr/>
+        </p:nvPicPr>
+        <p:blipFill>
+          <a:blip r:embed="rId4" cstate="print"/>
+          <a:srcRect/>
+          <a:stretch>
+            <a:fillRect/>
+          </a:stretch>
+        </p:blipFill>
+        <p:spPr bwMode="auto">
+          <a:xfrm>
+            <a:off x="3995936" y="332656"/>
+            <a:ext cx="4057650" cy="2381250"/>
+          </a:xfrm>
+          <a:prstGeom prst="rect">
+            <a:avLst/>
+          </a:prstGeom>
+          <a:noFill/>
+          <a:ln w="9525">
+            <a:noFill/>
+            <a:miter lim="800000"/>
+            <a:headEnd/>
+            <a:tailEnd/>
+          </a:ln>
+        </p:spPr>
+      </p:pic>
+      <p:pic>
+        <p:nvPicPr>
+          <p:cNvPr id="30725" name="Picture 5"/>
+          <p:cNvPicPr>
+            <a:picLocks noChangeAspect="1" noChangeArrowheads="1"/>
+          </p:cNvPicPr>
+          <p:nvPr/>
+        </p:nvPicPr>
+        <p:blipFill>
+          <a:blip r:embed="rId5" cstate="print"/>
+          <a:srcRect/>
+          <a:stretch>
+            <a:fillRect/>
+          </a:stretch>
+        </p:blipFill>
+        <p:spPr bwMode="auto">
+          <a:xfrm>
+            <a:off x="773807" y="3501008"/>
+            <a:ext cx="4086225" cy="3257550"/>
+          </a:xfrm>
+          <a:prstGeom prst="rect">
+            <a:avLst/>
+          </a:prstGeom>
+          <a:noFill/>
+          <a:ln w="9525">
+            <a:noFill/>
+            <a:miter lim="800000"/>
+            <a:headEnd/>
+            <a:tailEnd/>
+          </a:ln>
+        </p:spPr>
+      </p:pic>
+      <p:pic>
+        <p:nvPicPr>
+          <p:cNvPr id="30726" name="Picture 6"/>
+          <p:cNvPicPr>
+            <a:picLocks noChangeAspect="1" noChangeArrowheads="1"/>
+          </p:cNvPicPr>
+          <p:nvPr/>
+        </p:nvPicPr>
+        <p:blipFill>
+          <a:blip r:embed="rId6" cstate="print"/>
+          <a:srcRect/>
+          <a:stretch>
+            <a:fillRect/>
+          </a:stretch>
+        </p:blipFill>
+        <p:spPr bwMode="auto">
+          <a:xfrm>
+            <a:off x="5076056" y="3501008"/>
+            <a:ext cx="3895725" cy="3238500"/>
+          </a:xfrm>
+          <a:prstGeom prst="rect">
+            <a:avLst/>
+          </a:prstGeom>
+          <a:noFill/>
+          <a:ln w="9525">
+            <a:noFill/>
+            <a:miter lim="800000"/>
+            <a:headEnd/>
+            <a:tailEnd/>
+          </a:ln>
+        </p:spPr>
+      </p:pic>
+      <p:cxnSp>
+        <p:nvCxnSpPr>
+          <p:cNvPr id="14" name="Gerade Verbindung mit Pfeil 13"/>
+          <p:cNvCxnSpPr>
+            <a:stCxn id="30723" idx="0"/>
+            <a:endCxn id="30722" idx="2"/>
+          </p:cNvCxnSpPr>
+          <p:nvPr/>
+        </p:nvCxnSpPr>
+        <p:spPr>
+          <a:xfrm flipH="1" flipV="1">
+            <a:off x="1669257" y="860723"/>
+            <a:ext cx="2059" cy="480045"/>
+          </a:xfrm>
+          <a:prstGeom prst="straightConnector1">
+            <a:avLst/>
+          </a:prstGeom>
+          <a:ln w="38100">
+            <a:solidFill>
+              <a:schemeClr val="bg1"/>
+            </a:solidFill>
+            <a:headEnd type="none" w="med" len="med"/>
+            <a:tailEnd type="triangle" w="med" len="med"/>
+          </a:ln>
+        </p:spPr>
+        <p:style>
+          <a:lnRef idx="1">
+            <a:schemeClr val="accent1"/>
+          </a:lnRef>
+          <a:fillRef idx="0">
+            <a:schemeClr val="accent1"/>
+          </a:fillRef>
+          <a:effectRef idx="0">
+            <a:schemeClr val="accent1"/>
+          </a:effectRef>
+          <a:fontRef idx="minor">
+            <a:schemeClr val="tx1"/>
+          </a:fontRef>
+        </p:style>
+      </p:cxnSp>
+      <p:cxnSp>
+        <p:nvCxnSpPr>
+          <p:cNvPr id="17" name="Gerade Verbindung mit Pfeil 16"/>
+          <p:cNvCxnSpPr>
+            <a:stCxn id="30724" idx="1"/>
+            <a:endCxn id="30722" idx="3"/>
+          </p:cNvCxnSpPr>
+          <p:nvPr/>
+        </p:nvCxnSpPr>
+        <p:spPr>
+          <a:xfrm flipH="1" flipV="1">
+            <a:off x="2983707" y="560686"/>
+            <a:ext cx="1012229" cy="962595"/>
+          </a:xfrm>
+          <a:prstGeom prst="straightConnector1">
+            <a:avLst/>
+          </a:prstGeom>
+          <a:ln w="38100">
+            <a:solidFill>
+              <a:schemeClr val="bg1"/>
+            </a:solidFill>
+            <a:headEnd type="none" w="med" len="med"/>
+            <a:tailEnd type="triangle" w="med" len="med"/>
+          </a:ln>
+        </p:spPr>
+        <p:style>
+          <a:lnRef idx="1">
+            <a:schemeClr val="accent1"/>
+          </a:lnRef>
+          <a:fillRef idx="0">
+            <a:schemeClr val="accent1"/>
+          </a:fillRef>
+          <a:effectRef idx="0">
+            <a:schemeClr val="accent1"/>
+          </a:effectRef>
+          <a:fontRef idx="minor">
+            <a:schemeClr val="tx1"/>
+          </a:fontRef>
+        </p:style>
+      </p:cxnSp>
+      <p:cxnSp>
+        <p:nvCxnSpPr>
+          <p:cNvPr id="22" name="Gewinkelte Verbindung 21"/>
+          <p:cNvCxnSpPr>
+            <a:stCxn id="30724" idx="2"/>
+            <a:endCxn id="30725" idx="0"/>
+          </p:cNvCxnSpPr>
+          <p:nvPr/>
+        </p:nvCxnSpPr>
+        <p:spPr>
+          <a:xfrm rot="5400000">
+            <a:off x="4027290" y="1503537"/>
+            <a:ext cx="787102" cy="3207841"/>
+          </a:xfrm>
+          <a:prstGeom prst="bentConnector3">
+            <a:avLst>
+              <a:gd name="adj1" fmla="val 50000"/>
+            </a:avLst>
+          </a:prstGeom>
+          <a:ln w="38100">
+            <a:solidFill>
+              <a:schemeClr val="bg1"/>
+            </a:solidFill>
+            <a:headEnd type="triangle" w="med" len="med"/>
+            <a:tailEnd type="none" w="med" len="med"/>
+          </a:ln>
+        </p:spPr>
+        <p:style>
+          <a:lnRef idx="1">
+            <a:schemeClr val="accent1"/>
+          </a:lnRef>
+          <a:fillRef idx="0">
+            <a:schemeClr val="accent1"/>
+          </a:fillRef>
+          <a:effectRef idx="0">
+            <a:schemeClr val="accent1"/>
+          </a:effectRef>
+          <a:fontRef idx="minor">
+            <a:schemeClr val="tx1"/>
+          </a:fontRef>
+        </p:style>
+      </p:cxnSp>
+      <p:cxnSp>
+        <p:nvCxnSpPr>
+          <p:cNvPr id="25" name="Gewinkelte Verbindung 24"/>
+          <p:cNvCxnSpPr>
+            <a:stCxn id="30724" idx="2"/>
+            <a:endCxn id="30726" idx="0"/>
+          </p:cNvCxnSpPr>
+          <p:nvPr/>
+        </p:nvCxnSpPr>
+        <p:spPr>
+          <a:xfrm rot="16200000" flipH="1">
+            <a:off x="6130789" y="2607878"/>
+            <a:ext cx="787102" cy="999158"/>
+          </a:xfrm>
+          <a:prstGeom prst="bentConnector3">
+            <a:avLst>
+              <a:gd name="adj1" fmla="val 50000"/>
+            </a:avLst>
+          </a:prstGeom>
+          <a:ln w="38100">
+            <a:solidFill>
+              <a:schemeClr val="bg1"/>
+            </a:solidFill>
+            <a:headEnd type="triangle" w="med" len="med"/>
+            <a:tailEnd type="none" w="med" len="med"/>
+          </a:ln>
+        </p:spPr>
+        <p:style>
+          <a:lnRef idx="1">
+            <a:schemeClr val="accent1"/>
+          </a:lnRef>
+          <a:fillRef idx="0">
+            <a:schemeClr val="accent1"/>
+          </a:fillRef>
+          <a:effectRef idx="0">
+            <a:schemeClr val="accent1"/>
+          </a:effectRef>
+          <a:fontRef idx="minor">
+            <a:schemeClr val="tx1"/>
+          </a:fontRef>
+        </p:style>
+      </p:cxnSp>
+      <p:pic>
+        <p:nvPicPr>
+          <p:cNvPr id="30727" name="Picture 7"/>
+          <p:cNvPicPr>
+            <a:picLocks noChangeAspect="1" noChangeArrowheads="1"/>
+          </p:cNvPicPr>
+          <p:nvPr/>
+        </p:nvPicPr>
+        <p:blipFill>
+          <a:blip r:embed="rId7" cstate="print"/>
+          <a:srcRect/>
+          <a:stretch>
+            <a:fillRect/>
+          </a:stretch>
+        </p:blipFill>
+        <p:spPr bwMode="auto">
+          <a:xfrm>
+            <a:off x="1945705" y="1970534"/>
+            <a:ext cx="5252591" cy="2916932"/>
+          </a:xfrm>
+          <a:prstGeom prst="rect">
+            <a:avLst/>
+          </a:prstGeom>
+          <a:solidFill>
+            <a:srgbClr val="000000">
+              <a:shade val="95000"/>
+            </a:srgbClr>
+          </a:solidFill>
+          <a:ln w="1016000" cap="sq" cmpd="sng">
+            <a:solidFill>
+              <a:srgbClr val="000000"/>
+            </a:solidFill>
+            <a:prstDash val="solid"/>
+            <a:miter lim="800000"/>
+          </a:ln>
+          <a:effectLst>
+            <a:outerShdw blurRad="254000" dist="190500" dir="2700000" algn="bl" rotWithShape="0">
+              <a:srgbClr val="000000">
+                <a:alpha val="40000"/>
+              </a:srgbClr>
+            </a:outerShdw>
+          </a:effectLst>
+        </p:spPr>
+      </p:pic>
+    </p:spTree>
+  </p:cSld>
+  <p:clrMapOvr>
+    <a:masterClrMapping/>
+  </p:clrMapOvr>
+  <p:timing>
+    <p:tnLst>
+      <p:par>
+        <p:cTn id="1" dur="indefinite" restart="never" nodeType="tmRoot">
+          <p:childTnLst>
+            <p:seq concurrent="1" nextAc="seek">
+              <p:cTn id="2" dur="indefinite" nodeType="mainSeq">
+                <p:childTnLst>
+                  <p:par>
+                    <p:cTn id="3" fill="hold">
+                      <p:stCondLst>
+                        <p:cond delay="indefinite"/>
+                      </p:stCondLst>
+                      <p:childTnLst>
+                        <p:par>
+                          <p:cTn id="4" fill="hold">
+                            <p:stCondLst>
+                              <p:cond delay="0"/>
+                            </p:stCondLst>
+                            <p:childTnLst>
+                              <p:par>
+                                <p:cTn id="5" presetID="1" presetClass="entr" presetSubtype="0" fill="hold" nodeType="clickEffect">
+                                  <p:stCondLst>
+                                    <p:cond delay="0"/>
+                                  </p:stCondLst>
+                                  <p:childTnLst>
+                                    <p:set>
+                                      <p:cBhvr>
+                                        <p:cTn id="6" dur="1" fill="hold">
+                                          <p:stCondLst>
+                                            <p:cond delay="0"/>
+                                          </p:stCondLst>
+                                        </p:cTn>
+                                        <p:tgtEl>
+                                          <p:spTgt spid="30727"/>
+                                        </p:tgtEl>
+                                        <p:attrNameLst>
+                                          <p:attrName>style.visibility</p:attrName>
+                                        </p:attrNameLst>
+                                      </p:cBhvr>
+                                      <p:to>
+                                        <p:strVal val="visible"/>
+                                      </p:to>
+                                    </p:set>
+                                  </p:childTnLst>
+                                </p:cTn>
+                              </p:par>
+                            </p:childTnLst>
+                          </p:cTn>
+                        </p:par>
+                      </p:childTnLst>
+                    </p:cTn>
+                  </p:par>
+                </p:childTnLst>
+              </p:cTn>
+              <p:prevCondLst>
+                <p:cond evt="onPrev" delay="0">
+                  <p:tgtEl>
+                    <p:sldTgt/>
+                  </p:tgtEl>
+                </p:cond>
+              </p:prevCondLst>
+              <p:nextCondLst>
+                <p:cond evt="onNext" delay="0">
+                  <p:tgtEl>
+                    <p:sldTgt/>
+                  </p:tgtEl>
+                </p:cond>
+              </p:nextCondLst>
+            </p:seq>
+          </p:childTnLst>
+        </p:cTn>
+      </p:par>
+    </p:tnLst>
+  </p:timing>
+</p:sld>
+</file>
+
+<file path=ppt/slides/slide15.xml><?xml version="1.0" encoding="utf-8"?>
+<p:sld xmlns:a="http://schemas.openxmlformats.org/drawingml/2006/main" xmlns:r="http://schemas.openxmlformats.org/officeDocument/2006/relationships" xmlns:p="http://schemas.openxmlformats.org/presentationml/2006/main">
+  <p:cSld>
+    <p:spTree>
+      <p:nvGrpSpPr>
+        <p:cNvPr id="1" name=""/>
+        <p:cNvGrpSpPr/>
+        <p:nvPr/>
+      </p:nvGrpSpPr>
+      <p:grpSpPr>
+        <a:xfrm>
+          <a:off x="0" y="0"/>
+          <a:ext cx="0" cy="0"/>
+          <a:chOff x="0" y="0"/>
+          <a:chExt cx="0" cy="0"/>
+        </a:xfrm>
+      </p:grpSpPr>
+      <p:sp>
+        <p:nvSpPr>
+          <p:cNvPr id="2" name="Titel 1"/>
+          <p:cNvSpPr>
+            <a:spLocks noGrp="1"/>
+          </p:cNvSpPr>
+          <p:nvPr>
+            <p:ph type="title"/>
+          </p:nvPr>
+        </p:nvSpPr>
+        <p:spPr/>
+        <p:txBody>
+          <a:bodyPr>
+            <a:normAutofit fontScale="90000"/>
+          </a:bodyPr>
+          <a:lstStyle/>
+          <a:p>
+            <a:r>
+              <a:rPr lang="en-US" dirty="0" smtClean="0"/>
+              <a:t>Important Design Patterns (for Java)</a:t>
+            </a:r>
+            <a:endParaRPr lang="en-US" dirty="0"/>
+          </a:p>
+        </p:txBody>
+      </p:sp>
+      <p:sp>
+        <p:nvSpPr>
+          <p:cNvPr id="3" name="Inhaltsplatzhalter 2"/>
+          <p:cNvSpPr>
+            <a:spLocks noGrp="1"/>
+          </p:cNvSpPr>
+          <p:nvPr>
+            <p:ph idx="1"/>
+          </p:nvPr>
+        </p:nvSpPr>
+        <p:spPr>
+          <a:xfrm>
+            <a:off x="457200" y="2249424"/>
+            <a:ext cx="4906888" cy="4325112"/>
+          </a:xfrm>
+        </p:spPr>
+        <p:txBody>
+          <a:bodyPr/>
+          <a:lstStyle/>
+          <a:p>
+            <a:r>
+              <a:rPr lang="en-US" dirty="0" smtClean="0"/>
+              <a:t>Memento / Token</a:t>
+            </a:r>
+          </a:p>
+          <a:p>
+            <a:pPr lvl="2"/>
+            <a:r>
+              <a:rPr lang="en-US" dirty="0" smtClean="0"/>
+              <a:t>Capture an object’s internal state to allow restoring this state</a:t>
+            </a:r>
+          </a:p>
+          <a:p>
+            <a:pPr lvl="2"/>
+            <a:r>
+              <a:rPr lang="en-US" dirty="0" smtClean="0"/>
+              <a:t>Therefore it has to be externalized without violating encapsulation</a:t>
+            </a:r>
+          </a:p>
+          <a:p>
+            <a:pPr lvl="2"/>
+            <a:r>
+              <a:rPr lang="en-US" dirty="0" smtClean="0"/>
+              <a:t>Used for: </a:t>
+            </a:r>
+            <a:br>
+              <a:rPr lang="en-US" dirty="0" smtClean="0"/>
+            </a:br>
+            <a:r>
+              <a:rPr lang="en-US" dirty="0" smtClean="0"/>
+              <a:t>Undo mechanisms</a:t>
+            </a:r>
+          </a:p>
+        </p:txBody>
+      </p:sp>
+      <p:pic>
+        <p:nvPicPr>
+          <p:cNvPr id="31746" name="Picture 2" descr="Memento Pattern UML Diagram"/>
+          <p:cNvPicPr>
+            <a:picLocks noChangeAspect="1" noChangeArrowheads="1"/>
+          </p:cNvPicPr>
+          <p:nvPr/>
+        </p:nvPicPr>
+        <p:blipFill>
+          <a:blip r:embed="rId2" cstate="print"/>
+          <a:srcRect l="33750" t="1961"/>
+          <a:stretch>
+            <a:fillRect/>
+          </a:stretch>
+        </p:blipFill>
+        <p:spPr bwMode="auto">
+          <a:xfrm>
+            <a:off x="5224474" y="2348880"/>
+            <a:ext cx="3784646" cy="3600400"/>
+          </a:xfrm>
+          <a:prstGeom prst="rect">
+            <a:avLst/>
+          </a:prstGeom>
+          <a:noFill/>
+        </p:spPr>
+      </p:pic>
+    </p:spTree>
+  </p:cSld>
+  <p:clrMapOvr>
+    <a:masterClrMapping/>
+  </p:clrMapOvr>
+  <p:timing>
+    <p:tnLst>
+      <p:par>
+        <p:cTn id="1" dur="indefinite" restart="never" nodeType="tmRoot"/>
+      </p:par>
+    </p:tnLst>
+  </p:timing>
+</p:sld>
+</file>
+
+<file path=ppt/slides/slide16.xml><?xml version="1.0" encoding="utf-8"?>
+<p:sld xmlns:a="http://schemas.openxmlformats.org/drawingml/2006/main" xmlns:r="http://schemas.openxmlformats.org/officeDocument/2006/relationships" xmlns:p="http://schemas.openxmlformats.org/presentationml/2006/main">
+  <p:cSld>
+    <p:spTree>
+      <p:nvGrpSpPr>
+        <p:cNvPr id="1" name=""/>
+        <p:cNvGrpSpPr/>
+        <p:nvPr/>
+      </p:nvGrpSpPr>
+      <p:grpSpPr>
+        <a:xfrm>
+          <a:off x="0" y="0"/>
+          <a:ext cx="0" cy="0"/>
+          <a:chOff x="0" y="0"/>
+          <a:chExt cx="0" cy="0"/>
+        </a:xfrm>
+      </p:grpSpPr>
+      <p:sp>
+        <p:nvSpPr>
+          <p:cNvPr id="6" name="Titel 5"/>
+          <p:cNvSpPr>
+            <a:spLocks noGrp="1"/>
+          </p:cNvSpPr>
+          <p:nvPr>
+            <p:ph type="title"/>
+          </p:nvPr>
+        </p:nvSpPr>
+        <p:spPr/>
+        <p:txBody>
+          <a:bodyPr/>
+          <a:lstStyle/>
+          <a:p>
+            <a:endParaRPr lang="de-DE"/>
+          </a:p>
+        </p:txBody>
+      </p:sp>
+      <p:sp>
+        <p:nvSpPr>
+          <p:cNvPr id="7" name="Inhaltsplatzhalter 6"/>
+          <p:cNvSpPr>
+            <a:spLocks noGrp="1"/>
+          </p:cNvSpPr>
+          <p:nvPr>
+            <p:ph idx="1"/>
+          </p:nvPr>
+        </p:nvSpPr>
+        <p:spPr/>
+        <p:txBody>
+          <a:bodyPr/>
+          <a:lstStyle/>
+          <a:p>
+            <a:endParaRPr lang="de-DE" dirty="0"/>
+          </a:p>
+        </p:txBody>
+      </p:sp>
+      <p:sp>
+        <p:nvSpPr>
+          <p:cNvPr id="9" name="Rechteck 8"/>
+          <p:cNvSpPr/>
+          <p:nvPr/>
+        </p:nvSpPr>
+        <p:spPr>
+          <a:xfrm>
+            <a:off x="0" y="0"/>
+            <a:ext cx="9144000" cy="6858000"/>
+          </a:xfrm>
+          <a:prstGeom prst="rect">
+            <a:avLst/>
+          </a:prstGeom>
+          <a:solidFill>
+            <a:schemeClr val="tx1"/>
+          </a:solidFill>
+          <a:ln>
+            <a:solidFill>
+              <a:schemeClr val="tx1"/>
+            </a:solidFill>
+          </a:ln>
+        </p:spPr>
+        <p:style>
+          <a:lnRef idx="2">
+            <a:schemeClr val="accent1">
+              <a:shade val="50000"/>
+            </a:schemeClr>
+          </a:lnRef>
+          <a:fillRef idx="1">
+            <a:schemeClr val="accent1"/>
+          </a:fillRef>
+          <a:effectRef idx="0">
+            <a:schemeClr val="accent1"/>
+          </a:effectRef>
+          <a:fontRef idx="minor">
+            <a:schemeClr val="lt1"/>
+          </a:fontRef>
+        </p:style>
+        <p:txBody>
+          <a:bodyPr rtlCol="0" anchor="ctr"/>
+          <a:lstStyle/>
+          <a:p>
+            <a:pPr algn="ctr"/>
+            <a:endParaRPr lang="de-DE"/>
+          </a:p>
+        </p:txBody>
+      </p:sp>
+      <p:pic>
+        <p:nvPicPr>
+          <p:cNvPr id="33794" name="Picture 2"/>
+          <p:cNvPicPr>
+            <a:picLocks noChangeAspect="1" noChangeArrowheads="1"/>
+          </p:cNvPicPr>
+          <p:nvPr/>
+        </p:nvPicPr>
+        <p:blipFill>
+          <a:blip r:embed="rId2" cstate="print"/>
+          <a:srcRect/>
+          <a:stretch>
+            <a:fillRect/>
+          </a:stretch>
+        </p:blipFill>
+        <p:spPr bwMode="auto">
+          <a:xfrm>
+            <a:off x="4888185" y="908720"/>
+            <a:ext cx="2924175" cy="2238375"/>
+          </a:xfrm>
+          <a:prstGeom prst="rect">
+            <a:avLst/>
+          </a:prstGeom>
+          <a:noFill/>
+          <a:ln w="9525">
+            <a:noFill/>
+            <a:miter lim="800000"/>
+            <a:headEnd/>
+            <a:tailEnd/>
+          </a:ln>
+        </p:spPr>
+      </p:pic>
+      <p:pic>
+        <p:nvPicPr>
+          <p:cNvPr id="33795" name="Picture 3"/>
+          <p:cNvPicPr>
+            <a:picLocks noChangeAspect="1" noChangeArrowheads="1"/>
+          </p:cNvPicPr>
+          <p:nvPr/>
+        </p:nvPicPr>
+        <p:blipFill>
+          <a:blip r:embed="rId3" cstate="print"/>
+          <a:srcRect/>
+          <a:stretch>
+            <a:fillRect/>
+          </a:stretch>
+        </p:blipFill>
+        <p:spPr bwMode="auto">
+          <a:xfrm>
+            <a:off x="107504" y="116632"/>
+            <a:ext cx="3962400" cy="3838575"/>
+          </a:xfrm>
+          <a:prstGeom prst="rect">
+            <a:avLst/>
+          </a:prstGeom>
+          <a:noFill/>
+          <a:ln w="9525">
+            <a:noFill/>
+            <a:miter lim="800000"/>
+            <a:headEnd/>
+            <a:tailEnd/>
+          </a:ln>
+        </p:spPr>
+      </p:pic>
+      <p:pic>
+        <p:nvPicPr>
+          <p:cNvPr id="33796" name="Picture 4"/>
+          <p:cNvPicPr>
+            <a:picLocks noChangeAspect="1" noChangeArrowheads="1"/>
+          </p:cNvPicPr>
+          <p:nvPr/>
+        </p:nvPicPr>
+        <p:blipFill>
+          <a:blip r:embed="rId4" cstate="print"/>
+          <a:srcRect/>
+          <a:stretch>
+            <a:fillRect/>
+          </a:stretch>
+        </p:blipFill>
+        <p:spPr bwMode="auto">
+          <a:xfrm>
+            <a:off x="3947864" y="4221088"/>
+            <a:ext cx="4800600" cy="2228850"/>
+          </a:xfrm>
+          <a:prstGeom prst="rect">
+            <a:avLst/>
+          </a:prstGeom>
+          <a:noFill/>
+          <a:ln w="9525">
+            <a:noFill/>
+            <a:miter lim="800000"/>
+            <a:headEnd/>
+            <a:tailEnd/>
+          </a:ln>
+        </p:spPr>
+      </p:pic>
+      <p:pic>
+        <p:nvPicPr>
+          <p:cNvPr id="33797" name="Picture 5"/>
+          <p:cNvPicPr>
+            <a:picLocks noChangeAspect="1" noChangeArrowheads="1"/>
+          </p:cNvPicPr>
+          <p:nvPr/>
+        </p:nvPicPr>
+        <p:blipFill>
+          <a:blip r:embed="rId5" cstate="print"/>
+          <a:srcRect/>
+          <a:stretch>
+            <a:fillRect/>
+          </a:stretch>
+        </p:blipFill>
+        <p:spPr bwMode="auto">
+          <a:xfrm>
+            <a:off x="1762125" y="904875"/>
+            <a:ext cx="5619750" cy="5048250"/>
+          </a:xfrm>
+          <a:prstGeom prst="rect">
+            <a:avLst/>
+          </a:prstGeom>
+          <a:solidFill>
+            <a:srgbClr val="000000">
+              <a:shade val="95000"/>
+            </a:srgbClr>
+          </a:solidFill>
+          <a:ln w="1905000" cap="sq">
+            <a:solidFill>
+              <a:srgbClr val="000000"/>
+            </a:solidFill>
+            <a:miter lim="800000"/>
+          </a:ln>
+          <a:effectLst>
+            <a:outerShdw blurRad="254000" dist="190500" dir="2700000" sy="90000" algn="bl" rotWithShape="0">
+              <a:srgbClr val="000000">
+                <a:alpha val="40000"/>
+              </a:srgbClr>
+            </a:outerShdw>
+          </a:effectLst>
+        </p:spPr>
+      </p:pic>
+      <p:cxnSp>
+        <p:nvCxnSpPr>
+          <p:cNvPr id="20" name="Gerade Verbindung mit Pfeil 19"/>
+          <p:cNvCxnSpPr>
+            <a:stCxn id="33794" idx="1"/>
+            <a:endCxn id="33795" idx="3"/>
+          </p:cNvCxnSpPr>
+          <p:nvPr/>
+        </p:nvCxnSpPr>
+        <p:spPr>
+          <a:xfrm flipH="1">
+            <a:off x="4069904" y="2027908"/>
+            <a:ext cx="818281" cy="8012"/>
+          </a:xfrm>
+          <a:prstGeom prst="straightConnector1">
+            <a:avLst/>
+          </a:prstGeom>
+          <a:ln w="19050">
+            <a:solidFill>
+              <a:schemeClr val="bg1"/>
+            </a:solidFill>
+            <a:prstDash val="dash"/>
+            <a:headEnd type="arrow" w="med" len="med"/>
+            <a:tailEnd type="none" w="med" len="med"/>
+          </a:ln>
+        </p:spPr>
+        <p:style>
+          <a:lnRef idx="1">
+            <a:schemeClr val="accent1"/>
+          </a:lnRef>
+          <a:fillRef idx="0">
+            <a:schemeClr val="accent1"/>
+          </a:fillRef>
+          <a:effectRef idx="0">
+            <a:schemeClr val="accent1"/>
+          </a:effectRef>
+          <a:fontRef idx="minor">
+            <a:schemeClr val="tx1"/>
+          </a:fontRef>
+        </p:style>
+      </p:cxnSp>
+      <p:cxnSp>
+        <p:nvCxnSpPr>
+          <p:cNvPr id="21" name="Gerade Verbindung mit Pfeil 20"/>
+          <p:cNvCxnSpPr>
+            <a:stCxn id="33794" idx="2"/>
+            <a:endCxn id="33796" idx="0"/>
+          </p:cNvCxnSpPr>
+          <p:nvPr/>
+        </p:nvCxnSpPr>
+        <p:spPr>
+          <a:xfrm flipH="1">
+            <a:off x="6348164" y="3147095"/>
+            <a:ext cx="2109" cy="1073993"/>
+          </a:xfrm>
+          <a:prstGeom prst="straightConnector1">
+            <a:avLst/>
+          </a:prstGeom>
+          <a:ln w="19050">
+            <a:solidFill>
+              <a:schemeClr val="bg1"/>
+            </a:solidFill>
+            <a:prstDash val="dash"/>
+            <a:headEnd type="arrow" w="med" len="med"/>
+            <a:tailEnd type="none" w="med" len="med"/>
+          </a:ln>
+        </p:spPr>
+        <p:style>
+          <a:lnRef idx="1">
+            <a:schemeClr val="accent1"/>
+          </a:lnRef>
+          <a:fillRef idx="0">
+            <a:schemeClr val="accent1"/>
+          </a:fillRef>
+          <a:effectRef idx="0">
+            <a:schemeClr val="accent1"/>
+          </a:effectRef>
+          <a:fontRef idx="minor">
+            <a:schemeClr val="tx1"/>
+          </a:fontRef>
+        </p:style>
+      </p:cxnSp>
+    </p:spTree>
+  </p:cSld>
+  <p:clrMapOvr>
+    <a:masterClrMapping/>
+  </p:clrMapOvr>
+  <p:timing>
+    <p:tnLst>
+      <p:par>
+        <p:cTn id="1" dur="indefinite" restart="never" nodeType="tmRoot">
+          <p:childTnLst>
+            <p:seq concurrent="1" nextAc="seek">
+              <p:cTn id="2" dur="indefinite" nodeType="mainSeq">
+                <p:childTnLst>
+                  <p:par>
+                    <p:cTn id="3" fill="hold">
+                      <p:stCondLst>
+                        <p:cond delay="indefinite"/>
+                      </p:stCondLst>
+                      <p:childTnLst>
+                        <p:par>
+                          <p:cTn id="4" fill="hold">
+                            <p:stCondLst>
+                              <p:cond delay="0"/>
+                            </p:stCondLst>
+                            <p:childTnLst>
+                              <p:par>
+                                <p:cTn id="5" presetID="1" presetClass="entr" presetSubtype="0" fill="hold" nodeType="clickEffect">
+                                  <p:stCondLst>
+                                    <p:cond delay="0"/>
+                                  </p:stCondLst>
+                                  <p:childTnLst>
+                                    <p:set>
+                                      <p:cBhvr>
+                                        <p:cTn id="6" dur="1" fill="hold">
+                                          <p:stCondLst>
+                                            <p:cond delay="0"/>
+                                          </p:stCondLst>
+                                        </p:cTn>
+                                        <p:tgtEl>
+                                          <p:spTgt spid="33797"/>
+                                        </p:tgtEl>
+                                        <p:attrNameLst>
+                                          <p:attrName>style.visibility</p:attrName>
+                                        </p:attrNameLst>
+                                      </p:cBhvr>
+                                      <p:to>
+                                        <p:strVal val="visible"/>
+                                      </p:to>
+                                    </p:set>
+                                  </p:childTnLst>
+                                </p:cTn>
+                              </p:par>
+                            </p:childTnLst>
+                          </p:cTn>
+                        </p:par>
+                      </p:childTnLst>
+                    </p:cTn>
+                  </p:par>
+                </p:childTnLst>
+              </p:cTn>
+              <p:prevCondLst>
+                <p:cond evt="onPrev" delay="0">
+                  <p:tgtEl>
+                    <p:sldTgt/>
+                  </p:tgtEl>
+                </p:cond>
+              </p:prevCondLst>
+              <p:nextCondLst>
+                <p:cond evt="onNext" delay="0">
+                  <p:tgtEl>
+                    <p:sldTgt/>
+                  </p:tgtEl>
+                </p:cond>
+              </p:nextCondLst>
+            </p:seq>
+          </p:childTnLst>
+        </p:cTn>
+      </p:par>
+    </p:tnLst>
+  </p:timing>
+</p:sld>
+</file>
+
+<file path=ppt/slides/slide17.xml><?xml version="1.0" encoding="utf-8"?>
+<p:sld xmlns:a="http://schemas.openxmlformats.org/drawingml/2006/main" xmlns:r="http://schemas.openxmlformats.org/officeDocument/2006/relationships" xmlns:p="http://schemas.openxmlformats.org/presentationml/2006/main">
+  <p:cSld>
+    <p:spTree>
+      <p:nvGrpSpPr>
+        <p:cNvPr id="1" name=""/>
+        <p:cNvGrpSpPr/>
+        <p:nvPr/>
+      </p:nvGrpSpPr>
+      <p:grpSpPr>
+        <a:xfrm>
+          <a:off x="0" y="0"/>
+          <a:ext cx="0" cy="0"/>
+          <a:chOff x="0" y="0"/>
+          <a:chExt cx="0" cy="0"/>
+        </a:xfrm>
+      </p:grpSpPr>
+      <p:sp>
+        <p:nvSpPr>
+          <p:cNvPr id="2" name="Titel 1"/>
+          <p:cNvSpPr>
+            <a:spLocks noGrp="1"/>
+          </p:cNvSpPr>
+          <p:nvPr>
+            <p:ph type="title"/>
+          </p:nvPr>
+        </p:nvSpPr>
+        <p:spPr/>
+        <p:txBody>
+          <a:bodyPr/>
+          <a:lstStyle/>
+          <a:p>
+            <a:r>
+              <a:rPr lang="en-US" smtClean="0"/>
+              <a:t>Sources</a:t>
+            </a:r>
+            <a:endParaRPr lang="en-US"/>
+          </a:p>
+        </p:txBody>
+      </p:sp>
+      <p:sp>
+        <p:nvSpPr>
+          <p:cNvPr id="3" name="Inhaltsplatzhalter 2"/>
+          <p:cNvSpPr>
+            <a:spLocks noGrp="1"/>
+          </p:cNvSpPr>
+          <p:nvPr>
+            <p:ph idx="1"/>
+          </p:nvPr>
+        </p:nvSpPr>
+        <p:spPr/>
+        <p:txBody>
+          <a:bodyPr/>
+          <a:lstStyle/>
+          <a:p>
+            <a:r>
+              <a:rPr lang="en-US" smtClean="0"/>
+              <a:t>Christopher Alexander, </a:t>
+            </a:r>
+            <a:r>
+              <a:rPr lang="en-US" smtClean="0"/>
+              <a:t>Sara </a:t>
+            </a:r>
+            <a:r>
+              <a:rPr lang="en-US" smtClean="0"/>
+              <a:t>Ishikawa</a:t>
+            </a:r>
+            <a:r>
+              <a:rPr lang="en-US" smtClean="0"/>
+              <a:t>, </a:t>
+            </a:r>
+            <a:r>
+              <a:rPr lang="en-US" smtClean="0"/>
+              <a:t>MurraySilverstein</a:t>
+            </a:r>
+            <a:r>
+              <a:rPr lang="en-US" smtClean="0"/>
+              <a:t>, Max </a:t>
+            </a:r>
+            <a:r>
+              <a:rPr lang="en-US" smtClean="0"/>
+              <a:t>Jacobson</a:t>
+            </a:r>
+            <a:r>
+              <a:rPr lang="en-US" smtClean="0"/>
+              <a:t>, Ingrid </a:t>
+            </a:r>
+            <a:r>
+              <a:rPr lang="en-US" smtClean="0"/>
+              <a:t>Fiksdahl-King</a:t>
+            </a:r>
+            <a:r>
+              <a:rPr lang="en-US" smtClean="0"/>
+              <a:t>, and Shlomo </a:t>
+            </a:r>
+            <a:r>
+              <a:rPr lang="en-US" smtClean="0"/>
+              <a:t>Angel.</a:t>
+            </a:r>
+            <a:r>
+              <a:rPr lang="en-US" i="1" smtClean="0"/>
+              <a:t>A Pattern </a:t>
+            </a:r>
+            <a:r>
+              <a:rPr lang="en-US" i="1" smtClean="0"/>
+              <a:t>Language</a:t>
+            </a:r>
+            <a:r>
+              <a:rPr lang="en-US" i="1" smtClean="0"/>
+              <a:t>. Oxford University </a:t>
+            </a:r>
+            <a:r>
+              <a:rPr lang="en-US" smtClean="0"/>
+              <a:t>Press</a:t>
+            </a:r>
+            <a:r>
+              <a:rPr lang="en-US" smtClean="0"/>
+              <a:t>, </a:t>
+            </a:r>
+            <a:r>
+              <a:rPr lang="en-US" smtClean="0"/>
+              <a:t>NewYork</a:t>
+            </a:r>
+            <a:r>
+              <a:rPr lang="en-US" smtClean="0"/>
+              <a:t>, </a:t>
+            </a:r>
+            <a:r>
+              <a:rPr lang="en-US" smtClean="0"/>
+              <a:t>1977.</a:t>
+            </a:r>
+            <a:endParaRPr lang="en-US" smtClean="0"/>
+          </a:p>
+          <a:p>
+            <a:r>
+              <a:rPr lang="en-US" smtClean="0"/>
+              <a:t>All others are in the </a:t>
+            </a:r>
+            <a:r>
+              <a:rPr lang="en-US" smtClean="0"/>
+              <a:t>file</a:t>
+            </a:r>
+            <a:r>
+              <a:rPr lang="en-US" smtClean="0"/>
+              <a:t>: </a:t>
+            </a:r>
+            <a:r>
+              <a:rPr lang="en-US" sz="2400" smtClean="0">
+                <a:latin typeface="Bell MT" pitchFamily="18" charset="0"/>
+                <a:cs typeface="Arial" pitchFamily="34" charset="0"/>
+              </a:rPr>
+              <a:t>Presentation/Outline.docx</a:t>
+            </a:r>
+            <a:endParaRPr lang="en-US">
+              <a:latin typeface="Bell MT" pitchFamily="18" charset="0"/>
+              <a:cs typeface="Arial" pitchFamily="34" charset="0"/>
+            </a:endParaRPr>
+          </a:p>
+        </p:txBody>
+      </p:sp>
+    </p:spTree>
+  </p:cSld>
+  <p:clrMapOvr>
+    <a:masterClrMapping/>
+  </p:clrMapOvr>
+  <p:timing>
+    <p:tnLst>
+      <p:par>
+        <p:cTn id="1" dur="indefinite" restart="never" nodeType="tmRoot"/>
+      </p:par>
+    </p:tnLst>
+  </p:timing>
+</p:sld>
+</file>
+
 <file path=ppt/slides/slide2.xml><?xml version="1.0" encoding="utf-8"?>
 <p:sld xmlns:a="http://schemas.openxmlformats.org/drawingml/2006/main" xmlns:r="http://schemas.openxmlformats.org/officeDocument/2006/relationships" xmlns:p="http://schemas.openxmlformats.org/presentationml/2006/main">
   <p:cSld>
@@ -10484,14 +12676,14 @@
             <a:p>
               <a:pPr algn="ctr"/>
               <a:r>
-                <a:rPr lang="en-US" sz="1100" smtClean="0"/>
+                <a:rPr lang="en-US" sz="1100" b="1" smtClean="0"/>
                 <a:t>Factory </a:t>
               </a:r>
               <a:r>
-                <a:rPr lang="en-US" sz="1100" smtClean="0"/>
+                <a:rPr lang="en-US" sz="1100" b="1" smtClean="0"/>
                 <a:t>Method</a:t>
               </a:r>
-              <a:endParaRPr lang="en-US" sz="1100"/>
+              <a:endParaRPr lang="en-US" sz="1100" b="1"/>
             </a:p>
           </p:txBody>
         </p:sp>
@@ -10519,14 +12711,14 @@
             <a:p>
               <a:pPr algn="ctr"/>
               <a:r>
-                <a:rPr lang="en-US" dirty="0" smtClean="0">
+                <a:rPr lang="en-US" b="1" dirty="0" smtClean="0">
                   <a:solidFill>
                     <a:schemeClr val="tx2"/>
                   </a:solidFill>
                 </a:rPr>
                 <a:t>Creational</a:t>
               </a:r>
-              <a:endParaRPr lang="en-US" dirty="0">
+              <a:endParaRPr lang="en-US" b="1" dirty="0">
                 <a:solidFill>
                   <a:schemeClr val="tx2"/>
                 </a:solidFill>
@@ -10569,47 +12761,47 @@
             <a:p>
               <a:pPr algn="ctr"/>
               <a:r>
-                <a:rPr lang="en-US" sz="1100" smtClean="0"/>
+                <a:rPr lang="en-US" sz="1100" b="1" smtClean="0"/>
                 <a:t>Abstract Factory, </a:t>
               </a:r>
               <a:r>
-                <a:rPr lang="en-US" sz="1100" smtClean="0"/>
+                <a:rPr lang="en-US" sz="1100" b="1" smtClean="0"/>
                 <a:t/>
               </a:r>
               <a:br>
-                <a:rPr lang="en-US" sz="1100" smtClean="0"/>
+                <a:rPr lang="en-US" sz="1100" b="1" smtClean="0"/>
               </a:br>
               <a:r>
-                <a:rPr lang="en-US" sz="1100" smtClean="0"/>
+                <a:rPr lang="en-US" sz="1100" b="1" smtClean="0"/>
                 <a:t>Builder</a:t>
               </a:r>
               <a:r>
-                <a:rPr lang="en-US" sz="1100" smtClean="0"/>
+                <a:rPr lang="en-US" sz="1100" b="1" smtClean="0"/>
                 <a:t>, </a:t>
               </a:r>
               <a:r>
-                <a:rPr lang="en-US" sz="1100" smtClean="0"/>
+                <a:rPr lang="en-US" sz="1100" b="1" smtClean="0"/>
                 <a:t/>
               </a:r>
               <a:br>
-                <a:rPr lang="en-US" sz="1100" smtClean="0"/>
+                <a:rPr lang="en-US" sz="1100" b="1" smtClean="0"/>
               </a:br>
               <a:r>
-                <a:rPr lang="en-US" sz="1100" smtClean="0"/>
+                <a:rPr lang="en-US" sz="1100" b="1" smtClean="0"/>
                 <a:t>Prototype,</a:t>
               </a:r>
               <a:r>
-                <a:rPr lang="en-US" sz="1100" smtClean="0"/>
+                <a:rPr lang="en-US" sz="1100" b="1" smtClean="0"/>
                 <a:t/>
               </a:r>
               <a:br>
-                <a:rPr lang="en-US" sz="1100" smtClean="0"/>
+                <a:rPr lang="en-US" sz="1100" b="1" smtClean="0"/>
               </a:br>
               <a:r>
-                <a:rPr lang="en-US" sz="1100" smtClean="0"/>
+                <a:rPr lang="en-US" sz="1100" b="1" smtClean="0"/>
                 <a:t>Singleton</a:t>
               </a:r>
-              <a:endParaRPr lang="en-US" sz="1100"/>
+              <a:endParaRPr lang="en-US" sz="1100" b="1"/>
             </a:p>
           </p:txBody>
         </p:sp>
@@ -10652,14 +12844,14 @@
             <a:p>
               <a:pPr algn="ctr"/>
               <a:r>
-                <a:rPr lang="en-US" dirty="0" smtClean="0">
+                <a:rPr lang="en-US" b="1" dirty="0" smtClean="0">
                   <a:solidFill>
                     <a:schemeClr val="tx2"/>
                   </a:solidFill>
                 </a:rPr>
                 <a:t>Structural</a:t>
               </a:r>
-              <a:endParaRPr lang="en-US" dirty="0">
+              <a:endParaRPr lang="en-US" b="1" dirty="0">
                 <a:solidFill>
                   <a:schemeClr val="tx2"/>
                 </a:solidFill>
@@ -10702,10 +12894,10 @@
             <a:p>
               <a:pPr algn="ctr"/>
               <a:r>
-                <a:rPr lang="en-US" sz="1100" smtClean="0"/>
+                <a:rPr lang="en-US" sz="1100" b="1" smtClean="0"/>
                 <a:t>Adapter</a:t>
               </a:r>
-              <a:endParaRPr lang="en-US" sz="1100"/>
+              <a:endParaRPr lang="en-US" sz="1100" b="1"/>
             </a:p>
           </p:txBody>
         </p:sp>
@@ -10744,49 +12936,49 @@
             <a:p>
               <a:pPr algn="ctr"/>
               <a:r>
-                <a:rPr lang="en-US" sz="1100" dirty="0" smtClean="0"/>
+                <a:rPr lang="en-US" sz="1100" b="1" dirty="0" smtClean="0"/>
                 <a:t>Adapter, </a:t>
               </a:r>
               <a:br>
-                <a:rPr lang="en-US" sz="1100" dirty="0" smtClean="0"/>
+                <a:rPr lang="en-US" sz="1100" b="1" dirty="0" smtClean="0"/>
               </a:br>
               <a:r>
-                <a:rPr lang="en-US" sz="1100" dirty="0" smtClean="0"/>
+                <a:rPr lang="en-US" sz="1100" b="1" dirty="0" smtClean="0"/>
                 <a:t>Bridge, </a:t>
               </a:r>
               <a:br>
-                <a:rPr lang="en-US" sz="1100" dirty="0" smtClean="0"/>
+                <a:rPr lang="en-US" sz="1100" b="1" dirty="0" smtClean="0"/>
               </a:br>
               <a:r>
-                <a:rPr lang="en-US" sz="1100" dirty="0" smtClean="0"/>
+                <a:rPr lang="en-US" sz="1100" b="1" dirty="0" smtClean="0"/>
                 <a:t>Composite, Decorator, </a:t>
               </a:r>
               <a:br>
-                <a:rPr lang="en-US" sz="1100" dirty="0" smtClean="0"/>
+                <a:rPr lang="en-US" sz="1100" b="1" dirty="0" smtClean="0"/>
               </a:br>
               <a:r>
-                <a:rPr lang="en-US" sz="1100" dirty="0" smtClean="0"/>
+                <a:rPr lang="en-US" sz="1100" b="1" dirty="0" smtClean="0"/>
                 <a:t>Facade, </a:t>
               </a:r>
               <a:br>
-                <a:rPr lang="en-US" sz="1100" dirty="0" smtClean="0"/>
+                <a:rPr lang="en-US" sz="1100" b="1" dirty="0" smtClean="0"/>
               </a:br>
               <a:r>
-                <a:rPr lang="en-US" sz="1100" dirty="0" err="1" smtClean="0"/>
+                <a:rPr lang="en-US" sz="1100" b="1" dirty="0" err="1" smtClean="0"/>
                 <a:t>lywight</a:t>
               </a:r>
               <a:r>
-                <a:rPr lang="en-US" sz="1100" dirty="0" smtClean="0"/>
+                <a:rPr lang="en-US" sz="1100" b="1" dirty="0" smtClean="0"/>
                 <a:t>, </a:t>
               </a:r>
               <a:br>
-                <a:rPr lang="en-US" sz="1100" dirty="0" smtClean="0"/>
+                <a:rPr lang="en-US" sz="1100" b="1" dirty="0" smtClean="0"/>
               </a:br>
               <a:r>
-                <a:rPr lang="en-US" sz="1100" dirty="0" smtClean="0"/>
+                <a:rPr lang="en-US" sz="1100" b="1" dirty="0" smtClean="0"/>
                 <a:t>Proxy</a:t>
               </a:r>
-              <a:endParaRPr lang="en-US" sz="1100" dirty="0"/>
+              <a:endParaRPr lang="en-US" sz="1100" b="1" dirty="0"/>
             </a:p>
           </p:txBody>
         </p:sp>
@@ -10829,14 +13021,14 @@
             <a:p>
               <a:pPr algn="ctr"/>
               <a:r>
-                <a:rPr lang="en-US" dirty="0" smtClean="0">
+                <a:rPr lang="en-US" b="1" dirty="0" smtClean="0">
                   <a:solidFill>
                     <a:schemeClr val="tx2"/>
                   </a:solidFill>
                 </a:rPr>
                 <a:t>Behavioral</a:t>
               </a:r>
-              <a:endParaRPr lang="en-US" dirty="0">
+              <a:endParaRPr lang="en-US" b="1" dirty="0">
                 <a:solidFill>
                   <a:schemeClr val="tx2"/>
                 </a:solidFill>
@@ -10879,21 +13071,21 @@
             <a:p>
               <a:pPr algn="ctr"/>
               <a:r>
-                <a:rPr lang="en-US" sz="1100" smtClean="0"/>
+                <a:rPr lang="en-US" sz="1100" b="1" smtClean="0"/>
                 <a:t>Interpreter,</a:t>
               </a:r>
               <a:br>
-                <a:rPr lang="en-US" sz="1100" smtClean="0"/>
+                <a:rPr lang="en-US" sz="1100" b="1" smtClean="0"/>
               </a:br>
               <a:r>
-                <a:rPr lang="en-US" sz="1100" smtClean="0"/>
+                <a:rPr lang="en-US" sz="1100" b="1" smtClean="0"/>
                 <a:t>Template </a:t>
               </a:r>
               <a:r>
-                <a:rPr lang="en-US" sz="1100" smtClean="0"/>
+                <a:rPr lang="en-US" sz="1100" b="1" smtClean="0"/>
                 <a:t>Method</a:t>
               </a:r>
-              <a:endParaRPr lang="en-US" sz="1100"/>
+              <a:endParaRPr lang="en-US" sz="1100" b="1"/>
             </a:p>
           </p:txBody>
         </p:sp>
@@ -10932,70 +13124,78 @@
             <a:p>
               <a:pPr algn="ctr"/>
               <a:r>
-                <a:rPr lang="en-US" sz="1100" dirty="0" smtClean="0"/>
-                <a:t>Chain of Responsibility, </a:t>
+                <a:rPr lang="en-US" sz="1100" b="1" dirty="0" smtClean="0"/>
+                <a:t>Chain of </a:t>
+              </a:r>
+              <a:r>
+                <a:rPr lang="en-US" sz="1100" b="1" dirty="0" err="1" smtClean="0"/>
+                <a:t>Responsi-bility</a:t>
+              </a:r>
+              <a:r>
+                <a:rPr lang="en-US" sz="1100" b="1" dirty="0" smtClean="0"/>
+                <a:t>, </a:t>
               </a:r>
               <a:br>
-                <a:rPr lang="en-US" sz="1100" dirty="0" smtClean="0"/>
+                <a:rPr lang="en-US" sz="1100" b="1" dirty="0" smtClean="0"/>
               </a:br>
               <a:r>
-                <a:rPr lang="en-US" sz="1100" dirty="0" smtClean="0"/>
+                <a:rPr lang="en-US" sz="1100" b="1" dirty="0" smtClean="0"/>
                 <a:t>Command, </a:t>
               </a:r>
               <a:br>
-                <a:rPr lang="en-US" sz="1100" dirty="0" smtClean="0"/>
+                <a:rPr lang="en-US" sz="1100" b="1" dirty="0" smtClean="0"/>
               </a:br>
               <a:r>
-                <a:rPr lang="en-US" sz="1100" dirty="0" err="1" smtClean="0"/>
+                <a:rPr lang="en-US" sz="1100" b="1" dirty="0" err="1" smtClean="0"/>
                 <a:t>Iterator</a:t>
               </a:r>
               <a:r>
-                <a:rPr lang="en-US" sz="1100" dirty="0" smtClean="0"/>
+                <a:rPr lang="en-US" sz="1100" b="1" dirty="0" smtClean="0"/>
                 <a:t>, </a:t>
               </a:r>
               <a:br>
-                <a:rPr lang="en-US" sz="1100" dirty="0" smtClean="0"/>
+                <a:rPr lang="en-US" sz="1100" b="1" dirty="0" smtClean="0"/>
               </a:br>
               <a:r>
-                <a:rPr lang="en-US" sz="1100" dirty="0" smtClean="0"/>
+                <a:rPr lang="en-US" sz="1100" b="1" dirty="0" smtClean="0"/>
                 <a:t>Mediator, </a:t>
               </a:r>
               <a:br>
-                <a:rPr lang="en-US" sz="1100" dirty="0" smtClean="0"/>
+                <a:rPr lang="en-US" sz="1100" b="1" dirty="0" smtClean="0"/>
               </a:br>
               <a:r>
-                <a:rPr lang="en-US" sz="1100" dirty="0" smtClean="0"/>
+                <a:rPr lang="en-US" sz="1100" b="1" dirty="0" smtClean="0"/>
                 <a:t>Memento, </a:t>
               </a:r>
               <a:br>
-                <a:rPr lang="en-US" sz="1100" dirty="0" smtClean="0"/>
+                <a:rPr lang="en-US" sz="1100" b="1" dirty="0" smtClean="0"/>
               </a:br>
               <a:r>
-                <a:rPr lang="en-US" sz="1100" dirty="0" smtClean="0"/>
+                <a:rPr lang="en-US" sz="1100" b="1" dirty="0" smtClean="0"/>
                 <a:t>Observer, </a:t>
               </a:r>
               <a:br>
-                <a:rPr lang="en-US" sz="1100" dirty="0" smtClean="0"/>
+                <a:rPr lang="en-US" sz="1100" b="1" dirty="0" smtClean="0"/>
               </a:br>
               <a:r>
-                <a:rPr lang="en-US" sz="1100" dirty="0" smtClean="0"/>
+                <a:rPr lang="en-US" sz="1100" b="1" dirty="0" smtClean="0"/>
                 <a:t>State, </a:t>
               </a:r>
               <a:br>
-                <a:rPr lang="en-US" sz="1100" dirty="0" smtClean="0"/>
+                <a:rPr lang="en-US" sz="1100" b="1" dirty="0" smtClean="0"/>
               </a:br>
               <a:r>
-                <a:rPr lang="en-US" sz="1100" dirty="0" smtClean="0"/>
+                <a:rPr lang="en-US" sz="1100" b="1" dirty="0" smtClean="0"/>
                 <a:t>Strategy, </a:t>
               </a:r>
               <a:br>
-                <a:rPr lang="en-US" sz="1100" dirty="0" smtClean="0"/>
+                <a:rPr lang="en-US" sz="1100" b="1" dirty="0" smtClean="0"/>
               </a:br>
               <a:r>
-                <a:rPr lang="en-US" sz="1100" dirty="0" smtClean="0"/>
+                <a:rPr lang="en-US" sz="1100" b="1" dirty="0" smtClean="0"/>
                 <a:t>Visitor</a:t>
               </a:r>
-              <a:endParaRPr lang="en-US" sz="1100" dirty="0"/>
+              <a:endParaRPr lang="en-US" sz="1100" b="1" dirty="0"/>
             </a:p>
           </p:txBody>
         </p:sp>
@@ -11104,12 +13304,30 @@
         </p:nvSpPr>
         <p:spPr/>
         <p:txBody>
-          <a:bodyPr/>
+          <a:bodyPr>
+            <a:normAutofit fontScale="90000"/>
+          </a:bodyPr>
           <a:lstStyle/>
           <a:p>
             <a:r>
               <a:rPr lang="en-US" smtClean="0"/>
-              <a:t>Sources</a:t>
+              <a:t>Important</a:t>
+            </a:r>
+            <a:r>
+              <a:rPr lang="en-US" smtClean="0"/>
+              <a:t> Design Patterns </a:t>
+            </a:r>
+            <a:r>
+              <a:rPr lang="en-US" smtClean="0"/>
+              <a:t>(</a:t>
+            </a:r>
+            <a:r>
+              <a:rPr lang="en-US" smtClean="0"/>
+              <a:t>for </a:t>
+            </a:r>
+            <a:r>
+              <a:rPr lang="en-US" smtClean="0"/>
+              <a:t>Java)</a:t>
             </a:r>
             <a:endParaRPr lang="en-US"/>
           </a:p>
@@ -11125,116 +13343,226 @@
             <p:ph idx="1"/>
           </p:nvPr>
         </p:nvSpPr>
+        <p:spPr>
+          <a:xfrm>
+            <a:off x="457200" y="2249424"/>
+            <a:ext cx="5194920" cy="4325112"/>
+          </a:xfrm>
+        </p:spPr>
+        <p:txBody>
+          <a:bodyPr/>
+          <a:lstStyle/>
+          <a:p>
+            <a:r>
+              <a:rPr lang="en-US" smtClean="0"/>
+              <a:t>Singleton</a:t>
+            </a:r>
+          </a:p>
+          <a:p>
+            <a:pPr lvl="2"/>
+            <a:r>
+              <a:rPr lang="en-US" smtClean="0"/>
+              <a:t>Guarantees that there is only one instance of a particular </a:t>
+            </a:r>
+            <a:r>
+              <a:rPr lang="en-US" smtClean="0"/>
+              <a:t>object</a:t>
+            </a:r>
+            <a:endParaRPr lang="en-US" smtClean="0"/>
+          </a:p>
+          <a:p>
+            <a:pPr lvl="2"/>
+            <a:r>
+              <a:rPr lang="en-US" smtClean="0"/>
+              <a:t>Be careful -&gt; do not use it when in </a:t>
+            </a:r>
+            <a:r>
+              <a:rPr lang="en-US" smtClean="0"/>
+              <a:t>doubt</a:t>
+            </a:r>
+            <a:endParaRPr lang="en-US" smtClean="0"/>
+          </a:p>
+          <a:p>
+            <a:endParaRPr lang="en-US"/>
+          </a:p>
+        </p:txBody>
+      </p:sp>
+      <p:pic>
+        <p:nvPicPr>
+          <p:cNvPr id="20482" name="Picture 2" descr="Singleton Pattern UML Diagram"/>
+          <p:cNvPicPr>
+            <a:picLocks noChangeAspect="1" noChangeArrowheads="1"/>
+          </p:cNvPicPr>
+          <p:nvPr/>
+        </p:nvPicPr>
+        <p:blipFill>
+          <a:blip r:embed="rId2" cstate="print"/>
+          <a:srcRect/>
+          <a:stretch>
+            <a:fillRect/>
+          </a:stretch>
+        </p:blipFill>
+        <p:spPr bwMode="auto">
+          <a:xfrm>
+            <a:off x="5796136" y="2348880"/>
+            <a:ext cx="3057525" cy="3819525"/>
+          </a:xfrm>
+          <a:prstGeom prst="rect">
+            <a:avLst/>
+          </a:prstGeom>
+          <a:noFill/>
+        </p:spPr>
+      </p:pic>
+    </p:spTree>
+  </p:cSld>
+  <p:clrMapOvr>
+    <a:masterClrMapping/>
+  </p:clrMapOvr>
+  <p:timing>
+    <p:tnLst>
+      <p:par>
+        <p:cTn id="1" dur="indefinite" restart="never" nodeType="tmRoot"/>
+      </p:par>
+    </p:tnLst>
+  </p:timing>
+</p:sld>
+</file>
+
+<file path=ppt/slides/slide9.xml><?xml version="1.0" encoding="utf-8"?>
+<p:sld xmlns:a="http://schemas.openxmlformats.org/drawingml/2006/main" xmlns:r="http://schemas.openxmlformats.org/officeDocument/2006/relationships" xmlns:p="http://schemas.openxmlformats.org/presentationml/2006/main">
+  <p:cSld>
+    <p:spTree>
+      <p:nvGrpSpPr>
+        <p:cNvPr id="1" name=""/>
+        <p:cNvGrpSpPr/>
+        <p:nvPr/>
+      </p:nvGrpSpPr>
+      <p:grpSpPr>
+        <a:xfrm>
+          <a:off x="0" y="0"/>
+          <a:ext cx="0" cy="0"/>
+          <a:chOff x="0" y="0"/>
+          <a:chExt cx="0" cy="0"/>
+        </a:xfrm>
+      </p:grpSpPr>
+      <p:sp>
+        <p:nvSpPr>
+          <p:cNvPr id="6" name="Titel 5"/>
+          <p:cNvSpPr>
+            <a:spLocks noGrp="1"/>
+          </p:cNvSpPr>
+          <p:nvPr>
+            <p:ph type="title"/>
+          </p:nvPr>
+        </p:nvSpPr>
         <p:spPr/>
         <p:txBody>
           <a:bodyPr/>
           <a:lstStyle/>
           <a:p>
-            <a:r>
-              <a:rPr lang="en-US" smtClean="0"/>
-              <a:t>Christopher Alexander, </a:t>
-            </a:r>
-            <a:r>
-              <a:rPr lang="en-US" smtClean="0"/>
-              <a:t>Sara </a:t>
-            </a:r>
-            <a:r>
-              <a:rPr lang="en-US" smtClean="0"/>
-              <a:t>Ishikawa</a:t>
-            </a:r>
-            <a:r>
-              <a:rPr lang="en-US" smtClean="0"/>
-              <a:t>, </a:t>
-            </a:r>
-            <a:r>
-              <a:rPr lang="en-US" smtClean="0"/>
-              <a:t>MurraySilverstein</a:t>
-            </a:r>
-            <a:r>
-              <a:rPr lang="en-US" smtClean="0"/>
-              <a:t>, Max </a:t>
-            </a:r>
-            <a:r>
-              <a:rPr lang="en-US" smtClean="0"/>
-              <a:t>Jacobson</a:t>
-            </a:r>
-            <a:r>
-              <a:rPr lang="en-US" smtClean="0"/>
-              <a:t>, Ingrid </a:t>
-            </a:r>
-            <a:r>
-              <a:rPr lang="en-US" smtClean="0"/>
-              <a:t>Fiksdahl-King</a:t>
-            </a:r>
-            <a:r>
-              <a:rPr lang="en-US" smtClean="0"/>
-              <a:t>, and Shlomo </a:t>
-            </a:r>
-            <a:r>
-              <a:rPr lang="en-US" smtClean="0"/>
-              <a:t>Angel.</a:t>
-            </a:r>
-            <a:r>
-              <a:rPr lang="en-US" i="1" smtClean="0"/>
-              <a:t>A Pattern </a:t>
-            </a:r>
-            <a:r>
-              <a:rPr lang="en-US" i="1" smtClean="0"/>
-              <a:t>Language</a:t>
-            </a:r>
-            <a:r>
-              <a:rPr lang="en-US" i="1" smtClean="0"/>
-              <a:t>. Oxford University </a:t>
-            </a:r>
-            <a:r>
-              <a:rPr lang="en-US" smtClean="0"/>
-              <a:t>Press</a:t>
-            </a:r>
-            <a:r>
-              <a:rPr lang="en-US" smtClean="0"/>
-              <a:t>, </a:t>
-            </a:r>
-            <a:r>
-              <a:rPr lang="en-US" smtClean="0"/>
-              <a:t>NewYork</a:t>
-            </a:r>
-            <a:r>
-              <a:rPr lang="en-US" smtClean="0"/>
-              <a:t>, </a:t>
-            </a:r>
-            <a:r>
-              <a:rPr lang="en-US" smtClean="0"/>
-              <a:t>1977.</a:t>
-            </a:r>
-            <a:endParaRPr lang="en-US" smtClean="0"/>
-          </a:p>
-          <a:p>
-            <a:r>
-              <a:rPr lang="en-US" smtClean="0"/>
-              <a:t>All others are in the </a:t>
-            </a:r>
-            <a:r>
-              <a:rPr lang="en-US" smtClean="0"/>
-              <a:t>file</a:t>
-            </a:r>
-            <a:r>
-              <a:rPr lang="en-US" smtClean="0"/>
-              <a:t>: </a:t>
-            </a:r>
-            <a:r>
-              <a:rPr lang="en-US" sz="2400" smtClean="0">
-                <a:latin typeface="Bell MT" pitchFamily="18" charset="0"/>
-                <a:cs typeface="Arial" pitchFamily="34" charset="0"/>
-              </a:rPr>
-              <a:t>Presentation/Outline.docx</a:t>
-            </a:r>
-            <a:endParaRPr lang="en-US">
-              <a:latin typeface="Bell MT" pitchFamily="18" charset="0"/>
-              <a:cs typeface="Arial" pitchFamily="34" charset="0"/>
-            </a:endParaRPr>
+            <a:endParaRPr lang="de-DE"/>
           </a:p>
         </p:txBody>
       </p:sp>
+      <p:sp>
+        <p:nvSpPr>
+          <p:cNvPr id="7" name="Inhaltsplatzhalter 6"/>
+          <p:cNvSpPr>
+            <a:spLocks noGrp="1"/>
+          </p:cNvSpPr>
+          <p:nvPr>
+            <p:ph idx="1"/>
+          </p:nvPr>
+        </p:nvSpPr>
+        <p:spPr/>
+        <p:txBody>
+          <a:bodyPr/>
+          <a:lstStyle/>
+          <a:p>
+            <a:endParaRPr lang="de-DE" dirty="0"/>
+          </a:p>
+        </p:txBody>
+      </p:sp>
+      <p:sp>
+        <p:nvSpPr>
+          <p:cNvPr id="9" name="Rechteck 8"/>
+          <p:cNvSpPr/>
+          <p:nvPr/>
+        </p:nvSpPr>
+        <p:spPr>
+          <a:xfrm>
+            <a:off x="0" y="0"/>
+            <a:ext cx="9144000" cy="6858000"/>
+          </a:xfrm>
+          <a:prstGeom prst="rect">
+            <a:avLst/>
+          </a:prstGeom>
+          <a:solidFill>
+            <a:schemeClr val="tx1"/>
+          </a:solidFill>
+          <a:ln>
+            <a:solidFill>
+              <a:schemeClr val="tx1"/>
+            </a:solidFill>
+          </a:ln>
+        </p:spPr>
+        <p:style>
+          <a:lnRef idx="2">
+            <a:schemeClr val="accent1">
+              <a:shade val="50000"/>
+            </a:schemeClr>
+          </a:lnRef>
+          <a:fillRef idx="1">
+            <a:schemeClr val="accent1"/>
+          </a:fillRef>
+          <a:effectRef idx="0">
+            <a:schemeClr val="accent1"/>
+          </a:effectRef>
+          <a:fontRef idx="minor">
+            <a:schemeClr val="lt1"/>
+          </a:fontRef>
+        </p:style>
+        <p:txBody>
+          <a:bodyPr rtlCol="0" anchor="ctr"/>
+          <a:lstStyle/>
+          <a:p>
+            <a:pPr algn="ctr"/>
+            <a:endParaRPr lang="de-DE"/>
+          </a:p>
+        </p:txBody>
+      </p:sp>
+      <p:pic>
+        <p:nvPicPr>
+          <p:cNvPr id="27649" name="Picture 1"/>
+          <p:cNvPicPr>
+            <a:picLocks noChangeAspect="1" noChangeArrowheads="1"/>
+          </p:cNvPicPr>
+          <p:nvPr/>
+        </p:nvPicPr>
+        <p:blipFill>
+          <a:blip r:embed="rId2" cstate="print"/>
+          <a:srcRect/>
+          <a:stretch>
+            <a:fillRect/>
+          </a:stretch>
+        </p:blipFill>
+        <p:spPr bwMode="auto">
+          <a:xfrm>
+            <a:off x="1475656" y="188640"/>
+            <a:ext cx="5924550" cy="6419850"/>
+          </a:xfrm>
+          <a:prstGeom prst="rect">
+            <a:avLst/>
+          </a:prstGeom>
+          <a:noFill/>
+          <a:ln w="9525">
+            <a:noFill/>
+            <a:miter lim="800000"/>
+            <a:headEnd/>
+            <a:tailEnd/>
+          </a:ln>
+        </p:spPr>
+      </p:pic>
     </p:spTree>
   </p:cSld>
   <p:clrMapOvr>

--- a/presentation/Design Patterns.pptx
+++ b/presentation/Design Patterns.pptx
@@ -5,7 +5,7 @@
     <p:sldMasterId id="2147483660" r:id="rId1"/>
   </p:sldMasterIdLst>
   <p:notesMasterIdLst>
-    <p:notesMasterId r:id="rId19"/>
+    <p:notesMasterId r:id="rId20"/>
   </p:notesMasterIdLst>
   <p:sldIdLst>
     <p:sldId id="256" r:id="rId2"/>
@@ -24,7 +24,8 @@
     <p:sldId id="270" r:id="rId15"/>
     <p:sldId id="271" r:id="rId16"/>
     <p:sldId id="272" r:id="rId17"/>
-    <p:sldId id="259" r:id="rId18"/>
+    <p:sldId id="273" r:id="rId18"/>
+    <p:sldId id="259" r:id="rId19"/>
   </p:sldIdLst>
   <p:sldSz cx="9144000" cy="6858000" type="screen4x3"/>
   <p:notesSz cx="6858000" cy="9144000"/>
@@ -11263,49 +11264,6 @@
           </a:ln>
         </p:spPr>
       </p:pic>
-      <p:pic>
-        <p:nvPicPr>
-          <p:cNvPr id="33797" name="Picture 5"/>
-          <p:cNvPicPr>
-            <a:picLocks noChangeAspect="1" noChangeArrowheads="1"/>
-          </p:cNvPicPr>
-          <p:nvPr/>
-        </p:nvPicPr>
-        <p:blipFill>
-          <a:blip r:embed="rId5" cstate="print"/>
-          <a:srcRect/>
-          <a:stretch>
-            <a:fillRect/>
-          </a:stretch>
-        </p:blipFill>
-        <p:spPr bwMode="auto">
-          <a:xfrm>
-            <a:off x="1762125" y="904875"/>
-            <a:ext cx="5619750" cy="5048250"/>
-          </a:xfrm>
-          <a:prstGeom prst="rect">
-            <a:avLst/>
-          </a:prstGeom>
-          <a:solidFill>
-            <a:srgbClr val="000000">
-              <a:shade val="95000"/>
-            </a:srgbClr>
-          </a:solidFill>
-          <a:ln w="1905000" cap="sq">
-            <a:solidFill>
-              <a:srgbClr val="000000"/>
-            </a:solidFill>
-            <a:miter lim="800000"/>
-          </a:ln>
-          <a:effectLst>
-            <a:outerShdw blurRad="254000" dist="190500" dir="2700000" sy="90000" algn="bl" rotWithShape="0">
-              <a:srgbClr val="000000">
-                <a:alpha val="40000"/>
-              </a:srgbClr>
-            </a:outerShdw>
-          </a:effectLst>
-        </p:spPr>
-      </p:pic>
       <p:cxnSp>
         <p:nvCxnSpPr>
           <p:cNvPr id="20" name="Gerade Verbindung mit Pfeil 19"/>
@@ -11388,6 +11346,49 @@
           </a:fontRef>
         </p:style>
       </p:cxnSp>
+      <p:pic>
+        <p:nvPicPr>
+          <p:cNvPr id="33797" name="Picture 5"/>
+          <p:cNvPicPr>
+            <a:picLocks noChangeAspect="1" noChangeArrowheads="1"/>
+          </p:cNvPicPr>
+          <p:nvPr/>
+        </p:nvPicPr>
+        <p:blipFill>
+          <a:blip r:embed="rId5" cstate="print"/>
+          <a:srcRect/>
+          <a:stretch>
+            <a:fillRect/>
+          </a:stretch>
+        </p:blipFill>
+        <p:spPr bwMode="auto">
+          <a:xfrm>
+            <a:off x="1762125" y="904875"/>
+            <a:ext cx="5619750" cy="5048250"/>
+          </a:xfrm>
+          <a:prstGeom prst="rect">
+            <a:avLst/>
+          </a:prstGeom>
+          <a:solidFill>
+            <a:srgbClr val="000000">
+              <a:shade val="95000"/>
+            </a:srgbClr>
+          </a:solidFill>
+          <a:ln w="1905000" cap="sq">
+            <a:solidFill>
+              <a:srgbClr val="000000"/>
+            </a:solidFill>
+            <a:miter lim="800000"/>
+          </a:ln>
+          <a:effectLst>
+            <a:outerShdw blurRad="254000" dist="190500" dir="2700000" sy="90000" algn="bl" rotWithShape="0">
+              <a:srgbClr val="000000">
+                <a:alpha val="40000"/>
+              </a:srgbClr>
+            </a:outerShdw>
+          </a:effectLst>
+        </p:spPr>
+      </p:pic>
     </p:spTree>
   </p:cSld>
   <p:clrMapOvr>
@@ -11472,6 +11473,87 @@
 </file>
 
 <file path=ppt/slides/slide17.xml><?xml version="1.0" encoding="utf-8"?>
+<p:sld xmlns:a="http://schemas.openxmlformats.org/drawingml/2006/main" xmlns:r="http://schemas.openxmlformats.org/officeDocument/2006/relationships" xmlns:p="http://schemas.openxmlformats.org/presentationml/2006/main">
+  <p:cSld>
+    <p:spTree>
+      <p:nvGrpSpPr>
+        <p:cNvPr id="1" name=""/>
+        <p:cNvGrpSpPr/>
+        <p:nvPr/>
+      </p:nvGrpSpPr>
+      <p:grpSpPr>
+        <a:xfrm>
+          <a:off x="0" y="0"/>
+          <a:ext cx="0" cy="0"/>
+          <a:chOff x="0" y="0"/>
+          <a:chExt cx="0" cy="0"/>
+        </a:xfrm>
+      </p:grpSpPr>
+      <p:sp>
+        <p:nvSpPr>
+          <p:cNvPr id="2" name="Titel 1"/>
+          <p:cNvSpPr>
+            <a:spLocks noGrp="1"/>
+          </p:cNvSpPr>
+          <p:nvPr>
+            <p:ph type="title"/>
+          </p:nvPr>
+        </p:nvSpPr>
+        <p:spPr/>
+        <p:txBody>
+          <a:bodyPr>
+            <a:noAutofit/>
+          </a:bodyPr>
+          <a:lstStyle/>
+          <a:p>
+            <a:pPr lvl="0"/>
+            <a:r>
+              <a:rPr lang="en-US" sz="3200" dirty="0" smtClean="0"/>
+              <a:t>Patterns </a:t>
+            </a:r>
+            <a:r>
+              <a:rPr lang="en-US" sz="3200" dirty="0" smtClean="0"/>
+              <a:t>for Concurrent and Networked </a:t>
+            </a:r>
+            <a:r>
+              <a:rPr lang="en-US" sz="3200" dirty="0" smtClean="0"/>
+              <a:t>Objects</a:t>
+            </a:r>
+            <a:br>
+              <a:rPr lang="en-US" sz="3200" dirty="0" smtClean="0"/>
+            </a:br>
+            <a:endParaRPr lang="en-US" sz="3200" dirty="0"/>
+          </a:p>
+        </p:txBody>
+      </p:sp>
+      <p:sp>
+        <p:nvSpPr>
+          <p:cNvPr id="3" name="Inhaltsplatzhalter 2"/>
+          <p:cNvSpPr>
+            <a:spLocks noGrp="1"/>
+          </p:cNvSpPr>
+          <p:nvPr>
+            <p:ph idx="1"/>
+          </p:nvPr>
+        </p:nvSpPr>
+        <p:spPr/>
+        <p:txBody>
+          <a:bodyPr/>
+          <a:lstStyle/>
+          <a:p>
+            <a:endParaRPr lang="en-US"/>
+          </a:p>
+        </p:txBody>
+      </p:sp>
+    </p:spTree>
+  </p:cSld>
+  <p:clrMapOvr>
+    <a:masterClrMapping/>
+  </p:clrMapOvr>
+</p:sld>
+</file>
+
+<file path=ppt/slides/slide18.xml><?xml version="1.0" encoding="utf-8"?>
 <p:sld xmlns:a="http://schemas.openxmlformats.org/drawingml/2006/main" xmlns:r="http://schemas.openxmlformats.org/officeDocument/2006/relationships" xmlns:p="http://schemas.openxmlformats.org/presentationml/2006/main">
   <p:cSld>
     <p:spTree>

--- a/presentation/Design Patterns.pptx
+++ b/presentation/Design Patterns.pptx
@@ -5,7 +5,7 @@
     <p:sldMasterId id="2147483660" r:id="rId1"/>
   </p:sldMasterIdLst>
   <p:notesMasterIdLst>
-    <p:notesMasterId r:id="rId20"/>
+    <p:notesMasterId r:id="rId27"/>
   </p:notesMasterIdLst>
   <p:sldIdLst>
     <p:sldId id="256" r:id="rId2"/>
@@ -25,7 +25,14 @@
     <p:sldId id="271" r:id="rId16"/>
     <p:sldId id="272" r:id="rId17"/>
     <p:sldId id="273" r:id="rId18"/>
-    <p:sldId id="259" r:id="rId19"/>
+    <p:sldId id="274" r:id="rId19"/>
+    <p:sldId id="275" r:id="rId20"/>
+    <p:sldId id="276" r:id="rId21"/>
+    <p:sldId id="277" r:id="rId22"/>
+    <p:sldId id="279" r:id="rId23"/>
+    <p:sldId id="280" r:id="rId24"/>
+    <p:sldId id="278" r:id="rId25"/>
+    <p:sldId id="259" r:id="rId26"/>
   </p:sldIdLst>
   <p:sldSz cx="9144000" cy="6858000" type="screen4x3"/>
   <p:notesSz cx="6858000" cy="9144000"/>
@@ -875,6 +882,1844 @@
   <dgm:styleLbl name="fgShp">
     <dgm:fillClrLst meth="repeat">
       <a:schemeClr val="accent4">
+        <a:tint val="40000"/>
+      </a:schemeClr>
+    </dgm:fillClrLst>
+    <dgm:linClrLst meth="repeat">
+      <a:schemeClr val="lt1"/>
+    </dgm:linClrLst>
+    <dgm:effectClrLst/>
+    <dgm:txLinClrLst/>
+    <dgm:txFillClrLst meth="repeat">
+      <a:schemeClr val="dk1"/>
+    </dgm:txFillClrLst>
+    <dgm:txEffectClrLst/>
+  </dgm:styleLbl>
+  <dgm:styleLbl name="revTx">
+    <dgm:fillClrLst meth="repeat">
+      <a:schemeClr val="lt1">
+        <a:alpha val="0"/>
+      </a:schemeClr>
+    </dgm:fillClrLst>
+    <dgm:linClrLst meth="repeat">
+      <a:schemeClr val="dk1">
+        <a:alpha val="0"/>
+      </a:schemeClr>
+    </dgm:linClrLst>
+    <dgm:effectClrLst/>
+    <dgm:txLinClrLst/>
+    <dgm:txFillClrLst meth="repeat">
+      <a:schemeClr val="tx1"/>
+    </dgm:txFillClrLst>
+    <dgm:txEffectClrLst/>
+  </dgm:styleLbl>
+</dgm:colorsDef>
+</file>
+
+<file path=ppt/diagrams/colors2.xml><?xml version="1.0" encoding="utf-8"?>
+<dgm:colorsDef xmlns:dgm="http://schemas.openxmlformats.org/drawingml/2006/diagram" xmlns:a="http://schemas.openxmlformats.org/drawingml/2006/main" uniqueId="urn:microsoft.com/office/officeart/2005/8/colors/colorful1">
+  <dgm:title val=""/>
+  <dgm:desc val=""/>
+  <dgm:catLst>
+    <dgm:cat type="colorful" pri="10100"/>
+  </dgm:catLst>
+  <dgm:styleLbl name="node0">
+    <dgm:fillClrLst meth="repeat">
+      <a:schemeClr val="accent1"/>
+    </dgm:fillClrLst>
+    <dgm:linClrLst meth="repeat">
+      <a:schemeClr val="lt1"/>
+    </dgm:linClrLst>
+    <dgm:effectClrLst/>
+    <dgm:txLinClrLst/>
+    <dgm:txFillClrLst/>
+    <dgm:txEffectClrLst/>
+  </dgm:styleLbl>
+  <dgm:styleLbl name="node1">
+    <dgm:fillClrLst meth="repeat">
+      <a:schemeClr val="accent2"/>
+      <a:schemeClr val="accent3"/>
+      <a:schemeClr val="accent4"/>
+      <a:schemeClr val="accent5"/>
+      <a:schemeClr val="accent6"/>
+    </dgm:fillClrLst>
+    <dgm:linClrLst meth="repeat">
+      <a:schemeClr val="lt1"/>
+    </dgm:linClrLst>
+    <dgm:effectClrLst/>
+    <dgm:txLinClrLst/>
+    <dgm:txFillClrLst/>
+    <dgm:txEffectClrLst/>
+  </dgm:styleLbl>
+  <dgm:styleLbl name="alignNode1">
+    <dgm:fillClrLst meth="repeat">
+      <a:schemeClr val="accent2"/>
+      <a:schemeClr val="accent3"/>
+      <a:schemeClr val="accent4"/>
+      <a:schemeClr val="accent5"/>
+      <a:schemeClr val="accent6"/>
+    </dgm:fillClrLst>
+    <dgm:linClrLst meth="repeat">
+      <a:schemeClr val="accent2"/>
+      <a:schemeClr val="accent3"/>
+      <a:schemeClr val="accent4"/>
+      <a:schemeClr val="accent5"/>
+      <a:schemeClr val="accent6"/>
+    </dgm:linClrLst>
+    <dgm:effectClrLst/>
+    <dgm:txLinClrLst/>
+    <dgm:txFillClrLst/>
+    <dgm:txEffectClrLst/>
+  </dgm:styleLbl>
+  <dgm:styleLbl name="lnNode1">
+    <dgm:fillClrLst meth="repeat">
+      <a:schemeClr val="accent2"/>
+      <a:schemeClr val="accent3"/>
+      <a:schemeClr val="accent4"/>
+      <a:schemeClr val="accent5"/>
+      <a:schemeClr val="accent6"/>
+    </dgm:fillClrLst>
+    <dgm:linClrLst meth="repeat">
+      <a:schemeClr val="lt1"/>
+    </dgm:linClrLst>
+    <dgm:effectClrLst/>
+    <dgm:txLinClrLst/>
+    <dgm:txFillClrLst/>
+    <dgm:txEffectClrLst/>
+  </dgm:styleLbl>
+  <dgm:styleLbl name="vennNode1">
+    <dgm:fillClrLst meth="repeat">
+      <a:schemeClr val="accent2">
+        <a:alpha val="50000"/>
+      </a:schemeClr>
+      <a:schemeClr val="accent3">
+        <a:alpha val="50000"/>
+      </a:schemeClr>
+      <a:schemeClr val="accent4">
+        <a:alpha val="50000"/>
+      </a:schemeClr>
+      <a:schemeClr val="accent5">
+        <a:alpha val="50000"/>
+      </a:schemeClr>
+      <a:schemeClr val="accent6">
+        <a:alpha val="50000"/>
+      </a:schemeClr>
+    </dgm:fillClrLst>
+    <dgm:linClrLst meth="repeat">
+      <a:schemeClr val="lt1"/>
+    </dgm:linClrLst>
+    <dgm:effectClrLst/>
+    <dgm:txLinClrLst/>
+    <dgm:txFillClrLst/>
+    <dgm:txEffectClrLst/>
+  </dgm:styleLbl>
+  <dgm:styleLbl name="node2">
+    <dgm:fillClrLst>
+      <a:schemeClr val="accent2"/>
+    </dgm:fillClrLst>
+    <dgm:linClrLst meth="repeat">
+      <a:schemeClr val="lt1"/>
+    </dgm:linClrLst>
+    <dgm:effectClrLst/>
+    <dgm:txLinClrLst/>
+    <dgm:txFillClrLst/>
+    <dgm:txEffectClrLst/>
+  </dgm:styleLbl>
+  <dgm:styleLbl name="node3">
+    <dgm:fillClrLst>
+      <a:schemeClr val="accent3"/>
+    </dgm:fillClrLst>
+    <dgm:linClrLst meth="repeat">
+      <a:schemeClr val="lt1"/>
+    </dgm:linClrLst>
+    <dgm:effectClrLst/>
+    <dgm:txLinClrLst/>
+    <dgm:txFillClrLst/>
+    <dgm:txEffectClrLst/>
+  </dgm:styleLbl>
+  <dgm:styleLbl name="node4">
+    <dgm:fillClrLst>
+      <a:schemeClr val="accent4"/>
+    </dgm:fillClrLst>
+    <dgm:linClrLst meth="repeat">
+      <a:schemeClr val="lt1"/>
+    </dgm:linClrLst>
+    <dgm:effectClrLst/>
+    <dgm:txLinClrLst/>
+    <dgm:txFillClrLst/>
+    <dgm:txEffectClrLst/>
+  </dgm:styleLbl>
+  <dgm:styleLbl name="fgImgPlace1">
+    <dgm:fillClrLst meth="repeat">
+      <a:schemeClr val="accent2">
+        <a:tint val="50000"/>
+      </a:schemeClr>
+      <a:schemeClr val="accent3">
+        <a:tint val="50000"/>
+      </a:schemeClr>
+      <a:schemeClr val="accent4">
+        <a:tint val="50000"/>
+      </a:schemeClr>
+      <a:schemeClr val="accent5">
+        <a:tint val="50000"/>
+      </a:schemeClr>
+      <a:schemeClr val="accent6">
+        <a:tint val="50000"/>
+      </a:schemeClr>
+    </dgm:fillClrLst>
+    <dgm:linClrLst meth="repeat">
+      <a:schemeClr val="lt1"/>
+    </dgm:linClrLst>
+    <dgm:effectClrLst/>
+    <dgm:txLinClrLst/>
+    <dgm:txFillClrLst meth="repeat">
+      <a:schemeClr val="lt1"/>
+    </dgm:txFillClrLst>
+    <dgm:txEffectClrLst/>
+  </dgm:styleLbl>
+  <dgm:styleLbl name="alignImgPlace1">
+    <dgm:fillClrLst>
+      <a:schemeClr val="accent1">
+        <a:tint val="50000"/>
+      </a:schemeClr>
+      <a:schemeClr val="accent1">
+        <a:tint val="20000"/>
+      </a:schemeClr>
+    </dgm:fillClrLst>
+    <dgm:linClrLst meth="repeat">
+      <a:schemeClr val="lt1"/>
+    </dgm:linClrLst>
+    <dgm:effectClrLst/>
+    <dgm:txLinClrLst/>
+    <dgm:txFillClrLst meth="repeat">
+      <a:schemeClr val="lt1"/>
+    </dgm:txFillClrLst>
+    <dgm:txEffectClrLst/>
+  </dgm:styleLbl>
+  <dgm:styleLbl name="bgImgPlace1">
+    <dgm:fillClrLst>
+      <a:schemeClr val="accent1">
+        <a:tint val="50000"/>
+      </a:schemeClr>
+      <a:schemeClr val="accent1">
+        <a:tint val="20000"/>
+      </a:schemeClr>
+    </dgm:fillClrLst>
+    <dgm:linClrLst meth="repeat">
+      <a:schemeClr val="lt1"/>
+    </dgm:linClrLst>
+    <dgm:effectClrLst/>
+    <dgm:txLinClrLst/>
+    <dgm:txFillClrLst meth="repeat">
+      <a:schemeClr val="lt1"/>
+    </dgm:txFillClrLst>
+    <dgm:txEffectClrLst/>
+  </dgm:styleLbl>
+  <dgm:styleLbl name="sibTrans2D1">
+    <dgm:fillClrLst meth="repeat">
+      <a:schemeClr val="accent2"/>
+      <a:schemeClr val="accent3"/>
+      <a:schemeClr val="accent4"/>
+      <a:schemeClr val="accent5"/>
+      <a:schemeClr val="accent6"/>
+    </dgm:fillClrLst>
+    <dgm:linClrLst meth="cycle">
+      <a:schemeClr val="lt1"/>
+    </dgm:linClrLst>
+    <dgm:effectClrLst/>
+    <dgm:txLinClrLst/>
+    <dgm:txFillClrLst/>
+    <dgm:txEffectClrLst/>
+  </dgm:styleLbl>
+  <dgm:styleLbl name="fgSibTrans2D1">
+    <dgm:fillClrLst meth="repeat">
+      <a:schemeClr val="accent2"/>
+      <a:schemeClr val="accent3"/>
+      <a:schemeClr val="accent4"/>
+      <a:schemeClr val="accent5"/>
+      <a:schemeClr val="accent6"/>
+    </dgm:fillClrLst>
+    <dgm:linClrLst meth="cycle">
+      <a:schemeClr val="lt1"/>
+    </dgm:linClrLst>
+    <dgm:effectClrLst/>
+    <dgm:txLinClrLst/>
+    <dgm:txFillClrLst meth="repeat">
+      <a:schemeClr val="lt1"/>
+    </dgm:txFillClrLst>
+    <dgm:txEffectClrLst/>
+  </dgm:styleLbl>
+  <dgm:styleLbl name="bgSibTrans2D1">
+    <dgm:fillClrLst meth="repeat">
+      <a:schemeClr val="accent2"/>
+      <a:schemeClr val="accent3"/>
+      <a:schemeClr val="accent4"/>
+      <a:schemeClr val="accent5"/>
+      <a:schemeClr val="accent6"/>
+    </dgm:fillClrLst>
+    <dgm:linClrLst meth="cycle">
+      <a:schemeClr val="lt1"/>
+    </dgm:linClrLst>
+    <dgm:effectClrLst/>
+    <dgm:txLinClrLst/>
+    <dgm:txFillClrLst meth="repeat">
+      <a:schemeClr val="lt1"/>
+    </dgm:txFillClrLst>
+    <dgm:txEffectClrLst/>
+  </dgm:styleLbl>
+  <dgm:styleLbl name="sibTrans1D1">
+    <dgm:fillClrLst meth="repeat">
+      <a:schemeClr val="accent2"/>
+      <a:schemeClr val="accent3"/>
+      <a:schemeClr val="accent4"/>
+      <a:schemeClr val="accent5"/>
+      <a:schemeClr val="accent6"/>
+    </dgm:fillClrLst>
+    <dgm:linClrLst meth="repeat">
+      <a:schemeClr val="accent2"/>
+      <a:schemeClr val="accent3"/>
+      <a:schemeClr val="accent4"/>
+      <a:schemeClr val="accent5"/>
+      <a:schemeClr val="accent6"/>
+    </dgm:linClrLst>
+    <dgm:effectClrLst/>
+    <dgm:txLinClrLst/>
+    <dgm:txFillClrLst meth="repeat">
+      <a:schemeClr val="tx1"/>
+    </dgm:txFillClrLst>
+    <dgm:txEffectClrLst/>
+  </dgm:styleLbl>
+  <dgm:styleLbl name="callout">
+    <dgm:fillClrLst meth="repeat">
+      <a:schemeClr val="accent2"/>
+    </dgm:fillClrLst>
+    <dgm:linClrLst meth="repeat">
+      <a:schemeClr val="accent2">
+        <a:tint val="50000"/>
+      </a:schemeClr>
+    </dgm:linClrLst>
+    <dgm:effectClrLst/>
+    <dgm:txLinClrLst/>
+    <dgm:txFillClrLst meth="repeat">
+      <a:schemeClr val="tx1"/>
+    </dgm:txFillClrLst>
+    <dgm:txEffectClrLst/>
+  </dgm:styleLbl>
+  <dgm:styleLbl name="asst0">
+    <dgm:fillClrLst meth="repeat">
+      <a:schemeClr val="accent1"/>
+    </dgm:fillClrLst>
+    <dgm:linClrLst meth="repeat">
+      <a:schemeClr val="lt1"/>
+    </dgm:linClrLst>
+    <dgm:effectClrLst/>
+    <dgm:txLinClrLst/>
+    <dgm:txFillClrLst/>
+    <dgm:txEffectClrLst/>
+  </dgm:styleLbl>
+  <dgm:styleLbl name="asst1">
+    <dgm:fillClrLst meth="repeat">
+      <a:schemeClr val="accent2"/>
+    </dgm:fillClrLst>
+    <dgm:linClrLst meth="repeat">
+      <a:schemeClr val="lt1"/>
+    </dgm:linClrLst>
+    <dgm:effectClrLst/>
+    <dgm:txLinClrLst/>
+    <dgm:txFillClrLst/>
+    <dgm:txEffectClrLst/>
+  </dgm:styleLbl>
+  <dgm:styleLbl name="asst2">
+    <dgm:fillClrLst>
+      <a:schemeClr val="accent3"/>
+    </dgm:fillClrLst>
+    <dgm:linClrLst meth="repeat">
+      <a:schemeClr val="lt1"/>
+    </dgm:linClrLst>
+    <dgm:effectClrLst/>
+    <dgm:txLinClrLst/>
+    <dgm:txFillClrLst/>
+    <dgm:txEffectClrLst/>
+  </dgm:styleLbl>
+  <dgm:styleLbl name="asst3">
+    <dgm:fillClrLst>
+      <a:schemeClr val="accent4"/>
+    </dgm:fillClrLst>
+    <dgm:linClrLst meth="repeat">
+      <a:schemeClr val="lt1"/>
+    </dgm:linClrLst>
+    <dgm:effectClrLst/>
+    <dgm:txLinClrLst/>
+    <dgm:txFillClrLst/>
+    <dgm:txEffectClrLst/>
+  </dgm:styleLbl>
+  <dgm:styleLbl name="asst4">
+    <dgm:fillClrLst>
+      <a:schemeClr val="accent5"/>
+    </dgm:fillClrLst>
+    <dgm:linClrLst meth="repeat">
+      <a:schemeClr val="lt1"/>
+    </dgm:linClrLst>
+    <dgm:effectClrLst/>
+    <dgm:txLinClrLst/>
+    <dgm:txFillClrLst/>
+    <dgm:txEffectClrLst/>
+  </dgm:styleLbl>
+  <dgm:styleLbl name="parChTrans2D1">
+    <dgm:fillClrLst meth="repeat">
+      <a:schemeClr val="accent2"/>
+    </dgm:fillClrLst>
+    <dgm:linClrLst meth="repeat">
+      <a:schemeClr val="lt1"/>
+    </dgm:linClrLst>
+    <dgm:effectClrLst/>
+    <dgm:txLinClrLst/>
+    <dgm:txFillClrLst meth="repeat">
+      <a:schemeClr val="lt1"/>
+    </dgm:txFillClrLst>
+    <dgm:txEffectClrLst/>
+  </dgm:styleLbl>
+  <dgm:styleLbl name="parChTrans2D2">
+    <dgm:fillClrLst meth="repeat">
+      <a:schemeClr val="accent3"/>
+    </dgm:fillClrLst>
+    <dgm:linClrLst meth="repeat">
+      <a:schemeClr val="lt1"/>
+    </dgm:linClrLst>
+    <dgm:effectClrLst/>
+    <dgm:txLinClrLst/>
+    <dgm:txFillClrLst/>
+    <dgm:txEffectClrLst/>
+  </dgm:styleLbl>
+  <dgm:styleLbl name="parChTrans2D3">
+    <dgm:fillClrLst meth="repeat">
+      <a:schemeClr val="accent4"/>
+    </dgm:fillClrLst>
+    <dgm:linClrLst meth="repeat">
+      <a:schemeClr val="lt1"/>
+    </dgm:linClrLst>
+    <dgm:effectClrLst/>
+    <dgm:txLinClrLst/>
+    <dgm:txFillClrLst/>
+    <dgm:txEffectClrLst/>
+  </dgm:styleLbl>
+  <dgm:styleLbl name="parChTrans2D4">
+    <dgm:fillClrLst meth="repeat">
+      <a:schemeClr val="accent5"/>
+    </dgm:fillClrLst>
+    <dgm:linClrLst meth="repeat">
+      <a:schemeClr val="lt1"/>
+    </dgm:linClrLst>
+    <dgm:effectClrLst/>
+    <dgm:txLinClrLst/>
+    <dgm:txFillClrLst meth="repeat">
+      <a:schemeClr val="lt1"/>
+    </dgm:txFillClrLst>
+    <dgm:txEffectClrLst/>
+  </dgm:styleLbl>
+  <dgm:styleLbl name="parChTrans1D1">
+    <dgm:fillClrLst meth="repeat">
+      <a:schemeClr val="accent2"/>
+    </dgm:fillClrLst>
+    <dgm:linClrLst meth="repeat">
+      <a:schemeClr val="accent1"/>
+    </dgm:linClrLst>
+    <dgm:effectClrLst/>
+    <dgm:txLinClrLst/>
+    <dgm:txFillClrLst meth="repeat">
+      <a:schemeClr val="tx1"/>
+    </dgm:txFillClrLst>
+    <dgm:txEffectClrLst/>
+  </dgm:styleLbl>
+  <dgm:styleLbl name="parChTrans1D2">
+    <dgm:fillClrLst meth="repeat">
+      <a:schemeClr val="accent3">
+        <a:tint val="90000"/>
+      </a:schemeClr>
+    </dgm:fillClrLst>
+    <dgm:linClrLst meth="repeat">
+      <a:schemeClr val="accent2"/>
+    </dgm:linClrLst>
+    <dgm:effectClrLst/>
+    <dgm:txLinClrLst/>
+    <dgm:txFillClrLst meth="repeat">
+      <a:schemeClr val="tx1"/>
+    </dgm:txFillClrLst>
+    <dgm:txEffectClrLst/>
+  </dgm:styleLbl>
+  <dgm:styleLbl name="parChTrans1D3">
+    <dgm:fillClrLst meth="repeat">
+      <a:schemeClr val="accent4">
+        <a:tint val="70000"/>
+      </a:schemeClr>
+    </dgm:fillClrLst>
+    <dgm:linClrLst meth="repeat">
+      <a:schemeClr val="accent3"/>
+    </dgm:linClrLst>
+    <dgm:effectClrLst/>
+    <dgm:txLinClrLst/>
+    <dgm:txFillClrLst meth="repeat">
+      <a:schemeClr val="tx1"/>
+    </dgm:txFillClrLst>
+    <dgm:txEffectClrLst/>
+  </dgm:styleLbl>
+  <dgm:styleLbl name="parChTrans1D4">
+    <dgm:fillClrLst meth="repeat">
+      <a:schemeClr val="accent5">
+        <a:tint val="50000"/>
+      </a:schemeClr>
+    </dgm:fillClrLst>
+    <dgm:linClrLst meth="repeat">
+      <a:schemeClr val="accent4"/>
+    </dgm:linClrLst>
+    <dgm:effectClrLst/>
+    <dgm:txLinClrLst/>
+    <dgm:txFillClrLst meth="repeat">
+      <a:schemeClr val="tx1"/>
+    </dgm:txFillClrLst>
+    <dgm:txEffectClrLst/>
+  </dgm:styleLbl>
+  <dgm:styleLbl name="fgAcc1">
+    <dgm:fillClrLst meth="repeat">
+      <a:schemeClr val="lt1">
+        <a:alpha val="90000"/>
+      </a:schemeClr>
+    </dgm:fillClrLst>
+    <dgm:linClrLst meth="repeat">
+      <a:schemeClr val="accent2"/>
+      <a:schemeClr val="accent3"/>
+      <a:schemeClr val="accent4"/>
+      <a:schemeClr val="accent5"/>
+      <a:schemeClr val="accent6"/>
+    </dgm:linClrLst>
+    <dgm:effectClrLst/>
+    <dgm:txLinClrLst/>
+    <dgm:txFillClrLst meth="repeat">
+      <a:schemeClr val="dk1"/>
+    </dgm:txFillClrLst>
+    <dgm:txEffectClrLst/>
+  </dgm:styleLbl>
+  <dgm:styleLbl name="conFgAcc1">
+    <dgm:fillClrLst meth="repeat">
+      <a:schemeClr val="lt1">
+        <a:alpha val="90000"/>
+      </a:schemeClr>
+    </dgm:fillClrLst>
+    <dgm:linClrLst meth="repeat">
+      <a:schemeClr val="accent2"/>
+      <a:schemeClr val="accent3"/>
+      <a:schemeClr val="accent4"/>
+      <a:schemeClr val="accent5"/>
+      <a:schemeClr val="accent6"/>
+    </dgm:linClrLst>
+    <dgm:effectClrLst/>
+    <dgm:txLinClrLst/>
+    <dgm:txFillClrLst meth="repeat">
+      <a:schemeClr val="dk1"/>
+    </dgm:txFillClrLst>
+    <dgm:txEffectClrLst/>
+  </dgm:styleLbl>
+  <dgm:styleLbl name="alignAcc1">
+    <dgm:fillClrLst meth="repeat">
+      <a:schemeClr val="lt1">
+        <a:alpha val="90000"/>
+      </a:schemeClr>
+    </dgm:fillClrLst>
+    <dgm:linClrLst meth="repeat">
+      <a:schemeClr val="accent2"/>
+      <a:schemeClr val="accent3"/>
+      <a:schemeClr val="accent4"/>
+      <a:schemeClr val="accent5"/>
+      <a:schemeClr val="accent6"/>
+    </dgm:linClrLst>
+    <dgm:effectClrLst/>
+    <dgm:txLinClrLst/>
+    <dgm:txFillClrLst meth="repeat">
+      <a:schemeClr val="dk1"/>
+    </dgm:txFillClrLst>
+    <dgm:txEffectClrLst/>
+  </dgm:styleLbl>
+  <dgm:styleLbl name="trAlignAcc1">
+    <dgm:fillClrLst meth="repeat">
+      <a:schemeClr val="lt1">
+        <a:alpha val="40000"/>
+      </a:schemeClr>
+    </dgm:fillClrLst>
+    <dgm:linClrLst meth="repeat">
+      <a:schemeClr val="accent1"/>
+    </dgm:linClrLst>
+    <dgm:effectClrLst/>
+    <dgm:txLinClrLst/>
+    <dgm:txFillClrLst meth="repeat">
+      <a:schemeClr val="dk1"/>
+    </dgm:txFillClrLst>
+    <dgm:txEffectClrLst/>
+  </dgm:styleLbl>
+  <dgm:styleLbl name="bgAcc1">
+    <dgm:fillClrLst meth="repeat">
+      <a:schemeClr val="lt1">
+        <a:alpha val="90000"/>
+      </a:schemeClr>
+    </dgm:fillClrLst>
+    <dgm:linClrLst meth="repeat">
+      <a:schemeClr val="accent2"/>
+      <a:schemeClr val="accent3"/>
+      <a:schemeClr val="accent4"/>
+      <a:schemeClr val="accent5"/>
+      <a:schemeClr val="accent6"/>
+    </dgm:linClrLst>
+    <dgm:effectClrLst/>
+    <dgm:txLinClrLst/>
+    <dgm:txFillClrLst meth="repeat">
+      <a:schemeClr val="dk1"/>
+    </dgm:txFillClrLst>
+    <dgm:txEffectClrLst/>
+  </dgm:styleLbl>
+  <dgm:styleLbl name="solidFgAcc1">
+    <dgm:fillClrLst meth="repeat">
+      <a:schemeClr val="lt1"/>
+    </dgm:fillClrLst>
+    <dgm:linClrLst meth="repeat">
+      <a:schemeClr val="accent2"/>
+      <a:schemeClr val="accent3"/>
+      <a:schemeClr val="accent4"/>
+      <a:schemeClr val="accent5"/>
+      <a:schemeClr val="accent6"/>
+    </dgm:linClrLst>
+    <dgm:effectClrLst/>
+    <dgm:txLinClrLst/>
+    <dgm:txFillClrLst meth="repeat">
+      <a:schemeClr val="dk1"/>
+    </dgm:txFillClrLst>
+    <dgm:txEffectClrLst/>
+  </dgm:styleLbl>
+  <dgm:styleLbl name="solidAlignAcc1">
+    <dgm:fillClrLst meth="repeat">
+      <a:schemeClr val="lt1"/>
+    </dgm:fillClrLst>
+    <dgm:linClrLst meth="repeat">
+      <a:schemeClr val="accent2"/>
+      <a:schemeClr val="accent3"/>
+      <a:schemeClr val="accent4"/>
+      <a:schemeClr val="accent5"/>
+      <a:schemeClr val="accent6"/>
+    </dgm:linClrLst>
+    <dgm:effectClrLst/>
+    <dgm:txLinClrLst/>
+    <dgm:txFillClrLst meth="repeat">
+      <a:schemeClr val="dk1"/>
+    </dgm:txFillClrLst>
+    <dgm:txEffectClrLst/>
+  </dgm:styleLbl>
+  <dgm:styleLbl name="solidBgAcc1">
+    <dgm:fillClrLst meth="repeat">
+      <a:schemeClr val="lt1"/>
+    </dgm:fillClrLst>
+    <dgm:linClrLst meth="repeat">
+      <a:schemeClr val="accent2"/>
+      <a:schemeClr val="accent3"/>
+      <a:schemeClr val="accent4"/>
+      <a:schemeClr val="accent5"/>
+      <a:schemeClr val="accent6"/>
+    </dgm:linClrLst>
+    <dgm:effectClrLst/>
+    <dgm:txLinClrLst/>
+    <dgm:txFillClrLst meth="repeat">
+      <a:schemeClr val="dk1"/>
+    </dgm:txFillClrLst>
+    <dgm:txEffectClrLst/>
+  </dgm:styleLbl>
+  <dgm:styleLbl name="fgAccFollowNode1">
+    <dgm:fillClrLst meth="repeat">
+      <a:schemeClr val="accent2">
+        <a:tint val="40000"/>
+        <a:alpha val="90000"/>
+      </a:schemeClr>
+      <a:schemeClr val="accent3">
+        <a:tint val="40000"/>
+        <a:alpha val="90000"/>
+      </a:schemeClr>
+      <a:schemeClr val="accent4">
+        <a:tint val="40000"/>
+        <a:alpha val="90000"/>
+      </a:schemeClr>
+      <a:schemeClr val="accent5">
+        <a:tint val="40000"/>
+        <a:alpha val="90000"/>
+      </a:schemeClr>
+      <a:schemeClr val="accent6">
+        <a:tint val="40000"/>
+        <a:alpha val="90000"/>
+      </a:schemeClr>
+    </dgm:fillClrLst>
+    <dgm:linClrLst meth="repeat">
+      <a:schemeClr val="accent2">
+        <a:tint val="40000"/>
+        <a:alpha val="90000"/>
+      </a:schemeClr>
+      <a:schemeClr val="accent3">
+        <a:tint val="40000"/>
+        <a:alpha val="90000"/>
+      </a:schemeClr>
+      <a:schemeClr val="accent4">
+        <a:tint val="40000"/>
+        <a:alpha val="90000"/>
+      </a:schemeClr>
+      <a:schemeClr val="accent5">
+        <a:tint val="40000"/>
+        <a:alpha val="90000"/>
+      </a:schemeClr>
+      <a:schemeClr val="accent6">
+        <a:tint val="40000"/>
+        <a:alpha val="90000"/>
+      </a:schemeClr>
+    </dgm:linClrLst>
+    <dgm:effectClrLst/>
+    <dgm:txLinClrLst/>
+    <dgm:txFillClrLst meth="repeat">
+      <a:schemeClr val="dk1"/>
+    </dgm:txFillClrLst>
+    <dgm:txEffectClrLst/>
+  </dgm:styleLbl>
+  <dgm:styleLbl name="alignAccFollowNode1">
+    <dgm:fillClrLst meth="repeat">
+      <a:schemeClr val="accent2">
+        <a:tint val="40000"/>
+        <a:alpha val="90000"/>
+      </a:schemeClr>
+      <a:schemeClr val="accent3">
+        <a:tint val="40000"/>
+        <a:alpha val="90000"/>
+      </a:schemeClr>
+      <a:schemeClr val="accent4">
+        <a:tint val="40000"/>
+        <a:alpha val="90000"/>
+      </a:schemeClr>
+      <a:schemeClr val="accent5">
+        <a:tint val="40000"/>
+        <a:alpha val="90000"/>
+      </a:schemeClr>
+      <a:schemeClr val="accent6">
+        <a:tint val="40000"/>
+        <a:alpha val="90000"/>
+      </a:schemeClr>
+    </dgm:fillClrLst>
+    <dgm:linClrLst meth="repeat">
+      <a:schemeClr val="accent2">
+        <a:tint val="40000"/>
+        <a:alpha val="90000"/>
+      </a:schemeClr>
+      <a:schemeClr val="accent3">
+        <a:tint val="40000"/>
+        <a:alpha val="90000"/>
+      </a:schemeClr>
+      <a:schemeClr val="accent4">
+        <a:tint val="40000"/>
+        <a:alpha val="90000"/>
+      </a:schemeClr>
+      <a:schemeClr val="accent5">
+        <a:tint val="40000"/>
+        <a:alpha val="90000"/>
+      </a:schemeClr>
+      <a:schemeClr val="accent6">
+        <a:tint val="40000"/>
+        <a:alpha val="90000"/>
+      </a:schemeClr>
+    </dgm:linClrLst>
+    <dgm:effectClrLst/>
+    <dgm:txLinClrLst/>
+    <dgm:txFillClrLst meth="repeat">
+      <a:schemeClr val="dk1"/>
+    </dgm:txFillClrLst>
+    <dgm:txEffectClrLst/>
+  </dgm:styleLbl>
+  <dgm:styleLbl name="bgAccFollowNode1">
+    <dgm:fillClrLst meth="repeat">
+      <a:schemeClr val="accent2">
+        <a:tint val="40000"/>
+        <a:alpha val="90000"/>
+      </a:schemeClr>
+      <a:schemeClr val="accent3">
+        <a:tint val="40000"/>
+        <a:alpha val="90000"/>
+      </a:schemeClr>
+      <a:schemeClr val="accent4">
+        <a:tint val="40000"/>
+        <a:alpha val="90000"/>
+      </a:schemeClr>
+      <a:schemeClr val="accent5">
+        <a:tint val="40000"/>
+        <a:alpha val="90000"/>
+      </a:schemeClr>
+      <a:schemeClr val="accent6">
+        <a:tint val="40000"/>
+        <a:alpha val="90000"/>
+      </a:schemeClr>
+    </dgm:fillClrLst>
+    <dgm:linClrLst meth="repeat">
+      <a:schemeClr val="accent2">
+        <a:tint val="40000"/>
+        <a:alpha val="90000"/>
+      </a:schemeClr>
+      <a:schemeClr val="accent3">
+        <a:tint val="40000"/>
+        <a:alpha val="90000"/>
+      </a:schemeClr>
+      <a:schemeClr val="accent4">
+        <a:tint val="40000"/>
+        <a:alpha val="90000"/>
+      </a:schemeClr>
+      <a:schemeClr val="accent5">
+        <a:tint val="40000"/>
+        <a:alpha val="90000"/>
+      </a:schemeClr>
+      <a:schemeClr val="accent6">
+        <a:tint val="40000"/>
+        <a:alpha val="90000"/>
+      </a:schemeClr>
+    </dgm:linClrLst>
+    <dgm:effectClrLst/>
+    <dgm:txLinClrLst/>
+    <dgm:txFillClrLst meth="repeat">
+      <a:schemeClr val="dk1"/>
+    </dgm:txFillClrLst>
+    <dgm:txEffectClrLst/>
+  </dgm:styleLbl>
+  <dgm:styleLbl name="fgAcc0">
+    <dgm:fillClrLst meth="repeat">
+      <a:schemeClr val="lt1">
+        <a:alpha val="90000"/>
+      </a:schemeClr>
+    </dgm:fillClrLst>
+    <dgm:linClrLst>
+      <a:schemeClr val="accent1"/>
+    </dgm:linClrLst>
+    <dgm:effectClrLst/>
+    <dgm:txLinClrLst/>
+    <dgm:txFillClrLst meth="repeat">
+      <a:schemeClr val="dk1"/>
+    </dgm:txFillClrLst>
+    <dgm:txEffectClrLst/>
+  </dgm:styleLbl>
+  <dgm:styleLbl name="fgAcc2">
+    <dgm:fillClrLst meth="repeat">
+      <a:schemeClr val="lt1">
+        <a:alpha val="90000"/>
+      </a:schemeClr>
+    </dgm:fillClrLst>
+    <dgm:linClrLst>
+      <a:schemeClr val="accent2"/>
+    </dgm:linClrLst>
+    <dgm:effectClrLst/>
+    <dgm:txLinClrLst/>
+    <dgm:txFillClrLst meth="repeat">
+      <a:schemeClr val="dk1"/>
+    </dgm:txFillClrLst>
+    <dgm:txEffectClrLst/>
+  </dgm:styleLbl>
+  <dgm:styleLbl name="fgAcc3">
+    <dgm:fillClrLst meth="repeat">
+      <a:schemeClr val="lt1">
+        <a:alpha val="90000"/>
+      </a:schemeClr>
+    </dgm:fillClrLst>
+    <dgm:linClrLst>
+      <a:schemeClr val="accent3"/>
+    </dgm:linClrLst>
+    <dgm:effectClrLst/>
+    <dgm:txLinClrLst/>
+    <dgm:txFillClrLst meth="repeat">
+      <a:schemeClr val="dk1"/>
+    </dgm:txFillClrLst>
+    <dgm:txEffectClrLst/>
+  </dgm:styleLbl>
+  <dgm:styleLbl name="fgAcc4">
+    <dgm:fillClrLst meth="repeat">
+      <a:schemeClr val="lt1">
+        <a:alpha val="90000"/>
+      </a:schemeClr>
+    </dgm:fillClrLst>
+    <dgm:linClrLst>
+      <a:schemeClr val="accent4"/>
+    </dgm:linClrLst>
+    <dgm:effectClrLst/>
+    <dgm:txLinClrLst/>
+    <dgm:txFillClrLst meth="repeat">
+      <a:schemeClr val="dk1"/>
+    </dgm:txFillClrLst>
+    <dgm:txEffectClrLst/>
+  </dgm:styleLbl>
+  <dgm:styleLbl name="bgShp">
+    <dgm:fillClrLst meth="repeat">
+      <a:schemeClr val="accent2">
+        <a:tint val="40000"/>
+      </a:schemeClr>
+    </dgm:fillClrLst>
+    <dgm:linClrLst meth="repeat">
+      <a:schemeClr val="dk1"/>
+    </dgm:linClrLst>
+    <dgm:effectClrLst/>
+    <dgm:txLinClrLst/>
+    <dgm:txFillClrLst meth="repeat">
+      <a:schemeClr val="dk1"/>
+    </dgm:txFillClrLst>
+    <dgm:txEffectClrLst/>
+  </dgm:styleLbl>
+  <dgm:styleLbl name="dkBgShp">
+    <dgm:fillClrLst meth="repeat">
+      <a:schemeClr val="accent2">
+        <a:shade val="90000"/>
+      </a:schemeClr>
+    </dgm:fillClrLst>
+    <dgm:linClrLst meth="repeat">
+      <a:schemeClr val="dk1"/>
+    </dgm:linClrLst>
+    <dgm:effectClrLst/>
+    <dgm:txLinClrLst/>
+    <dgm:txFillClrLst meth="repeat">
+      <a:schemeClr val="lt1"/>
+    </dgm:txFillClrLst>
+    <dgm:txEffectClrLst/>
+  </dgm:styleLbl>
+  <dgm:styleLbl name="trBgShp">
+    <dgm:fillClrLst meth="repeat">
+      <a:schemeClr val="accent1">
+        <a:tint val="50000"/>
+        <a:alpha val="40000"/>
+      </a:schemeClr>
+    </dgm:fillClrLst>
+    <dgm:linClrLst meth="repeat">
+      <a:schemeClr val="accent2"/>
+    </dgm:linClrLst>
+    <dgm:effectClrLst/>
+    <dgm:txLinClrLst/>
+    <dgm:txFillClrLst meth="repeat">
+      <a:schemeClr val="lt1"/>
+    </dgm:txFillClrLst>
+    <dgm:txEffectClrLst/>
+  </dgm:styleLbl>
+  <dgm:styleLbl name="fgShp">
+    <dgm:fillClrLst meth="repeat">
+      <a:schemeClr val="accent2">
+        <a:tint val="40000"/>
+      </a:schemeClr>
+    </dgm:fillClrLst>
+    <dgm:linClrLst meth="repeat">
+      <a:schemeClr val="lt1"/>
+    </dgm:linClrLst>
+    <dgm:effectClrLst/>
+    <dgm:txLinClrLst/>
+    <dgm:txFillClrLst meth="repeat">
+      <a:schemeClr val="dk1"/>
+    </dgm:txFillClrLst>
+    <dgm:txEffectClrLst/>
+  </dgm:styleLbl>
+  <dgm:styleLbl name="revTx">
+    <dgm:fillClrLst meth="repeat">
+      <a:schemeClr val="lt1">
+        <a:alpha val="0"/>
+      </a:schemeClr>
+    </dgm:fillClrLst>
+    <dgm:linClrLst meth="repeat">
+      <a:schemeClr val="dk1">
+        <a:alpha val="0"/>
+      </a:schemeClr>
+    </dgm:linClrLst>
+    <dgm:effectClrLst/>
+    <dgm:txLinClrLst/>
+    <dgm:txFillClrLst meth="repeat">
+      <a:schemeClr val="tx1"/>
+    </dgm:txFillClrLst>
+    <dgm:txEffectClrLst/>
+  </dgm:styleLbl>
+</dgm:colorsDef>
+</file>
+
+<file path=ppt/diagrams/colors3.xml><?xml version="1.0" encoding="utf-8"?>
+<dgm:colorsDef xmlns:dgm="http://schemas.openxmlformats.org/drawingml/2006/diagram" xmlns:a="http://schemas.openxmlformats.org/drawingml/2006/main" uniqueId="urn:microsoft.com/office/officeart/2005/8/colors/colorful1">
+  <dgm:title val=""/>
+  <dgm:desc val=""/>
+  <dgm:catLst>
+    <dgm:cat type="colorful" pri="10100"/>
+  </dgm:catLst>
+  <dgm:styleLbl name="node0">
+    <dgm:fillClrLst meth="repeat">
+      <a:schemeClr val="accent1"/>
+    </dgm:fillClrLst>
+    <dgm:linClrLst meth="repeat">
+      <a:schemeClr val="lt1"/>
+    </dgm:linClrLst>
+    <dgm:effectClrLst/>
+    <dgm:txLinClrLst/>
+    <dgm:txFillClrLst/>
+    <dgm:txEffectClrLst/>
+  </dgm:styleLbl>
+  <dgm:styleLbl name="node1">
+    <dgm:fillClrLst meth="repeat">
+      <a:schemeClr val="accent2"/>
+      <a:schemeClr val="accent3"/>
+      <a:schemeClr val="accent4"/>
+      <a:schemeClr val="accent5"/>
+      <a:schemeClr val="accent6"/>
+    </dgm:fillClrLst>
+    <dgm:linClrLst meth="repeat">
+      <a:schemeClr val="lt1"/>
+    </dgm:linClrLst>
+    <dgm:effectClrLst/>
+    <dgm:txLinClrLst/>
+    <dgm:txFillClrLst/>
+    <dgm:txEffectClrLst/>
+  </dgm:styleLbl>
+  <dgm:styleLbl name="alignNode1">
+    <dgm:fillClrLst meth="repeat">
+      <a:schemeClr val="accent2"/>
+      <a:schemeClr val="accent3"/>
+      <a:schemeClr val="accent4"/>
+      <a:schemeClr val="accent5"/>
+      <a:schemeClr val="accent6"/>
+    </dgm:fillClrLst>
+    <dgm:linClrLst meth="repeat">
+      <a:schemeClr val="accent2"/>
+      <a:schemeClr val="accent3"/>
+      <a:schemeClr val="accent4"/>
+      <a:schemeClr val="accent5"/>
+      <a:schemeClr val="accent6"/>
+    </dgm:linClrLst>
+    <dgm:effectClrLst/>
+    <dgm:txLinClrLst/>
+    <dgm:txFillClrLst/>
+    <dgm:txEffectClrLst/>
+  </dgm:styleLbl>
+  <dgm:styleLbl name="lnNode1">
+    <dgm:fillClrLst meth="repeat">
+      <a:schemeClr val="accent2"/>
+      <a:schemeClr val="accent3"/>
+      <a:schemeClr val="accent4"/>
+      <a:schemeClr val="accent5"/>
+      <a:schemeClr val="accent6"/>
+    </dgm:fillClrLst>
+    <dgm:linClrLst meth="repeat">
+      <a:schemeClr val="lt1"/>
+    </dgm:linClrLst>
+    <dgm:effectClrLst/>
+    <dgm:txLinClrLst/>
+    <dgm:txFillClrLst/>
+    <dgm:txEffectClrLst/>
+  </dgm:styleLbl>
+  <dgm:styleLbl name="vennNode1">
+    <dgm:fillClrLst meth="repeat">
+      <a:schemeClr val="accent2">
+        <a:alpha val="50000"/>
+      </a:schemeClr>
+      <a:schemeClr val="accent3">
+        <a:alpha val="50000"/>
+      </a:schemeClr>
+      <a:schemeClr val="accent4">
+        <a:alpha val="50000"/>
+      </a:schemeClr>
+      <a:schemeClr val="accent5">
+        <a:alpha val="50000"/>
+      </a:schemeClr>
+      <a:schemeClr val="accent6">
+        <a:alpha val="50000"/>
+      </a:schemeClr>
+    </dgm:fillClrLst>
+    <dgm:linClrLst meth="repeat">
+      <a:schemeClr val="lt1"/>
+    </dgm:linClrLst>
+    <dgm:effectClrLst/>
+    <dgm:txLinClrLst/>
+    <dgm:txFillClrLst/>
+    <dgm:txEffectClrLst/>
+  </dgm:styleLbl>
+  <dgm:styleLbl name="node2">
+    <dgm:fillClrLst>
+      <a:schemeClr val="accent2"/>
+    </dgm:fillClrLst>
+    <dgm:linClrLst meth="repeat">
+      <a:schemeClr val="lt1"/>
+    </dgm:linClrLst>
+    <dgm:effectClrLst/>
+    <dgm:txLinClrLst/>
+    <dgm:txFillClrLst/>
+    <dgm:txEffectClrLst/>
+  </dgm:styleLbl>
+  <dgm:styleLbl name="node3">
+    <dgm:fillClrLst>
+      <a:schemeClr val="accent3"/>
+    </dgm:fillClrLst>
+    <dgm:linClrLst meth="repeat">
+      <a:schemeClr val="lt1"/>
+    </dgm:linClrLst>
+    <dgm:effectClrLst/>
+    <dgm:txLinClrLst/>
+    <dgm:txFillClrLst/>
+    <dgm:txEffectClrLst/>
+  </dgm:styleLbl>
+  <dgm:styleLbl name="node4">
+    <dgm:fillClrLst>
+      <a:schemeClr val="accent4"/>
+    </dgm:fillClrLst>
+    <dgm:linClrLst meth="repeat">
+      <a:schemeClr val="lt1"/>
+    </dgm:linClrLst>
+    <dgm:effectClrLst/>
+    <dgm:txLinClrLst/>
+    <dgm:txFillClrLst/>
+    <dgm:txEffectClrLst/>
+  </dgm:styleLbl>
+  <dgm:styleLbl name="fgImgPlace1">
+    <dgm:fillClrLst meth="repeat">
+      <a:schemeClr val="accent2">
+        <a:tint val="50000"/>
+      </a:schemeClr>
+      <a:schemeClr val="accent3">
+        <a:tint val="50000"/>
+      </a:schemeClr>
+      <a:schemeClr val="accent4">
+        <a:tint val="50000"/>
+      </a:schemeClr>
+      <a:schemeClr val="accent5">
+        <a:tint val="50000"/>
+      </a:schemeClr>
+      <a:schemeClr val="accent6">
+        <a:tint val="50000"/>
+      </a:schemeClr>
+    </dgm:fillClrLst>
+    <dgm:linClrLst meth="repeat">
+      <a:schemeClr val="lt1"/>
+    </dgm:linClrLst>
+    <dgm:effectClrLst/>
+    <dgm:txLinClrLst/>
+    <dgm:txFillClrLst meth="repeat">
+      <a:schemeClr val="lt1"/>
+    </dgm:txFillClrLst>
+    <dgm:txEffectClrLst/>
+  </dgm:styleLbl>
+  <dgm:styleLbl name="alignImgPlace1">
+    <dgm:fillClrLst>
+      <a:schemeClr val="accent1">
+        <a:tint val="50000"/>
+      </a:schemeClr>
+      <a:schemeClr val="accent1">
+        <a:tint val="20000"/>
+      </a:schemeClr>
+    </dgm:fillClrLst>
+    <dgm:linClrLst meth="repeat">
+      <a:schemeClr val="lt1"/>
+    </dgm:linClrLst>
+    <dgm:effectClrLst/>
+    <dgm:txLinClrLst/>
+    <dgm:txFillClrLst meth="repeat">
+      <a:schemeClr val="lt1"/>
+    </dgm:txFillClrLst>
+    <dgm:txEffectClrLst/>
+  </dgm:styleLbl>
+  <dgm:styleLbl name="bgImgPlace1">
+    <dgm:fillClrLst>
+      <a:schemeClr val="accent1">
+        <a:tint val="50000"/>
+      </a:schemeClr>
+      <a:schemeClr val="accent1">
+        <a:tint val="20000"/>
+      </a:schemeClr>
+    </dgm:fillClrLst>
+    <dgm:linClrLst meth="repeat">
+      <a:schemeClr val="lt1"/>
+    </dgm:linClrLst>
+    <dgm:effectClrLst/>
+    <dgm:txLinClrLst/>
+    <dgm:txFillClrLst meth="repeat">
+      <a:schemeClr val="lt1"/>
+    </dgm:txFillClrLst>
+    <dgm:txEffectClrLst/>
+  </dgm:styleLbl>
+  <dgm:styleLbl name="sibTrans2D1">
+    <dgm:fillClrLst meth="repeat">
+      <a:schemeClr val="accent2"/>
+      <a:schemeClr val="accent3"/>
+      <a:schemeClr val="accent4"/>
+      <a:schemeClr val="accent5"/>
+      <a:schemeClr val="accent6"/>
+    </dgm:fillClrLst>
+    <dgm:linClrLst meth="cycle">
+      <a:schemeClr val="lt1"/>
+    </dgm:linClrLst>
+    <dgm:effectClrLst/>
+    <dgm:txLinClrLst/>
+    <dgm:txFillClrLst/>
+    <dgm:txEffectClrLst/>
+  </dgm:styleLbl>
+  <dgm:styleLbl name="fgSibTrans2D1">
+    <dgm:fillClrLst meth="repeat">
+      <a:schemeClr val="accent2"/>
+      <a:schemeClr val="accent3"/>
+      <a:schemeClr val="accent4"/>
+      <a:schemeClr val="accent5"/>
+      <a:schemeClr val="accent6"/>
+    </dgm:fillClrLst>
+    <dgm:linClrLst meth="cycle">
+      <a:schemeClr val="lt1"/>
+    </dgm:linClrLst>
+    <dgm:effectClrLst/>
+    <dgm:txLinClrLst/>
+    <dgm:txFillClrLst meth="repeat">
+      <a:schemeClr val="lt1"/>
+    </dgm:txFillClrLst>
+    <dgm:txEffectClrLst/>
+  </dgm:styleLbl>
+  <dgm:styleLbl name="bgSibTrans2D1">
+    <dgm:fillClrLst meth="repeat">
+      <a:schemeClr val="accent2"/>
+      <a:schemeClr val="accent3"/>
+      <a:schemeClr val="accent4"/>
+      <a:schemeClr val="accent5"/>
+      <a:schemeClr val="accent6"/>
+    </dgm:fillClrLst>
+    <dgm:linClrLst meth="cycle">
+      <a:schemeClr val="lt1"/>
+    </dgm:linClrLst>
+    <dgm:effectClrLst/>
+    <dgm:txLinClrLst/>
+    <dgm:txFillClrLst meth="repeat">
+      <a:schemeClr val="lt1"/>
+    </dgm:txFillClrLst>
+    <dgm:txEffectClrLst/>
+  </dgm:styleLbl>
+  <dgm:styleLbl name="sibTrans1D1">
+    <dgm:fillClrLst meth="repeat">
+      <a:schemeClr val="accent2"/>
+      <a:schemeClr val="accent3"/>
+      <a:schemeClr val="accent4"/>
+      <a:schemeClr val="accent5"/>
+      <a:schemeClr val="accent6"/>
+    </dgm:fillClrLst>
+    <dgm:linClrLst meth="repeat">
+      <a:schemeClr val="accent2"/>
+      <a:schemeClr val="accent3"/>
+      <a:schemeClr val="accent4"/>
+      <a:schemeClr val="accent5"/>
+      <a:schemeClr val="accent6"/>
+    </dgm:linClrLst>
+    <dgm:effectClrLst/>
+    <dgm:txLinClrLst/>
+    <dgm:txFillClrLst meth="repeat">
+      <a:schemeClr val="tx1"/>
+    </dgm:txFillClrLst>
+    <dgm:txEffectClrLst/>
+  </dgm:styleLbl>
+  <dgm:styleLbl name="callout">
+    <dgm:fillClrLst meth="repeat">
+      <a:schemeClr val="accent2"/>
+    </dgm:fillClrLst>
+    <dgm:linClrLst meth="repeat">
+      <a:schemeClr val="accent2">
+        <a:tint val="50000"/>
+      </a:schemeClr>
+    </dgm:linClrLst>
+    <dgm:effectClrLst/>
+    <dgm:txLinClrLst/>
+    <dgm:txFillClrLst meth="repeat">
+      <a:schemeClr val="tx1"/>
+    </dgm:txFillClrLst>
+    <dgm:txEffectClrLst/>
+  </dgm:styleLbl>
+  <dgm:styleLbl name="asst0">
+    <dgm:fillClrLst meth="repeat">
+      <a:schemeClr val="accent1"/>
+    </dgm:fillClrLst>
+    <dgm:linClrLst meth="repeat">
+      <a:schemeClr val="lt1"/>
+    </dgm:linClrLst>
+    <dgm:effectClrLst/>
+    <dgm:txLinClrLst/>
+    <dgm:txFillClrLst/>
+    <dgm:txEffectClrLst/>
+  </dgm:styleLbl>
+  <dgm:styleLbl name="asst1">
+    <dgm:fillClrLst meth="repeat">
+      <a:schemeClr val="accent2"/>
+    </dgm:fillClrLst>
+    <dgm:linClrLst meth="repeat">
+      <a:schemeClr val="lt1"/>
+    </dgm:linClrLst>
+    <dgm:effectClrLst/>
+    <dgm:txLinClrLst/>
+    <dgm:txFillClrLst/>
+    <dgm:txEffectClrLst/>
+  </dgm:styleLbl>
+  <dgm:styleLbl name="asst2">
+    <dgm:fillClrLst>
+      <a:schemeClr val="accent3"/>
+    </dgm:fillClrLst>
+    <dgm:linClrLst meth="repeat">
+      <a:schemeClr val="lt1"/>
+    </dgm:linClrLst>
+    <dgm:effectClrLst/>
+    <dgm:txLinClrLst/>
+    <dgm:txFillClrLst/>
+    <dgm:txEffectClrLst/>
+  </dgm:styleLbl>
+  <dgm:styleLbl name="asst3">
+    <dgm:fillClrLst>
+      <a:schemeClr val="accent4"/>
+    </dgm:fillClrLst>
+    <dgm:linClrLst meth="repeat">
+      <a:schemeClr val="lt1"/>
+    </dgm:linClrLst>
+    <dgm:effectClrLst/>
+    <dgm:txLinClrLst/>
+    <dgm:txFillClrLst/>
+    <dgm:txEffectClrLst/>
+  </dgm:styleLbl>
+  <dgm:styleLbl name="asst4">
+    <dgm:fillClrLst>
+      <a:schemeClr val="accent5"/>
+    </dgm:fillClrLst>
+    <dgm:linClrLst meth="repeat">
+      <a:schemeClr val="lt1"/>
+    </dgm:linClrLst>
+    <dgm:effectClrLst/>
+    <dgm:txLinClrLst/>
+    <dgm:txFillClrLst/>
+    <dgm:txEffectClrLst/>
+  </dgm:styleLbl>
+  <dgm:styleLbl name="parChTrans2D1">
+    <dgm:fillClrLst meth="repeat">
+      <a:schemeClr val="accent2"/>
+    </dgm:fillClrLst>
+    <dgm:linClrLst meth="repeat">
+      <a:schemeClr val="lt1"/>
+    </dgm:linClrLst>
+    <dgm:effectClrLst/>
+    <dgm:txLinClrLst/>
+    <dgm:txFillClrLst meth="repeat">
+      <a:schemeClr val="lt1"/>
+    </dgm:txFillClrLst>
+    <dgm:txEffectClrLst/>
+  </dgm:styleLbl>
+  <dgm:styleLbl name="parChTrans2D2">
+    <dgm:fillClrLst meth="repeat">
+      <a:schemeClr val="accent3"/>
+    </dgm:fillClrLst>
+    <dgm:linClrLst meth="repeat">
+      <a:schemeClr val="lt1"/>
+    </dgm:linClrLst>
+    <dgm:effectClrLst/>
+    <dgm:txLinClrLst/>
+    <dgm:txFillClrLst/>
+    <dgm:txEffectClrLst/>
+  </dgm:styleLbl>
+  <dgm:styleLbl name="parChTrans2D3">
+    <dgm:fillClrLst meth="repeat">
+      <a:schemeClr val="accent4"/>
+    </dgm:fillClrLst>
+    <dgm:linClrLst meth="repeat">
+      <a:schemeClr val="lt1"/>
+    </dgm:linClrLst>
+    <dgm:effectClrLst/>
+    <dgm:txLinClrLst/>
+    <dgm:txFillClrLst/>
+    <dgm:txEffectClrLst/>
+  </dgm:styleLbl>
+  <dgm:styleLbl name="parChTrans2D4">
+    <dgm:fillClrLst meth="repeat">
+      <a:schemeClr val="accent5"/>
+    </dgm:fillClrLst>
+    <dgm:linClrLst meth="repeat">
+      <a:schemeClr val="lt1"/>
+    </dgm:linClrLst>
+    <dgm:effectClrLst/>
+    <dgm:txLinClrLst/>
+    <dgm:txFillClrLst meth="repeat">
+      <a:schemeClr val="lt1"/>
+    </dgm:txFillClrLst>
+    <dgm:txEffectClrLst/>
+  </dgm:styleLbl>
+  <dgm:styleLbl name="parChTrans1D1">
+    <dgm:fillClrLst meth="repeat">
+      <a:schemeClr val="accent2"/>
+    </dgm:fillClrLst>
+    <dgm:linClrLst meth="repeat">
+      <a:schemeClr val="accent1"/>
+    </dgm:linClrLst>
+    <dgm:effectClrLst/>
+    <dgm:txLinClrLst/>
+    <dgm:txFillClrLst meth="repeat">
+      <a:schemeClr val="tx1"/>
+    </dgm:txFillClrLst>
+    <dgm:txEffectClrLst/>
+  </dgm:styleLbl>
+  <dgm:styleLbl name="parChTrans1D2">
+    <dgm:fillClrLst meth="repeat">
+      <a:schemeClr val="accent3">
+        <a:tint val="90000"/>
+      </a:schemeClr>
+    </dgm:fillClrLst>
+    <dgm:linClrLst meth="repeat">
+      <a:schemeClr val="accent2"/>
+    </dgm:linClrLst>
+    <dgm:effectClrLst/>
+    <dgm:txLinClrLst/>
+    <dgm:txFillClrLst meth="repeat">
+      <a:schemeClr val="tx1"/>
+    </dgm:txFillClrLst>
+    <dgm:txEffectClrLst/>
+  </dgm:styleLbl>
+  <dgm:styleLbl name="parChTrans1D3">
+    <dgm:fillClrLst meth="repeat">
+      <a:schemeClr val="accent4">
+        <a:tint val="70000"/>
+      </a:schemeClr>
+    </dgm:fillClrLst>
+    <dgm:linClrLst meth="repeat">
+      <a:schemeClr val="accent3"/>
+    </dgm:linClrLst>
+    <dgm:effectClrLst/>
+    <dgm:txLinClrLst/>
+    <dgm:txFillClrLst meth="repeat">
+      <a:schemeClr val="tx1"/>
+    </dgm:txFillClrLst>
+    <dgm:txEffectClrLst/>
+  </dgm:styleLbl>
+  <dgm:styleLbl name="parChTrans1D4">
+    <dgm:fillClrLst meth="repeat">
+      <a:schemeClr val="accent5">
+        <a:tint val="50000"/>
+      </a:schemeClr>
+    </dgm:fillClrLst>
+    <dgm:linClrLst meth="repeat">
+      <a:schemeClr val="accent4"/>
+    </dgm:linClrLst>
+    <dgm:effectClrLst/>
+    <dgm:txLinClrLst/>
+    <dgm:txFillClrLst meth="repeat">
+      <a:schemeClr val="tx1"/>
+    </dgm:txFillClrLst>
+    <dgm:txEffectClrLst/>
+  </dgm:styleLbl>
+  <dgm:styleLbl name="fgAcc1">
+    <dgm:fillClrLst meth="repeat">
+      <a:schemeClr val="lt1">
+        <a:alpha val="90000"/>
+      </a:schemeClr>
+    </dgm:fillClrLst>
+    <dgm:linClrLst meth="repeat">
+      <a:schemeClr val="accent2"/>
+      <a:schemeClr val="accent3"/>
+      <a:schemeClr val="accent4"/>
+      <a:schemeClr val="accent5"/>
+      <a:schemeClr val="accent6"/>
+    </dgm:linClrLst>
+    <dgm:effectClrLst/>
+    <dgm:txLinClrLst/>
+    <dgm:txFillClrLst meth="repeat">
+      <a:schemeClr val="dk1"/>
+    </dgm:txFillClrLst>
+    <dgm:txEffectClrLst/>
+  </dgm:styleLbl>
+  <dgm:styleLbl name="conFgAcc1">
+    <dgm:fillClrLst meth="repeat">
+      <a:schemeClr val="lt1">
+        <a:alpha val="90000"/>
+      </a:schemeClr>
+    </dgm:fillClrLst>
+    <dgm:linClrLst meth="repeat">
+      <a:schemeClr val="accent2"/>
+      <a:schemeClr val="accent3"/>
+      <a:schemeClr val="accent4"/>
+      <a:schemeClr val="accent5"/>
+      <a:schemeClr val="accent6"/>
+    </dgm:linClrLst>
+    <dgm:effectClrLst/>
+    <dgm:txLinClrLst/>
+    <dgm:txFillClrLst meth="repeat">
+      <a:schemeClr val="dk1"/>
+    </dgm:txFillClrLst>
+    <dgm:txEffectClrLst/>
+  </dgm:styleLbl>
+  <dgm:styleLbl name="alignAcc1">
+    <dgm:fillClrLst meth="repeat">
+      <a:schemeClr val="lt1">
+        <a:alpha val="90000"/>
+      </a:schemeClr>
+    </dgm:fillClrLst>
+    <dgm:linClrLst meth="repeat">
+      <a:schemeClr val="accent2"/>
+      <a:schemeClr val="accent3"/>
+      <a:schemeClr val="accent4"/>
+      <a:schemeClr val="accent5"/>
+      <a:schemeClr val="accent6"/>
+    </dgm:linClrLst>
+    <dgm:effectClrLst/>
+    <dgm:txLinClrLst/>
+    <dgm:txFillClrLst meth="repeat">
+      <a:schemeClr val="dk1"/>
+    </dgm:txFillClrLst>
+    <dgm:txEffectClrLst/>
+  </dgm:styleLbl>
+  <dgm:styleLbl name="trAlignAcc1">
+    <dgm:fillClrLst meth="repeat">
+      <a:schemeClr val="lt1">
+        <a:alpha val="40000"/>
+      </a:schemeClr>
+    </dgm:fillClrLst>
+    <dgm:linClrLst meth="repeat">
+      <a:schemeClr val="accent1"/>
+    </dgm:linClrLst>
+    <dgm:effectClrLst/>
+    <dgm:txLinClrLst/>
+    <dgm:txFillClrLst meth="repeat">
+      <a:schemeClr val="dk1"/>
+    </dgm:txFillClrLst>
+    <dgm:txEffectClrLst/>
+  </dgm:styleLbl>
+  <dgm:styleLbl name="bgAcc1">
+    <dgm:fillClrLst meth="repeat">
+      <a:schemeClr val="lt1">
+        <a:alpha val="90000"/>
+      </a:schemeClr>
+    </dgm:fillClrLst>
+    <dgm:linClrLst meth="repeat">
+      <a:schemeClr val="accent2"/>
+      <a:schemeClr val="accent3"/>
+      <a:schemeClr val="accent4"/>
+      <a:schemeClr val="accent5"/>
+      <a:schemeClr val="accent6"/>
+    </dgm:linClrLst>
+    <dgm:effectClrLst/>
+    <dgm:txLinClrLst/>
+    <dgm:txFillClrLst meth="repeat">
+      <a:schemeClr val="dk1"/>
+    </dgm:txFillClrLst>
+    <dgm:txEffectClrLst/>
+  </dgm:styleLbl>
+  <dgm:styleLbl name="solidFgAcc1">
+    <dgm:fillClrLst meth="repeat">
+      <a:schemeClr val="lt1"/>
+    </dgm:fillClrLst>
+    <dgm:linClrLst meth="repeat">
+      <a:schemeClr val="accent2"/>
+      <a:schemeClr val="accent3"/>
+      <a:schemeClr val="accent4"/>
+      <a:schemeClr val="accent5"/>
+      <a:schemeClr val="accent6"/>
+    </dgm:linClrLst>
+    <dgm:effectClrLst/>
+    <dgm:txLinClrLst/>
+    <dgm:txFillClrLst meth="repeat">
+      <a:schemeClr val="dk1"/>
+    </dgm:txFillClrLst>
+    <dgm:txEffectClrLst/>
+  </dgm:styleLbl>
+  <dgm:styleLbl name="solidAlignAcc1">
+    <dgm:fillClrLst meth="repeat">
+      <a:schemeClr val="lt1"/>
+    </dgm:fillClrLst>
+    <dgm:linClrLst meth="repeat">
+      <a:schemeClr val="accent2"/>
+      <a:schemeClr val="accent3"/>
+      <a:schemeClr val="accent4"/>
+      <a:schemeClr val="accent5"/>
+      <a:schemeClr val="accent6"/>
+    </dgm:linClrLst>
+    <dgm:effectClrLst/>
+    <dgm:txLinClrLst/>
+    <dgm:txFillClrLst meth="repeat">
+      <a:schemeClr val="dk1"/>
+    </dgm:txFillClrLst>
+    <dgm:txEffectClrLst/>
+  </dgm:styleLbl>
+  <dgm:styleLbl name="solidBgAcc1">
+    <dgm:fillClrLst meth="repeat">
+      <a:schemeClr val="lt1"/>
+    </dgm:fillClrLst>
+    <dgm:linClrLst meth="repeat">
+      <a:schemeClr val="accent2"/>
+      <a:schemeClr val="accent3"/>
+      <a:schemeClr val="accent4"/>
+      <a:schemeClr val="accent5"/>
+      <a:schemeClr val="accent6"/>
+    </dgm:linClrLst>
+    <dgm:effectClrLst/>
+    <dgm:txLinClrLst/>
+    <dgm:txFillClrLst meth="repeat">
+      <a:schemeClr val="dk1"/>
+    </dgm:txFillClrLst>
+    <dgm:txEffectClrLst/>
+  </dgm:styleLbl>
+  <dgm:styleLbl name="fgAccFollowNode1">
+    <dgm:fillClrLst meth="repeat">
+      <a:schemeClr val="accent2">
+        <a:tint val="40000"/>
+        <a:alpha val="90000"/>
+      </a:schemeClr>
+      <a:schemeClr val="accent3">
+        <a:tint val="40000"/>
+        <a:alpha val="90000"/>
+      </a:schemeClr>
+      <a:schemeClr val="accent4">
+        <a:tint val="40000"/>
+        <a:alpha val="90000"/>
+      </a:schemeClr>
+      <a:schemeClr val="accent5">
+        <a:tint val="40000"/>
+        <a:alpha val="90000"/>
+      </a:schemeClr>
+      <a:schemeClr val="accent6">
+        <a:tint val="40000"/>
+        <a:alpha val="90000"/>
+      </a:schemeClr>
+    </dgm:fillClrLst>
+    <dgm:linClrLst meth="repeat">
+      <a:schemeClr val="accent2">
+        <a:tint val="40000"/>
+        <a:alpha val="90000"/>
+      </a:schemeClr>
+      <a:schemeClr val="accent3">
+        <a:tint val="40000"/>
+        <a:alpha val="90000"/>
+      </a:schemeClr>
+      <a:schemeClr val="accent4">
+        <a:tint val="40000"/>
+        <a:alpha val="90000"/>
+      </a:schemeClr>
+      <a:schemeClr val="accent5">
+        <a:tint val="40000"/>
+        <a:alpha val="90000"/>
+      </a:schemeClr>
+      <a:schemeClr val="accent6">
+        <a:tint val="40000"/>
+        <a:alpha val="90000"/>
+      </a:schemeClr>
+    </dgm:linClrLst>
+    <dgm:effectClrLst/>
+    <dgm:txLinClrLst/>
+    <dgm:txFillClrLst meth="repeat">
+      <a:schemeClr val="dk1"/>
+    </dgm:txFillClrLst>
+    <dgm:txEffectClrLst/>
+  </dgm:styleLbl>
+  <dgm:styleLbl name="alignAccFollowNode1">
+    <dgm:fillClrLst meth="repeat">
+      <a:schemeClr val="accent2">
+        <a:tint val="40000"/>
+        <a:alpha val="90000"/>
+      </a:schemeClr>
+      <a:schemeClr val="accent3">
+        <a:tint val="40000"/>
+        <a:alpha val="90000"/>
+      </a:schemeClr>
+      <a:schemeClr val="accent4">
+        <a:tint val="40000"/>
+        <a:alpha val="90000"/>
+      </a:schemeClr>
+      <a:schemeClr val="accent5">
+        <a:tint val="40000"/>
+        <a:alpha val="90000"/>
+      </a:schemeClr>
+      <a:schemeClr val="accent6">
+        <a:tint val="40000"/>
+        <a:alpha val="90000"/>
+      </a:schemeClr>
+    </dgm:fillClrLst>
+    <dgm:linClrLst meth="repeat">
+      <a:schemeClr val="accent2">
+        <a:tint val="40000"/>
+        <a:alpha val="90000"/>
+      </a:schemeClr>
+      <a:schemeClr val="accent3">
+        <a:tint val="40000"/>
+        <a:alpha val="90000"/>
+      </a:schemeClr>
+      <a:schemeClr val="accent4">
+        <a:tint val="40000"/>
+        <a:alpha val="90000"/>
+      </a:schemeClr>
+      <a:schemeClr val="accent5">
+        <a:tint val="40000"/>
+        <a:alpha val="90000"/>
+      </a:schemeClr>
+      <a:schemeClr val="accent6">
+        <a:tint val="40000"/>
+        <a:alpha val="90000"/>
+      </a:schemeClr>
+    </dgm:linClrLst>
+    <dgm:effectClrLst/>
+    <dgm:txLinClrLst/>
+    <dgm:txFillClrLst meth="repeat">
+      <a:schemeClr val="dk1"/>
+    </dgm:txFillClrLst>
+    <dgm:txEffectClrLst/>
+  </dgm:styleLbl>
+  <dgm:styleLbl name="bgAccFollowNode1">
+    <dgm:fillClrLst meth="repeat">
+      <a:schemeClr val="accent2">
+        <a:tint val="40000"/>
+        <a:alpha val="90000"/>
+      </a:schemeClr>
+      <a:schemeClr val="accent3">
+        <a:tint val="40000"/>
+        <a:alpha val="90000"/>
+      </a:schemeClr>
+      <a:schemeClr val="accent4">
+        <a:tint val="40000"/>
+        <a:alpha val="90000"/>
+      </a:schemeClr>
+      <a:schemeClr val="accent5">
+        <a:tint val="40000"/>
+        <a:alpha val="90000"/>
+      </a:schemeClr>
+      <a:schemeClr val="accent6">
+        <a:tint val="40000"/>
+        <a:alpha val="90000"/>
+      </a:schemeClr>
+    </dgm:fillClrLst>
+    <dgm:linClrLst meth="repeat">
+      <a:schemeClr val="accent2">
+        <a:tint val="40000"/>
+        <a:alpha val="90000"/>
+      </a:schemeClr>
+      <a:schemeClr val="accent3">
+        <a:tint val="40000"/>
+        <a:alpha val="90000"/>
+      </a:schemeClr>
+      <a:schemeClr val="accent4">
+        <a:tint val="40000"/>
+        <a:alpha val="90000"/>
+      </a:schemeClr>
+      <a:schemeClr val="accent5">
+        <a:tint val="40000"/>
+        <a:alpha val="90000"/>
+      </a:schemeClr>
+      <a:schemeClr val="accent6">
+        <a:tint val="40000"/>
+        <a:alpha val="90000"/>
+      </a:schemeClr>
+    </dgm:linClrLst>
+    <dgm:effectClrLst/>
+    <dgm:txLinClrLst/>
+    <dgm:txFillClrLst meth="repeat">
+      <a:schemeClr val="dk1"/>
+    </dgm:txFillClrLst>
+    <dgm:txEffectClrLst/>
+  </dgm:styleLbl>
+  <dgm:styleLbl name="fgAcc0">
+    <dgm:fillClrLst meth="repeat">
+      <a:schemeClr val="lt1">
+        <a:alpha val="90000"/>
+      </a:schemeClr>
+    </dgm:fillClrLst>
+    <dgm:linClrLst>
+      <a:schemeClr val="accent1"/>
+    </dgm:linClrLst>
+    <dgm:effectClrLst/>
+    <dgm:txLinClrLst/>
+    <dgm:txFillClrLst meth="repeat">
+      <a:schemeClr val="dk1"/>
+    </dgm:txFillClrLst>
+    <dgm:txEffectClrLst/>
+  </dgm:styleLbl>
+  <dgm:styleLbl name="fgAcc2">
+    <dgm:fillClrLst meth="repeat">
+      <a:schemeClr val="lt1">
+        <a:alpha val="90000"/>
+      </a:schemeClr>
+    </dgm:fillClrLst>
+    <dgm:linClrLst>
+      <a:schemeClr val="accent2"/>
+    </dgm:linClrLst>
+    <dgm:effectClrLst/>
+    <dgm:txLinClrLst/>
+    <dgm:txFillClrLst meth="repeat">
+      <a:schemeClr val="dk1"/>
+    </dgm:txFillClrLst>
+    <dgm:txEffectClrLst/>
+  </dgm:styleLbl>
+  <dgm:styleLbl name="fgAcc3">
+    <dgm:fillClrLst meth="repeat">
+      <a:schemeClr val="lt1">
+        <a:alpha val="90000"/>
+      </a:schemeClr>
+    </dgm:fillClrLst>
+    <dgm:linClrLst>
+      <a:schemeClr val="accent3"/>
+    </dgm:linClrLst>
+    <dgm:effectClrLst/>
+    <dgm:txLinClrLst/>
+    <dgm:txFillClrLst meth="repeat">
+      <a:schemeClr val="dk1"/>
+    </dgm:txFillClrLst>
+    <dgm:txEffectClrLst/>
+  </dgm:styleLbl>
+  <dgm:styleLbl name="fgAcc4">
+    <dgm:fillClrLst meth="repeat">
+      <a:schemeClr val="lt1">
+        <a:alpha val="90000"/>
+      </a:schemeClr>
+    </dgm:fillClrLst>
+    <dgm:linClrLst>
+      <a:schemeClr val="accent4"/>
+    </dgm:linClrLst>
+    <dgm:effectClrLst/>
+    <dgm:txLinClrLst/>
+    <dgm:txFillClrLst meth="repeat">
+      <a:schemeClr val="dk1"/>
+    </dgm:txFillClrLst>
+    <dgm:txEffectClrLst/>
+  </dgm:styleLbl>
+  <dgm:styleLbl name="bgShp">
+    <dgm:fillClrLst meth="repeat">
+      <a:schemeClr val="accent2">
+        <a:tint val="40000"/>
+      </a:schemeClr>
+    </dgm:fillClrLst>
+    <dgm:linClrLst meth="repeat">
+      <a:schemeClr val="dk1"/>
+    </dgm:linClrLst>
+    <dgm:effectClrLst/>
+    <dgm:txLinClrLst/>
+    <dgm:txFillClrLst meth="repeat">
+      <a:schemeClr val="dk1"/>
+    </dgm:txFillClrLst>
+    <dgm:txEffectClrLst/>
+  </dgm:styleLbl>
+  <dgm:styleLbl name="dkBgShp">
+    <dgm:fillClrLst meth="repeat">
+      <a:schemeClr val="accent2">
+        <a:shade val="90000"/>
+      </a:schemeClr>
+    </dgm:fillClrLst>
+    <dgm:linClrLst meth="repeat">
+      <a:schemeClr val="dk1"/>
+    </dgm:linClrLst>
+    <dgm:effectClrLst/>
+    <dgm:txLinClrLst/>
+    <dgm:txFillClrLst meth="repeat">
+      <a:schemeClr val="lt1"/>
+    </dgm:txFillClrLst>
+    <dgm:txEffectClrLst/>
+  </dgm:styleLbl>
+  <dgm:styleLbl name="trBgShp">
+    <dgm:fillClrLst meth="repeat">
+      <a:schemeClr val="accent1">
+        <a:tint val="50000"/>
+        <a:alpha val="40000"/>
+      </a:schemeClr>
+    </dgm:fillClrLst>
+    <dgm:linClrLst meth="repeat">
+      <a:schemeClr val="accent2"/>
+    </dgm:linClrLst>
+    <dgm:effectClrLst/>
+    <dgm:txLinClrLst/>
+    <dgm:txFillClrLst meth="repeat">
+      <a:schemeClr val="lt1"/>
+    </dgm:txFillClrLst>
+    <dgm:txEffectClrLst/>
+  </dgm:styleLbl>
+  <dgm:styleLbl name="fgShp">
+    <dgm:fillClrLst meth="repeat">
+      <a:schemeClr val="accent2">
         <a:tint val="40000"/>
       </a:schemeClr>
     </dgm:fillClrLst>
@@ -1415,6 +3260,13 @@
         </dgm:presLayoutVars>
       </dgm:prSet>
       <dgm:spPr/>
+      <dgm:t>
+        <a:bodyPr/>
+        <a:lstStyle/>
+        <a:p>
+          <a:endParaRPr lang="de-DE"/>
+        </a:p>
+      </dgm:t>
     </dgm:pt>
     <dgm:pt modelId="{8EB519A1-020E-4BE8-8E55-BC4880CDEBF6}" type="pres">
       <dgm:prSet presAssocID="{3DB350D3-D070-480F-A373-2BAFDB8195B7}" presName="vertOne" presStyleCnt="0"/>
@@ -1508,6 +3360,13 @@
         </dgm:presLayoutVars>
       </dgm:prSet>
       <dgm:spPr/>
+      <dgm:t>
+        <a:bodyPr/>
+        <a:lstStyle/>
+        <a:p>
+          <a:endParaRPr lang="de-DE"/>
+        </a:p>
+      </dgm:t>
     </dgm:pt>
     <dgm:pt modelId="{D5B28350-5163-4DE1-8B18-D386672054F7}" type="pres">
       <dgm:prSet presAssocID="{BC5556E5-78C6-42FF-8133-53FBDA12667C}" presName="parTransTwo" presStyleCnt="0"/>
@@ -1528,6 +3387,13 @@
         </dgm:presLayoutVars>
       </dgm:prSet>
       <dgm:spPr/>
+      <dgm:t>
+        <a:bodyPr/>
+        <a:lstStyle/>
+        <a:p>
+          <a:endParaRPr lang="de-DE"/>
+        </a:p>
+      </dgm:t>
     </dgm:pt>
     <dgm:pt modelId="{BCD91C8B-2DB5-461F-A5DF-DC576CB6BA37}" type="pres">
       <dgm:prSet presAssocID="{9B2681F0-B283-4747-8214-1C90EE3D9836}" presName="horzThree" presStyleCnt="0"/>
@@ -1548,6 +3414,13 @@
         </dgm:presLayoutVars>
       </dgm:prSet>
       <dgm:spPr/>
+      <dgm:t>
+        <a:bodyPr/>
+        <a:lstStyle/>
+        <a:p>
+          <a:endParaRPr lang="de-DE"/>
+        </a:p>
+      </dgm:t>
     </dgm:pt>
     <dgm:pt modelId="{5FD0FB13-4740-44A4-B45C-92831C509C2A}" type="pres">
       <dgm:prSet presAssocID="{C544CF65-64CD-4A43-9EDD-49C4F05D95D6}" presName="horzThree" presStyleCnt="0"/>
@@ -1568,6 +3441,13 @@
         </dgm:presLayoutVars>
       </dgm:prSet>
       <dgm:spPr/>
+      <dgm:t>
+        <a:bodyPr/>
+        <a:lstStyle/>
+        <a:p>
+          <a:endParaRPr lang="de-DE"/>
+        </a:p>
+      </dgm:t>
     </dgm:pt>
     <dgm:pt modelId="{2C64EE96-B7CC-4955-A1D6-AEF4DFCC73FB}" type="pres">
       <dgm:prSet presAssocID="{B31ECDD2-BAC2-402E-95D3-7DFF626F9D9D}" presName="parTransTwo" presStyleCnt="0"/>
@@ -1642,6 +3522,13 @@
         </dgm:presLayoutVars>
       </dgm:prSet>
       <dgm:spPr/>
+      <dgm:t>
+        <a:bodyPr/>
+        <a:lstStyle/>
+        <a:p>
+          <a:endParaRPr lang="de-DE"/>
+        </a:p>
+      </dgm:t>
     </dgm:pt>
     <dgm:pt modelId="{A315AC77-4265-4B3D-A0FF-A8D96A869E08}" type="pres">
       <dgm:prSet presAssocID="{2B7D9824-AF88-4392-A5DC-CA3C07DC9C6C}" presName="parTransTwo" presStyleCnt="0"/>
@@ -1716,6 +3603,13 @@
         </dgm:presLayoutVars>
       </dgm:prSet>
       <dgm:spPr/>
+      <dgm:t>
+        <a:bodyPr/>
+        <a:lstStyle/>
+        <a:p>
+          <a:endParaRPr lang="de-DE"/>
+        </a:p>
+      </dgm:t>
     </dgm:pt>
     <dgm:pt modelId="{20814A13-D9B4-4F10-A49D-94C922FFDF23}" type="pres">
       <dgm:prSet presAssocID="{A856D2D8-9D8D-4099-B296-386A05A8AD39}" presName="horzThree" presStyleCnt="0"/>
@@ -1729,8 +3623,8 @@
     <dgm:cxn modelId="{8B547723-EA4C-406B-9CA8-3AF7FF048BEB}" type="presOf" srcId="{A856D2D8-9D8D-4099-B296-386A05A8AD39}" destId="{A472835F-C15D-4DC2-AF59-91D3BD1F1A68}" srcOrd="0" destOrd="0" presId="urn:microsoft.com/office/officeart/2005/8/layout/hierarchy4"/>
     <dgm:cxn modelId="{5B7B8394-E46F-4439-BE3D-F44B238BC2B3}" srcId="{BC5556E5-78C6-42FF-8133-53FBDA12667C}" destId="{C544CF65-64CD-4A43-9EDD-49C4F05D95D6}" srcOrd="1" destOrd="0" parTransId="{8543370B-46C1-4AEC-8D98-1F3D01220233}" sibTransId="{1D7B12A0-0894-42BD-92A5-1966DA310D65}"/>
     <dgm:cxn modelId="{CC13DF02-9E4B-4816-A714-0EF8C6B96293}" type="presOf" srcId="{FF649322-2DE1-4D80-8160-739B3E351948}" destId="{7C68D11E-6D6C-4154-9052-DAA5FAB04448}" srcOrd="0" destOrd="0" presId="urn:microsoft.com/office/officeart/2005/8/layout/hierarchy4"/>
+    <dgm:cxn modelId="{19D22967-0E3C-4429-8B29-F0D1F165CBD2}" type="presOf" srcId="{C544CF65-64CD-4A43-9EDD-49C4F05D95D6}" destId="{6F57AA7E-BF37-4B9B-9AA7-E2D287BB939D}" srcOrd="0" destOrd="0" presId="urn:microsoft.com/office/officeart/2005/8/layout/hierarchy4"/>
     <dgm:cxn modelId="{B05D0EAE-2B3A-4941-A82B-7CEFBDCECEED}" srcId="{B31ECDD2-BAC2-402E-95D3-7DFF626F9D9D}" destId="{FF649322-2DE1-4D80-8160-739B3E351948}" srcOrd="0" destOrd="0" parTransId="{70B9557A-6C63-4E64-9847-B45B9FC1EB8E}" sibTransId="{25CE3E1B-7706-4B01-A873-1789FA5F1DCE}"/>
-    <dgm:cxn modelId="{19D22967-0E3C-4429-8B29-F0D1F165CBD2}" type="presOf" srcId="{C544CF65-64CD-4A43-9EDD-49C4F05D95D6}" destId="{6F57AA7E-BF37-4B9B-9AA7-E2D287BB939D}" srcOrd="0" destOrd="0" presId="urn:microsoft.com/office/officeart/2005/8/layout/hierarchy4"/>
     <dgm:cxn modelId="{03B51B6D-A224-4784-A2B6-BFB222B21C79}" type="presOf" srcId="{4CE6E755-3F9B-45F1-BDB2-661286C99B6A}" destId="{012E50F3-EDE5-444B-A931-0C64AB72CD04}" srcOrd="0" destOrd="0" presId="urn:microsoft.com/office/officeart/2005/8/layout/hierarchy4"/>
     <dgm:cxn modelId="{066D888D-2D39-4B27-B8D3-5FA36793FFF3}" srcId="{BC5556E5-78C6-42FF-8133-53FBDA12667C}" destId="{9B2681F0-B283-4747-8214-1C90EE3D9836}" srcOrd="0" destOrd="0" parTransId="{CF761C0A-748C-49B7-B8C6-B48C03590FDD}" sibTransId="{53E454C6-E1B2-44C9-9F81-B362D08A9553}"/>
     <dgm:cxn modelId="{3E9EBCB7-E8E6-48A4-8D84-1EA40F1BA1F9}" type="presOf" srcId="{3DB350D3-D070-480F-A373-2BAFDB8195B7}" destId="{F1CA5073-1ECB-4B55-BDA4-AC7FC9CAF784}" srcOrd="0" destOrd="0" presId="urn:microsoft.com/office/officeart/2005/8/layout/hierarchy4"/>
@@ -1807,6 +3701,776 @@
   <dgm:extLst>
     <a:ext uri="http://schemas.microsoft.com/office/drawing/2008/diagram">
       <dsp:dataModelExt xmlns:dsp="http://schemas.microsoft.com/office/drawing/2008/diagram" xmlns="" relId="rId7" minVer="http://schemas.openxmlformats.org/drawingml/2006/diagram"/>
+    </a:ext>
+  </dgm:extLst>
+</dgm:dataModel>
+</file>
+
+<file path=ppt/diagrams/data2.xml><?xml version="1.0" encoding="utf-8"?>
+<dgm:dataModel xmlns:dgm="http://schemas.openxmlformats.org/drawingml/2006/diagram" xmlns:a="http://schemas.openxmlformats.org/drawingml/2006/main">
+  <dgm:ptLst>
+    <dgm:pt modelId="{9B094859-64CF-43E2-84E3-5C2C137C1AE4}" type="doc">
+      <dgm:prSet loTypeId="urn:microsoft.com/office/officeart/2005/8/layout/vList5" loCatId="list" qsTypeId="urn:microsoft.com/office/officeart/2005/8/quickstyle/simple3" qsCatId="simple" csTypeId="urn:microsoft.com/office/officeart/2005/8/colors/colorful1" csCatId="colorful" phldr="1"/>
+      <dgm:spPr/>
+      <dgm:t>
+        <a:bodyPr/>
+        <a:lstStyle/>
+        <a:p>
+          <a:endParaRPr lang="de-DE"/>
+        </a:p>
+      </dgm:t>
+    </dgm:pt>
+    <dgm:pt modelId="{A2B8A66F-00A2-489B-A4AD-A84E9CA6D163}">
+      <dgm:prSet phldrT="[Text]"/>
+      <dgm:spPr/>
+      <dgm:t>
+        <a:bodyPr/>
+        <a:lstStyle/>
+        <a:p>
+          <a:r>
+            <a:rPr lang="en-US" noProof="0" dirty="0" smtClean="0"/>
+            <a:t>Service Access and Configuration Patterns</a:t>
+          </a:r>
+          <a:endParaRPr lang="en-US" noProof="0" dirty="0"/>
+        </a:p>
+      </dgm:t>
+    </dgm:pt>
+    <dgm:pt modelId="{AA678909-AD5D-469C-AFA9-69B96C003BBB}" type="parTrans" cxnId="{5C7C83F4-A3F9-46C8-B997-B717E9651361}">
+      <dgm:prSet/>
+      <dgm:spPr/>
+      <dgm:t>
+        <a:bodyPr/>
+        <a:lstStyle/>
+        <a:p>
+          <a:endParaRPr lang="en-US" noProof="0"/>
+        </a:p>
+      </dgm:t>
+    </dgm:pt>
+    <dgm:pt modelId="{90EDBD5F-B7B0-45C8-859F-7ED3086B50DC}" type="sibTrans" cxnId="{5C7C83F4-A3F9-46C8-B997-B717E9651361}">
+      <dgm:prSet/>
+      <dgm:spPr/>
+      <dgm:t>
+        <a:bodyPr/>
+        <a:lstStyle/>
+        <a:p>
+          <a:endParaRPr lang="en-US" noProof="0"/>
+        </a:p>
+      </dgm:t>
+    </dgm:pt>
+    <dgm:pt modelId="{19363DDF-615E-40BE-9E5E-4D3D9BB3CAA6}">
+      <dgm:prSet phldrT="[Text]"/>
+      <dgm:spPr/>
+      <dgm:t>
+        <a:bodyPr/>
+        <a:lstStyle/>
+        <a:p>
+          <a:r>
+            <a:rPr lang="en-US" noProof="0" dirty="0" smtClean="0"/>
+            <a:t>Event Handling Patterns</a:t>
+          </a:r>
+          <a:endParaRPr lang="en-US" noProof="0" dirty="0"/>
+        </a:p>
+      </dgm:t>
+    </dgm:pt>
+    <dgm:pt modelId="{E3A5C0A8-31A9-48E7-92DB-42DF2B29BAB1}" type="parTrans" cxnId="{B4147CAF-6A66-4AD5-80B9-30BC3C4F17E1}">
+      <dgm:prSet/>
+      <dgm:spPr/>
+      <dgm:t>
+        <a:bodyPr/>
+        <a:lstStyle/>
+        <a:p>
+          <a:endParaRPr lang="en-US" noProof="0"/>
+        </a:p>
+      </dgm:t>
+    </dgm:pt>
+    <dgm:pt modelId="{CFCE6456-C4BB-4A14-8C1A-685F7BEA0B87}" type="sibTrans" cxnId="{B4147CAF-6A66-4AD5-80B9-30BC3C4F17E1}">
+      <dgm:prSet/>
+      <dgm:spPr/>
+      <dgm:t>
+        <a:bodyPr/>
+        <a:lstStyle/>
+        <a:p>
+          <a:endParaRPr lang="en-US" noProof="0"/>
+        </a:p>
+      </dgm:t>
+    </dgm:pt>
+    <dgm:pt modelId="{9BC09347-B33D-4979-9BDB-E36C7B30CBBA}">
+      <dgm:prSet phldrT="[Text]"/>
+      <dgm:spPr/>
+      <dgm:t>
+        <a:bodyPr/>
+        <a:lstStyle/>
+        <a:p>
+          <a:r>
+            <a:rPr lang="en-US" noProof="0" dirty="0" smtClean="0"/>
+            <a:t>Synchronization Patterns</a:t>
+          </a:r>
+          <a:endParaRPr lang="en-US" noProof="0" dirty="0"/>
+        </a:p>
+      </dgm:t>
+    </dgm:pt>
+    <dgm:pt modelId="{A7B10C6A-5E76-4F3B-93CA-9027D009C27B}" type="parTrans" cxnId="{C344B9F3-4A37-4607-B718-D2DEBE1D5C6E}">
+      <dgm:prSet/>
+      <dgm:spPr/>
+      <dgm:t>
+        <a:bodyPr/>
+        <a:lstStyle/>
+        <a:p>
+          <a:endParaRPr lang="en-US" noProof="0"/>
+        </a:p>
+      </dgm:t>
+    </dgm:pt>
+    <dgm:pt modelId="{5F6C0C8C-6177-488A-A37D-925D034EFCAC}" type="sibTrans" cxnId="{C344B9F3-4A37-4607-B718-D2DEBE1D5C6E}">
+      <dgm:prSet/>
+      <dgm:spPr/>
+      <dgm:t>
+        <a:bodyPr/>
+        <a:lstStyle/>
+        <a:p>
+          <a:endParaRPr lang="en-US" noProof="0"/>
+        </a:p>
+      </dgm:t>
+    </dgm:pt>
+    <dgm:pt modelId="{552DEA89-C539-4395-A106-B0D2CFAEC0C4}">
+      <dgm:prSet phldrT="[Text]"/>
+      <dgm:spPr/>
+      <dgm:t>
+        <a:bodyPr/>
+        <a:lstStyle/>
+        <a:p>
+          <a:r>
+            <a:rPr lang="en-US" noProof="0" dirty="0" smtClean="0"/>
+            <a:t>Concurrency Patterns</a:t>
+          </a:r>
+          <a:endParaRPr lang="en-US" noProof="0" dirty="0"/>
+        </a:p>
+      </dgm:t>
+    </dgm:pt>
+    <dgm:pt modelId="{4E93E06C-44D9-4AD8-9417-E359CCD1CC4C}" type="parTrans" cxnId="{0E21A504-B936-4C33-8A75-641DA3707E7F}">
+      <dgm:prSet/>
+      <dgm:spPr/>
+      <dgm:t>
+        <a:bodyPr/>
+        <a:lstStyle/>
+        <a:p>
+          <a:endParaRPr lang="de-DE"/>
+        </a:p>
+      </dgm:t>
+    </dgm:pt>
+    <dgm:pt modelId="{C876DB4F-7528-4CCF-83D8-03DA5F64EBB9}" type="sibTrans" cxnId="{0E21A504-B936-4C33-8A75-641DA3707E7F}">
+      <dgm:prSet/>
+      <dgm:spPr/>
+      <dgm:t>
+        <a:bodyPr/>
+        <a:lstStyle/>
+        <a:p>
+          <a:endParaRPr lang="de-DE"/>
+        </a:p>
+      </dgm:t>
+    </dgm:pt>
+    <dgm:pt modelId="{111A599B-EA97-4DC2-BF4C-8A6DA8FE7850}" type="pres">
+      <dgm:prSet presAssocID="{9B094859-64CF-43E2-84E3-5C2C137C1AE4}" presName="Name0" presStyleCnt="0">
+        <dgm:presLayoutVars>
+          <dgm:dir/>
+          <dgm:animLvl val="lvl"/>
+          <dgm:resizeHandles val="exact"/>
+        </dgm:presLayoutVars>
+      </dgm:prSet>
+      <dgm:spPr/>
+    </dgm:pt>
+    <dgm:pt modelId="{FB5F408D-1C69-4101-BD49-63EC282DF85D}" type="pres">
+      <dgm:prSet presAssocID="{A2B8A66F-00A2-489B-A4AD-A84E9CA6D163}" presName="linNode" presStyleCnt="0"/>
+      <dgm:spPr/>
+    </dgm:pt>
+    <dgm:pt modelId="{082BB027-6359-45A9-905C-ACA83F9E48B2}" type="pres">
+      <dgm:prSet presAssocID="{A2B8A66F-00A2-489B-A4AD-A84E9CA6D163}" presName="parentText" presStyleLbl="node1" presStyleIdx="0" presStyleCnt="4" custScaleX="246331">
+        <dgm:presLayoutVars>
+          <dgm:chMax val="1"/>
+          <dgm:bulletEnabled val="1"/>
+        </dgm:presLayoutVars>
+      </dgm:prSet>
+      <dgm:spPr/>
+      <dgm:t>
+        <a:bodyPr/>
+        <a:lstStyle/>
+        <a:p>
+          <a:endParaRPr lang="de-DE"/>
+        </a:p>
+      </dgm:t>
+    </dgm:pt>
+    <dgm:pt modelId="{1C4285F0-7F7E-4417-BC38-6822BA52F0FF}" type="pres">
+      <dgm:prSet presAssocID="{90EDBD5F-B7B0-45C8-859F-7ED3086B50DC}" presName="sp" presStyleCnt="0"/>
+      <dgm:spPr/>
+    </dgm:pt>
+    <dgm:pt modelId="{BCE906E6-65BA-4A5C-9D91-FF2CEB30789A}" type="pres">
+      <dgm:prSet presAssocID="{19363DDF-615E-40BE-9E5E-4D3D9BB3CAA6}" presName="linNode" presStyleCnt="0"/>
+      <dgm:spPr/>
+    </dgm:pt>
+    <dgm:pt modelId="{87CD7CF8-79B5-416A-967B-F89FBA3DBED1}" type="pres">
+      <dgm:prSet presAssocID="{19363DDF-615E-40BE-9E5E-4D3D9BB3CAA6}" presName="parentText" presStyleLbl="node1" presStyleIdx="1" presStyleCnt="4" custScaleX="246331">
+        <dgm:presLayoutVars>
+          <dgm:chMax val="1"/>
+          <dgm:bulletEnabled val="1"/>
+        </dgm:presLayoutVars>
+      </dgm:prSet>
+      <dgm:spPr/>
+    </dgm:pt>
+    <dgm:pt modelId="{8DD53816-F4CF-411E-AE79-8E3BA97722E8}" type="pres">
+      <dgm:prSet presAssocID="{CFCE6456-C4BB-4A14-8C1A-685F7BEA0B87}" presName="sp" presStyleCnt="0"/>
+      <dgm:spPr/>
+    </dgm:pt>
+    <dgm:pt modelId="{9D423088-4711-47F9-A525-9B29EB53B6BF}" type="pres">
+      <dgm:prSet presAssocID="{9BC09347-B33D-4979-9BDB-E36C7B30CBBA}" presName="linNode" presStyleCnt="0"/>
+      <dgm:spPr/>
+    </dgm:pt>
+    <dgm:pt modelId="{E63503F8-AAFE-4BAA-8D4E-448F984C98D8}" type="pres">
+      <dgm:prSet presAssocID="{9BC09347-B33D-4979-9BDB-E36C7B30CBBA}" presName="parentText" presStyleLbl="node1" presStyleIdx="2" presStyleCnt="4" custScaleX="246331">
+        <dgm:presLayoutVars>
+          <dgm:chMax val="1"/>
+          <dgm:bulletEnabled val="1"/>
+        </dgm:presLayoutVars>
+      </dgm:prSet>
+      <dgm:spPr/>
+      <dgm:t>
+        <a:bodyPr/>
+        <a:lstStyle/>
+        <a:p>
+          <a:endParaRPr lang="de-DE"/>
+        </a:p>
+      </dgm:t>
+    </dgm:pt>
+    <dgm:pt modelId="{B9CC5139-2C89-4808-ACFA-47FBC1A9C4BF}" type="pres">
+      <dgm:prSet presAssocID="{5F6C0C8C-6177-488A-A37D-925D034EFCAC}" presName="sp" presStyleCnt="0"/>
+      <dgm:spPr/>
+    </dgm:pt>
+    <dgm:pt modelId="{E5652D52-B77D-4CD2-AFEB-32D876A3F413}" type="pres">
+      <dgm:prSet presAssocID="{552DEA89-C539-4395-A106-B0D2CFAEC0C4}" presName="linNode" presStyleCnt="0"/>
+      <dgm:spPr/>
+    </dgm:pt>
+    <dgm:pt modelId="{60494F3F-B686-4940-983F-1C72649574BB}" type="pres">
+      <dgm:prSet presAssocID="{552DEA89-C539-4395-A106-B0D2CFAEC0C4}" presName="parentText" presStyleLbl="node1" presStyleIdx="3" presStyleCnt="4" custScaleX="246331">
+        <dgm:presLayoutVars>
+          <dgm:chMax val="1"/>
+          <dgm:bulletEnabled val="1"/>
+        </dgm:presLayoutVars>
+      </dgm:prSet>
+      <dgm:spPr/>
+    </dgm:pt>
+  </dgm:ptLst>
+  <dgm:cxnLst>
+    <dgm:cxn modelId="{5C7C83F4-A3F9-46C8-B997-B717E9651361}" srcId="{9B094859-64CF-43E2-84E3-5C2C137C1AE4}" destId="{A2B8A66F-00A2-489B-A4AD-A84E9CA6D163}" srcOrd="0" destOrd="0" parTransId="{AA678909-AD5D-469C-AFA9-69B96C003BBB}" sibTransId="{90EDBD5F-B7B0-45C8-859F-7ED3086B50DC}"/>
+    <dgm:cxn modelId="{9DACFB29-D503-47DE-A112-9608887D92A1}" type="presOf" srcId="{9B094859-64CF-43E2-84E3-5C2C137C1AE4}" destId="{111A599B-EA97-4DC2-BF4C-8A6DA8FE7850}" srcOrd="0" destOrd="0" presId="urn:microsoft.com/office/officeart/2005/8/layout/vList5"/>
+    <dgm:cxn modelId="{0D960763-A5E3-405B-899A-B575859CD7B8}" type="presOf" srcId="{19363DDF-615E-40BE-9E5E-4D3D9BB3CAA6}" destId="{87CD7CF8-79B5-416A-967B-F89FBA3DBED1}" srcOrd="0" destOrd="0" presId="urn:microsoft.com/office/officeart/2005/8/layout/vList5"/>
+    <dgm:cxn modelId="{B4147CAF-6A66-4AD5-80B9-30BC3C4F17E1}" srcId="{9B094859-64CF-43E2-84E3-5C2C137C1AE4}" destId="{19363DDF-615E-40BE-9E5E-4D3D9BB3CAA6}" srcOrd="1" destOrd="0" parTransId="{E3A5C0A8-31A9-48E7-92DB-42DF2B29BAB1}" sibTransId="{CFCE6456-C4BB-4A14-8C1A-685F7BEA0B87}"/>
+    <dgm:cxn modelId="{14099E3B-A0C4-4EE6-AED6-D3E228B8A8F7}" type="presOf" srcId="{A2B8A66F-00A2-489B-A4AD-A84E9CA6D163}" destId="{082BB027-6359-45A9-905C-ACA83F9E48B2}" srcOrd="0" destOrd="0" presId="urn:microsoft.com/office/officeart/2005/8/layout/vList5"/>
+    <dgm:cxn modelId="{0E21A504-B936-4C33-8A75-641DA3707E7F}" srcId="{9B094859-64CF-43E2-84E3-5C2C137C1AE4}" destId="{552DEA89-C539-4395-A106-B0D2CFAEC0C4}" srcOrd="3" destOrd="0" parTransId="{4E93E06C-44D9-4AD8-9417-E359CCD1CC4C}" sibTransId="{C876DB4F-7528-4CCF-83D8-03DA5F64EBB9}"/>
+    <dgm:cxn modelId="{DBEA0B5A-A90D-4DAA-BA5C-9677C4715319}" type="presOf" srcId="{9BC09347-B33D-4979-9BDB-E36C7B30CBBA}" destId="{E63503F8-AAFE-4BAA-8D4E-448F984C98D8}" srcOrd="0" destOrd="0" presId="urn:microsoft.com/office/officeart/2005/8/layout/vList5"/>
+    <dgm:cxn modelId="{C344B9F3-4A37-4607-B718-D2DEBE1D5C6E}" srcId="{9B094859-64CF-43E2-84E3-5C2C137C1AE4}" destId="{9BC09347-B33D-4979-9BDB-E36C7B30CBBA}" srcOrd="2" destOrd="0" parTransId="{A7B10C6A-5E76-4F3B-93CA-9027D009C27B}" sibTransId="{5F6C0C8C-6177-488A-A37D-925D034EFCAC}"/>
+    <dgm:cxn modelId="{2815016F-AA00-4522-9087-9EBE388F41D5}" type="presOf" srcId="{552DEA89-C539-4395-A106-B0D2CFAEC0C4}" destId="{60494F3F-B686-4940-983F-1C72649574BB}" srcOrd="0" destOrd="0" presId="urn:microsoft.com/office/officeart/2005/8/layout/vList5"/>
+    <dgm:cxn modelId="{3C1F2102-CD8A-4343-A860-5BE7B6C14B41}" type="presParOf" srcId="{111A599B-EA97-4DC2-BF4C-8A6DA8FE7850}" destId="{FB5F408D-1C69-4101-BD49-63EC282DF85D}" srcOrd="0" destOrd="0" presId="urn:microsoft.com/office/officeart/2005/8/layout/vList5"/>
+    <dgm:cxn modelId="{0146E2F0-2E73-4B1D-87B6-71BD2EB64C2D}" type="presParOf" srcId="{FB5F408D-1C69-4101-BD49-63EC282DF85D}" destId="{082BB027-6359-45A9-905C-ACA83F9E48B2}" srcOrd="0" destOrd="0" presId="urn:microsoft.com/office/officeart/2005/8/layout/vList5"/>
+    <dgm:cxn modelId="{6035159D-5BC2-47DE-8375-B10C07B88641}" type="presParOf" srcId="{111A599B-EA97-4DC2-BF4C-8A6DA8FE7850}" destId="{1C4285F0-7F7E-4417-BC38-6822BA52F0FF}" srcOrd="1" destOrd="0" presId="urn:microsoft.com/office/officeart/2005/8/layout/vList5"/>
+    <dgm:cxn modelId="{B4941636-963A-4795-89C6-EB0A595E8581}" type="presParOf" srcId="{111A599B-EA97-4DC2-BF4C-8A6DA8FE7850}" destId="{BCE906E6-65BA-4A5C-9D91-FF2CEB30789A}" srcOrd="2" destOrd="0" presId="urn:microsoft.com/office/officeart/2005/8/layout/vList5"/>
+    <dgm:cxn modelId="{E22251B2-0BBF-43A6-B64A-94EA92744424}" type="presParOf" srcId="{BCE906E6-65BA-4A5C-9D91-FF2CEB30789A}" destId="{87CD7CF8-79B5-416A-967B-F89FBA3DBED1}" srcOrd="0" destOrd="0" presId="urn:microsoft.com/office/officeart/2005/8/layout/vList5"/>
+    <dgm:cxn modelId="{8D07C741-05D5-42CC-B60C-BBEFF9F460F1}" type="presParOf" srcId="{111A599B-EA97-4DC2-BF4C-8A6DA8FE7850}" destId="{8DD53816-F4CF-411E-AE79-8E3BA97722E8}" srcOrd="3" destOrd="0" presId="urn:microsoft.com/office/officeart/2005/8/layout/vList5"/>
+    <dgm:cxn modelId="{EE3B5AFE-F081-41B2-B0AE-8C94DB1D177B}" type="presParOf" srcId="{111A599B-EA97-4DC2-BF4C-8A6DA8FE7850}" destId="{9D423088-4711-47F9-A525-9B29EB53B6BF}" srcOrd="4" destOrd="0" presId="urn:microsoft.com/office/officeart/2005/8/layout/vList5"/>
+    <dgm:cxn modelId="{01A998CF-1B67-41A2-AA1B-BE4EE1553ED0}" type="presParOf" srcId="{9D423088-4711-47F9-A525-9B29EB53B6BF}" destId="{E63503F8-AAFE-4BAA-8D4E-448F984C98D8}" srcOrd="0" destOrd="0" presId="urn:microsoft.com/office/officeart/2005/8/layout/vList5"/>
+    <dgm:cxn modelId="{6D2EADCB-C57A-42A5-9C9B-C81921F18B5B}" type="presParOf" srcId="{111A599B-EA97-4DC2-BF4C-8A6DA8FE7850}" destId="{B9CC5139-2C89-4808-ACFA-47FBC1A9C4BF}" srcOrd="5" destOrd="0" presId="urn:microsoft.com/office/officeart/2005/8/layout/vList5"/>
+    <dgm:cxn modelId="{2690ABB1-E7DD-46A4-AC05-66BF5A752729}" type="presParOf" srcId="{111A599B-EA97-4DC2-BF4C-8A6DA8FE7850}" destId="{E5652D52-B77D-4CD2-AFEB-32D876A3F413}" srcOrd="6" destOrd="0" presId="urn:microsoft.com/office/officeart/2005/8/layout/vList5"/>
+    <dgm:cxn modelId="{F016C6CC-8B52-46B2-81FA-22E49C8D65A2}" type="presParOf" srcId="{E5652D52-B77D-4CD2-AFEB-32D876A3F413}" destId="{60494F3F-B686-4940-983F-1C72649574BB}" srcOrd="0" destOrd="0" presId="urn:microsoft.com/office/officeart/2005/8/layout/vList5"/>
+  </dgm:cxnLst>
+  <dgm:bg/>
+  <dgm:whole/>
+  <dgm:extLst>
+    <a:ext uri="http://schemas.microsoft.com/office/drawing/2008/diagram">
+      <dsp:dataModelExt xmlns:dsp="http://schemas.microsoft.com/office/drawing/2008/diagram" xmlns="" relId="rId6" minVer="http://schemas.openxmlformats.org/drawingml/2006/diagram"/>
+    </a:ext>
+  </dgm:extLst>
+</dgm:dataModel>
+</file>
+
+<file path=ppt/diagrams/data3.xml><?xml version="1.0" encoding="utf-8"?>
+<dgm:dataModel xmlns:dgm="http://schemas.openxmlformats.org/drawingml/2006/diagram" xmlns:a="http://schemas.openxmlformats.org/drawingml/2006/main">
+  <dgm:ptLst>
+    <dgm:pt modelId="{9B094859-64CF-43E2-84E3-5C2C137C1AE4}" type="doc">
+      <dgm:prSet loTypeId="urn:microsoft.com/office/officeart/2005/8/layout/vList5" loCatId="list" qsTypeId="urn:microsoft.com/office/officeart/2005/8/quickstyle/simple3" qsCatId="simple" csTypeId="urn:microsoft.com/office/officeart/2005/8/colors/colorful1" csCatId="colorful" phldr="1"/>
+      <dgm:spPr/>
+      <dgm:t>
+        <a:bodyPr/>
+        <a:lstStyle/>
+        <a:p>
+          <a:endParaRPr lang="de-DE"/>
+        </a:p>
+      </dgm:t>
+    </dgm:pt>
+    <dgm:pt modelId="{A2B8A66F-00A2-489B-A4AD-A84E9CA6D163}">
+      <dgm:prSet phldrT="[Text]"/>
+      <dgm:spPr/>
+      <dgm:t>
+        <a:bodyPr/>
+        <a:lstStyle/>
+        <a:p>
+          <a:r>
+            <a:rPr lang="en-US" noProof="0" dirty="0" smtClean="0"/>
+            <a:t>Service Access and Configuration Patterns</a:t>
+          </a:r>
+          <a:endParaRPr lang="en-US" noProof="0" dirty="0"/>
+        </a:p>
+      </dgm:t>
+    </dgm:pt>
+    <dgm:pt modelId="{AA678909-AD5D-469C-AFA9-69B96C003BBB}" type="parTrans" cxnId="{5C7C83F4-A3F9-46C8-B997-B717E9651361}">
+      <dgm:prSet/>
+      <dgm:spPr/>
+      <dgm:t>
+        <a:bodyPr/>
+        <a:lstStyle/>
+        <a:p>
+          <a:endParaRPr lang="en-US" noProof="0"/>
+        </a:p>
+      </dgm:t>
+    </dgm:pt>
+    <dgm:pt modelId="{90EDBD5F-B7B0-45C8-859F-7ED3086B50DC}" type="sibTrans" cxnId="{5C7C83F4-A3F9-46C8-B997-B717E9651361}">
+      <dgm:prSet/>
+      <dgm:spPr/>
+      <dgm:t>
+        <a:bodyPr/>
+        <a:lstStyle/>
+        <a:p>
+          <a:endParaRPr lang="en-US" noProof="0"/>
+        </a:p>
+      </dgm:t>
+    </dgm:pt>
+    <dgm:pt modelId="{AA94DCE6-9613-4387-A2D5-632A9737BADF}">
+      <dgm:prSet phldrT="[Text]" custT="1"/>
+      <dgm:spPr/>
+      <dgm:t>
+        <a:bodyPr/>
+        <a:lstStyle/>
+        <a:p>
+          <a:endParaRPr lang="en-US" sz="1200" noProof="0" dirty="0"/>
+        </a:p>
+      </dgm:t>
+    </dgm:pt>
+    <dgm:pt modelId="{16998827-5D9C-407F-AD34-E83863D575A6}" type="parTrans" cxnId="{5DBE8F18-B1E3-4C1C-B9C5-D6072DA8DAC6}">
+      <dgm:prSet/>
+      <dgm:spPr/>
+      <dgm:t>
+        <a:bodyPr/>
+        <a:lstStyle/>
+        <a:p>
+          <a:endParaRPr lang="en-US" noProof="0"/>
+        </a:p>
+      </dgm:t>
+    </dgm:pt>
+    <dgm:pt modelId="{1AEE6D3F-9838-4279-9EE3-704CEEEF7BDA}" type="sibTrans" cxnId="{5DBE8F18-B1E3-4C1C-B9C5-D6072DA8DAC6}">
+      <dgm:prSet/>
+      <dgm:spPr/>
+      <dgm:t>
+        <a:bodyPr/>
+        <a:lstStyle/>
+        <a:p>
+          <a:endParaRPr lang="en-US" noProof="0"/>
+        </a:p>
+      </dgm:t>
+    </dgm:pt>
+    <dgm:pt modelId="{19363DDF-615E-40BE-9E5E-4D3D9BB3CAA6}">
+      <dgm:prSet phldrT="[Text]"/>
+      <dgm:spPr/>
+      <dgm:t>
+        <a:bodyPr/>
+        <a:lstStyle/>
+        <a:p>
+          <a:r>
+            <a:rPr lang="en-US" noProof="0" dirty="0" smtClean="0"/>
+            <a:t>Event Handling Patterns</a:t>
+          </a:r>
+          <a:endParaRPr lang="en-US" noProof="0" dirty="0"/>
+        </a:p>
+      </dgm:t>
+    </dgm:pt>
+    <dgm:pt modelId="{E3A5C0A8-31A9-48E7-92DB-42DF2B29BAB1}" type="parTrans" cxnId="{B4147CAF-6A66-4AD5-80B9-30BC3C4F17E1}">
+      <dgm:prSet/>
+      <dgm:spPr/>
+      <dgm:t>
+        <a:bodyPr/>
+        <a:lstStyle/>
+        <a:p>
+          <a:endParaRPr lang="en-US" noProof="0"/>
+        </a:p>
+      </dgm:t>
+    </dgm:pt>
+    <dgm:pt modelId="{CFCE6456-C4BB-4A14-8C1A-685F7BEA0B87}" type="sibTrans" cxnId="{B4147CAF-6A66-4AD5-80B9-30BC3C4F17E1}">
+      <dgm:prSet/>
+      <dgm:spPr/>
+      <dgm:t>
+        <a:bodyPr/>
+        <a:lstStyle/>
+        <a:p>
+          <a:endParaRPr lang="en-US" noProof="0"/>
+        </a:p>
+      </dgm:t>
+    </dgm:pt>
+    <dgm:pt modelId="{3E96148D-D17F-4733-B179-D5496FEB499F}">
+      <dgm:prSet phldrT="[Text]" custT="1"/>
+      <dgm:spPr/>
+      <dgm:t>
+        <a:bodyPr/>
+        <a:lstStyle/>
+        <a:p>
+          <a:endParaRPr lang="en-US" sz="1200" noProof="0" dirty="0"/>
+        </a:p>
+      </dgm:t>
+    </dgm:pt>
+    <dgm:pt modelId="{C9943526-A6EC-4E5C-A1CC-CC84EBBB7DA9}" type="parTrans" cxnId="{D3E52FCE-6791-42F8-8BA3-A14ED795C0FF}">
+      <dgm:prSet/>
+      <dgm:spPr/>
+      <dgm:t>
+        <a:bodyPr/>
+        <a:lstStyle/>
+        <a:p>
+          <a:endParaRPr lang="en-US" noProof="0"/>
+        </a:p>
+      </dgm:t>
+    </dgm:pt>
+    <dgm:pt modelId="{3601115B-4296-4145-87CC-E83BC373ECBB}" type="sibTrans" cxnId="{D3E52FCE-6791-42F8-8BA3-A14ED795C0FF}">
+      <dgm:prSet/>
+      <dgm:spPr/>
+      <dgm:t>
+        <a:bodyPr/>
+        <a:lstStyle/>
+        <a:p>
+          <a:endParaRPr lang="en-US" noProof="0"/>
+        </a:p>
+      </dgm:t>
+    </dgm:pt>
+    <dgm:pt modelId="{9BC09347-B33D-4979-9BDB-E36C7B30CBBA}">
+      <dgm:prSet phldrT="[Text]"/>
+      <dgm:spPr/>
+      <dgm:t>
+        <a:bodyPr/>
+        <a:lstStyle/>
+        <a:p>
+          <a:r>
+            <a:rPr lang="en-US" noProof="0" dirty="0" smtClean="0"/>
+            <a:t>Synchronization Patterns</a:t>
+          </a:r>
+          <a:endParaRPr lang="en-US" noProof="0" dirty="0"/>
+        </a:p>
+      </dgm:t>
+    </dgm:pt>
+    <dgm:pt modelId="{A7B10C6A-5E76-4F3B-93CA-9027D009C27B}" type="parTrans" cxnId="{C344B9F3-4A37-4607-B718-D2DEBE1D5C6E}">
+      <dgm:prSet/>
+      <dgm:spPr/>
+      <dgm:t>
+        <a:bodyPr/>
+        <a:lstStyle/>
+        <a:p>
+          <a:endParaRPr lang="en-US" noProof="0"/>
+        </a:p>
+      </dgm:t>
+    </dgm:pt>
+    <dgm:pt modelId="{5F6C0C8C-6177-488A-A37D-925D034EFCAC}" type="sibTrans" cxnId="{C344B9F3-4A37-4607-B718-D2DEBE1D5C6E}">
+      <dgm:prSet/>
+      <dgm:spPr/>
+      <dgm:t>
+        <a:bodyPr/>
+        <a:lstStyle/>
+        <a:p>
+          <a:endParaRPr lang="en-US" noProof="0"/>
+        </a:p>
+      </dgm:t>
+    </dgm:pt>
+    <dgm:pt modelId="{B6DB679C-C865-4F82-8C1F-D10AFF82174F}">
+      <dgm:prSet phldrT="[Text]" custT="1"/>
+      <dgm:spPr/>
+      <dgm:t>
+        <a:bodyPr/>
+        <a:lstStyle/>
+        <a:p>
+          <a:endParaRPr lang="en-US" sz="1200" noProof="0" dirty="0"/>
+        </a:p>
+      </dgm:t>
+    </dgm:pt>
+    <dgm:pt modelId="{6A858F0D-FB09-4262-B0BC-A93F9ED5665B}" type="parTrans" cxnId="{D44312E4-74CF-4B2F-910B-7E06C9D55ABE}">
+      <dgm:prSet/>
+      <dgm:spPr/>
+      <dgm:t>
+        <a:bodyPr/>
+        <a:lstStyle/>
+        <a:p>
+          <a:endParaRPr lang="en-US" noProof="0"/>
+        </a:p>
+      </dgm:t>
+    </dgm:pt>
+    <dgm:pt modelId="{50B38557-20D0-4551-87B9-BE63C766CC2B}" type="sibTrans" cxnId="{D44312E4-74CF-4B2F-910B-7E06C9D55ABE}">
+      <dgm:prSet/>
+      <dgm:spPr/>
+      <dgm:t>
+        <a:bodyPr/>
+        <a:lstStyle/>
+        <a:p>
+          <a:endParaRPr lang="en-US" noProof="0"/>
+        </a:p>
+      </dgm:t>
+    </dgm:pt>
+    <dgm:pt modelId="{552DEA89-C539-4395-A106-B0D2CFAEC0C4}">
+      <dgm:prSet phldrT="[Text]"/>
+      <dgm:spPr/>
+      <dgm:t>
+        <a:bodyPr/>
+        <a:lstStyle/>
+        <a:p>
+          <a:r>
+            <a:rPr lang="en-US" noProof="0" dirty="0" smtClean="0"/>
+            <a:t>Concurrency Patterns</a:t>
+          </a:r>
+          <a:endParaRPr lang="en-US" noProof="0" dirty="0"/>
+        </a:p>
+      </dgm:t>
+    </dgm:pt>
+    <dgm:pt modelId="{4E93E06C-44D9-4AD8-9417-E359CCD1CC4C}" type="parTrans" cxnId="{0E21A504-B936-4C33-8A75-641DA3707E7F}">
+      <dgm:prSet/>
+      <dgm:spPr/>
+      <dgm:t>
+        <a:bodyPr/>
+        <a:lstStyle/>
+        <a:p>
+          <a:endParaRPr lang="de-DE"/>
+        </a:p>
+      </dgm:t>
+    </dgm:pt>
+    <dgm:pt modelId="{C876DB4F-7528-4CCF-83D8-03DA5F64EBB9}" type="sibTrans" cxnId="{0E21A504-B936-4C33-8A75-641DA3707E7F}">
+      <dgm:prSet/>
+      <dgm:spPr/>
+      <dgm:t>
+        <a:bodyPr/>
+        <a:lstStyle/>
+        <a:p>
+          <a:endParaRPr lang="de-DE"/>
+        </a:p>
+      </dgm:t>
+    </dgm:pt>
+    <dgm:pt modelId="{0FFFF5FF-ECD8-4251-967E-29766560BAB1}">
+      <dgm:prSet phldrT="[Text]" custT="1"/>
+      <dgm:spPr/>
+      <dgm:t>
+        <a:bodyPr/>
+        <a:lstStyle/>
+        <a:p>
+          <a:endParaRPr lang="en-US" sz="1200" noProof="0" dirty="0"/>
+        </a:p>
+      </dgm:t>
+    </dgm:pt>
+    <dgm:pt modelId="{9F8A1712-A2E8-4AF2-A489-94AF313D43D8}" type="parTrans" cxnId="{D8507855-EDC0-4B24-8975-AA8ED513D6EA}">
+      <dgm:prSet/>
+      <dgm:spPr/>
+      <dgm:t>
+        <a:bodyPr/>
+        <a:lstStyle/>
+        <a:p>
+          <a:endParaRPr lang="de-DE"/>
+        </a:p>
+      </dgm:t>
+    </dgm:pt>
+    <dgm:pt modelId="{26B373E8-6879-45CB-BE35-1AF6147F2A70}" type="sibTrans" cxnId="{D8507855-EDC0-4B24-8975-AA8ED513D6EA}">
+      <dgm:prSet/>
+      <dgm:spPr/>
+      <dgm:t>
+        <a:bodyPr/>
+        <a:lstStyle/>
+        <a:p>
+          <a:endParaRPr lang="de-DE"/>
+        </a:p>
+      </dgm:t>
+    </dgm:pt>
+    <dgm:pt modelId="{111A599B-EA97-4DC2-BF4C-8A6DA8FE7850}" type="pres">
+      <dgm:prSet presAssocID="{9B094859-64CF-43E2-84E3-5C2C137C1AE4}" presName="Name0" presStyleCnt="0">
+        <dgm:presLayoutVars>
+          <dgm:dir/>
+          <dgm:animLvl val="lvl"/>
+          <dgm:resizeHandles val="exact"/>
+        </dgm:presLayoutVars>
+      </dgm:prSet>
+      <dgm:spPr/>
+    </dgm:pt>
+    <dgm:pt modelId="{FB5F408D-1C69-4101-BD49-63EC282DF85D}" type="pres">
+      <dgm:prSet presAssocID="{A2B8A66F-00A2-489B-A4AD-A84E9CA6D163}" presName="linNode" presStyleCnt="0"/>
+      <dgm:spPr/>
+    </dgm:pt>
+    <dgm:pt modelId="{082BB027-6359-45A9-905C-ACA83F9E48B2}" type="pres">
+      <dgm:prSet presAssocID="{A2B8A66F-00A2-489B-A4AD-A84E9CA6D163}" presName="parentText" presStyleLbl="node1" presStyleIdx="0" presStyleCnt="4">
+        <dgm:presLayoutVars>
+          <dgm:chMax val="1"/>
+          <dgm:bulletEnabled val="1"/>
+        </dgm:presLayoutVars>
+      </dgm:prSet>
+      <dgm:spPr/>
+      <dgm:t>
+        <a:bodyPr/>
+        <a:lstStyle/>
+        <a:p>
+          <a:endParaRPr lang="de-DE"/>
+        </a:p>
+      </dgm:t>
+    </dgm:pt>
+    <dgm:pt modelId="{748CF2E3-6A35-43D7-9F44-D9F9BA74867A}" type="pres">
+      <dgm:prSet presAssocID="{A2B8A66F-00A2-489B-A4AD-A84E9CA6D163}" presName="descendantText" presStyleLbl="alignAccFollowNode1" presStyleIdx="0" presStyleCnt="4" custScaleY="113084">
+        <dgm:presLayoutVars>
+          <dgm:bulletEnabled val="1"/>
+        </dgm:presLayoutVars>
+      </dgm:prSet>
+      <dgm:spPr/>
+      <dgm:t>
+        <a:bodyPr/>
+        <a:lstStyle/>
+        <a:p>
+          <a:endParaRPr lang="de-DE"/>
+        </a:p>
+      </dgm:t>
+    </dgm:pt>
+    <dgm:pt modelId="{1C4285F0-7F7E-4417-BC38-6822BA52F0FF}" type="pres">
+      <dgm:prSet presAssocID="{90EDBD5F-B7B0-45C8-859F-7ED3086B50DC}" presName="sp" presStyleCnt="0"/>
+      <dgm:spPr/>
+    </dgm:pt>
+    <dgm:pt modelId="{BCE906E6-65BA-4A5C-9D91-FF2CEB30789A}" type="pres">
+      <dgm:prSet presAssocID="{19363DDF-615E-40BE-9E5E-4D3D9BB3CAA6}" presName="linNode" presStyleCnt="0"/>
+      <dgm:spPr/>
+    </dgm:pt>
+    <dgm:pt modelId="{87CD7CF8-79B5-416A-967B-F89FBA3DBED1}" type="pres">
+      <dgm:prSet presAssocID="{19363DDF-615E-40BE-9E5E-4D3D9BB3CAA6}" presName="parentText" presStyleLbl="node1" presStyleIdx="1" presStyleCnt="4">
+        <dgm:presLayoutVars>
+          <dgm:chMax val="1"/>
+          <dgm:bulletEnabled val="1"/>
+        </dgm:presLayoutVars>
+      </dgm:prSet>
+      <dgm:spPr/>
+    </dgm:pt>
+    <dgm:pt modelId="{CFA3EF0F-E32F-4919-8FAD-A97203F6D04C}" type="pres">
+      <dgm:prSet presAssocID="{19363DDF-615E-40BE-9E5E-4D3D9BB3CAA6}" presName="descendantText" presStyleLbl="alignAccFollowNode1" presStyleIdx="1" presStyleCnt="4" custScaleY="113084">
+        <dgm:presLayoutVars>
+          <dgm:bulletEnabled val="1"/>
+        </dgm:presLayoutVars>
+      </dgm:prSet>
+      <dgm:spPr/>
+      <dgm:t>
+        <a:bodyPr/>
+        <a:lstStyle/>
+        <a:p>
+          <a:endParaRPr lang="de-DE"/>
+        </a:p>
+      </dgm:t>
+    </dgm:pt>
+    <dgm:pt modelId="{8DD53816-F4CF-411E-AE79-8E3BA97722E8}" type="pres">
+      <dgm:prSet presAssocID="{CFCE6456-C4BB-4A14-8C1A-685F7BEA0B87}" presName="sp" presStyleCnt="0"/>
+      <dgm:spPr/>
+    </dgm:pt>
+    <dgm:pt modelId="{9D423088-4711-47F9-A525-9B29EB53B6BF}" type="pres">
+      <dgm:prSet presAssocID="{9BC09347-B33D-4979-9BDB-E36C7B30CBBA}" presName="linNode" presStyleCnt="0"/>
+      <dgm:spPr/>
+    </dgm:pt>
+    <dgm:pt modelId="{E63503F8-AAFE-4BAA-8D4E-448F984C98D8}" type="pres">
+      <dgm:prSet presAssocID="{9BC09347-B33D-4979-9BDB-E36C7B30CBBA}" presName="parentText" presStyleLbl="node1" presStyleIdx="2" presStyleCnt="4">
+        <dgm:presLayoutVars>
+          <dgm:chMax val="1"/>
+          <dgm:bulletEnabled val="1"/>
+        </dgm:presLayoutVars>
+      </dgm:prSet>
+      <dgm:spPr/>
+      <dgm:t>
+        <a:bodyPr/>
+        <a:lstStyle/>
+        <a:p>
+          <a:endParaRPr lang="de-DE"/>
+        </a:p>
+      </dgm:t>
+    </dgm:pt>
+    <dgm:pt modelId="{E27B0244-D2DB-48D7-866A-10FF9AEA5537}" type="pres">
+      <dgm:prSet presAssocID="{9BC09347-B33D-4979-9BDB-E36C7B30CBBA}" presName="descendantText" presStyleLbl="alignAccFollowNode1" presStyleIdx="2" presStyleCnt="4" custScaleY="113084">
+        <dgm:presLayoutVars>
+          <dgm:bulletEnabled val="1"/>
+        </dgm:presLayoutVars>
+      </dgm:prSet>
+      <dgm:spPr/>
+      <dgm:t>
+        <a:bodyPr/>
+        <a:lstStyle/>
+        <a:p>
+          <a:endParaRPr lang="de-DE"/>
+        </a:p>
+      </dgm:t>
+    </dgm:pt>
+    <dgm:pt modelId="{B9CC5139-2C89-4808-ACFA-47FBC1A9C4BF}" type="pres">
+      <dgm:prSet presAssocID="{5F6C0C8C-6177-488A-A37D-925D034EFCAC}" presName="sp" presStyleCnt="0"/>
+      <dgm:spPr/>
+    </dgm:pt>
+    <dgm:pt modelId="{E5652D52-B77D-4CD2-AFEB-32D876A3F413}" type="pres">
+      <dgm:prSet presAssocID="{552DEA89-C539-4395-A106-B0D2CFAEC0C4}" presName="linNode" presStyleCnt="0"/>
+      <dgm:spPr/>
+    </dgm:pt>
+    <dgm:pt modelId="{60494F3F-B686-4940-983F-1C72649574BB}" type="pres">
+      <dgm:prSet presAssocID="{552DEA89-C539-4395-A106-B0D2CFAEC0C4}" presName="parentText" presStyleLbl="node1" presStyleIdx="3" presStyleCnt="4">
+        <dgm:presLayoutVars>
+          <dgm:chMax val="1"/>
+          <dgm:bulletEnabled val="1"/>
+        </dgm:presLayoutVars>
+      </dgm:prSet>
+      <dgm:spPr/>
+    </dgm:pt>
+    <dgm:pt modelId="{E245088C-AE90-4831-A6ED-F041C588B53D}" type="pres">
+      <dgm:prSet presAssocID="{552DEA89-C539-4395-A106-B0D2CFAEC0C4}" presName="descendantText" presStyleLbl="alignAccFollowNode1" presStyleIdx="3" presStyleCnt="4" custScaleY="113084">
+        <dgm:presLayoutVars>
+          <dgm:bulletEnabled val="1"/>
+        </dgm:presLayoutVars>
+      </dgm:prSet>
+      <dgm:spPr/>
+      <dgm:t>
+        <a:bodyPr/>
+        <a:lstStyle/>
+        <a:p>
+          <a:endParaRPr lang="de-DE"/>
+        </a:p>
+      </dgm:t>
+    </dgm:pt>
+  </dgm:ptLst>
+  <dgm:cxnLst>
+    <dgm:cxn modelId="{5C7C83F4-A3F9-46C8-B997-B717E9651361}" srcId="{9B094859-64CF-43E2-84E3-5C2C137C1AE4}" destId="{A2B8A66F-00A2-489B-A4AD-A84E9CA6D163}" srcOrd="0" destOrd="0" parTransId="{AA678909-AD5D-469C-AFA9-69B96C003BBB}" sibTransId="{90EDBD5F-B7B0-45C8-859F-7ED3086B50DC}"/>
+    <dgm:cxn modelId="{1238CC98-DD3B-4BC5-8E64-E07E41C97C9D}" type="presOf" srcId="{9B094859-64CF-43E2-84E3-5C2C137C1AE4}" destId="{111A599B-EA97-4DC2-BF4C-8A6DA8FE7850}" srcOrd="0" destOrd="0" presId="urn:microsoft.com/office/officeart/2005/8/layout/vList5"/>
+    <dgm:cxn modelId="{3FBAE32D-5A06-464F-ABD0-A3B333C789B5}" type="presOf" srcId="{A2B8A66F-00A2-489B-A4AD-A84E9CA6D163}" destId="{082BB027-6359-45A9-905C-ACA83F9E48B2}" srcOrd="0" destOrd="0" presId="urn:microsoft.com/office/officeart/2005/8/layout/vList5"/>
+    <dgm:cxn modelId="{07548154-88E8-498A-AA67-0666225A42F3}" type="presOf" srcId="{B6DB679C-C865-4F82-8C1F-D10AFF82174F}" destId="{E27B0244-D2DB-48D7-866A-10FF9AEA5537}" srcOrd="0" destOrd="0" presId="urn:microsoft.com/office/officeart/2005/8/layout/vList5"/>
+    <dgm:cxn modelId="{B4147CAF-6A66-4AD5-80B9-30BC3C4F17E1}" srcId="{9B094859-64CF-43E2-84E3-5C2C137C1AE4}" destId="{19363DDF-615E-40BE-9E5E-4D3D9BB3CAA6}" srcOrd="1" destOrd="0" parTransId="{E3A5C0A8-31A9-48E7-92DB-42DF2B29BAB1}" sibTransId="{CFCE6456-C4BB-4A14-8C1A-685F7BEA0B87}"/>
+    <dgm:cxn modelId="{D44312E4-74CF-4B2F-910B-7E06C9D55ABE}" srcId="{9BC09347-B33D-4979-9BDB-E36C7B30CBBA}" destId="{B6DB679C-C865-4F82-8C1F-D10AFF82174F}" srcOrd="0" destOrd="0" parTransId="{6A858F0D-FB09-4262-B0BC-A93F9ED5665B}" sibTransId="{50B38557-20D0-4551-87B9-BE63C766CC2B}"/>
+    <dgm:cxn modelId="{5DBE8F18-B1E3-4C1C-B9C5-D6072DA8DAC6}" srcId="{A2B8A66F-00A2-489B-A4AD-A84E9CA6D163}" destId="{AA94DCE6-9613-4387-A2D5-632A9737BADF}" srcOrd="0" destOrd="0" parTransId="{16998827-5D9C-407F-AD34-E83863D575A6}" sibTransId="{1AEE6D3F-9838-4279-9EE3-704CEEEF7BDA}"/>
+    <dgm:cxn modelId="{D8507855-EDC0-4B24-8975-AA8ED513D6EA}" srcId="{552DEA89-C539-4395-A106-B0D2CFAEC0C4}" destId="{0FFFF5FF-ECD8-4251-967E-29766560BAB1}" srcOrd="0" destOrd="0" parTransId="{9F8A1712-A2E8-4AF2-A489-94AF313D43D8}" sibTransId="{26B373E8-6879-45CB-BE35-1AF6147F2A70}"/>
+    <dgm:cxn modelId="{5CE65E79-61FC-4AF2-8D8E-41174F0D462E}" type="presOf" srcId="{0FFFF5FF-ECD8-4251-967E-29766560BAB1}" destId="{E245088C-AE90-4831-A6ED-F041C588B53D}" srcOrd="0" destOrd="0" presId="urn:microsoft.com/office/officeart/2005/8/layout/vList5"/>
+    <dgm:cxn modelId="{D3E52FCE-6791-42F8-8BA3-A14ED795C0FF}" srcId="{19363DDF-615E-40BE-9E5E-4D3D9BB3CAA6}" destId="{3E96148D-D17F-4733-B179-D5496FEB499F}" srcOrd="0" destOrd="0" parTransId="{C9943526-A6EC-4E5C-A1CC-CC84EBBB7DA9}" sibTransId="{3601115B-4296-4145-87CC-E83BC373ECBB}"/>
+    <dgm:cxn modelId="{AF8074F0-6C38-48A7-805C-55687DF824B0}" type="presOf" srcId="{19363DDF-615E-40BE-9E5E-4D3D9BB3CAA6}" destId="{87CD7CF8-79B5-416A-967B-F89FBA3DBED1}" srcOrd="0" destOrd="0" presId="urn:microsoft.com/office/officeart/2005/8/layout/vList5"/>
+    <dgm:cxn modelId="{0E21A504-B936-4C33-8A75-641DA3707E7F}" srcId="{9B094859-64CF-43E2-84E3-5C2C137C1AE4}" destId="{552DEA89-C539-4395-A106-B0D2CFAEC0C4}" srcOrd="3" destOrd="0" parTransId="{4E93E06C-44D9-4AD8-9417-E359CCD1CC4C}" sibTransId="{C876DB4F-7528-4CCF-83D8-03DA5F64EBB9}"/>
+    <dgm:cxn modelId="{58F648DC-CBC0-4F7D-9463-921B95CC3EBD}" type="presOf" srcId="{AA94DCE6-9613-4387-A2D5-632A9737BADF}" destId="{748CF2E3-6A35-43D7-9F44-D9F9BA74867A}" srcOrd="0" destOrd="0" presId="urn:microsoft.com/office/officeart/2005/8/layout/vList5"/>
+    <dgm:cxn modelId="{2FB3C88A-9F6A-4884-BD03-9BB760CC7590}" type="presOf" srcId="{3E96148D-D17F-4733-B179-D5496FEB499F}" destId="{CFA3EF0F-E32F-4919-8FAD-A97203F6D04C}" srcOrd="0" destOrd="0" presId="urn:microsoft.com/office/officeart/2005/8/layout/vList5"/>
+    <dgm:cxn modelId="{C344B9F3-4A37-4607-B718-D2DEBE1D5C6E}" srcId="{9B094859-64CF-43E2-84E3-5C2C137C1AE4}" destId="{9BC09347-B33D-4979-9BDB-E36C7B30CBBA}" srcOrd="2" destOrd="0" parTransId="{A7B10C6A-5E76-4F3B-93CA-9027D009C27B}" sibTransId="{5F6C0C8C-6177-488A-A37D-925D034EFCAC}"/>
+    <dgm:cxn modelId="{CFD02CDB-2973-4533-A1B6-42DD5AE69130}" type="presOf" srcId="{9BC09347-B33D-4979-9BDB-E36C7B30CBBA}" destId="{E63503F8-AAFE-4BAA-8D4E-448F984C98D8}" srcOrd="0" destOrd="0" presId="urn:microsoft.com/office/officeart/2005/8/layout/vList5"/>
+    <dgm:cxn modelId="{9DFE0D66-237A-43A5-96DF-5C339908DAEB}" type="presOf" srcId="{552DEA89-C539-4395-A106-B0D2CFAEC0C4}" destId="{60494F3F-B686-4940-983F-1C72649574BB}" srcOrd="0" destOrd="0" presId="urn:microsoft.com/office/officeart/2005/8/layout/vList5"/>
+    <dgm:cxn modelId="{FEB22461-8010-4025-BB89-E548578DD158}" type="presParOf" srcId="{111A599B-EA97-4DC2-BF4C-8A6DA8FE7850}" destId="{FB5F408D-1C69-4101-BD49-63EC282DF85D}" srcOrd="0" destOrd="0" presId="urn:microsoft.com/office/officeart/2005/8/layout/vList5"/>
+    <dgm:cxn modelId="{275A771A-21D5-4DC7-9CAB-0A95300CE05A}" type="presParOf" srcId="{FB5F408D-1C69-4101-BD49-63EC282DF85D}" destId="{082BB027-6359-45A9-905C-ACA83F9E48B2}" srcOrd="0" destOrd="0" presId="urn:microsoft.com/office/officeart/2005/8/layout/vList5"/>
+    <dgm:cxn modelId="{0416CEA8-FF54-4859-AB33-869C41B0E859}" type="presParOf" srcId="{FB5F408D-1C69-4101-BD49-63EC282DF85D}" destId="{748CF2E3-6A35-43D7-9F44-D9F9BA74867A}" srcOrd="1" destOrd="0" presId="urn:microsoft.com/office/officeart/2005/8/layout/vList5"/>
+    <dgm:cxn modelId="{291AF7C6-6204-4652-BDEC-F36119962BB2}" type="presParOf" srcId="{111A599B-EA97-4DC2-BF4C-8A6DA8FE7850}" destId="{1C4285F0-7F7E-4417-BC38-6822BA52F0FF}" srcOrd="1" destOrd="0" presId="urn:microsoft.com/office/officeart/2005/8/layout/vList5"/>
+    <dgm:cxn modelId="{4E210640-1F38-4A0A-B52F-85317EC1C594}" type="presParOf" srcId="{111A599B-EA97-4DC2-BF4C-8A6DA8FE7850}" destId="{BCE906E6-65BA-4A5C-9D91-FF2CEB30789A}" srcOrd="2" destOrd="0" presId="urn:microsoft.com/office/officeart/2005/8/layout/vList5"/>
+    <dgm:cxn modelId="{1C355421-7E46-47CB-9B73-FD604D2DBFA5}" type="presParOf" srcId="{BCE906E6-65BA-4A5C-9D91-FF2CEB30789A}" destId="{87CD7CF8-79B5-416A-967B-F89FBA3DBED1}" srcOrd="0" destOrd="0" presId="urn:microsoft.com/office/officeart/2005/8/layout/vList5"/>
+    <dgm:cxn modelId="{04B2D85A-36D2-44D4-86D6-3AC6524BD7EE}" type="presParOf" srcId="{BCE906E6-65BA-4A5C-9D91-FF2CEB30789A}" destId="{CFA3EF0F-E32F-4919-8FAD-A97203F6D04C}" srcOrd="1" destOrd="0" presId="urn:microsoft.com/office/officeart/2005/8/layout/vList5"/>
+    <dgm:cxn modelId="{266CBC81-3994-4BC2-B699-937923ABB6DE}" type="presParOf" srcId="{111A599B-EA97-4DC2-BF4C-8A6DA8FE7850}" destId="{8DD53816-F4CF-411E-AE79-8E3BA97722E8}" srcOrd="3" destOrd="0" presId="urn:microsoft.com/office/officeart/2005/8/layout/vList5"/>
+    <dgm:cxn modelId="{B2693496-3E19-4868-8938-C8CBF485F960}" type="presParOf" srcId="{111A599B-EA97-4DC2-BF4C-8A6DA8FE7850}" destId="{9D423088-4711-47F9-A525-9B29EB53B6BF}" srcOrd="4" destOrd="0" presId="urn:microsoft.com/office/officeart/2005/8/layout/vList5"/>
+    <dgm:cxn modelId="{F37F8C98-32C4-4E91-919F-389E39215091}" type="presParOf" srcId="{9D423088-4711-47F9-A525-9B29EB53B6BF}" destId="{E63503F8-AAFE-4BAA-8D4E-448F984C98D8}" srcOrd="0" destOrd="0" presId="urn:microsoft.com/office/officeart/2005/8/layout/vList5"/>
+    <dgm:cxn modelId="{BE07FC80-8BCC-468C-AAF3-56640F49E3DD}" type="presParOf" srcId="{9D423088-4711-47F9-A525-9B29EB53B6BF}" destId="{E27B0244-D2DB-48D7-866A-10FF9AEA5537}" srcOrd="1" destOrd="0" presId="urn:microsoft.com/office/officeart/2005/8/layout/vList5"/>
+    <dgm:cxn modelId="{8A0D3805-7ABD-44DB-8429-CD2BBFF54809}" type="presParOf" srcId="{111A599B-EA97-4DC2-BF4C-8A6DA8FE7850}" destId="{B9CC5139-2C89-4808-ACFA-47FBC1A9C4BF}" srcOrd="5" destOrd="0" presId="urn:microsoft.com/office/officeart/2005/8/layout/vList5"/>
+    <dgm:cxn modelId="{31C2CAD3-EDF4-4978-8F6F-5A3F765AECF6}" type="presParOf" srcId="{111A599B-EA97-4DC2-BF4C-8A6DA8FE7850}" destId="{E5652D52-B77D-4CD2-AFEB-32D876A3F413}" srcOrd="6" destOrd="0" presId="urn:microsoft.com/office/officeart/2005/8/layout/vList5"/>
+    <dgm:cxn modelId="{972663EC-9EED-49DB-BD50-D9169C3B5870}" type="presParOf" srcId="{E5652D52-B77D-4CD2-AFEB-32D876A3F413}" destId="{60494F3F-B686-4940-983F-1C72649574BB}" srcOrd="0" destOrd="0" presId="urn:microsoft.com/office/officeart/2005/8/layout/vList5"/>
+    <dgm:cxn modelId="{232BBED6-3DA6-45DA-AE5A-A4B5DC3CA91A}" type="presParOf" srcId="{E5652D52-B77D-4CD2-AFEB-32D876A3F413}" destId="{E245088C-AE90-4831-A6ED-F041C588B53D}" srcOrd="1" destOrd="0" presId="urn:microsoft.com/office/officeart/2005/8/layout/vList5"/>
+  </dgm:cxnLst>
+  <dgm:bg/>
+  <dgm:whole/>
+  <dgm:extLst>
+    <a:ext uri="http://schemas.microsoft.com/office/drawing/2008/diagram">
+      <dsp:dataModelExt xmlns:dsp="http://schemas.microsoft.com/office/drawing/2008/diagram" xmlns="" relId="rId6" minVer="http://schemas.openxmlformats.org/drawingml/2006/diagram"/>
     </a:ext>
   </dgm:extLst>
 </dgm:dataModel>
@@ -3293,6 +5957,1222 @@
 </dsp:drawing>
 </file>
 
+<file path=ppt/diagrams/drawing2.xml><?xml version="1.0" encoding="utf-8"?>
+<dsp:drawing xmlns:dgm="http://schemas.openxmlformats.org/drawingml/2006/diagram" xmlns:a="http://schemas.openxmlformats.org/drawingml/2006/main" xmlns:dsp="http://schemas.microsoft.com/office/drawing/2008/diagram">
+  <dsp:spTree>
+    <dsp:nvGrpSpPr>
+      <dsp:cNvPr id="0" name=""/>
+      <dsp:cNvGrpSpPr/>
+    </dsp:nvGrpSpPr>
+    <dsp:grpSpPr/>
+    <dsp:sp modelId="{082BB027-6359-45A9-905C-ACA83F9E48B2}">
+      <dsp:nvSpPr>
+        <dsp:cNvPr id="0" name=""/>
+        <dsp:cNvSpPr/>
+      </dsp:nvSpPr>
+      <dsp:spPr>
+        <a:xfrm>
+          <a:off x="209882" y="1333"/>
+          <a:ext cx="3288138" cy="641356"/>
+        </a:xfrm>
+        <a:prstGeom prst="roundRect">
+          <a:avLst/>
+        </a:prstGeom>
+        <a:gradFill rotWithShape="0">
+          <a:gsLst>
+            <a:gs pos="0">
+              <a:schemeClr val="accent2">
+                <a:hueOff val="0"/>
+                <a:satOff val="0"/>
+                <a:lumOff val="0"/>
+                <a:alphaOff val="0"/>
+                <a:tint val="1000"/>
+                <a:satMod val="255000"/>
+              </a:schemeClr>
+            </a:gs>
+            <a:gs pos="55000">
+              <a:schemeClr val="accent2">
+                <a:hueOff val="0"/>
+                <a:satOff val="0"/>
+                <a:lumOff val="0"/>
+                <a:alphaOff val="0"/>
+                <a:tint val="12000"/>
+                <a:satMod val="255000"/>
+              </a:schemeClr>
+            </a:gs>
+            <a:gs pos="100000">
+              <a:schemeClr val="accent2">
+                <a:hueOff val="0"/>
+                <a:satOff val="0"/>
+                <a:lumOff val="0"/>
+                <a:alphaOff val="0"/>
+                <a:tint val="45000"/>
+                <a:satMod val="250000"/>
+              </a:schemeClr>
+            </a:gs>
+          </a:gsLst>
+          <a:path path="circle">
+            <a:fillToRect l="-40000" t="-90000" r="140000" b="190000"/>
+          </a:path>
+        </a:gradFill>
+        <a:ln>
+          <a:noFill/>
+        </a:ln>
+        <a:effectLst>
+          <a:outerShdw blurRad="51500" dist="25400" dir="5400000" rotWithShape="0">
+            <a:srgbClr val="000000">
+              <a:alpha val="40000"/>
+            </a:srgbClr>
+          </a:outerShdw>
+        </a:effectLst>
+        <a:scene3d>
+          <a:camera prst="orthographicFront"/>
+          <a:lightRig rig="flat" dir="t"/>
+        </a:scene3d>
+        <a:sp3d prstMaterial="dkEdge">
+          <a:bevelT w="8200" h="38100"/>
+        </a:sp3d>
+      </dsp:spPr>
+      <dsp:style>
+        <a:lnRef idx="0">
+          <a:scrgbClr r="0" g="0" b="0"/>
+        </a:lnRef>
+        <a:fillRef idx="2">
+          <a:scrgbClr r="0" g="0" b="0"/>
+        </a:fillRef>
+        <a:effectRef idx="1">
+          <a:scrgbClr r="0" g="0" b="0"/>
+        </a:effectRef>
+        <a:fontRef idx="minor">
+          <a:schemeClr val="dk1"/>
+        </a:fontRef>
+      </dsp:style>
+      <dsp:txBody>
+        <a:bodyPr spcFirstLastPara="0" vert="horz" wrap="square" lIns="60960" tIns="30480" rIns="60960" bIns="30480" numCol="1" spcCol="1270" anchor="ctr" anchorCtr="0">
+          <a:noAutofit/>
+        </a:bodyPr>
+        <a:lstStyle/>
+        <a:p>
+          <a:pPr lvl="0" algn="ctr" defTabSz="711200">
+            <a:lnSpc>
+              <a:spcPct val="90000"/>
+            </a:lnSpc>
+            <a:spcBef>
+              <a:spcPct val="0"/>
+            </a:spcBef>
+            <a:spcAft>
+              <a:spcPct val="35000"/>
+            </a:spcAft>
+          </a:pPr>
+          <a:r>
+            <a:rPr lang="en-US" sz="1600" kern="1200" noProof="0" dirty="0" smtClean="0"/>
+            <a:t>Service Access and Configuration Patterns</a:t>
+          </a:r>
+          <a:endParaRPr lang="en-US" sz="1600" kern="1200" noProof="0" dirty="0"/>
+        </a:p>
+      </dsp:txBody>
+      <dsp:txXfrm>
+        <a:off x="209882" y="1333"/>
+        <a:ext cx="3288138" cy="641356"/>
+      </dsp:txXfrm>
+    </dsp:sp>
+    <dsp:sp modelId="{87CD7CF8-79B5-416A-967B-F89FBA3DBED1}">
+      <dsp:nvSpPr>
+        <dsp:cNvPr id="0" name=""/>
+        <dsp:cNvSpPr/>
+      </dsp:nvSpPr>
+      <dsp:spPr>
+        <a:xfrm>
+          <a:off x="209882" y="674757"/>
+          <a:ext cx="3288138" cy="641356"/>
+        </a:xfrm>
+        <a:prstGeom prst="roundRect">
+          <a:avLst/>
+        </a:prstGeom>
+        <a:gradFill rotWithShape="0">
+          <a:gsLst>
+            <a:gs pos="0">
+              <a:schemeClr val="accent3">
+                <a:hueOff val="0"/>
+                <a:satOff val="0"/>
+                <a:lumOff val="0"/>
+                <a:alphaOff val="0"/>
+                <a:tint val="1000"/>
+                <a:satMod val="255000"/>
+              </a:schemeClr>
+            </a:gs>
+            <a:gs pos="55000">
+              <a:schemeClr val="accent3">
+                <a:hueOff val="0"/>
+                <a:satOff val="0"/>
+                <a:lumOff val="0"/>
+                <a:alphaOff val="0"/>
+                <a:tint val="12000"/>
+                <a:satMod val="255000"/>
+              </a:schemeClr>
+            </a:gs>
+            <a:gs pos="100000">
+              <a:schemeClr val="accent3">
+                <a:hueOff val="0"/>
+                <a:satOff val="0"/>
+                <a:lumOff val="0"/>
+                <a:alphaOff val="0"/>
+                <a:tint val="45000"/>
+                <a:satMod val="250000"/>
+              </a:schemeClr>
+            </a:gs>
+          </a:gsLst>
+          <a:path path="circle">
+            <a:fillToRect l="-40000" t="-90000" r="140000" b="190000"/>
+          </a:path>
+        </a:gradFill>
+        <a:ln>
+          <a:noFill/>
+        </a:ln>
+        <a:effectLst>
+          <a:outerShdw blurRad="51500" dist="25400" dir="5400000" rotWithShape="0">
+            <a:srgbClr val="000000">
+              <a:alpha val="40000"/>
+            </a:srgbClr>
+          </a:outerShdw>
+        </a:effectLst>
+        <a:scene3d>
+          <a:camera prst="orthographicFront"/>
+          <a:lightRig rig="flat" dir="t"/>
+        </a:scene3d>
+        <a:sp3d prstMaterial="dkEdge">
+          <a:bevelT w="8200" h="38100"/>
+        </a:sp3d>
+      </dsp:spPr>
+      <dsp:style>
+        <a:lnRef idx="0">
+          <a:scrgbClr r="0" g="0" b="0"/>
+        </a:lnRef>
+        <a:fillRef idx="2">
+          <a:scrgbClr r="0" g="0" b="0"/>
+        </a:fillRef>
+        <a:effectRef idx="1">
+          <a:scrgbClr r="0" g="0" b="0"/>
+        </a:effectRef>
+        <a:fontRef idx="minor">
+          <a:schemeClr val="dk1"/>
+        </a:fontRef>
+      </dsp:style>
+      <dsp:txBody>
+        <a:bodyPr spcFirstLastPara="0" vert="horz" wrap="square" lIns="57150" tIns="28575" rIns="57150" bIns="28575" numCol="1" spcCol="1270" anchor="ctr" anchorCtr="0">
+          <a:noAutofit/>
+        </a:bodyPr>
+        <a:lstStyle/>
+        <a:p>
+          <a:pPr lvl="0" algn="ctr" defTabSz="666750">
+            <a:lnSpc>
+              <a:spcPct val="90000"/>
+            </a:lnSpc>
+            <a:spcBef>
+              <a:spcPct val="0"/>
+            </a:spcBef>
+            <a:spcAft>
+              <a:spcPct val="35000"/>
+            </a:spcAft>
+          </a:pPr>
+          <a:r>
+            <a:rPr lang="en-US" sz="1500" kern="1200" noProof="0" dirty="0" smtClean="0"/>
+            <a:t>Event Handling Patterns</a:t>
+          </a:r>
+          <a:endParaRPr lang="en-US" sz="1500" kern="1200" noProof="0" dirty="0"/>
+        </a:p>
+      </dsp:txBody>
+      <dsp:txXfrm>
+        <a:off x="209882" y="674757"/>
+        <a:ext cx="3288138" cy="641356"/>
+      </dsp:txXfrm>
+    </dsp:sp>
+    <dsp:sp modelId="{E63503F8-AAFE-4BAA-8D4E-448F984C98D8}">
+      <dsp:nvSpPr>
+        <dsp:cNvPr id="0" name=""/>
+        <dsp:cNvSpPr/>
+      </dsp:nvSpPr>
+      <dsp:spPr>
+        <a:xfrm>
+          <a:off x="209882" y="1348181"/>
+          <a:ext cx="3288138" cy="641356"/>
+        </a:xfrm>
+        <a:prstGeom prst="roundRect">
+          <a:avLst/>
+        </a:prstGeom>
+        <a:gradFill rotWithShape="0">
+          <a:gsLst>
+            <a:gs pos="0">
+              <a:schemeClr val="accent4">
+                <a:hueOff val="0"/>
+                <a:satOff val="0"/>
+                <a:lumOff val="0"/>
+                <a:alphaOff val="0"/>
+                <a:tint val="1000"/>
+                <a:satMod val="255000"/>
+              </a:schemeClr>
+            </a:gs>
+            <a:gs pos="55000">
+              <a:schemeClr val="accent4">
+                <a:hueOff val="0"/>
+                <a:satOff val="0"/>
+                <a:lumOff val="0"/>
+                <a:alphaOff val="0"/>
+                <a:tint val="12000"/>
+                <a:satMod val="255000"/>
+              </a:schemeClr>
+            </a:gs>
+            <a:gs pos="100000">
+              <a:schemeClr val="accent4">
+                <a:hueOff val="0"/>
+                <a:satOff val="0"/>
+                <a:lumOff val="0"/>
+                <a:alphaOff val="0"/>
+                <a:tint val="45000"/>
+                <a:satMod val="250000"/>
+              </a:schemeClr>
+            </a:gs>
+          </a:gsLst>
+          <a:path path="circle">
+            <a:fillToRect l="-40000" t="-90000" r="140000" b="190000"/>
+          </a:path>
+        </a:gradFill>
+        <a:ln>
+          <a:noFill/>
+        </a:ln>
+        <a:effectLst>
+          <a:outerShdw blurRad="51500" dist="25400" dir="5400000" rotWithShape="0">
+            <a:srgbClr val="000000">
+              <a:alpha val="40000"/>
+            </a:srgbClr>
+          </a:outerShdw>
+        </a:effectLst>
+        <a:scene3d>
+          <a:camera prst="orthographicFront"/>
+          <a:lightRig rig="flat" dir="t"/>
+        </a:scene3d>
+        <a:sp3d prstMaterial="dkEdge">
+          <a:bevelT w="8200" h="38100"/>
+        </a:sp3d>
+      </dsp:spPr>
+      <dsp:style>
+        <a:lnRef idx="0">
+          <a:scrgbClr r="0" g="0" b="0"/>
+        </a:lnRef>
+        <a:fillRef idx="2">
+          <a:scrgbClr r="0" g="0" b="0"/>
+        </a:fillRef>
+        <a:effectRef idx="1">
+          <a:scrgbClr r="0" g="0" b="0"/>
+        </a:effectRef>
+        <a:fontRef idx="minor">
+          <a:schemeClr val="dk1"/>
+        </a:fontRef>
+      </dsp:style>
+      <dsp:txBody>
+        <a:bodyPr spcFirstLastPara="0" vert="horz" wrap="square" lIns="57150" tIns="28575" rIns="57150" bIns="28575" numCol="1" spcCol="1270" anchor="ctr" anchorCtr="0">
+          <a:noAutofit/>
+        </a:bodyPr>
+        <a:lstStyle/>
+        <a:p>
+          <a:pPr lvl="0" algn="ctr" defTabSz="666750">
+            <a:lnSpc>
+              <a:spcPct val="90000"/>
+            </a:lnSpc>
+            <a:spcBef>
+              <a:spcPct val="0"/>
+            </a:spcBef>
+            <a:spcAft>
+              <a:spcPct val="35000"/>
+            </a:spcAft>
+          </a:pPr>
+          <a:r>
+            <a:rPr lang="en-US" sz="1500" kern="1200" noProof="0" dirty="0" smtClean="0"/>
+            <a:t>Synchronization Patterns</a:t>
+          </a:r>
+          <a:endParaRPr lang="en-US" sz="1500" kern="1200" noProof="0" dirty="0"/>
+        </a:p>
+      </dsp:txBody>
+      <dsp:txXfrm>
+        <a:off x="209882" y="1348181"/>
+        <a:ext cx="3288138" cy="641356"/>
+      </dsp:txXfrm>
+    </dsp:sp>
+    <dsp:sp modelId="{60494F3F-B686-4940-983F-1C72649574BB}">
+      <dsp:nvSpPr>
+        <dsp:cNvPr id="0" name=""/>
+        <dsp:cNvSpPr/>
+      </dsp:nvSpPr>
+      <dsp:spPr>
+        <a:xfrm>
+          <a:off x="209882" y="2021606"/>
+          <a:ext cx="3288138" cy="641356"/>
+        </a:xfrm>
+        <a:prstGeom prst="roundRect">
+          <a:avLst/>
+        </a:prstGeom>
+        <a:gradFill rotWithShape="0">
+          <a:gsLst>
+            <a:gs pos="0">
+              <a:schemeClr val="accent5">
+                <a:hueOff val="0"/>
+                <a:satOff val="0"/>
+                <a:lumOff val="0"/>
+                <a:alphaOff val="0"/>
+                <a:tint val="1000"/>
+                <a:satMod val="255000"/>
+              </a:schemeClr>
+            </a:gs>
+            <a:gs pos="55000">
+              <a:schemeClr val="accent5">
+                <a:hueOff val="0"/>
+                <a:satOff val="0"/>
+                <a:lumOff val="0"/>
+                <a:alphaOff val="0"/>
+                <a:tint val="12000"/>
+                <a:satMod val="255000"/>
+              </a:schemeClr>
+            </a:gs>
+            <a:gs pos="100000">
+              <a:schemeClr val="accent5">
+                <a:hueOff val="0"/>
+                <a:satOff val="0"/>
+                <a:lumOff val="0"/>
+                <a:alphaOff val="0"/>
+                <a:tint val="45000"/>
+                <a:satMod val="250000"/>
+              </a:schemeClr>
+            </a:gs>
+          </a:gsLst>
+          <a:path path="circle">
+            <a:fillToRect l="-40000" t="-90000" r="140000" b="190000"/>
+          </a:path>
+        </a:gradFill>
+        <a:ln>
+          <a:noFill/>
+        </a:ln>
+        <a:effectLst>
+          <a:outerShdw blurRad="51500" dist="25400" dir="5400000" rotWithShape="0">
+            <a:srgbClr val="000000">
+              <a:alpha val="40000"/>
+            </a:srgbClr>
+          </a:outerShdw>
+        </a:effectLst>
+        <a:scene3d>
+          <a:camera prst="orthographicFront"/>
+          <a:lightRig rig="flat" dir="t"/>
+        </a:scene3d>
+        <a:sp3d prstMaterial="dkEdge">
+          <a:bevelT w="8200" h="38100"/>
+        </a:sp3d>
+      </dsp:spPr>
+      <dsp:style>
+        <a:lnRef idx="0">
+          <a:scrgbClr r="0" g="0" b="0"/>
+        </a:lnRef>
+        <a:fillRef idx="2">
+          <a:scrgbClr r="0" g="0" b="0"/>
+        </a:fillRef>
+        <a:effectRef idx="1">
+          <a:scrgbClr r="0" g="0" b="0"/>
+        </a:effectRef>
+        <a:fontRef idx="minor">
+          <a:schemeClr val="dk1"/>
+        </a:fontRef>
+      </dsp:style>
+      <dsp:txBody>
+        <a:bodyPr spcFirstLastPara="0" vert="horz" wrap="square" lIns="57150" tIns="28575" rIns="57150" bIns="28575" numCol="1" spcCol="1270" anchor="ctr" anchorCtr="0">
+          <a:noAutofit/>
+        </a:bodyPr>
+        <a:lstStyle/>
+        <a:p>
+          <a:pPr lvl="0" algn="ctr" defTabSz="666750">
+            <a:lnSpc>
+              <a:spcPct val="90000"/>
+            </a:lnSpc>
+            <a:spcBef>
+              <a:spcPct val="0"/>
+            </a:spcBef>
+            <a:spcAft>
+              <a:spcPct val="35000"/>
+            </a:spcAft>
+          </a:pPr>
+          <a:r>
+            <a:rPr lang="en-US" sz="1500" kern="1200" noProof="0" dirty="0" smtClean="0"/>
+            <a:t>Concurrency Patterns</a:t>
+          </a:r>
+          <a:endParaRPr lang="en-US" sz="1500" kern="1200" noProof="0" dirty="0"/>
+        </a:p>
+      </dsp:txBody>
+      <dsp:txXfrm>
+        <a:off x="209882" y="2021606"/>
+        <a:ext cx="3288138" cy="641356"/>
+      </dsp:txXfrm>
+    </dsp:sp>
+  </dsp:spTree>
+</dsp:drawing>
+</file>
+
+<file path=ppt/diagrams/drawing3.xml><?xml version="1.0" encoding="utf-8"?>
+<dsp:drawing xmlns:dgm="http://schemas.openxmlformats.org/drawingml/2006/diagram" xmlns:a="http://schemas.openxmlformats.org/drawingml/2006/main" xmlns:dsp="http://schemas.microsoft.com/office/drawing/2008/diagram">
+  <dsp:spTree>
+    <dsp:nvGrpSpPr>
+      <dsp:cNvPr id="0" name=""/>
+      <dsp:cNvGrpSpPr/>
+    </dsp:nvGrpSpPr>
+    <dsp:grpSpPr/>
+    <dsp:sp modelId="{748CF2E3-6A35-43D7-9F44-D9F9BA74867A}">
+      <dsp:nvSpPr>
+        <dsp:cNvPr id="0" name=""/>
+        <dsp:cNvSpPr/>
+      </dsp:nvSpPr>
+      <dsp:spPr>
+        <a:xfrm rot="5400000">
+          <a:off x="4961281" y="-2031729"/>
+          <a:ext cx="947763" cy="5115448"/>
+        </a:xfrm>
+        <a:prstGeom prst="round2SameRect">
+          <a:avLst/>
+        </a:prstGeom>
+        <a:solidFill>
+          <a:schemeClr val="accent2">
+            <a:tint val="40000"/>
+            <a:alpha val="90000"/>
+            <a:hueOff val="0"/>
+            <a:satOff val="0"/>
+            <a:lumOff val="0"/>
+            <a:alphaOff val="0"/>
+          </a:schemeClr>
+        </a:solidFill>
+        <a:ln w="9525" cap="flat" cmpd="sng" algn="ctr">
+          <a:solidFill>
+            <a:schemeClr val="accent2">
+              <a:tint val="40000"/>
+              <a:alpha val="90000"/>
+              <a:hueOff val="0"/>
+              <a:satOff val="0"/>
+              <a:lumOff val="0"/>
+              <a:alphaOff val="0"/>
+            </a:schemeClr>
+          </a:solidFill>
+          <a:prstDash val="solid"/>
+        </a:ln>
+        <a:effectLst/>
+      </dsp:spPr>
+      <dsp:style>
+        <a:lnRef idx="1">
+          <a:scrgbClr r="0" g="0" b="0"/>
+        </a:lnRef>
+        <a:fillRef idx="1">
+          <a:scrgbClr r="0" g="0" b="0"/>
+        </a:fillRef>
+        <a:effectRef idx="0">
+          <a:scrgbClr r="0" g="0" b="0"/>
+        </a:effectRef>
+        <a:fontRef idx="minor"/>
+      </dsp:style>
+      <dsp:txBody>
+        <a:bodyPr spcFirstLastPara="0" vert="horz" wrap="square" lIns="247650" tIns="123825" rIns="247650" bIns="123825" numCol="1" spcCol="1270" anchor="ctr" anchorCtr="0">
+          <a:noAutofit/>
+        </a:bodyPr>
+        <a:lstStyle/>
+        <a:p>
+          <a:pPr marL="114300" lvl="1" indent="-114300" algn="l" defTabSz="533400">
+            <a:lnSpc>
+              <a:spcPct val="90000"/>
+            </a:lnSpc>
+            <a:spcBef>
+              <a:spcPct val="0"/>
+            </a:spcBef>
+            <a:spcAft>
+              <a:spcPct val="15000"/>
+            </a:spcAft>
+            <a:buChar char="••"/>
+          </a:pPr>
+          <a:endParaRPr lang="en-US" sz="1200" kern="1200" noProof="0" dirty="0"/>
+        </a:p>
+      </dsp:txBody>
+      <dsp:txXfrm rot="5400000">
+        <a:off x="4961281" y="-2031729"/>
+        <a:ext cx="947763" cy="5115448"/>
+      </dsp:txXfrm>
+    </dsp:sp>
+    <dsp:sp modelId="{082BB027-6359-45A9-905C-ACA83F9E48B2}">
+      <dsp:nvSpPr>
+        <dsp:cNvPr id="0" name=""/>
+        <dsp:cNvSpPr/>
+      </dsp:nvSpPr>
+      <dsp:spPr>
+        <a:xfrm>
+          <a:off x="0" y="2178"/>
+          <a:ext cx="2877439" cy="1047632"/>
+        </a:xfrm>
+        <a:prstGeom prst="roundRect">
+          <a:avLst/>
+        </a:prstGeom>
+        <a:gradFill rotWithShape="0">
+          <a:gsLst>
+            <a:gs pos="0">
+              <a:schemeClr val="accent2">
+                <a:hueOff val="0"/>
+                <a:satOff val="0"/>
+                <a:lumOff val="0"/>
+                <a:alphaOff val="0"/>
+                <a:tint val="1000"/>
+                <a:satMod val="255000"/>
+              </a:schemeClr>
+            </a:gs>
+            <a:gs pos="55000">
+              <a:schemeClr val="accent2">
+                <a:hueOff val="0"/>
+                <a:satOff val="0"/>
+                <a:lumOff val="0"/>
+                <a:alphaOff val="0"/>
+                <a:tint val="12000"/>
+                <a:satMod val="255000"/>
+              </a:schemeClr>
+            </a:gs>
+            <a:gs pos="100000">
+              <a:schemeClr val="accent2">
+                <a:hueOff val="0"/>
+                <a:satOff val="0"/>
+                <a:lumOff val="0"/>
+                <a:alphaOff val="0"/>
+                <a:tint val="45000"/>
+                <a:satMod val="250000"/>
+              </a:schemeClr>
+            </a:gs>
+          </a:gsLst>
+          <a:path path="circle">
+            <a:fillToRect l="-40000" t="-90000" r="140000" b="190000"/>
+          </a:path>
+        </a:gradFill>
+        <a:ln>
+          <a:noFill/>
+        </a:ln>
+        <a:effectLst>
+          <a:outerShdw blurRad="51500" dist="25400" dir="5400000" rotWithShape="0">
+            <a:srgbClr val="000000">
+              <a:alpha val="40000"/>
+            </a:srgbClr>
+          </a:outerShdw>
+        </a:effectLst>
+        <a:scene3d>
+          <a:camera prst="orthographicFront"/>
+          <a:lightRig rig="flat" dir="t"/>
+        </a:scene3d>
+        <a:sp3d prstMaterial="dkEdge">
+          <a:bevelT w="8200" h="38100"/>
+        </a:sp3d>
+      </dsp:spPr>
+      <dsp:style>
+        <a:lnRef idx="0">
+          <a:scrgbClr r="0" g="0" b="0"/>
+        </a:lnRef>
+        <a:fillRef idx="2">
+          <a:scrgbClr r="0" g="0" b="0"/>
+        </a:fillRef>
+        <a:effectRef idx="1">
+          <a:scrgbClr r="0" g="0" b="0"/>
+        </a:effectRef>
+        <a:fontRef idx="minor">
+          <a:schemeClr val="dk1"/>
+        </a:fontRef>
+      </dsp:style>
+      <dsp:txBody>
+        <a:bodyPr spcFirstLastPara="0" vert="horz" wrap="square" lIns="83820" tIns="41910" rIns="83820" bIns="41910" numCol="1" spcCol="1270" anchor="ctr" anchorCtr="0">
+          <a:noAutofit/>
+        </a:bodyPr>
+        <a:lstStyle/>
+        <a:p>
+          <a:pPr lvl="0" algn="ctr" defTabSz="977900">
+            <a:lnSpc>
+              <a:spcPct val="90000"/>
+            </a:lnSpc>
+            <a:spcBef>
+              <a:spcPct val="0"/>
+            </a:spcBef>
+            <a:spcAft>
+              <a:spcPct val="35000"/>
+            </a:spcAft>
+          </a:pPr>
+          <a:r>
+            <a:rPr lang="en-US" sz="2200" kern="1200" noProof="0" dirty="0" smtClean="0"/>
+            <a:t>Service Access and Configuration Patterns</a:t>
+          </a:r>
+          <a:endParaRPr lang="en-US" sz="2200" kern="1200" noProof="0" dirty="0"/>
+        </a:p>
+      </dsp:txBody>
+      <dsp:txXfrm>
+        <a:off x="0" y="2178"/>
+        <a:ext cx="2877439" cy="1047632"/>
+      </dsp:txXfrm>
+    </dsp:sp>
+    <dsp:sp modelId="{CFA3EF0F-E32F-4919-8FAD-A97203F6D04C}">
+      <dsp:nvSpPr>
+        <dsp:cNvPr id="0" name=""/>
+        <dsp:cNvSpPr/>
+      </dsp:nvSpPr>
+      <dsp:spPr>
+        <a:xfrm rot="5400000">
+          <a:off x="4961281" y="-931715"/>
+          <a:ext cx="947763" cy="5115448"/>
+        </a:xfrm>
+        <a:prstGeom prst="round2SameRect">
+          <a:avLst/>
+        </a:prstGeom>
+        <a:solidFill>
+          <a:schemeClr val="accent3">
+            <a:tint val="40000"/>
+            <a:alpha val="90000"/>
+            <a:hueOff val="0"/>
+            <a:satOff val="0"/>
+            <a:lumOff val="0"/>
+            <a:alphaOff val="0"/>
+          </a:schemeClr>
+        </a:solidFill>
+        <a:ln w="9525" cap="flat" cmpd="sng" algn="ctr">
+          <a:solidFill>
+            <a:schemeClr val="accent3">
+              <a:tint val="40000"/>
+              <a:alpha val="90000"/>
+              <a:hueOff val="0"/>
+              <a:satOff val="0"/>
+              <a:lumOff val="0"/>
+              <a:alphaOff val="0"/>
+            </a:schemeClr>
+          </a:solidFill>
+          <a:prstDash val="solid"/>
+        </a:ln>
+        <a:effectLst/>
+      </dsp:spPr>
+      <dsp:style>
+        <a:lnRef idx="1">
+          <a:scrgbClr r="0" g="0" b="0"/>
+        </a:lnRef>
+        <a:fillRef idx="1">
+          <a:scrgbClr r="0" g="0" b="0"/>
+        </a:fillRef>
+        <a:effectRef idx="0">
+          <a:scrgbClr r="0" g="0" b="0"/>
+        </a:effectRef>
+        <a:fontRef idx="minor"/>
+      </dsp:style>
+      <dsp:txBody>
+        <a:bodyPr spcFirstLastPara="0" vert="horz" wrap="square" lIns="247650" tIns="123825" rIns="247650" bIns="123825" numCol="1" spcCol="1270" anchor="ctr" anchorCtr="0">
+          <a:noAutofit/>
+        </a:bodyPr>
+        <a:lstStyle/>
+        <a:p>
+          <a:pPr marL="114300" lvl="1" indent="-114300" algn="l" defTabSz="533400">
+            <a:lnSpc>
+              <a:spcPct val="90000"/>
+            </a:lnSpc>
+            <a:spcBef>
+              <a:spcPct val="0"/>
+            </a:spcBef>
+            <a:spcAft>
+              <a:spcPct val="15000"/>
+            </a:spcAft>
+            <a:buChar char="••"/>
+          </a:pPr>
+          <a:endParaRPr lang="en-US" sz="1200" kern="1200" noProof="0" dirty="0"/>
+        </a:p>
+      </dsp:txBody>
+      <dsp:txXfrm rot="5400000">
+        <a:off x="4961281" y="-931715"/>
+        <a:ext cx="947763" cy="5115448"/>
+      </dsp:txXfrm>
+    </dsp:sp>
+    <dsp:sp modelId="{87CD7CF8-79B5-416A-967B-F89FBA3DBED1}">
+      <dsp:nvSpPr>
+        <dsp:cNvPr id="0" name=""/>
+        <dsp:cNvSpPr/>
+      </dsp:nvSpPr>
+      <dsp:spPr>
+        <a:xfrm>
+          <a:off x="0" y="1102192"/>
+          <a:ext cx="2877439" cy="1047632"/>
+        </a:xfrm>
+        <a:prstGeom prst="roundRect">
+          <a:avLst/>
+        </a:prstGeom>
+        <a:gradFill rotWithShape="0">
+          <a:gsLst>
+            <a:gs pos="0">
+              <a:schemeClr val="accent3">
+                <a:hueOff val="0"/>
+                <a:satOff val="0"/>
+                <a:lumOff val="0"/>
+                <a:alphaOff val="0"/>
+                <a:tint val="1000"/>
+                <a:satMod val="255000"/>
+              </a:schemeClr>
+            </a:gs>
+            <a:gs pos="55000">
+              <a:schemeClr val="accent3">
+                <a:hueOff val="0"/>
+                <a:satOff val="0"/>
+                <a:lumOff val="0"/>
+                <a:alphaOff val="0"/>
+                <a:tint val="12000"/>
+                <a:satMod val="255000"/>
+              </a:schemeClr>
+            </a:gs>
+            <a:gs pos="100000">
+              <a:schemeClr val="accent3">
+                <a:hueOff val="0"/>
+                <a:satOff val="0"/>
+                <a:lumOff val="0"/>
+                <a:alphaOff val="0"/>
+                <a:tint val="45000"/>
+                <a:satMod val="250000"/>
+              </a:schemeClr>
+            </a:gs>
+          </a:gsLst>
+          <a:path path="circle">
+            <a:fillToRect l="-40000" t="-90000" r="140000" b="190000"/>
+          </a:path>
+        </a:gradFill>
+        <a:ln>
+          <a:noFill/>
+        </a:ln>
+        <a:effectLst>
+          <a:outerShdw blurRad="51500" dist="25400" dir="5400000" rotWithShape="0">
+            <a:srgbClr val="000000">
+              <a:alpha val="40000"/>
+            </a:srgbClr>
+          </a:outerShdw>
+        </a:effectLst>
+        <a:scene3d>
+          <a:camera prst="orthographicFront"/>
+          <a:lightRig rig="flat" dir="t"/>
+        </a:scene3d>
+        <a:sp3d prstMaterial="dkEdge">
+          <a:bevelT w="8200" h="38100"/>
+        </a:sp3d>
+      </dsp:spPr>
+      <dsp:style>
+        <a:lnRef idx="0">
+          <a:scrgbClr r="0" g="0" b="0"/>
+        </a:lnRef>
+        <a:fillRef idx="2">
+          <a:scrgbClr r="0" g="0" b="0"/>
+        </a:fillRef>
+        <a:effectRef idx="1">
+          <a:scrgbClr r="0" g="0" b="0"/>
+        </a:effectRef>
+        <a:fontRef idx="minor">
+          <a:schemeClr val="dk1"/>
+        </a:fontRef>
+      </dsp:style>
+      <dsp:txBody>
+        <a:bodyPr spcFirstLastPara="0" vert="horz" wrap="square" lIns="83820" tIns="41910" rIns="83820" bIns="41910" numCol="1" spcCol="1270" anchor="ctr" anchorCtr="0">
+          <a:noAutofit/>
+        </a:bodyPr>
+        <a:lstStyle/>
+        <a:p>
+          <a:pPr lvl="0" algn="ctr" defTabSz="977900">
+            <a:lnSpc>
+              <a:spcPct val="90000"/>
+            </a:lnSpc>
+            <a:spcBef>
+              <a:spcPct val="0"/>
+            </a:spcBef>
+            <a:spcAft>
+              <a:spcPct val="35000"/>
+            </a:spcAft>
+          </a:pPr>
+          <a:r>
+            <a:rPr lang="en-US" sz="2200" kern="1200" noProof="0" dirty="0" smtClean="0"/>
+            <a:t>Event Handling Patterns</a:t>
+          </a:r>
+          <a:endParaRPr lang="en-US" sz="2200" kern="1200" noProof="0" dirty="0"/>
+        </a:p>
+      </dsp:txBody>
+      <dsp:txXfrm>
+        <a:off x="0" y="1102192"/>
+        <a:ext cx="2877439" cy="1047632"/>
+      </dsp:txXfrm>
+    </dsp:sp>
+    <dsp:sp modelId="{E27B0244-D2DB-48D7-866A-10FF9AEA5537}">
+      <dsp:nvSpPr>
+        <dsp:cNvPr id="0" name=""/>
+        <dsp:cNvSpPr/>
+      </dsp:nvSpPr>
+      <dsp:spPr>
+        <a:xfrm rot="5400000">
+          <a:off x="4961281" y="168299"/>
+          <a:ext cx="947763" cy="5115448"/>
+        </a:xfrm>
+        <a:prstGeom prst="round2SameRect">
+          <a:avLst/>
+        </a:prstGeom>
+        <a:solidFill>
+          <a:schemeClr val="accent4">
+            <a:tint val="40000"/>
+            <a:alpha val="90000"/>
+            <a:hueOff val="0"/>
+            <a:satOff val="0"/>
+            <a:lumOff val="0"/>
+            <a:alphaOff val="0"/>
+          </a:schemeClr>
+        </a:solidFill>
+        <a:ln w="9525" cap="flat" cmpd="sng" algn="ctr">
+          <a:solidFill>
+            <a:schemeClr val="accent4">
+              <a:tint val="40000"/>
+              <a:alpha val="90000"/>
+              <a:hueOff val="0"/>
+              <a:satOff val="0"/>
+              <a:lumOff val="0"/>
+              <a:alphaOff val="0"/>
+            </a:schemeClr>
+          </a:solidFill>
+          <a:prstDash val="solid"/>
+        </a:ln>
+        <a:effectLst/>
+      </dsp:spPr>
+      <dsp:style>
+        <a:lnRef idx="1">
+          <a:scrgbClr r="0" g="0" b="0"/>
+        </a:lnRef>
+        <a:fillRef idx="1">
+          <a:scrgbClr r="0" g="0" b="0"/>
+        </a:fillRef>
+        <a:effectRef idx="0">
+          <a:scrgbClr r="0" g="0" b="0"/>
+        </a:effectRef>
+        <a:fontRef idx="minor"/>
+      </dsp:style>
+      <dsp:txBody>
+        <a:bodyPr spcFirstLastPara="0" vert="horz" wrap="square" lIns="247650" tIns="123825" rIns="247650" bIns="123825" numCol="1" spcCol="1270" anchor="ctr" anchorCtr="0">
+          <a:noAutofit/>
+        </a:bodyPr>
+        <a:lstStyle/>
+        <a:p>
+          <a:pPr marL="114300" lvl="1" indent="-114300" algn="l" defTabSz="533400">
+            <a:lnSpc>
+              <a:spcPct val="90000"/>
+            </a:lnSpc>
+            <a:spcBef>
+              <a:spcPct val="0"/>
+            </a:spcBef>
+            <a:spcAft>
+              <a:spcPct val="15000"/>
+            </a:spcAft>
+            <a:buChar char="••"/>
+          </a:pPr>
+          <a:endParaRPr lang="en-US" sz="1200" kern="1200" noProof="0" dirty="0"/>
+        </a:p>
+      </dsp:txBody>
+      <dsp:txXfrm rot="5400000">
+        <a:off x="4961281" y="168299"/>
+        <a:ext cx="947763" cy="5115448"/>
+      </dsp:txXfrm>
+    </dsp:sp>
+    <dsp:sp modelId="{E63503F8-AAFE-4BAA-8D4E-448F984C98D8}">
+      <dsp:nvSpPr>
+        <dsp:cNvPr id="0" name=""/>
+        <dsp:cNvSpPr/>
+      </dsp:nvSpPr>
+      <dsp:spPr>
+        <a:xfrm>
+          <a:off x="0" y="2202206"/>
+          <a:ext cx="2877439" cy="1047632"/>
+        </a:xfrm>
+        <a:prstGeom prst="roundRect">
+          <a:avLst/>
+        </a:prstGeom>
+        <a:gradFill rotWithShape="0">
+          <a:gsLst>
+            <a:gs pos="0">
+              <a:schemeClr val="accent4">
+                <a:hueOff val="0"/>
+                <a:satOff val="0"/>
+                <a:lumOff val="0"/>
+                <a:alphaOff val="0"/>
+                <a:tint val="1000"/>
+                <a:satMod val="255000"/>
+              </a:schemeClr>
+            </a:gs>
+            <a:gs pos="55000">
+              <a:schemeClr val="accent4">
+                <a:hueOff val="0"/>
+                <a:satOff val="0"/>
+                <a:lumOff val="0"/>
+                <a:alphaOff val="0"/>
+                <a:tint val="12000"/>
+                <a:satMod val="255000"/>
+              </a:schemeClr>
+            </a:gs>
+            <a:gs pos="100000">
+              <a:schemeClr val="accent4">
+                <a:hueOff val="0"/>
+                <a:satOff val="0"/>
+                <a:lumOff val="0"/>
+                <a:alphaOff val="0"/>
+                <a:tint val="45000"/>
+                <a:satMod val="250000"/>
+              </a:schemeClr>
+            </a:gs>
+          </a:gsLst>
+          <a:path path="circle">
+            <a:fillToRect l="-40000" t="-90000" r="140000" b="190000"/>
+          </a:path>
+        </a:gradFill>
+        <a:ln>
+          <a:noFill/>
+        </a:ln>
+        <a:effectLst>
+          <a:outerShdw blurRad="51500" dist="25400" dir="5400000" rotWithShape="0">
+            <a:srgbClr val="000000">
+              <a:alpha val="40000"/>
+            </a:srgbClr>
+          </a:outerShdw>
+        </a:effectLst>
+        <a:scene3d>
+          <a:camera prst="orthographicFront"/>
+          <a:lightRig rig="flat" dir="t"/>
+        </a:scene3d>
+        <a:sp3d prstMaterial="dkEdge">
+          <a:bevelT w="8200" h="38100"/>
+        </a:sp3d>
+      </dsp:spPr>
+      <dsp:style>
+        <a:lnRef idx="0">
+          <a:scrgbClr r="0" g="0" b="0"/>
+        </a:lnRef>
+        <a:fillRef idx="2">
+          <a:scrgbClr r="0" g="0" b="0"/>
+        </a:fillRef>
+        <a:effectRef idx="1">
+          <a:scrgbClr r="0" g="0" b="0"/>
+        </a:effectRef>
+        <a:fontRef idx="minor">
+          <a:schemeClr val="dk1"/>
+        </a:fontRef>
+      </dsp:style>
+      <dsp:txBody>
+        <a:bodyPr spcFirstLastPara="0" vert="horz" wrap="square" lIns="83820" tIns="41910" rIns="83820" bIns="41910" numCol="1" spcCol="1270" anchor="ctr" anchorCtr="0">
+          <a:noAutofit/>
+        </a:bodyPr>
+        <a:lstStyle/>
+        <a:p>
+          <a:pPr lvl="0" algn="ctr" defTabSz="977900">
+            <a:lnSpc>
+              <a:spcPct val="90000"/>
+            </a:lnSpc>
+            <a:spcBef>
+              <a:spcPct val="0"/>
+            </a:spcBef>
+            <a:spcAft>
+              <a:spcPct val="35000"/>
+            </a:spcAft>
+          </a:pPr>
+          <a:r>
+            <a:rPr lang="en-US" sz="2200" kern="1200" noProof="0" dirty="0" smtClean="0"/>
+            <a:t>Synchronization Patterns</a:t>
+          </a:r>
+          <a:endParaRPr lang="en-US" sz="2200" kern="1200" noProof="0" dirty="0"/>
+        </a:p>
+      </dsp:txBody>
+      <dsp:txXfrm>
+        <a:off x="0" y="2202206"/>
+        <a:ext cx="2877439" cy="1047632"/>
+      </dsp:txXfrm>
+    </dsp:sp>
+    <dsp:sp modelId="{E245088C-AE90-4831-A6ED-F041C588B53D}">
+      <dsp:nvSpPr>
+        <dsp:cNvPr id="0" name=""/>
+        <dsp:cNvSpPr/>
+      </dsp:nvSpPr>
+      <dsp:spPr>
+        <a:xfrm rot="5400000">
+          <a:off x="4961281" y="1268313"/>
+          <a:ext cx="947763" cy="5115448"/>
+        </a:xfrm>
+        <a:prstGeom prst="round2SameRect">
+          <a:avLst/>
+        </a:prstGeom>
+        <a:solidFill>
+          <a:schemeClr val="accent5">
+            <a:tint val="40000"/>
+            <a:alpha val="90000"/>
+            <a:hueOff val="0"/>
+            <a:satOff val="0"/>
+            <a:lumOff val="0"/>
+            <a:alphaOff val="0"/>
+          </a:schemeClr>
+        </a:solidFill>
+        <a:ln w="9525" cap="flat" cmpd="sng" algn="ctr">
+          <a:solidFill>
+            <a:schemeClr val="accent5">
+              <a:tint val="40000"/>
+              <a:alpha val="90000"/>
+              <a:hueOff val="0"/>
+              <a:satOff val="0"/>
+              <a:lumOff val="0"/>
+              <a:alphaOff val="0"/>
+            </a:schemeClr>
+          </a:solidFill>
+          <a:prstDash val="solid"/>
+        </a:ln>
+        <a:effectLst/>
+      </dsp:spPr>
+      <dsp:style>
+        <a:lnRef idx="1">
+          <a:scrgbClr r="0" g="0" b="0"/>
+        </a:lnRef>
+        <a:fillRef idx="1">
+          <a:scrgbClr r="0" g="0" b="0"/>
+        </a:fillRef>
+        <a:effectRef idx="0">
+          <a:scrgbClr r="0" g="0" b="0"/>
+        </a:effectRef>
+        <a:fontRef idx="minor"/>
+      </dsp:style>
+      <dsp:txBody>
+        <a:bodyPr spcFirstLastPara="0" vert="horz" wrap="square" lIns="247650" tIns="123825" rIns="247650" bIns="123825" numCol="1" spcCol="1270" anchor="ctr" anchorCtr="0">
+          <a:noAutofit/>
+        </a:bodyPr>
+        <a:lstStyle/>
+        <a:p>
+          <a:pPr marL="114300" lvl="1" indent="-114300" algn="l" defTabSz="533400">
+            <a:lnSpc>
+              <a:spcPct val="90000"/>
+            </a:lnSpc>
+            <a:spcBef>
+              <a:spcPct val="0"/>
+            </a:spcBef>
+            <a:spcAft>
+              <a:spcPct val="15000"/>
+            </a:spcAft>
+            <a:buChar char="••"/>
+          </a:pPr>
+          <a:endParaRPr lang="en-US" sz="1200" kern="1200" noProof="0" dirty="0"/>
+        </a:p>
+      </dsp:txBody>
+      <dsp:txXfrm rot="5400000">
+        <a:off x="4961281" y="1268313"/>
+        <a:ext cx="947763" cy="5115448"/>
+      </dsp:txXfrm>
+    </dsp:sp>
+    <dsp:sp modelId="{60494F3F-B686-4940-983F-1C72649574BB}">
+      <dsp:nvSpPr>
+        <dsp:cNvPr id="0" name=""/>
+        <dsp:cNvSpPr/>
+      </dsp:nvSpPr>
+      <dsp:spPr>
+        <a:xfrm>
+          <a:off x="0" y="3302221"/>
+          <a:ext cx="2877439" cy="1047632"/>
+        </a:xfrm>
+        <a:prstGeom prst="roundRect">
+          <a:avLst/>
+        </a:prstGeom>
+        <a:gradFill rotWithShape="0">
+          <a:gsLst>
+            <a:gs pos="0">
+              <a:schemeClr val="accent5">
+                <a:hueOff val="0"/>
+                <a:satOff val="0"/>
+                <a:lumOff val="0"/>
+                <a:alphaOff val="0"/>
+                <a:tint val="1000"/>
+                <a:satMod val="255000"/>
+              </a:schemeClr>
+            </a:gs>
+            <a:gs pos="55000">
+              <a:schemeClr val="accent5">
+                <a:hueOff val="0"/>
+                <a:satOff val="0"/>
+                <a:lumOff val="0"/>
+                <a:alphaOff val="0"/>
+                <a:tint val="12000"/>
+                <a:satMod val="255000"/>
+              </a:schemeClr>
+            </a:gs>
+            <a:gs pos="100000">
+              <a:schemeClr val="accent5">
+                <a:hueOff val="0"/>
+                <a:satOff val="0"/>
+                <a:lumOff val="0"/>
+                <a:alphaOff val="0"/>
+                <a:tint val="45000"/>
+                <a:satMod val="250000"/>
+              </a:schemeClr>
+            </a:gs>
+          </a:gsLst>
+          <a:path path="circle">
+            <a:fillToRect l="-40000" t="-90000" r="140000" b="190000"/>
+          </a:path>
+        </a:gradFill>
+        <a:ln>
+          <a:noFill/>
+        </a:ln>
+        <a:effectLst>
+          <a:outerShdw blurRad="51500" dist="25400" dir="5400000" rotWithShape="0">
+            <a:srgbClr val="000000">
+              <a:alpha val="40000"/>
+            </a:srgbClr>
+          </a:outerShdw>
+        </a:effectLst>
+        <a:scene3d>
+          <a:camera prst="orthographicFront"/>
+          <a:lightRig rig="flat" dir="t"/>
+        </a:scene3d>
+        <a:sp3d prstMaterial="dkEdge">
+          <a:bevelT w="8200" h="38100"/>
+        </a:sp3d>
+      </dsp:spPr>
+      <dsp:style>
+        <a:lnRef idx="0">
+          <a:scrgbClr r="0" g="0" b="0"/>
+        </a:lnRef>
+        <a:fillRef idx="2">
+          <a:scrgbClr r="0" g="0" b="0"/>
+        </a:fillRef>
+        <a:effectRef idx="1">
+          <a:scrgbClr r="0" g="0" b="0"/>
+        </a:effectRef>
+        <a:fontRef idx="minor">
+          <a:schemeClr val="dk1"/>
+        </a:fontRef>
+      </dsp:style>
+      <dsp:txBody>
+        <a:bodyPr spcFirstLastPara="0" vert="horz" wrap="square" lIns="83820" tIns="41910" rIns="83820" bIns="41910" numCol="1" spcCol="1270" anchor="ctr" anchorCtr="0">
+          <a:noAutofit/>
+        </a:bodyPr>
+        <a:lstStyle/>
+        <a:p>
+          <a:pPr lvl="0" algn="ctr" defTabSz="977900">
+            <a:lnSpc>
+              <a:spcPct val="90000"/>
+            </a:lnSpc>
+            <a:spcBef>
+              <a:spcPct val="0"/>
+            </a:spcBef>
+            <a:spcAft>
+              <a:spcPct val="35000"/>
+            </a:spcAft>
+          </a:pPr>
+          <a:r>
+            <a:rPr lang="en-US" sz="2200" kern="1200" noProof="0" dirty="0" smtClean="0"/>
+            <a:t>Concurrency Patterns</a:t>
+          </a:r>
+          <a:endParaRPr lang="en-US" sz="2200" kern="1200" noProof="0" dirty="0"/>
+        </a:p>
+      </dsp:txBody>
+      <dsp:txXfrm>
+        <a:off x="0" y="3302221"/>
+        <a:ext cx="2877439" cy="1047632"/>
+      </dsp:txXfrm>
+    </dsp:sp>
+  </dsp:spTree>
+</dsp:drawing>
+</file>
+
 <file path=ppt/diagrams/layout1.xml><?xml version="1.0" encoding="utf-8"?>
 <dgm:layoutDef xmlns:dgm="http://schemas.openxmlformats.org/drawingml/2006/diagram" xmlns:a="http://schemas.openxmlformats.org/drawingml/2006/main" uniqueId="urn:microsoft.com/office/officeart/2005/8/layout/hierarchy4">
   <dgm:title val=""/>
@@ -3815,7 +7695,2593 @@
 </dgm:layoutDef>
 </file>
 
+<file path=ppt/diagrams/layout2.xml><?xml version="1.0" encoding="utf-8"?>
+<dgm:layoutDef xmlns:dgm="http://schemas.openxmlformats.org/drawingml/2006/diagram" xmlns:a="http://schemas.openxmlformats.org/drawingml/2006/main" uniqueId="urn:microsoft.com/office/officeart/2005/8/layout/vList5">
+  <dgm:title val=""/>
+  <dgm:desc val=""/>
+  <dgm:catLst>
+    <dgm:cat type="list" pri="15000"/>
+    <dgm:cat type="convert" pri="2000"/>
+  </dgm:catLst>
+  <dgm:sampData>
+    <dgm:dataModel>
+      <dgm:ptLst>
+        <dgm:pt modelId="0" type="doc"/>
+        <dgm:pt modelId="1">
+          <dgm:prSet phldr="1"/>
+        </dgm:pt>
+        <dgm:pt modelId="11">
+          <dgm:prSet phldr="1"/>
+        </dgm:pt>
+        <dgm:pt modelId="12">
+          <dgm:prSet phldr="1"/>
+        </dgm:pt>
+        <dgm:pt modelId="2">
+          <dgm:prSet phldr="1"/>
+        </dgm:pt>
+        <dgm:pt modelId="21">
+          <dgm:prSet phldr="1"/>
+        </dgm:pt>
+        <dgm:pt modelId="22">
+          <dgm:prSet phldr="1"/>
+        </dgm:pt>
+        <dgm:pt modelId="3">
+          <dgm:prSet phldr="1"/>
+        </dgm:pt>
+        <dgm:pt modelId="31">
+          <dgm:prSet phldr="1"/>
+        </dgm:pt>
+        <dgm:pt modelId="32">
+          <dgm:prSet phldr="1"/>
+        </dgm:pt>
+      </dgm:ptLst>
+      <dgm:cxnLst>
+        <dgm:cxn modelId="4" srcId="0" destId="1" srcOrd="0" destOrd="0"/>
+        <dgm:cxn modelId="5" srcId="0" destId="2" srcOrd="1" destOrd="0"/>
+        <dgm:cxn modelId="6" srcId="0" destId="3" srcOrd="2" destOrd="0"/>
+        <dgm:cxn modelId="13" srcId="1" destId="11" srcOrd="0" destOrd="0"/>
+        <dgm:cxn modelId="14" srcId="1" destId="12" srcOrd="1" destOrd="0"/>
+        <dgm:cxn modelId="23" srcId="2" destId="21" srcOrd="0" destOrd="0"/>
+        <dgm:cxn modelId="24" srcId="2" destId="22" srcOrd="1" destOrd="0"/>
+        <dgm:cxn modelId="33" srcId="3" destId="31" srcOrd="0" destOrd="0"/>
+        <dgm:cxn modelId="34" srcId="3" destId="32" srcOrd="1" destOrd="0"/>
+      </dgm:cxnLst>
+      <dgm:bg/>
+      <dgm:whole/>
+    </dgm:dataModel>
+  </dgm:sampData>
+  <dgm:styleData>
+    <dgm:dataModel>
+      <dgm:ptLst>
+        <dgm:pt modelId="0" type="doc"/>
+        <dgm:pt modelId="1"/>
+        <dgm:pt modelId="11"/>
+        <dgm:pt modelId="2"/>
+        <dgm:pt modelId="21"/>
+      </dgm:ptLst>
+      <dgm:cxnLst>
+        <dgm:cxn modelId="4" srcId="0" destId="1" srcOrd="0" destOrd="0"/>
+        <dgm:cxn modelId="5" srcId="0" destId="2" srcOrd="1" destOrd="0"/>
+        <dgm:cxn modelId="13" srcId="1" destId="11" srcOrd="0" destOrd="0"/>
+        <dgm:cxn modelId="23" srcId="2" destId="21" srcOrd="0" destOrd="0"/>
+      </dgm:cxnLst>
+      <dgm:bg/>
+      <dgm:whole/>
+    </dgm:dataModel>
+  </dgm:styleData>
+  <dgm:clrData>
+    <dgm:dataModel>
+      <dgm:ptLst>
+        <dgm:pt modelId="0" type="doc"/>
+        <dgm:pt modelId="1"/>
+        <dgm:pt modelId="11"/>
+        <dgm:pt modelId="2"/>
+        <dgm:pt modelId="21"/>
+        <dgm:pt modelId="3"/>
+        <dgm:pt modelId="31"/>
+        <dgm:pt modelId="4"/>
+        <dgm:pt modelId="41"/>
+      </dgm:ptLst>
+      <dgm:cxnLst>
+        <dgm:cxn modelId="5" srcId="0" destId="1" srcOrd="0" destOrd="0"/>
+        <dgm:cxn modelId="6" srcId="0" destId="2" srcOrd="1" destOrd="0"/>
+        <dgm:cxn modelId="7" srcId="0" destId="3" srcOrd="2" destOrd="0"/>
+        <dgm:cxn modelId="8" srcId="0" destId="4" srcOrd="3" destOrd="0"/>
+        <dgm:cxn modelId="13" srcId="1" destId="11" srcOrd="0" destOrd="0"/>
+        <dgm:cxn modelId="23" srcId="2" destId="21" srcOrd="0" destOrd="0"/>
+        <dgm:cxn modelId="33" srcId="3" destId="31" srcOrd="0" destOrd="0"/>
+        <dgm:cxn modelId="43" srcId="4" destId="41" srcOrd="0" destOrd="0"/>
+      </dgm:cxnLst>
+      <dgm:bg/>
+      <dgm:whole/>
+    </dgm:dataModel>
+  </dgm:clrData>
+  <dgm:layoutNode name="Name0">
+    <dgm:varLst>
+      <dgm:dir/>
+      <dgm:animLvl val="lvl"/>
+      <dgm:resizeHandles val="exact"/>
+    </dgm:varLst>
+    <dgm:choose name="Name1">
+      <dgm:if name="Name2" func="var" arg="dir" op="equ" val="norm">
+        <dgm:alg type="lin">
+          <dgm:param type="linDir" val="fromT"/>
+          <dgm:param type="nodeHorzAlign" val="l"/>
+        </dgm:alg>
+      </dgm:if>
+      <dgm:else name="Name3">
+        <dgm:alg type="lin">
+          <dgm:param type="linDir" val="fromT"/>
+          <dgm:param type="nodeHorzAlign" val="r"/>
+        </dgm:alg>
+      </dgm:else>
+    </dgm:choose>
+    <dgm:shape xmlns:r="http://schemas.openxmlformats.org/officeDocument/2006/relationships" r:blip="">
+      <dgm:adjLst/>
+    </dgm:shape>
+    <dgm:presOf/>
+    <dgm:constrLst>
+      <dgm:constr type="h" for="ch" forName="linNode" refType="h"/>
+      <dgm:constr type="w" for="ch" forName="linNode" refType="w"/>
+      <dgm:constr type="h" for="ch" forName="sp" refType="h" fact="0.05"/>
+      <dgm:constr type="primFontSz" for="des" forName="parentText" op="equ" val="65"/>
+      <dgm:constr type="secFontSz" for="des" forName="descendantText" op="equ"/>
+    </dgm:constrLst>
+    <dgm:ruleLst/>
+    <dgm:forEach name="Name4" axis="ch" ptType="node">
+      <dgm:layoutNode name="linNode">
+        <dgm:choose name="Name5">
+          <dgm:if name="Name6" func="var" arg="dir" op="equ" val="norm">
+            <dgm:alg type="lin">
+              <dgm:param type="linDir" val="fromL"/>
+            </dgm:alg>
+          </dgm:if>
+          <dgm:else name="Name7">
+            <dgm:alg type="lin">
+              <dgm:param type="linDir" val="fromR"/>
+            </dgm:alg>
+          </dgm:else>
+        </dgm:choose>
+        <dgm:shape xmlns:r="http://schemas.openxmlformats.org/officeDocument/2006/relationships" r:blip="">
+          <dgm:adjLst/>
+        </dgm:shape>
+        <dgm:presOf/>
+        <dgm:constrLst>
+          <dgm:constr type="w" for="ch" forName="parentText" refType="w" fact="0.36"/>
+          <dgm:constr type="w" for="ch" forName="descendantText" refType="w" fact="0.64"/>
+          <dgm:constr type="h" for="ch" forName="parentText" refType="h"/>
+          <dgm:constr type="h" for="ch" forName="descendantText" refType="h" refFor="ch" refForName="parentText" fact="0.8"/>
+        </dgm:constrLst>
+        <dgm:ruleLst/>
+        <dgm:layoutNode name="parentText">
+          <dgm:varLst>
+            <dgm:chMax val="1"/>
+            <dgm:bulletEnabled val="1"/>
+          </dgm:varLst>
+          <dgm:alg type="tx"/>
+          <dgm:shape xmlns:r="http://schemas.openxmlformats.org/officeDocument/2006/relationships" type="roundRect" r:blip="" zOrderOff="3">
+            <dgm:adjLst/>
+          </dgm:shape>
+          <dgm:presOf axis="self" ptType="node"/>
+          <dgm:constrLst>
+            <dgm:constr type="tMarg" refType="primFontSz" fact="0.15"/>
+            <dgm:constr type="bMarg" refType="primFontSz" fact="0.15"/>
+            <dgm:constr type="lMarg" refType="primFontSz" fact="0.3"/>
+            <dgm:constr type="rMarg" refType="primFontSz" fact="0.3"/>
+          </dgm:constrLst>
+          <dgm:ruleLst>
+            <dgm:rule type="primFontSz" val="5" fact="NaN" max="NaN"/>
+          </dgm:ruleLst>
+        </dgm:layoutNode>
+        <dgm:choose name="Name8">
+          <dgm:if name="Name9" axis="ch" ptType="node" func="cnt" op="gte" val="1">
+            <dgm:layoutNode name="descendantText" styleLbl="alignAccFollowNode1">
+              <dgm:varLst>
+                <dgm:bulletEnabled val="1"/>
+              </dgm:varLst>
+              <dgm:alg type="tx">
+                <dgm:param type="stBulletLvl" val="1"/>
+                <dgm:param type="txAnchorVertCh" val="mid"/>
+              </dgm:alg>
+              <dgm:choose name="Name10">
+                <dgm:if name="Name11" func="var" arg="dir" op="equ" val="norm">
+                  <dgm:shape xmlns:r="http://schemas.openxmlformats.org/officeDocument/2006/relationships" rot="90" type="round2SameRect" r:blip="">
+                    <dgm:adjLst/>
+                  </dgm:shape>
+                </dgm:if>
+                <dgm:else name="Name12">
+                  <dgm:shape xmlns:r="http://schemas.openxmlformats.org/officeDocument/2006/relationships" rot="-90" type="round2SameRect" r:blip="">
+                    <dgm:adjLst/>
+                  </dgm:shape>
+                </dgm:else>
+              </dgm:choose>
+              <dgm:presOf axis="des" ptType="node"/>
+              <dgm:constrLst>
+                <dgm:constr type="secFontSz" val="65"/>
+                <dgm:constr type="primFontSz" refType="secFontSz"/>
+                <dgm:constr type="lMarg" refType="secFontSz" fact="0.3"/>
+                <dgm:constr type="rMarg" refType="secFontSz" fact="0.3"/>
+                <dgm:constr type="tMarg" refType="secFontSz" fact="0.15"/>
+                <dgm:constr type="bMarg" refType="secFontSz" fact="0.15"/>
+              </dgm:constrLst>
+              <dgm:ruleLst>
+                <dgm:rule type="secFontSz" val="5" fact="NaN" max="NaN"/>
+              </dgm:ruleLst>
+            </dgm:layoutNode>
+          </dgm:if>
+          <dgm:else name="Name13"/>
+        </dgm:choose>
+      </dgm:layoutNode>
+      <dgm:forEach name="Name14" axis="followSib" ptType="sibTrans" cnt="1">
+        <dgm:layoutNode name="sp">
+          <dgm:alg type="sp"/>
+          <dgm:shape xmlns:r="http://schemas.openxmlformats.org/officeDocument/2006/relationships" r:blip="">
+            <dgm:adjLst/>
+          </dgm:shape>
+          <dgm:presOf/>
+          <dgm:constrLst/>
+          <dgm:ruleLst/>
+        </dgm:layoutNode>
+      </dgm:forEach>
+    </dgm:forEach>
+  </dgm:layoutNode>
+</dgm:layoutDef>
+</file>
+
+<file path=ppt/diagrams/layout3.xml><?xml version="1.0" encoding="utf-8"?>
+<dgm:layoutDef xmlns:dgm="http://schemas.openxmlformats.org/drawingml/2006/diagram" xmlns:a="http://schemas.openxmlformats.org/drawingml/2006/main" uniqueId="urn:microsoft.com/office/officeart/2005/8/layout/vList5">
+  <dgm:title val=""/>
+  <dgm:desc val=""/>
+  <dgm:catLst>
+    <dgm:cat type="list" pri="15000"/>
+    <dgm:cat type="convert" pri="2000"/>
+  </dgm:catLst>
+  <dgm:sampData>
+    <dgm:dataModel>
+      <dgm:ptLst>
+        <dgm:pt modelId="0" type="doc"/>
+        <dgm:pt modelId="1">
+          <dgm:prSet phldr="1"/>
+        </dgm:pt>
+        <dgm:pt modelId="11">
+          <dgm:prSet phldr="1"/>
+        </dgm:pt>
+        <dgm:pt modelId="12">
+          <dgm:prSet phldr="1"/>
+        </dgm:pt>
+        <dgm:pt modelId="2">
+          <dgm:prSet phldr="1"/>
+        </dgm:pt>
+        <dgm:pt modelId="21">
+          <dgm:prSet phldr="1"/>
+        </dgm:pt>
+        <dgm:pt modelId="22">
+          <dgm:prSet phldr="1"/>
+        </dgm:pt>
+        <dgm:pt modelId="3">
+          <dgm:prSet phldr="1"/>
+        </dgm:pt>
+        <dgm:pt modelId="31">
+          <dgm:prSet phldr="1"/>
+        </dgm:pt>
+        <dgm:pt modelId="32">
+          <dgm:prSet phldr="1"/>
+        </dgm:pt>
+      </dgm:ptLst>
+      <dgm:cxnLst>
+        <dgm:cxn modelId="4" srcId="0" destId="1" srcOrd="0" destOrd="0"/>
+        <dgm:cxn modelId="5" srcId="0" destId="2" srcOrd="1" destOrd="0"/>
+        <dgm:cxn modelId="6" srcId="0" destId="3" srcOrd="2" destOrd="0"/>
+        <dgm:cxn modelId="13" srcId="1" destId="11" srcOrd="0" destOrd="0"/>
+        <dgm:cxn modelId="14" srcId="1" destId="12" srcOrd="1" destOrd="0"/>
+        <dgm:cxn modelId="23" srcId="2" destId="21" srcOrd="0" destOrd="0"/>
+        <dgm:cxn modelId="24" srcId="2" destId="22" srcOrd="1" destOrd="0"/>
+        <dgm:cxn modelId="33" srcId="3" destId="31" srcOrd="0" destOrd="0"/>
+        <dgm:cxn modelId="34" srcId="3" destId="32" srcOrd="1" destOrd="0"/>
+      </dgm:cxnLst>
+      <dgm:bg/>
+      <dgm:whole/>
+    </dgm:dataModel>
+  </dgm:sampData>
+  <dgm:styleData>
+    <dgm:dataModel>
+      <dgm:ptLst>
+        <dgm:pt modelId="0" type="doc"/>
+        <dgm:pt modelId="1"/>
+        <dgm:pt modelId="11"/>
+        <dgm:pt modelId="2"/>
+        <dgm:pt modelId="21"/>
+      </dgm:ptLst>
+      <dgm:cxnLst>
+        <dgm:cxn modelId="4" srcId="0" destId="1" srcOrd="0" destOrd="0"/>
+        <dgm:cxn modelId="5" srcId="0" destId="2" srcOrd="1" destOrd="0"/>
+        <dgm:cxn modelId="13" srcId="1" destId="11" srcOrd="0" destOrd="0"/>
+        <dgm:cxn modelId="23" srcId="2" destId="21" srcOrd="0" destOrd="0"/>
+      </dgm:cxnLst>
+      <dgm:bg/>
+      <dgm:whole/>
+    </dgm:dataModel>
+  </dgm:styleData>
+  <dgm:clrData>
+    <dgm:dataModel>
+      <dgm:ptLst>
+        <dgm:pt modelId="0" type="doc"/>
+        <dgm:pt modelId="1"/>
+        <dgm:pt modelId="11"/>
+        <dgm:pt modelId="2"/>
+        <dgm:pt modelId="21"/>
+        <dgm:pt modelId="3"/>
+        <dgm:pt modelId="31"/>
+        <dgm:pt modelId="4"/>
+        <dgm:pt modelId="41"/>
+      </dgm:ptLst>
+      <dgm:cxnLst>
+        <dgm:cxn modelId="5" srcId="0" destId="1" srcOrd="0" destOrd="0"/>
+        <dgm:cxn modelId="6" srcId="0" destId="2" srcOrd="1" destOrd="0"/>
+        <dgm:cxn modelId="7" srcId="0" destId="3" srcOrd="2" destOrd="0"/>
+        <dgm:cxn modelId="8" srcId="0" destId="4" srcOrd="3" destOrd="0"/>
+        <dgm:cxn modelId="13" srcId="1" destId="11" srcOrd="0" destOrd="0"/>
+        <dgm:cxn modelId="23" srcId="2" destId="21" srcOrd="0" destOrd="0"/>
+        <dgm:cxn modelId="33" srcId="3" destId="31" srcOrd="0" destOrd="0"/>
+        <dgm:cxn modelId="43" srcId="4" destId="41" srcOrd="0" destOrd="0"/>
+      </dgm:cxnLst>
+      <dgm:bg/>
+      <dgm:whole/>
+    </dgm:dataModel>
+  </dgm:clrData>
+  <dgm:layoutNode name="Name0">
+    <dgm:varLst>
+      <dgm:dir/>
+      <dgm:animLvl val="lvl"/>
+      <dgm:resizeHandles val="exact"/>
+    </dgm:varLst>
+    <dgm:choose name="Name1">
+      <dgm:if name="Name2" func="var" arg="dir" op="equ" val="norm">
+        <dgm:alg type="lin">
+          <dgm:param type="linDir" val="fromT"/>
+          <dgm:param type="nodeHorzAlign" val="l"/>
+        </dgm:alg>
+      </dgm:if>
+      <dgm:else name="Name3">
+        <dgm:alg type="lin">
+          <dgm:param type="linDir" val="fromT"/>
+          <dgm:param type="nodeHorzAlign" val="r"/>
+        </dgm:alg>
+      </dgm:else>
+    </dgm:choose>
+    <dgm:shape xmlns:r="http://schemas.openxmlformats.org/officeDocument/2006/relationships" r:blip="">
+      <dgm:adjLst/>
+    </dgm:shape>
+    <dgm:presOf/>
+    <dgm:constrLst>
+      <dgm:constr type="h" for="ch" forName="linNode" refType="h"/>
+      <dgm:constr type="w" for="ch" forName="linNode" refType="w"/>
+      <dgm:constr type="h" for="ch" forName="sp" refType="h" fact="0.05"/>
+      <dgm:constr type="primFontSz" for="des" forName="parentText" op="equ" val="65"/>
+      <dgm:constr type="secFontSz" for="des" forName="descendantText" op="equ"/>
+    </dgm:constrLst>
+    <dgm:ruleLst/>
+    <dgm:forEach name="Name4" axis="ch" ptType="node">
+      <dgm:layoutNode name="linNode">
+        <dgm:choose name="Name5">
+          <dgm:if name="Name6" func="var" arg="dir" op="equ" val="norm">
+            <dgm:alg type="lin">
+              <dgm:param type="linDir" val="fromL"/>
+            </dgm:alg>
+          </dgm:if>
+          <dgm:else name="Name7">
+            <dgm:alg type="lin">
+              <dgm:param type="linDir" val="fromR"/>
+            </dgm:alg>
+          </dgm:else>
+        </dgm:choose>
+        <dgm:shape xmlns:r="http://schemas.openxmlformats.org/officeDocument/2006/relationships" r:blip="">
+          <dgm:adjLst/>
+        </dgm:shape>
+        <dgm:presOf/>
+        <dgm:constrLst>
+          <dgm:constr type="w" for="ch" forName="parentText" refType="w" fact="0.36"/>
+          <dgm:constr type="w" for="ch" forName="descendantText" refType="w" fact="0.64"/>
+          <dgm:constr type="h" for="ch" forName="parentText" refType="h"/>
+          <dgm:constr type="h" for="ch" forName="descendantText" refType="h" refFor="ch" refForName="parentText" fact="0.8"/>
+        </dgm:constrLst>
+        <dgm:ruleLst/>
+        <dgm:layoutNode name="parentText">
+          <dgm:varLst>
+            <dgm:chMax val="1"/>
+            <dgm:bulletEnabled val="1"/>
+          </dgm:varLst>
+          <dgm:alg type="tx"/>
+          <dgm:shape xmlns:r="http://schemas.openxmlformats.org/officeDocument/2006/relationships" type="roundRect" r:blip="" zOrderOff="3">
+            <dgm:adjLst/>
+          </dgm:shape>
+          <dgm:presOf axis="self" ptType="node"/>
+          <dgm:constrLst>
+            <dgm:constr type="tMarg" refType="primFontSz" fact="0.15"/>
+            <dgm:constr type="bMarg" refType="primFontSz" fact="0.15"/>
+            <dgm:constr type="lMarg" refType="primFontSz" fact="0.3"/>
+            <dgm:constr type="rMarg" refType="primFontSz" fact="0.3"/>
+          </dgm:constrLst>
+          <dgm:ruleLst>
+            <dgm:rule type="primFontSz" val="5" fact="NaN" max="NaN"/>
+          </dgm:ruleLst>
+        </dgm:layoutNode>
+        <dgm:choose name="Name8">
+          <dgm:if name="Name9" axis="ch" ptType="node" func="cnt" op="gte" val="1">
+            <dgm:layoutNode name="descendantText" styleLbl="alignAccFollowNode1">
+              <dgm:varLst>
+                <dgm:bulletEnabled val="1"/>
+              </dgm:varLst>
+              <dgm:alg type="tx">
+                <dgm:param type="stBulletLvl" val="1"/>
+                <dgm:param type="txAnchorVertCh" val="mid"/>
+              </dgm:alg>
+              <dgm:choose name="Name10">
+                <dgm:if name="Name11" func="var" arg="dir" op="equ" val="norm">
+                  <dgm:shape xmlns:r="http://schemas.openxmlformats.org/officeDocument/2006/relationships" rot="90" type="round2SameRect" r:blip="">
+                    <dgm:adjLst/>
+                  </dgm:shape>
+                </dgm:if>
+                <dgm:else name="Name12">
+                  <dgm:shape xmlns:r="http://schemas.openxmlformats.org/officeDocument/2006/relationships" rot="-90" type="round2SameRect" r:blip="">
+                    <dgm:adjLst/>
+                  </dgm:shape>
+                </dgm:else>
+              </dgm:choose>
+              <dgm:presOf axis="des" ptType="node"/>
+              <dgm:constrLst>
+                <dgm:constr type="secFontSz" val="65"/>
+                <dgm:constr type="primFontSz" refType="secFontSz"/>
+                <dgm:constr type="lMarg" refType="secFontSz" fact="0.3"/>
+                <dgm:constr type="rMarg" refType="secFontSz" fact="0.3"/>
+                <dgm:constr type="tMarg" refType="secFontSz" fact="0.15"/>
+                <dgm:constr type="bMarg" refType="secFontSz" fact="0.15"/>
+              </dgm:constrLst>
+              <dgm:ruleLst>
+                <dgm:rule type="secFontSz" val="5" fact="NaN" max="NaN"/>
+              </dgm:ruleLst>
+            </dgm:layoutNode>
+          </dgm:if>
+          <dgm:else name="Name13"/>
+        </dgm:choose>
+      </dgm:layoutNode>
+      <dgm:forEach name="Name14" axis="followSib" ptType="sibTrans" cnt="1">
+        <dgm:layoutNode name="sp">
+          <dgm:alg type="sp"/>
+          <dgm:shape xmlns:r="http://schemas.openxmlformats.org/officeDocument/2006/relationships" r:blip="">
+            <dgm:adjLst/>
+          </dgm:shape>
+          <dgm:presOf/>
+          <dgm:constrLst/>
+          <dgm:ruleLst/>
+        </dgm:layoutNode>
+      </dgm:forEach>
+    </dgm:forEach>
+  </dgm:layoutNode>
+</dgm:layoutDef>
+</file>
+
 <file path=ppt/diagrams/quickStyle1.xml><?xml version="1.0" encoding="utf-8"?>
+<dgm:styleDef xmlns:dgm="http://schemas.openxmlformats.org/drawingml/2006/diagram" xmlns:a="http://schemas.openxmlformats.org/drawingml/2006/main" uniqueId="urn:microsoft.com/office/officeart/2005/8/quickstyle/simple3">
+  <dgm:title val=""/>
+  <dgm:desc val=""/>
+  <dgm:catLst>
+    <dgm:cat type="simple" pri="10300"/>
+  </dgm:catLst>
+  <dgm:scene3d>
+    <a:camera prst="orthographicFront"/>
+    <a:lightRig rig="threePt" dir="t"/>
+  </dgm:scene3d>
+  <dgm:styleLbl name="node0">
+    <dgm:scene3d>
+      <a:camera prst="orthographicFront"/>
+      <a:lightRig rig="flat" dir="t"/>
+    </dgm:scene3d>
+    <dgm:sp3d prstMaterial="dkEdge">
+      <a:bevelT w="8200" h="38100"/>
+    </dgm:sp3d>
+    <dgm:txPr/>
+    <dgm:style>
+      <a:lnRef idx="0">
+        <a:scrgbClr r="0" g="0" b="0"/>
+      </a:lnRef>
+      <a:fillRef idx="2">
+        <a:scrgbClr r="0" g="0" b="0"/>
+      </a:fillRef>
+      <a:effectRef idx="1">
+        <a:scrgbClr r="0" g="0" b="0"/>
+      </a:effectRef>
+      <a:fontRef idx="minor">
+        <a:schemeClr val="dk1"/>
+      </a:fontRef>
+    </dgm:style>
+  </dgm:styleLbl>
+  <dgm:styleLbl name="lnNode1">
+    <dgm:scene3d>
+      <a:camera prst="orthographicFront"/>
+      <a:lightRig rig="flat" dir="t"/>
+    </dgm:scene3d>
+    <dgm:sp3d prstMaterial="dkEdge">
+      <a:bevelT w="8200" h="38100"/>
+    </dgm:sp3d>
+    <dgm:txPr/>
+    <dgm:style>
+      <a:lnRef idx="1">
+        <a:scrgbClr r="0" g="0" b="0"/>
+      </a:lnRef>
+      <a:fillRef idx="2">
+        <a:scrgbClr r="0" g="0" b="0"/>
+      </a:fillRef>
+      <a:effectRef idx="0">
+        <a:scrgbClr r="0" g="0" b="0"/>
+      </a:effectRef>
+      <a:fontRef idx="minor">
+        <a:schemeClr val="dk1"/>
+      </a:fontRef>
+    </dgm:style>
+  </dgm:styleLbl>
+  <dgm:styleLbl name="vennNode1">
+    <dgm:scene3d>
+      <a:camera prst="orthographicFront"/>
+      <a:lightRig rig="flat" dir="t"/>
+    </dgm:scene3d>
+    <dgm:sp3d prstMaterial="dkEdge">
+      <a:bevelT w="8200" h="38100"/>
+    </dgm:sp3d>
+    <dgm:txPr/>
+    <dgm:style>
+      <a:lnRef idx="0">
+        <a:scrgbClr r="0" g="0" b="0"/>
+      </a:lnRef>
+      <a:fillRef idx="2">
+        <a:scrgbClr r="0" g="0" b="0"/>
+      </a:fillRef>
+      <a:effectRef idx="0">
+        <a:scrgbClr r="0" g="0" b="0"/>
+      </a:effectRef>
+      <a:fontRef idx="minor">
+        <a:schemeClr val="tx1"/>
+      </a:fontRef>
+    </dgm:style>
+  </dgm:styleLbl>
+  <dgm:styleLbl name="alignNode1">
+    <dgm:scene3d>
+      <a:camera prst="orthographicFront"/>
+      <a:lightRig rig="threePt" dir="t"/>
+    </dgm:scene3d>
+    <dgm:sp3d/>
+    <dgm:txPr/>
+    <dgm:style>
+      <a:lnRef idx="1">
+        <a:scrgbClr r="0" g="0" b="0"/>
+      </a:lnRef>
+      <a:fillRef idx="2">
+        <a:scrgbClr r="0" g="0" b="0"/>
+      </a:fillRef>
+      <a:effectRef idx="1">
+        <a:scrgbClr r="0" g="0" b="0"/>
+      </a:effectRef>
+      <a:fontRef idx="minor">
+        <a:schemeClr val="dk1"/>
+      </a:fontRef>
+    </dgm:style>
+  </dgm:styleLbl>
+  <dgm:styleLbl name="node1">
+    <dgm:scene3d>
+      <a:camera prst="orthographicFront"/>
+      <a:lightRig rig="flat" dir="t"/>
+    </dgm:scene3d>
+    <dgm:sp3d prstMaterial="dkEdge">
+      <a:bevelT w="8200" h="38100"/>
+    </dgm:sp3d>
+    <dgm:txPr/>
+    <dgm:style>
+      <a:lnRef idx="0">
+        <a:scrgbClr r="0" g="0" b="0"/>
+      </a:lnRef>
+      <a:fillRef idx="2">
+        <a:scrgbClr r="0" g="0" b="0"/>
+      </a:fillRef>
+      <a:effectRef idx="1">
+        <a:scrgbClr r="0" g="0" b="0"/>
+      </a:effectRef>
+      <a:fontRef idx="minor">
+        <a:schemeClr val="dk1"/>
+      </a:fontRef>
+    </dgm:style>
+  </dgm:styleLbl>
+  <dgm:styleLbl name="node2">
+    <dgm:scene3d>
+      <a:camera prst="orthographicFront"/>
+      <a:lightRig rig="flat" dir="t"/>
+    </dgm:scene3d>
+    <dgm:sp3d prstMaterial="dkEdge">
+      <a:bevelT w="8200" h="38100"/>
+    </dgm:sp3d>
+    <dgm:txPr/>
+    <dgm:style>
+      <a:lnRef idx="0">
+        <a:scrgbClr r="0" g="0" b="0"/>
+      </a:lnRef>
+      <a:fillRef idx="2">
+        <a:scrgbClr r="0" g="0" b="0"/>
+      </a:fillRef>
+      <a:effectRef idx="1">
+        <a:scrgbClr r="0" g="0" b="0"/>
+      </a:effectRef>
+      <a:fontRef idx="minor">
+        <a:schemeClr val="dk1"/>
+      </a:fontRef>
+    </dgm:style>
+  </dgm:styleLbl>
+  <dgm:styleLbl name="node3">
+    <dgm:scene3d>
+      <a:camera prst="orthographicFront"/>
+      <a:lightRig rig="flat" dir="t"/>
+    </dgm:scene3d>
+    <dgm:sp3d prstMaterial="dkEdge">
+      <a:bevelT w="8200" h="38100"/>
+    </dgm:sp3d>
+    <dgm:txPr/>
+    <dgm:style>
+      <a:lnRef idx="0">
+        <a:scrgbClr r="0" g="0" b="0"/>
+      </a:lnRef>
+      <a:fillRef idx="2">
+        <a:scrgbClr r="0" g="0" b="0"/>
+      </a:fillRef>
+      <a:effectRef idx="1">
+        <a:scrgbClr r="0" g="0" b="0"/>
+      </a:effectRef>
+      <a:fontRef idx="minor">
+        <a:schemeClr val="dk1"/>
+      </a:fontRef>
+    </dgm:style>
+  </dgm:styleLbl>
+  <dgm:styleLbl name="node4">
+    <dgm:scene3d>
+      <a:camera prst="orthographicFront"/>
+      <a:lightRig rig="flat" dir="t"/>
+    </dgm:scene3d>
+    <dgm:sp3d prstMaterial="dkEdge">
+      <a:bevelT w="8200" h="38100"/>
+    </dgm:sp3d>
+    <dgm:txPr/>
+    <dgm:style>
+      <a:lnRef idx="0">
+        <a:scrgbClr r="0" g="0" b="0"/>
+      </a:lnRef>
+      <a:fillRef idx="2">
+        <a:scrgbClr r="0" g="0" b="0"/>
+      </a:fillRef>
+      <a:effectRef idx="1">
+        <a:scrgbClr r="0" g="0" b="0"/>
+      </a:effectRef>
+      <a:fontRef idx="minor">
+        <a:schemeClr val="dk1"/>
+      </a:fontRef>
+    </dgm:style>
+  </dgm:styleLbl>
+  <dgm:styleLbl name="fgImgPlace1">
+    <dgm:scene3d>
+      <a:camera prst="orthographicFront"/>
+      <a:lightRig rig="threePt" dir="t"/>
+    </dgm:scene3d>
+    <dgm:sp3d/>
+    <dgm:txPr/>
+    <dgm:style>
+      <a:lnRef idx="1">
+        <a:scrgbClr r="0" g="0" b="0"/>
+      </a:lnRef>
+      <a:fillRef idx="1">
+        <a:scrgbClr r="0" g="0" b="0"/>
+      </a:fillRef>
+      <a:effectRef idx="1">
+        <a:scrgbClr r="0" g="0" b="0"/>
+      </a:effectRef>
+      <a:fontRef idx="minor"/>
+    </dgm:style>
+  </dgm:styleLbl>
+  <dgm:styleLbl name="alignImgPlace1">
+    <dgm:scene3d>
+      <a:camera prst="orthographicFront"/>
+      <a:lightRig rig="threePt" dir="t"/>
+    </dgm:scene3d>
+    <dgm:sp3d/>
+    <dgm:txPr/>
+    <dgm:style>
+      <a:lnRef idx="1">
+        <a:scrgbClr r="0" g="0" b="0"/>
+      </a:lnRef>
+      <a:fillRef idx="1">
+        <a:scrgbClr r="0" g="0" b="0"/>
+      </a:fillRef>
+      <a:effectRef idx="1">
+        <a:scrgbClr r="0" g="0" b="0"/>
+      </a:effectRef>
+      <a:fontRef idx="minor"/>
+    </dgm:style>
+  </dgm:styleLbl>
+  <dgm:styleLbl name="bgImgPlace1">
+    <dgm:scene3d>
+      <a:camera prst="orthographicFront"/>
+      <a:lightRig rig="threePt" dir="t"/>
+    </dgm:scene3d>
+    <dgm:sp3d/>
+    <dgm:txPr/>
+    <dgm:style>
+      <a:lnRef idx="1">
+        <a:scrgbClr r="0" g="0" b="0"/>
+      </a:lnRef>
+      <a:fillRef idx="1">
+        <a:scrgbClr r="0" g="0" b="0"/>
+      </a:fillRef>
+      <a:effectRef idx="1">
+        <a:scrgbClr r="0" g="0" b="0"/>
+      </a:effectRef>
+      <a:fontRef idx="minor"/>
+    </dgm:style>
+  </dgm:styleLbl>
+  <dgm:styleLbl name="sibTrans2D1">
+    <dgm:scene3d>
+      <a:camera prst="orthographicFront"/>
+      <a:lightRig rig="threePt" dir="t"/>
+    </dgm:scene3d>
+    <dgm:sp3d/>
+    <dgm:txPr/>
+    <dgm:style>
+      <a:lnRef idx="0">
+        <a:scrgbClr r="0" g="0" b="0"/>
+      </a:lnRef>
+      <a:fillRef idx="2">
+        <a:scrgbClr r="0" g="0" b="0"/>
+      </a:fillRef>
+      <a:effectRef idx="1">
+        <a:scrgbClr r="0" g="0" b="0"/>
+      </a:effectRef>
+      <a:fontRef idx="minor">
+        <a:schemeClr val="dk1"/>
+      </a:fontRef>
+    </dgm:style>
+  </dgm:styleLbl>
+  <dgm:styleLbl name="fgSibTrans2D1">
+    <dgm:scene3d>
+      <a:camera prst="orthographicFront"/>
+      <a:lightRig rig="threePt" dir="t"/>
+    </dgm:scene3d>
+    <dgm:sp3d/>
+    <dgm:txPr/>
+    <dgm:style>
+      <a:lnRef idx="0">
+        <a:scrgbClr r="0" g="0" b="0"/>
+      </a:lnRef>
+      <a:fillRef idx="2">
+        <a:scrgbClr r="0" g="0" b="0"/>
+      </a:fillRef>
+      <a:effectRef idx="1">
+        <a:scrgbClr r="0" g="0" b="0"/>
+      </a:effectRef>
+      <a:fontRef idx="minor">
+        <a:schemeClr val="dk1"/>
+      </a:fontRef>
+    </dgm:style>
+  </dgm:styleLbl>
+  <dgm:styleLbl name="bgSibTrans2D1">
+    <dgm:scene3d>
+      <a:camera prst="orthographicFront"/>
+      <a:lightRig rig="threePt" dir="t"/>
+    </dgm:scene3d>
+    <dgm:sp3d/>
+    <dgm:txPr/>
+    <dgm:style>
+      <a:lnRef idx="0">
+        <a:scrgbClr r="0" g="0" b="0"/>
+      </a:lnRef>
+      <a:fillRef idx="2">
+        <a:scrgbClr r="0" g="0" b="0"/>
+      </a:fillRef>
+      <a:effectRef idx="1">
+        <a:scrgbClr r="0" g="0" b="0"/>
+      </a:effectRef>
+      <a:fontRef idx="minor">
+        <a:schemeClr val="dk1"/>
+      </a:fontRef>
+    </dgm:style>
+  </dgm:styleLbl>
+  <dgm:styleLbl name="sibTrans1D1">
+    <dgm:scene3d>
+      <a:camera prst="orthographicFront"/>
+      <a:lightRig rig="threePt" dir="t"/>
+    </dgm:scene3d>
+    <dgm:sp3d/>
+    <dgm:txPr/>
+    <dgm:style>
+      <a:lnRef idx="1">
+        <a:scrgbClr r="0" g="0" b="0"/>
+      </a:lnRef>
+      <a:fillRef idx="0">
+        <a:scrgbClr r="0" g="0" b="0"/>
+      </a:fillRef>
+      <a:effectRef idx="0">
+        <a:scrgbClr r="0" g="0" b="0"/>
+      </a:effectRef>
+      <a:fontRef idx="minor"/>
+    </dgm:style>
+  </dgm:styleLbl>
+  <dgm:styleLbl name="callout">
+    <dgm:scene3d>
+      <a:camera prst="orthographicFront"/>
+      <a:lightRig rig="threePt" dir="t"/>
+    </dgm:scene3d>
+    <dgm:sp3d/>
+    <dgm:txPr/>
+    <dgm:style>
+      <a:lnRef idx="1">
+        <a:scrgbClr r="0" g="0" b="0"/>
+      </a:lnRef>
+      <a:fillRef idx="2">
+        <a:scrgbClr r="0" g="0" b="0"/>
+      </a:fillRef>
+      <a:effectRef idx="1">
+        <a:scrgbClr r="0" g="0" b="0"/>
+      </a:effectRef>
+      <a:fontRef idx="minor"/>
+    </dgm:style>
+  </dgm:styleLbl>
+  <dgm:styleLbl name="asst0">
+    <dgm:scene3d>
+      <a:camera prst="orthographicFront"/>
+      <a:lightRig rig="flat" dir="t"/>
+    </dgm:scene3d>
+    <dgm:sp3d prstMaterial="dkEdge">
+      <a:bevelT w="8200" h="38100"/>
+    </dgm:sp3d>
+    <dgm:txPr/>
+    <dgm:style>
+      <a:lnRef idx="0">
+        <a:scrgbClr r="0" g="0" b="0"/>
+      </a:lnRef>
+      <a:fillRef idx="2">
+        <a:scrgbClr r="0" g="0" b="0"/>
+      </a:fillRef>
+      <a:effectRef idx="1">
+        <a:scrgbClr r="0" g="0" b="0"/>
+      </a:effectRef>
+      <a:fontRef idx="minor">
+        <a:schemeClr val="dk1"/>
+      </a:fontRef>
+    </dgm:style>
+  </dgm:styleLbl>
+  <dgm:styleLbl name="asst1">
+    <dgm:scene3d>
+      <a:camera prst="orthographicFront"/>
+      <a:lightRig rig="flat" dir="t"/>
+    </dgm:scene3d>
+    <dgm:sp3d prstMaterial="dkEdge">
+      <a:bevelT w="8200" h="38100"/>
+    </dgm:sp3d>
+    <dgm:txPr/>
+    <dgm:style>
+      <a:lnRef idx="0">
+        <a:scrgbClr r="0" g="0" b="0"/>
+      </a:lnRef>
+      <a:fillRef idx="2">
+        <a:scrgbClr r="0" g="0" b="0"/>
+      </a:fillRef>
+      <a:effectRef idx="1">
+        <a:scrgbClr r="0" g="0" b="0"/>
+      </a:effectRef>
+      <a:fontRef idx="minor">
+        <a:schemeClr val="dk1"/>
+      </a:fontRef>
+    </dgm:style>
+  </dgm:styleLbl>
+  <dgm:styleLbl name="asst2">
+    <dgm:scene3d>
+      <a:camera prst="orthographicFront"/>
+      <a:lightRig rig="flat" dir="t"/>
+    </dgm:scene3d>
+    <dgm:sp3d prstMaterial="dkEdge">
+      <a:bevelT w="8200" h="38100"/>
+    </dgm:sp3d>
+    <dgm:txPr/>
+    <dgm:style>
+      <a:lnRef idx="0">
+        <a:scrgbClr r="0" g="0" b="0"/>
+      </a:lnRef>
+      <a:fillRef idx="2">
+        <a:scrgbClr r="0" g="0" b="0"/>
+      </a:fillRef>
+      <a:effectRef idx="1">
+        <a:scrgbClr r="0" g="0" b="0"/>
+      </a:effectRef>
+      <a:fontRef idx="minor">
+        <a:schemeClr val="dk1"/>
+      </a:fontRef>
+    </dgm:style>
+  </dgm:styleLbl>
+  <dgm:styleLbl name="asst3">
+    <dgm:scene3d>
+      <a:camera prst="orthographicFront"/>
+      <a:lightRig rig="flat" dir="t"/>
+    </dgm:scene3d>
+    <dgm:sp3d prstMaterial="dkEdge">
+      <a:bevelT w="8200" h="38100"/>
+    </dgm:sp3d>
+    <dgm:txPr/>
+    <dgm:style>
+      <a:lnRef idx="0">
+        <a:scrgbClr r="0" g="0" b="0"/>
+      </a:lnRef>
+      <a:fillRef idx="2">
+        <a:scrgbClr r="0" g="0" b="0"/>
+      </a:fillRef>
+      <a:effectRef idx="1">
+        <a:scrgbClr r="0" g="0" b="0"/>
+      </a:effectRef>
+      <a:fontRef idx="minor">
+        <a:schemeClr val="dk1"/>
+      </a:fontRef>
+    </dgm:style>
+  </dgm:styleLbl>
+  <dgm:styleLbl name="asst4">
+    <dgm:scene3d>
+      <a:camera prst="orthographicFront"/>
+      <a:lightRig rig="flat" dir="t"/>
+    </dgm:scene3d>
+    <dgm:sp3d prstMaterial="dkEdge">
+      <a:bevelT w="8200" h="38100"/>
+    </dgm:sp3d>
+    <dgm:txPr/>
+    <dgm:style>
+      <a:lnRef idx="0">
+        <a:scrgbClr r="0" g="0" b="0"/>
+      </a:lnRef>
+      <a:fillRef idx="2">
+        <a:scrgbClr r="0" g="0" b="0"/>
+      </a:fillRef>
+      <a:effectRef idx="1">
+        <a:scrgbClr r="0" g="0" b="0"/>
+      </a:effectRef>
+      <a:fontRef idx="minor">
+        <a:schemeClr val="dk1"/>
+      </a:fontRef>
+    </dgm:style>
+  </dgm:styleLbl>
+  <dgm:styleLbl name="parChTrans2D1">
+    <dgm:scene3d>
+      <a:camera prst="orthographicFront"/>
+      <a:lightRig rig="threePt" dir="t"/>
+    </dgm:scene3d>
+    <dgm:sp3d/>
+    <dgm:txPr/>
+    <dgm:style>
+      <a:lnRef idx="1">
+        <a:scrgbClr r="0" g="0" b="0"/>
+      </a:lnRef>
+      <a:fillRef idx="2">
+        <a:scrgbClr r="0" g="0" b="0"/>
+      </a:fillRef>
+      <a:effectRef idx="1">
+        <a:scrgbClr r="0" g="0" b="0"/>
+      </a:effectRef>
+      <a:fontRef idx="minor">
+        <a:schemeClr val="dk1"/>
+      </a:fontRef>
+    </dgm:style>
+  </dgm:styleLbl>
+  <dgm:styleLbl name="parChTrans2D2">
+    <dgm:scene3d>
+      <a:camera prst="orthographicFront"/>
+      <a:lightRig rig="threePt" dir="t"/>
+    </dgm:scene3d>
+    <dgm:sp3d/>
+    <dgm:txPr/>
+    <dgm:style>
+      <a:lnRef idx="1">
+        <a:scrgbClr r="0" g="0" b="0"/>
+      </a:lnRef>
+      <a:fillRef idx="2">
+        <a:scrgbClr r="0" g="0" b="0"/>
+      </a:fillRef>
+      <a:effectRef idx="1">
+        <a:scrgbClr r="0" g="0" b="0"/>
+      </a:effectRef>
+      <a:fontRef idx="minor">
+        <a:schemeClr val="dk1"/>
+      </a:fontRef>
+    </dgm:style>
+  </dgm:styleLbl>
+  <dgm:styleLbl name="parChTrans2D3">
+    <dgm:scene3d>
+      <a:camera prst="orthographicFront"/>
+      <a:lightRig rig="threePt" dir="t"/>
+    </dgm:scene3d>
+    <dgm:sp3d/>
+    <dgm:txPr/>
+    <dgm:style>
+      <a:lnRef idx="1">
+        <a:scrgbClr r="0" g="0" b="0"/>
+      </a:lnRef>
+      <a:fillRef idx="2">
+        <a:scrgbClr r="0" g="0" b="0"/>
+      </a:fillRef>
+      <a:effectRef idx="1">
+        <a:scrgbClr r="0" g="0" b="0"/>
+      </a:effectRef>
+      <a:fontRef idx="minor">
+        <a:schemeClr val="dk1"/>
+      </a:fontRef>
+    </dgm:style>
+  </dgm:styleLbl>
+  <dgm:styleLbl name="parChTrans2D4">
+    <dgm:scene3d>
+      <a:camera prst="orthographicFront"/>
+      <a:lightRig rig="threePt" dir="t"/>
+    </dgm:scene3d>
+    <dgm:sp3d/>
+    <dgm:txPr/>
+    <dgm:style>
+      <a:lnRef idx="1">
+        <a:scrgbClr r="0" g="0" b="0"/>
+      </a:lnRef>
+      <a:fillRef idx="2">
+        <a:scrgbClr r="0" g="0" b="0"/>
+      </a:fillRef>
+      <a:effectRef idx="1">
+        <a:scrgbClr r="0" g="0" b="0"/>
+      </a:effectRef>
+      <a:fontRef idx="minor">
+        <a:schemeClr val="dk1"/>
+      </a:fontRef>
+    </dgm:style>
+  </dgm:styleLbl>
+  <dgm:styleLbl name="parChTrans1D1">
+    <dgm:scene3d>
+      <a:camera prst="orthographicFront"/>
+      <a:lightRig rig="threePt" dir="t"/>
+    </dgm:scene3d>
+    <dgm:sp3d/>
+    <dgm:txPr/>
+    <dgm:style>
+      <a:lnRef idx="2">
+        <a:scrgbClr r="0" g="0" b="0"/>
+      </a:lnRef>
+      <a:fillRef idx="0">
+        <a:scrgbClr r="0" g="0" b="0"/>
+      </a:fillRef>
+      <a:effectRef idx="0">
+        <a:scrgbClr r="0" g="0" b="0"/>
+      </a:effectRef>
+      <a:fontRef idx="minor"/>
+    </dgm:style>
+  </dgm:styleLbl>
+  <dgm:styleLbl name="parChTrans1D2">
+    <dgm:scene3d>
+      <a:camera prst="orthographicFront"/>
+      <a:lightRig rig="threePt" dir="t"/>
+    </dgm:scene3d>
+    <dgm:sp3d/>
+    <dgm:txPr/>
+    <dgm:style>
+      <a:lnRef idx="2">
+        <a:scrgbClr r="0" g="0" b="0"/>
+      </a:lnRef>
+      <a:fillRef idx="0">
+        <a:scrgbClr r="0" g="0" b="0"/>
+      </a:fillRef>
+      <a:effectRef idx="0">
+        <a:scrgbClr r="0" g="0" b="0"/>
+      </a:effectRef>
+      <a:fontRef idx="minor"/>
+    </dgm:style>
+  </dgm:styleLbl>
+  <dgm:styleLbl name="parChTrans1D3">
+    <dgm:scene3d>
+      <a:camera prst="orthographicFront"/>
+      <a:lightRig rig="threePt" dir="t"/>
+    </dgm:scene3d>
+    <dgm:sp3d/>
+    <dgm:txPr/>
+    <dgm:style>
+      <a:lnRef idx="2">
+        <a:scrgbClr r="0" g="0" b="0"/>
+      </a:lnRef>
+      <a:fillRef idx="0">
+        <a:scrgbClr r="0" g="0" b="0"/>
+      </a:fillRef>
+      <a:effectRef idx="0">
+        <a:scrgbClr r="0" g="0" b="0"/>
+      </a:effectRef>
+      <a:fontRef idx="minor"/>
+    </dgm:style>
+  </dgm:styleLbl>
+  <dgm:styleLbl name="parChTrans1D4">
+    <dgm:scene3d>
+      <a:camera prst="orthographicFront"/>
+      <a:lightRig rig="threePt" dir="t"/>
+    </dgm:scene3d>
+    <dgm:sp3d/>
+    <dgm:txPr/>
+    <dgm:style>
+      <a:lnRef idx="2">
+        <a:scrgbClr r="0" g="0" b="0"/>
+      </a:lnRef>
+      <a:fillRef idx="0">
+        <a:scrgbClr r="0" g="0" b="0"/>
+      </a:fillRef>
+      <a:effectRef idx="0">
+        <a:scrgbClr r="0" g="0" b="0"/>
+      </a:effectRef>
+      <a:fontRef idx="minor"/>
+    </dgm:style>
+  </dgm:styleLbl>
+  <dgm:styleLbl name="fgAcc1">
+    <dgm:scene3d>
+      <a:camera prst="orthographicFront"/>
+      <a:lightRig rig="threePt" dir="t"/>
+    </dgm:scene3d>
+    <dgm:sp3d/>
+    <dgm:txPr/>
+    <dgm:style>
+      <a:lnRef idx="1">
+        <a:scrgbClr r="0" g="0" b="0"/>
+      </a:lnRef>
+      <a:fillRef idx="1">
+        <a:scrgbClr r="0" g="0" b="0"/>
+      </a:fillRef>
+      <a:effectRef idx="0">
+        <a:scrgbClr r="0" g="0" b="0"/>
+      </a:effectRef>
+      <a:fontRef idx="minor"/>
+    </dgm:style>
+  </dgm:styleLbl>
+  <dgm:styleLbl name="conFgAcc1">
+    <dgm:scene3d>
+      <a:camera prst="orthographicFront"/>
+      <a:lightRig rig="threePt" dir="t"/>
+    </dgm:scene3d>
+    <dgm:sp3d/>
+    <dgm:txPr/>
+    <dgm:style>
+      <a:lnRef idx="1">
+        <a:scrgbClr r="0" g="0" b="0"/>
+      </a:lnRef>
+      <a:fillRef idx="1">
+        <a:scrgbClr r="0" g="0" b="0"/>
+      </a:fillRef>
+      <a:effectRef idx="0">
+        <a:scrgbClr r="0" g="0" b="0"/>
+      </a:effectRef>
+      <a:fontRef idx="minor"/>
+    </dgm:style>
+  </dgm:styleLbl>
+  <dgm:styleLbl name="alignAcc1">
+    <dgm:scene3d>
+      <a:camera prst="orthographicFront"/>
+      <a:lightRig rig="threePt" dir="t"/>
+    </dgm:scene3d>
+    <dgm:sp3d/>
+    <dgm:txPr/>
+    <dgm:style>
+      <a:lnRef idx="1">
+        <a:scrgbClr r="0" g="0" b="0"/>
+      </a:lnRef>
+      <a:fillRef idx="1">
+        <a:scrgbClr r="0" g="0" b="0"/>
+      </a:fillRef>
+      <a:effectRef idx="0">
+        <a:scrgbClr r="0" g="0" b="0"/>
+      </a:effectRef>
+      <a:fontRef idx="minor"/>
+    </dgm:style>
+  </dgm:styleLbl>
+  <dgm:styleLbl name="trAlignAcc1">
+    <dgm:scene3d>
+      <a:camera prst="orthographicFront"/>
+      <a:lightRig rig="threePt" dir="t"/>
+    </dgm:scene3d>
+    <dgm:sp3d/>
+    <dgm:txPr/>
+    <dgm:style>
+      <a:lnRef idx="1">
+        <a:scrgbClr r="0" g="0" b="0"/>
+      </a:lnRef>
+      <a:fillRef idx="1">
+        <a:scrgbClr r="0" g="0" b="0"/>
+      </a:fillRef>
+      <a:effectRef idx="0">
+        <a:scrgbClr r="0" g="0" b="0"/>
+      </a:effectRef>
+      <a:fontRef idx="minor"/>
+    </dgm:style>
+  </dgm:styleLbl>
+  <dgm:styleLbl name="bgAcc1">
+    <dgm:scene3d>
+      <a:camera prst="orthographicFront"/>
+      <a:lightRig rig="threePt" dir="t"/>
+    </dgm:scene3d>
+    <dgm:sp3d/>
+    <dgm:txPr/>
+    <dgm:style>
+      <a:lnRef idx="1">
+        <a:scrgbClr r="0" g="0" b="0"/>
+      </a:lnRef>
+      <a:fillRef idx="1">
+        <a:scrgbClr r="0" g="0" b="0"/>
+      </a:fillRef>
+      <a:effectRef idx="0">
+        <a:scrgbClr r="0" g="0" b="0"/>
+      </a:effectRef>
+      <a:fontRef idx="minor"/>
+    </dgm:style>
+  </dgm:styleLbl>
+  <dgm:styleLbl name="solidFgAcc1">
+    <dgm:scene3d>
+      <a:camera prst="orthographicFront"/>
+      <a:lightRig rig="threePt" dir="t"/>
+    </dgm:scene3d>
+    <dgm:sp3d/>
+    <dgm:txPr/>
+    <dgm:style>
+      <a:lnRef idx="1">
+        <a:scrgbClr r="0" g="0" b="0"/>
+      </a:lnRef>
+      <a:fillRef idx="2">
+        <a:scrgbClr r="0" g="0" b="0"/>
+      </a:fillRef>
+      <a:effectRef idx="0">
+        <a:scrgbClr r="0" g="0" b="0"/>
+      </a:effectRef>
+      <a:fontRef idx="minor"/>
+    </dgm:style>
+  </dgm:styleLbl>
+  <dgm:styleLbl name="solidAlignAcc1">
+    <dgm:scene3d>
+      <a:camera prst="orthographicFront"/>
+      <a:lightRig rig="threePt" dir="t"/>
+    </dgm:scene3d>
+    <dgm:sp3d/>
+    <dgm:txPr/>
+    <dgm:style>
+      <a:lnRef idx="1">
+        <a:scrgbClr r="0" g="0" b="0"/>
+      </a:lnRef>
+      <a:fillRef idx="1">
+        <a:scrgbClr r="0" g="0" b="0"/>
+      </a:fillRef>
+      <a:effectRef idx="0">
+        <a:scrgbClr r="0" g="0" b="0"/>
+      </a:effectRef>
+      <a:fontRef idx="minor"/>
+    </dgm:style>
+  </dgm:styleLbl>
+  <dgm:styleLbl name="solidBgAcc1">
+    <dgm:scene3d>
+      <a:camera prst="orthographicFront"/>
+      <a:lightRig rig="threePt" dir="t"/>
+    </dgm:scene3d>
+    <dgm:sp3d/>
+    <dgm:txPr/>
+    <dgm:style>
+      <a:lnRef idx="1">
+        <a:scrgbClr r="0" g="0" b="0"/>
+      </a:lnRef>
+      <a:fillRef idx="1">
+        <a:scrgbClr r="0" g="0" b="0"/>
+      </a:fillRef>
+      <a:effectRef idx="0">
+        <a:scrgbClr r="0" g="0" b="0"/>
+      </a:effectRef>
+      <a:fontRef idx="minor"/>
+    </dgm:style>
+  </dgm:styleLbl>
+  <dgm:styleLbl name="fgAccFollowNode1">
+    <dgm:scene3d>
+      <a:camera prst="orthographicFront"/>
+      <a:lightRig rig="threePt" dir="t"/>
+    </dgm:scene3d>
+    <dgm:sp3d/>
+    <dgm:txPr/>
+    <dgm:style>
+      <a:lnRef idx="1">
+        <a:scrgbClr r="0" g="0" b="0"/>
+      </a:lnRef>
+      <a:fillRef idx="1">
+        <a:scrgbClr r="0" g="0" b="0"/>
+      </a:fillRef>
+      <a:effectRef idx="0">
+        <a:scrgbClr r="0" g="0" b="0"/>
+      </a:effectRef>
+      <a:fontRef idx="minor"/>
+    </dgm:style>
+  </dgm:styleLbl>
+  <dgm:styleLbl name="alignAccFollowNode1">
+    <dgm:scene3d>
+      <a:camera prst="orthographicFront"/>
+      <a:lightRig rig="threePt" dir="t"/>
+    </dgm:scene3d>
+    <dgm:sp3d/>
+    <dgm:txPr/>
+    <dgm:style>
+      <a:lnRef idx="1">
+        <a:scrgbClr r="0" g="0" b="0"/>
+      </a:lnRef>
+      <a:fillRef idx="1">
+        <a:scrgbClr r="0" g="0" b="0"/>
+      </a:fillRef>
+      <a:effectRef idx="0">
+        <a:scrgbClr r="0" g="0" b="0"/>
+      </a:effectRef>
+      <a:fontRef idx="minor"/>
+    </dgm:style>
+  </dgm:styleLbl>
+  <dgm:styleLbl name="bgAccFollowNode1">
+    <dgm:scene3d>
+      <a:camera prst="orthographicFront"/>
+      <a:lightRig rig="threePt" dir="t"/>
+    </dgm:scene3d>
+    <dgm:sp3d/>
+    <dgm:txPr/>
+    <dgm:style>
+      <a:lnRef idx="1">
+        <a:scrgbClr r="0" g="0" b="0"/>
+      </a:lnRef>
+      <a:fillRef idx="1">
+        <a:scrgbClr r="0" g="0" b="0"/>
+      </a:fillRef>
+      <a:effectRef idx="0">
+        <a:scrgbClr r="0" g="0" b="0"/>
+      </a:effectRef>
+      <a:fontRef idx="minor"/>
+    </dgm:style>
+  </dgm:styleLbl>
+  <dgm:styleLbl name="fgAcc0">
+    <dgm:scene3d>
+      <a:camera prst="orthographicFront"/>
+      <a:lightRig rig="threePt" dir="t"/>
+    </dgm:scene3d>
+    <dgm:sp3d/>
+    <dgm:txPr/>
+    <dgm:style>
+      <a:lnRef idx="1">
+        <a:scrgbClr r="0" g="0" b="0"/>
+      </a:lnRef>
+      <a:fillRef idx="1">
+        <a:scrgbClr r="0" g="0" b="0"/>
+      </a:fillRef>
+      <a:effectRef idx="0">
+        <a:scrgbClr r="0" g="0" b="0"/>
+      </a:effectRef>
+      <a:fontRef idx="minor"/>
+    </dgm:style>
+  </dgm:styleLbl>
+  <dgm:styleLbl name="fgAcc2">
+    <dgm:scene3d>
+      <a:camera prst="orthographicFront"/>
+      <a:lightRig rig="threePt" dir="t"/>
+    </dgm:scene3d>
+    <dgm:sp3d/>
+    <dgm:txPr/>
+    <dgm:style>
+      <a:lnRef idx="1">
+        <a:scrgbClr r="0" g="0" b="0"/>
+      </a:lnRef>
+      <a:fillRef idx="1">
+        <a:scrgbClr r="0" g="0" b="0"/>
+      </a:fillRef>
+      <a:effectRef idx="0">
+        <a:scrgbClr r="0" g="0" b="0"/>
+      </a:effectRef>
+      <a:fontRef idx="minor"/>
+    </dgm:style>
+  </dgm:styleLbl>
+  <dgm:styleLbl name="fgAcc3">
+    <dgm:scene3d>
+      <a:camera prst="orthographicFront"/>
+      <a:lightRig rig="threePt" dir="t"/>
+    </dgm:scene3d>
+    <dgm:sp3d/>
+    <dgm:txPr/>
+    <dgm:style>
+      <a:lnRef idx="1">
+        <a:scrgbClr r="0" g="0" b="0"/>
+      </a:lnRef>
+      <a:fillRef idx="1">
+        <a:scrgbClr r="0" g="0" b="0"/>
+      </a:fillRef>
+      <a:effectRef idx="0">
+        <a:scrgbClr r="0" g="0" b="0"/>
+      </a:effectRef>
+      <a:fontRef idx="minor"/>
+    </dgm:style>
+  </dgm:styleLbl>
+  <dgm:styleLbl name="fgAcc4">
+    <dgm:scene3d>
+      <a:camera prst="orthographicFront"/>
+      <a:lightRig rig="threePt" dir="t"/>
+    </dgm:scene3d>
+    <dgm:sp3d/>
+    <dgm:txPr/>
+    <dgm:style>
+      <a:lnRef idx="1">
+        <a:scrgbClr r="0" g="0" b="0"/>
+      </a:lnRef>
+      <a:fillRef idx="1">
+        <a:scrgbClr r="0" g="0" b="0"/>
+      </a:fillRef>
+      <a:effectRef idx="0">
+        <a:scrgbClr r="0" g="0" b="0"/>
+      </a:effectRef>
+      <a:fontRef idx="minor"/>
+    </dgm:style>
+  </dgm:styleLbl>
+  <dgm:styleLbl name="bgShp">
+    <dgm:scene3d>
+      <a:camera prst="orthographicFront"/>
+      <a:lightRig rig="threePt" dir="t"/>
+    </dgm:scene3d>
+    <dgm:sp3d/>
+    <dgm:txPr/>
+    <dgm:style>
+      <a:lnRef idx="0">
+        <a:scrgbClr r="0" g="0" b="0"/>
+      </a:lnRef>
+      <a:fillRef idx="1">
+        <a:scrgbClr r="0" g="0" b="0"/>
+      </a:fillRef>
+      <a:effectRef idx="1">
+        <a:scrgbClr r="0" g="0" b="0"/>
+      </a:effectRef>
+      <a:fontRef idx="minor"/>
+    </dgm:style>
+  </dgm:styleLbl>
+  <dgm:styleLbl name="dkBgShp">
+    <dgm:scene3d>
+      <a:camera prst="orthographicFront"/>
+      <a:lightRig rig="threePt" dir="t"/>
+    </dgm:scene3d>
+    <dgm:sp3d/>
+    <dgm:txPr/>
+    <dgm:style>
+      <a:lnRef idx="0">
+        <a:scrgbClr r="0" g="0" b="0"/>
+      </a:lnRef>
+      <a:fillRef idx="1">
+        <a:scrgbClr r="0" g="0" b="0"/>
+      </a:fillRef>
+      <a:effectRef idx="1">
+        <a:scrgbClr r="0" g="0" b="0"/>
+      </a:effectRef>
+      <a:fontRef idx="minor"/>
+    </dgm:style>
+  </dgm:styleLbl>
+  <dgm:styleLbl name="trBgShp">
+    <dgm:scene3d>
+      <a:camera prst="orthographicFront"/>
+      <a:lightRig rig="threePt" dir="t"/>
+    </dgm:scene3d>
+    <dgm:sp3d/>
+    <dgm:txPr/>
+    <dgm:style>
+      <a:lnRef idx="0">
+        <a:scrgbClr r="0" g="0" b="0"/>
+      </a:lnRef>
+      <a:fillRef idx="1">
+        <a:scrgbClr r="0" g="0" b="0"/>
+      </a:fillRef>
+      <a:effectRef idx="0">
+        <a:scrgbClr r="0" g="0" b="0"/>
+      </a:effectRef>
+      <a:fontRef idx="minor"/>
+    </dgm:style>
+  </dgm:styleLbl>
+  <dgm:styleLbl name="fgShp">
+    <dgm:scene3d>
+      <a:camera prst="orthographicFront"/>
+      <a:lightRig rig="flat" dir="t"/>
+    </dgm:scene3d>
+    <dgm:sp3d prstMaterial="dkEdge">
+      <a:bevelT w="8200" h="38100"/>
+    </dgm:sp3d>
+    <dgm:txPr/>
+    <dgm:style>
+      <a:lnRef idx="1">
+        <a:scrgbClr r="0" g="0" b="0"/>
+      </a:lnRef>
+      <a:fillRef idx="2">
+        <a:scrgbClr r="0" g="0" b="0"/>
+      </a:fillRef>
+      <a:effectRef idx="1">
+        <a:scrgbClr r="0" g="0" b="0"/>
+      </a:effectRef>
+      <a:fontRef idx="minor"/>
+    </dgm:style>
+  </dgm:styleLbl>
+  <dgm:styleLbl name="revTx">
+    <dgm:scene3d>
+      <a:camera prst="orthographicFront"/>
+      <a:lightRig rig="threePt" dir="t"/>
+    </dgm:scene3d>
+    <dgm:sp3d/>
+    <dgm:txPr/>
+    <dgm:style>
+      <a:lnRef idx="0">
+        <a:scrgbClr r="0" g="0" b="0"/>
+      </a:lnRef>
+      <a:fillRef idx="0">
+        <a:scrgbClr r="0" g="0" b="0"/>
+      </a:fillRef>
+      <a:effectRef idx="0">
+        <a:scrgbClr r="0" g="0" b="0"/>
+      </a:effectRef>
+      <a:fontRef idx="minor"/>
+    </dgm:style>
+  </dgm:styleLbl>
+</dgm:styleDef>
+</file>
+
+<file path=ppt/diagrams/quickStyle2.xml><?xml version="1.0" encoding="utf-8"?>
+<dgm:styleDef xmlns:dgm="http://schemas.openxmlformats.org/drawingml/2006/diagram" xmlns:a="http://schemas.openxmlformats.org/drawingml/2006/main" uniqueId="urn:microsoft.com/office/officeart/2005/8/quickstyle/simple3">
+  <dgm:title val=""/>
+  <dgm:desc val=""/>
+  <dgm:catLst>
+    <dgm:cat type="simple" pri="10300"/>
+  </dgm:catLst>
+  <dgm:scene3d>
+    <a:camera prst="orthographicFront"/>
+    <a:lightRig rig="threePt" dir="t"/>
+  </dgm:scene3d>
+  <dgm:styleLbl name="node0">
+    <dgm:scene3d>
+      <a:camera prst="orthographicFront"/>
+      <a:lightRig rig="flat" dir="t"/>
+    </dgm:scene3d>
+    <dgm:sp3d prstMaterial="dkEdge">
+      <a:bevelT w="8200" h="38100"/>
+    </dgm:sp3d>
+    <dgm:txPr/>
+    <dgm:style>
+      <a:lnRef idx="0">
+        <a:scrgbClr r="0" g="0" b="0"/>
+      </a:lnRef>
+      <a:fillRef idx="2">
+        <a:scrgbClr r="0" g="0" b="0"/>
+      </a:fillRef>
+      <a:effectRef idx="1">
+        <a:scrgbClr r="0" g="0" b="0"/>
+      </a:effectRef>
+      <a:fontRef idx="minor">
+        <a:schemeClr val="dk1"/>
+      </a:fontRef>
+    </dgm:style>
+  </dgm:styleLbl>
+  <dgm:styleLbl name="lnNode1">
+    <dgm:scene3d>
+      <a:camera prst="orthographicFront"/>
+      <a:lightRig rig="flat" dir="t"/>
+    </dgm:scene3d>
+    <dgm:sp3d prstMaterial="dkEdge">
+      <a:bevelT w="8200" h="38100"/>
+    </dgm:sp3d>
+    <dgm:txPr/>
+    <dgm:style>
+      <a:lnRef idx="1">
+        <a:scrgbClr r="0" g="0" b="0"/>
+      </a:lnRef>
+      <a:fillRef idx="2">
+        <a:scrgbClr r="0" g="0" b="0"/>
+      </a:fillRef>
+      <a:effectRef idx="0">
+        <a:scrgbClr r="0" g="0" b="0"/>
+      </a:effectRef>
+      <a:fontRef idx="minor">
+        <a:schemeClr val="dk1"/>
+      </a:fontRef>
+    </dgm:style>
+  </dgm:styleLbl>
+  <dgm:styleLbl name="vennNode1">
+    <dgm:scene3d>
+      <a:camera prst="orthographicFront"/>
+      <a:lightRig rig="flat" dir="t"/>
+    </dgm:scene3d>
+    <dgm:sp3d prstMaterial="dkEdge">
+      <a:bevelT w="8200" h="38100"/>
+    </dgm:sp3d>
+    <dgm:txPr/>
+    <dgm:style>
+      <a:lnRef idx="0">
+        <a:scrgbClr r="0" g="0" b="0"/>
+      </a:lnRef>
+      <a:fillRef idx="2">
+        <a:scrgbClr r="0" g="0" b="0"/>
+      </a:fillRef>
+      <a:effectRef idx="0">
+        <a:scrgbClr r="0" g="0" b="0"/>
+      </a:effectRef>
+      <a:fontRef idx="minor">
+        <a:schemeClr val="tx1"/>
+      </a:fontRef>
+    </dgm:style>
+  </dgm:styleLbl>
+  <dgm:styleLbl name="alignNode1">
+    <dgm:scene3d>
+      <a:camera prst="orthographicFront"/>
+      <a:lightRig rig="threePt" dir="t"/>
+    </dgm:scene3d>
+    <dgm:sp3d/>
+    <dgm:txPr/>
+    <dgm:style>
+      <a:lnRef idx="1">
+        <a:scrgbClr r="0" g="0" b="0"/>
+      </a:lnRef>
+      <a:fillRef idx="2">
+        <a:scrgbClr r="0" g="0" b="0"/>
+      </a:fillRef>
+      <a:effectRef idx="1">
+        <a:scrgbClr r="0" g="0" b="0"/>
+      </a:effectRef>
+      <a:fontRef idx="minor">
+        <a:schemeClr val="dk1"/>
+      </a:fontRef>
+    </dgm:style>
+  </dgm:styleLbl>
+  <dgm:styleLbl name="node1">
+    <dgm:scene3d>
+      <a:camera prst="orthographicFront"/>
+      <a:lightRig rig="flat" dir="t"/>
+    </dgm:scene3d>
+    <dgm:sp3d prstMaterial="dkEdge">
+      <a:bevelT w="8200" h="38100"/>
+    </dgm:sp3d>
+    <dgm:txPr/>
+    <dgm:style>
+      <a:lnRef idx="0">
+        <a:scrgbClr r="0" g="0" b="0"/>
+      </a:lnRef>
+      <a:fillRef idx="2">
+        <a:scrgbClr r="0" g="0" b="0"/>
+      </a:fillRef>
+      <a:effectRef idx="1">
+        <a:scrgbClr r="0" g="0" b="0"/>
+      </a:effectRef>
+      <a:fontRef idx="minor">
+        <a:schemeClr val="dk1"/>
+      </a:fontRef>
+    </dgm:style>
+  </dgm:styleLbl>
+  <dgm:styleLbl name="node2">
+    <dgm:scene3d>
+      <a:camera prst="orthographicFront"/>
+      <a:lightRig rig="flat" dir="t"/>
+    </dgm:scene3d>
+    <dgm:sp3d prstMaterial="dkEdge">
+      <a:bevelT w="8200" h="38100"/>
+    </dgm:sp3d>
+    <dgm:txPr/>
+    <dgm:style>
+      <a:lnRef idx="0">
+        <a:scrgbClr r="0" g="0" b="0"/>
+      </a:lnRef>
+      <a:fillRef idx="2">
+        <a:scrgbClr r="0" g="0" b="0"/>
+      </a:fillRef>
+      <a:effectRef idx="1">
+        <a:scrgbClr r="0" g="0" b="0"/>
+      </a:effectRef>
+      <a:fontRef idx="minor">
+        <a:schemeClr val="dk1"/>
+      </a:fontRef>
+    </dgm:style>
+  </dgm:styleLbl>
+  <dgm:styleLbl name="node3">
+    <dgm:scene3d>
+      <a:camera prst="orthographicFront"/>
+      <a:lightRig rig="flat" dir="t"/>
+    </dgm:scene3d>
+    <dgm:sp3d prstMaterial="dkEdge">
+      <a:bevelT w="8200" h="38100"/>
+    </dgm:sp3d>
+    <dgm:txPr/>
+    <dgm:style>
+      <a:lnRef idx="0">
+        <a:scrgbClr r="0" g="0" b="0"/>
+      </a:lnRef>
+      <a:fillRef idx="2">
+        <a:scrgbClr r="0" g="0" b="0"/>
+      </a:fillRef>
+      <a:effectRef idx="1">
+        <a:scrgbClr r="0" g="0" b="0"/>
+      </a:effectRef>
+      <a:fontRef idx="minor">
+        <a:schemeClr val="dk1"/>
+      </a:fontRef>
+    </dgm:style>
+  </dgm:styleLbl>
+  <dgm:styleLbl name="node4">
+    <dgm:scene3d>
+      <a:camera prst="orthographicFront"/>
+      <a:lightRig rig="flat" dir="t"/>
+    </dgm:scene3d>
+    <dgm:sp3d prstMaterial="dkEdge">
+      <a:bevelT w="8200" h="38100"/>
+    </dgm:sp3d>
+    <dgm:txPr/>
+    <dgm:style>
+      <a:lnRef idx="0">
+        <a:scrgbClr r="0" g="0" b="0"/>
+      </a:lnRef>
+      <a:fillRef idx="2">
+        <a:scrgbClr r="0" g="0" b="0"/>
+      </a:fillRef>
+      <a:effectRef idx="1">
+        <a:scrgbClr r="0" g="0" b="0"/>
+      </a:effectRef>
+      <a:fontRef idx="minor">
+        <a:schemeClr val="dk1"/>
+      </a:fontRef>
+    </dgm:style>
+  </dgm:styleLbl>
+  <dgm:styleLbl name="fgImgPlace1">
+    <dgm:scene3d>
+      <a:camera prst="orthographicFront"/>
+      <a:lightRig rig="threePt" dir="t"/>
+    </dgm:scene3d>
+    <dgm:sp3d/>
+    <dgm:txPr/>
+    <dgm:style>
+      <a:lnRef idx="1">
+        <a:scrgbClr r="0" g="0" b="0"/>
+      </a:lnRef>
+      <a:fillRef idx="1">
+        <a:scrgbClr r="0" g="0" b="0"/>
+      </a:fillRef>
+      <a:effectRef idx="1">
+        <a:scrgbClr r="0" g="0" b="0"/>
+      </a:effectRef>
+      <a:fontRef idx="minor"/>
+    </dgm:style>
+  </dgm:styleLbl>
+  <dgm:styleLbl name="alignImgPlace1">
+    <dgm:scene3d>
+      <a:camera prst="orthographicFront"/>
+      <a:lightRig rig="threePt" dir="t"/>
+    </dgm:scene3d>
+    <dgm:sp3d/>
+    <dgm:txPr/>
+    <dgm:style>
+      <a:lnRef idx="1">
+        <a:scrgbClr r="0" g="0" b="0"/>
+      </a:lnRef>
+      <a:fillRef idx="1">
+        <a:scrgbClr r="0" g="0" b="0"/>
+      </a:fillRef>
+      <a:effectRef idx="1">
+        <a:scrgbClr r="0" g="0" b="0"/>
+      </a:effectRef>
+      <a:fontRef idx="minor"/>
+    </dgm:style>
+  </dgm:styleLbl>
+  <dgm:styleLbl name="bgImgPlace1">
+    <dgm:scene3d>
+      <a:camera prst="orthographicFront"/>
+      <a:lightRig rig="threePt" dir="t"/>
+    </dgm:scene3d>
+    <dgm:sp3d/>
+    <dgm:txPr/>
+    <dgm:style>
+      <a:lnRef idx="1">
+        <a:scrgbClr r="0" g="0" b="0"/>
+      </a:lnRef>
+      <a:fillRef idx="1">
+        <a:scrgbClr r="0" g="0" b="0"/>
+      </a:fillRef>
+      <a:effectRef idx="1">
+        <a:scrgbClr r="0" g="0" b="0"/>
+      </a:effectRef>
+      <a:fontRef idx="minor"/>
+    </dgm:style>
+  </dgm:styleLbl>
+  <dgm:styleLbl name="sibTrans2D1">
+    <dgm:scene3d>
+      <a:camera prst="orthographicFront"/>
+      <a:lightRig rig="threePt" dir="t"/>
+    </dgm:scene3d>
+    <dgm:sp3d/>
+    <dgm:txPr/>
+    <dgm:style>
+      <a:lnRef idx="0">
+        <a:scrgbClr r="0" g="0" b="0"/>
+      </a:lnRef>
+      <a:fillRef idx="2">
+        <a:scrgbClr r="0" g="0" b="0"/>
+      </a:fillRef>
+      <a:effectRef idx="1">
+        <a:scrgbClr r="0" g="0" b="0"/>
+      </a:effectRef>
+      <a:fontRef idx="minor">
+        <a:schemeClr val="dk1"/>
+      </a:fontRef>
+    </dgm:style>
+  </dgm:styleLbl>
+  <dgm:styleLbl name="fgSibTrans2D1">
+    <dgm:scene3d>
+      <a:camera prst="orthographicFront"/>
+      <a:lightRig rig="threePt" dir="t"/>
+    </dgm:scene3d>
+    <dgm:sp3d/>
+    <dgm:txPr/>
+    <dgm:style>
+      <a:lnRef idx="0">
+        <a:scrgbClr r="0" g="0" b="0"/>
+      </a:lnRef>
+      <a:fillRef idx="2">
+        <a:scrgbClr r="0" g="0" b="0"/>
+      </a:fillRef>
+      <a:effectRef idx="1">
+        <a:scrgbClr r="0" g="0" b="0"/>
+      </a:effectRef>
+      <a:fontRef idx="minor">
+        <a:schemeClr val="dk1"/>
+      </a:fontRef>
+    </dgm:style>
+  </dgm:styleLbl>
+  <dgm:styleLbl name="bgSibTrans2D1">
+    <dgm:scene3d>
+      <a:camera prst="orthographicFront"/>
+      <a:lightRig rig="threePt" dir="t"/>
+    </dgm:scene3d>
+    <dgm:sp3d/>
+    <dgm:txPr/>
+    <dgm:style>
+      <a:lnRef idx="0">
+        <a:scrgbClr r="0" g="0" b="0"/>
+      </a:lnRef>
+      <a:fillRef idx="2">
+        <a:scrgbClr r="0" g="0" b="0"/>
+      </a:fillRef>
+      <a:effectRef idx="1">
+        <a:scrgbClr r="0" g="0" b="0"/>
+      </a:effectRef>
+      <a:fontRef idx="minor">
+        <a:schemeClr val="dk1"/>
+      </a:fontRef>
+    </dgm:style>
+  </dgm:styleLbl>
+  <dgm:styleLbl name="sibTrans1D1">
+    <dgm:scene3d>
+      <a:camera prst="orthographicFront"/>
+      <a:lightRig rig="threePt" dir="t"/>
+    </dgm:scene3d>
+    <dgm:sp3d/>
+    <dgm:txPr/>
+    <dgm:style>
+      <a:lnRef idx="1">
+        <a:scrgbClr r="0" g="0" b="0"/>
+      </a:lnRef>
+      <a:fillRef idx="0">
+        <a:scrgbClr r="0" g="0" b="0"/>
+      </a:fillRef>
+      <a:effectRef idx="0">
+        <a:scrgbClr r="0" g="0" b="0"/>
+      </a:effectRef>
+      <a:fontRef idx="minor"/>
+    </dgm:style>
+  </dgm:styleLbl>
+  <dgm:styleLbl name="callout">
+    <dgm:scene3d>
+      <a:camera prst="orthographicFront"/>
+      <a:lightRig rig="threePt" dir="t"/>
+    </dgm:scene3d>
+    <dgm:sp3d/>
+    <dgm:txPr/>
+    <dgm:style>
+      <a:lnRef idx="1">
+        <a:scrgbClr r="0" g="0" b="0"/>
+      </a:lnRef>
+      <a:fillRef idx="2">
+        <a:scrgbClr r="0" g="0" b="0"/>
+      </a:fillRef>
+      <a:effectRef idx="1">
+        <a:scrgbClr r="0" g="0" b="0"/>
+      </a:effectRef>
+      <a:fontRef idx="minor"/>
+    </dgm:style>
+  </dgm:styleLbl>
+  <dgm:styleLbl name="asst0">
+    <dgm:scene3d>
+      <a:camera prst="orthographicFront"/>
+      <a:lightRig rig="flat" dir="t"/>
+    </dgm:scene3d>
+    <dgm:sp3d prstMaterial="dkEdge">
+      <a:bevelT w="8200" h="38100"/>
+    </dgm:sp3d>
+    <dgm:txPr/>
+    <dgm:style>
+      <a:lnRef idx="0">
+        <a:scrgbClr r="0" g="0" b="0"/>
+      </a:lnRef>
+      <a:fillRef idx="2">
+        <a:scrgbClr r="0" g="0" b="0"/>
+      </a:fillRef>
+      <a:effectRef idx="1">
+        <a:scrgbClr r="0" g="0" b="0"/>
+      </a:effectRef>
+      <a:fontRef idx="minor">
+        <a:schemeClr val="dk1"/>
+      </a:fontRef>
+    </dgm:style>
+  </dgm:styleLbl>
+  <dgm:styleLbl name="asst1">
+    <dgm:scene3d>
+      <a:camera prst="orthographicFront"/>
+      <a:lightRig rig="flat" dir="t"/>
+    </dgm:scene3d>
+    <dgm:sp3d prstMaterial="dkEdge">
+      <a:bevelT w="8200" h="38100"/>
+    </dgm:sp3d>
+    <dgm:txPr/>
+    <dgm:style>
+      <a:lnRef idx="0">
+        <a:scrgbClr r="0" g="0" b="0"/>
+      </a:lnRef>
+      <a:fillRef idx="2">
+        <a:scrgbClr r="0" g="0" b="0"/>
+      </a:fillRef>
+      <a:effectRef idx="1">
+        <a:scrgbClr r="0" g="0" b="0"/>
+      </a:effectRef>
+      <a:fontRef idx="minor">
+        <a:schemeClr val="dk1"/>
+      </a:fontRef>
+    </dgm:style>
+  </dgm:styleLbl>
+  <dgm:styleLbl name="asst2">
+    <dgm:scene3d>
+      <a:camera prst="orthographicFront"/>
+      <a:lightRig rig="flat" dir="t"/>
+    </dgm:scene3d>
+    <dgm:sp3d prstMaterial="dkEdge">
+      <a:bevelT w="8200" h="38100"/>
+    </dgm:sp3d>
+    <dgm:txPr/>
+    <dgm:style>
+      <a:lnRef idx="0">
+        <a:scrgbClr r="0" g="0" b="0"/>
+      </a:lnRef>
+      <a:fillRef idx="2">
+        <a:scrgbClr r="0" g="0" b="0"/>
+      </a:fillRef>
+      <a:effectRef idx="1">
+        <a:scrgbClr r="0" g="0" b="0"/>
+      </a:effectRef>
+      <a:fontRef idx="minor">
+        <a:schemeClr val="dk1"/>
+      </a:fontRef>
+    </dgm:style>
+  </dgm:styleLbl>
+  <dgm:styleLbl name="asst3">
+    <dgm:scene3d>
+      <a:camera prst="orthographicFront"/>
+      <a:lightRig rig="flat" dir="t"/>
+    </dgm:scene3d>
+    <dgm:sp3d prstMaterial="dkEdge">
+      <a:bevelT w="8200" h="38100"/>
+    </dgm:sp3d>
+    <dgm:txPr/>
+    <dgm:style>
+      <a:lnRef idx="0">
+        <a:scrgbClr r="0" g="0" b="0"/>
+      </a:lnRef>
+      <a:fillRef idx="2">
+        <a:scrgbClr r="0" g="0" b="0"/>
+      </a:fillRef>
+      <a:effectRef idx="1">
+        <a:scrgbClr r="0" g="0" b="0"/>
+      </a:effectRef>
+      <a:fontRef idx="minor">
+        <a:schemeClr val="dk1"/>
+      </a:fontRef>
+    </dgm:style>
+  </dgm:styleLbl>
+  <dgm:styleLbl name="asst4">
+    <dgm:scene3d>
+      <a:camera prst="orthographicFront"/>
+      <a:lightRig rig="flat" dir="t"/>
+    </dgm:scene3d>
+    <dgm:sp3d prstMaterial="dkEdge">
+      <a:bevelT w="8200" h="38100"/>
+    </dgm:sp3d>
+    <dgm:txPr/>
+    <dgm:style>
+      <a:lnRef idx="0">
+        <a:scrgbClr r="0" g="0" b="0"/>
+      </a:lnRef>
+      <a:fillRef idx="2">
+        <a:scrgbClr r="0" g="0" b="0"/>
+      </a:fillRef>
+      <a:effectRef idx="1">
+        <a:scrgbClr r="0" g="0" b="0"/>
+      </a:effectRef>
+      <a:fontRef idx="minor">
+        <a:schemeClr val="dk1"/>
+      </a:fontRef>
+    </dgm:style>
+  </dgm:styleLbl>
+  <dgm:styleLbl name="parChTrans2D1">
+    <dgm:scene3d>
+      <a:camera prst="orthographicFront"/>
+      <a:lightRig rig="threePt" dir="t"/>
+    </dgm:scene3d>
+    <dgm:sp3d/>
+    <dgm:txPr/>
+    <dgm:style>
+      <a:lnRef idx="1">
+        <a:scrgbClr r="0" g="0" b="0"/>
+      </a:lnRef>
+      <a:fillRef idx="2">
+        <a:scrgbClr r="0" g="0" b="0"/>
+      </a:fillRef>
+      <a:effectRef idx="1">
+        <a:scrgbClr r="0" g="0" b="0"/>
+      </a:effectRef>
+      <a:fontRef idx="minor">
+        <a:schemeClr val="dk1"/>
+      </a:fontRef>
+    </dgm:style>
+  </dgm:styleLbl>
+  <dgm:styleLbl name="parChTrans2D2">
+    <dgm:scene3d>
+      <a:camera prst="orthographicFront"/>
+      <a:lightRig rig="threePt" dir="t"/>
+    </dgm:scene3d>
+    <dgm:sp3d/>
+    <dgm:txPr/>
+    <dgm:style>
+      <a:lnRef idx="1">
+        <a:scrgbClr r="0" g="0" b="0"/>
+      </a:lnRef>
+      <a:fillRef idx="2">
+        <a:scrgbClr r="0" g="0" b="0"/>
+      </a:fillRef>
+      <a:effectRef idx="1">
+        <a:scrgbClr r="0" g="0" b="0"/>
+      </a:effectRef>
+      <a:fontRef idx="minor">
+        <a:schemeClr val="dk1"/>
+      </a:fontRef>
+    </dgm:style>
+  </dgm:styleLbl>
+  <dgm:styleLbl name="parChTrans2D3">
+    <dgm:scene3d>
+      <a:camera prst="orthographicFront"/>
+      <a:lightRig rig="threePt" dir="t"/>
+    </dgm:scene3d>
+    <dgm:sp3d/>
+    <dgm:txPr/>
+    <dgm:style>
+      <a:lnRef idx="1">
+        <a:scrgbClr r="0" g="0" b="0"/>
+      </a:lnRef>
+      <a:fillRef idx="2">
+        <a:scrgbClr r="0" g="0" b="0"/>
+      </a:fillRef>
+      <a:effectRef idx="1">
+        <a:scrgbClr r="0" g="0" b="0"/>
+      </a:effectRef>
+      <a:fontRef idx="minor">
+        <a:schemeClr val="dk1"/>
+      </a:fontRef>
+    </dgm:style>
+  </dgm:styleLbl>
+  <dgm:styleLbl name="parChTrans2D4">
+    <dgm:scene3d>
+      <a:camera prst="orthographicFront"/>
+      <a:lightRig rig="threePt" dir="t"/>
+    </dgm:scene3d>
+    <dgm:sp3d/>
+    <dgm:txPr/>
+    <dgm:style>
+      <a:lnRef idx="1">
+        <a:scrgbClr r="0" g="0" b="0"/>
+      </a:lnRef>
+      <a:fillRef idx="2">
+        <a:scrgbClr r="0" g="0" b="0"/>
+      </a:fillRef>
+      <a:effectRef idx="1">
+        <a:scrgbClr r="0" g="0" b="0"/>
+      </a:effectRef>
+      <a:fontRef idx="minor">
+        <a:schemeClr val="dk1"/>
+      </a:fontRef>
+    </dgm:style>
+  </dgm:styleLbl>
+  <dgm:styleLbl name="parChTrans1D1">
+    <dgm:scene3d>
+      <a:camera prst="orthographicFront"/>
+      <a:lightRig rig="threePt" dir="t"/>
+    </dgm:scene3d>
+    <dgm:sp3d/>
+    <dgm:txPr/>
+    <dgm:style>
+      <a:lnRef idx="2">
+        <a:scrgbClr r="0" g="0" b="0"/>
+      </a:lnRef>
+      <a:fillRef idx="0">
+        <a:scrgbClr r="0" g="0" b="0"/>
+      </a:fillRef>
+      <a:effectRef idx="0">
+        <a:scrgbClr r="0" g="0" b="0"/>
+      </a:effectRef>
+      <a:fontRef idx="minor"/>
+    </dgm:style>
+  </dgm:styleLbl>
+  <dgm:styleLbl name="parChTrans1D2">
+    <dgm:scene3d>
+      <a:camera prst="orthographicFront"/>
+      <a:lightRig rig="threePt" dir="t"/>
+    </dgm:scene3d>
+    <dgm:sp3d/>
+    <dgm:txPr/>
+    <dgm:style>
+      <a:lnRef idx="2">
+        <a:scrgbClr r="0" g="0" b="0"/>
+      </a:lnRef>
+      <a:fillRef idx="0">
+        <a:scrgbClr r="0" g="0" b="0"/>
+      </a:fillRef>
+      <a:effectRef idx="0">
+        <a:scrgbClr r="0" g="0" b="0"/>
+      </a:effectRef>
+      <a:fontRef idx="minor"/>
+    </dgm:style>
+  </dgm:styleLbl>
+  <dgm:styleLbl name="parChTrans1D3">
+    <dgm:scene3d>
+      <a:camera prst="orthographicFront"/>
+      <a:lightRig rig="threePt" dir="t"/>
+    </dgm:scene3d>
+    <dgm:sp3d/>
+    <dgm:txPr/>
+    <dgm:style>
+      <a:lnRef idx="2">
+        <a:scrgbClr r="0" g="0" b="0"/>
+      </a:lnRef>
+      <a:fillRef idx="0">
+        <a:scrgbClr r="0" g="0" b="0"/>
+      </a:fillRef>
+      <a:effectRef idx="0">
+        <a:scrgbClr r="0" g="0" b="0"/>
+      </a:effectRef>
+      <a:fontRef idx="minor"/>
+    </dgm:style>
+  </dgm:styleLbl>
+  <dgm:styleLbl name="parChTrans1D4">
+    <dgm:scene3d>
+      <a:camera prst="orthographicFront"/>
+      <a:lightRig rig="threePt" dir="t"/>
+    </dgm:scene3d>
+    <dgm:sp3d/>
+    <dgm:txPr/>
+    <dgm:style>
+      <a:lnRef idx="2">
+        <a:scrgbClr r="0" g="0" b="0"/>
+      </a:lnRef>
+      <a:fillRef idx="0">
+        <a:scrgbClr r="0" g="0" b="0"/>
+      </a:fillRef>
+      <a:effectRef idx="0">
+        <a:scrgbClr r="0" g="0" b="0"/>
+      </a:effectRef>
+      <a:fontRef idx="minor"/>
+    </dgm:style>
+  </dgm:styleLbl>
+  <dgm:styleLbl name="fgAcc1">
+    <dgm:scene3d>
+      <a:camera prst="orthographicFront"/>
+      <a:lightRig rig="threePt" dir="t"/>
+    </dgm:scene3d>
+    <dgm:sp3d/>
+    <dgm:txPr/>
+    <dgm:style>
+      <a:lnRef idx="1">
+        <a:scrgbClr r="0" g="0" b="0"/>
+      </a:lnRef>
+      <a:fillRef idx="1">
+        <a:scrgbClr r="0" g="0" b="0"/>
+      </a:fillRef>
+      <a:effectRef idx="0">
+        <a:scrgbClr r="0" g="0" b="0"/>
+      </a:effectRef>
+      <a:fontRef idx="minor"/>
+    </dgm:style>
+  </dgm:styleLbl>
+  <dgm:styleLbl name="conFgAcc1">
+    <dgm:scene3d>
+      <a:camera prst="orthographicFront"/>
+      <a:lightRig rig="threePt" dir="t"/>
+    </dgm:scene3d>
+    <dgm:sp3d/>
+    <dgm:txPr/>
+    <dgm:style>
+      <a:lnRef idx="1">
+        <a:scrgbClr r="0" g="0" b="0"/>
+      </a:lnRef>
+      <a:fillRef idx="1">
+        <a:scrgbClr r="0" g="0" b="0"/>
+      </a:fillRef>
+      <a:effectRef idx="0">
+        <a:scrgbClr r="0" g="0" b="0"/>
+      </a:effectRef>
+      <a:fontRef idx="minor"/>
+    </dgm:style>
+  </dgm:styleLbl>
+  <dgm:styleLbl name="alignAcc1">
+    <dgm:scene3d>
+      <a:camera prst="orthographicFront"/>
+      <a:lightRig rig="threePt" dir="t"/>
+    </dgm:scene3d>
+    <dgm:sp3d/>
+    <dgm:txPr/>
+    <dgm:style>
+      <a:lnRef idx="1">
+        <a:scrgbClr r="0" g="0" b="0"/>
+      </a:lnRef>
+      <a:fillRef idx="1">
+        <a:scrgbClr r="0" g="0" b="0"/>
+      </a:fillRef>
+      <a:effectRef idx="0">
+        <a:scrgbClr r="0" g="0" b="0"/>
+      </a:effectRef>
+      <a:fontRef idx="minor"/>
+    </dgm:style>
+  </dgm:styleLbl>
+  <dgm:styleLbl name="trAlignAcc1">
+    <dgm:scene3d>
+      <a:camera prst="orthographicFront"/>
+      <a:lightRig rig="threePt" dir="t"/>
+    </dgm:scene3d>
+    <dgm:sp3d/>
+    <dgm:txPr/>
+    <dgm:style>
+      <a:lnRef idx="1">
+        <a:scrgbClr r="0" g="0" b="0"/>
+      </a:lnRef>
+      <a:fillRef idx="1">
+        <a:scrgbClr r="0" g="0" b="0"/>
+      </a:fillRef>
+      <a:effectRef idx="0">
+        <a:scrgbClr r="0" g="0" b="0"/>
+      </a:effectRef>
+      <a:fontRef idx="minor"/>
+    </dgm:style>
+  </dgm:styleLbl>
+  <dgm:styleLbl name="bgAcc1">
+    <dgm:scene3d>
+      <a:camera prst="orthographicFront"/>
+      <a:lightRig rig="threePt" dir="t"/>
+    </dgm:scene3d>
+    <dgm:sp3d/>
+    <dgm:txPr/>
+    <dgm:style>
+      <a:lnRef idx="1">
+        <a:scrgbClr r="0" g="0" b="0"/>
+      </a:lnRef>
+      <a:fillRef idx="1">
+        <a:scrgbClr r="0" g="0" b="0"/>
+      </a:fillRef>
+      <a:effectRef idx="0">
+        <a:scrgbClr r="0" g="0" b="0"/>
+      </a:effectRef>
+      <a:fontRef idx="minor"/>
+    </dgm:style>
+  </dgm:styleLbl>
+  <dgm:styleLbl name="solidFgAcc1">
+    <dgm:scene3d>
+      <a:camera prst="orthographicFront"/>
+      <a:lightRig rig="threePt" dir="t"/>
+    </dgm:scene3d>
+    <dgm:sp3d/>
+    <dgm:txPr/>
+    <dgm:style>
+      <a:lnRef idx="1">
+        <a:scrgbClr r="0" g="0" b="0"/>
+      </a:lnRef>
+      <a:fillRef idx="2">
+        <a:scrgbClr r="0" g="0" b="0"/>
+      </a:fillRef>
+      <a:effectRef idx="0">
+        <a:scrgbClr r="0" g="0" b="0"/>
+      </a:effectRef>
+      <a:fontRef idx="minor"/>
+    </dgm:style>
+  </dgm:styleLbl>
+  <dgm:styleLbl name="solidAlignAcc1">
+    <dgm:scene3d>
+      <a:camera prst="orthographicFront"/>
+      <a:lightRig rig="threePt" dir="t"/>
+    </dgm:scene3d>
+    <dgm:sp3d/>
+    <dgm:txPr/>
+    <dgm:style>
+      <a:lnRef idx="1">
+        <a:scrgbClr r="0" g="0" b="0"/>
+      </a:lnRef>
+      <a:fillRef idx="1">
+        <a:scrgbClr r="0" g="0" b="0"/>
+      </a:fillRef>
+      <a:effectRef idx="0">
+        <a:scrgbClr r="0" g="0" b="0"/>
+      </a:effectRef>
+      <a:fontRef idx="minor"/>
+    </dgm:style>
+  </dgm:styleLbl>
+  <dgm:styleLbl name="solidBgAcc1">
+    <dgm:scene3d>
+      <a:camera prst="orthographicFront"/>
+      <a:lightRig rig="threePt" dir="t"/>
+    </dgm:scene3d>
+    <dgm:sp3d/>
+    <dgm:txPr/>
+    <dgm:style>
+      <a:lnRef idx="1">
+        <a:scrgbClr r="0" g="0" b="0"/>
+      </a:lnRef>
+      <a:fillRef idx="1">
+        <a:scrgbClr r="0" g="0" b="0"/>
+      </a:fillRef>
+      <a:effectRef idx="0">
+        <a:scrgbClr r="0" g="0" b="0"/>
+      </a:effectRef>
+      <a:fontRef idx="minor"/>
+    </dgm:style>
+  </dgm:styleLbl>
+  <dgm:styleLbl name="fgAccFollowNode1">
+    <dgm:scene3d>
+      <a:camera prst="orthographicFront"/>
+      <a:lightRig rig="threePt" dir="t"/>
+    </dgm:scene3d>
+    <dgm:sp3d/>
+    <dgm:txPr/>
+    <dgm:style>
+      <a:lnRef idx="1">
+        <a:scrgbClr r="0" g="0" b="0"/>
+      </a:lnRef>
+      <a:fillRef idx="1">
+        <a:scrgbClr r="0" g="0" b="0"/>
+      </a:fillRef>
+      <a:effectRef idx="0">
+        <a:scrgbClr r="0" g="0" b="0"/>
+      </a:effectRef>
+      <a:fontRef idx="minor"/>
+    </dgm:style>
+  </dgm:styleLbl>
+  <dgm:styleLbl name="alignAccFollowNode1">
+    <dgm:scene3d>
+      <a:camera prst="orthographicFront"/>
+      <a:lightRig rig="threePt" dir="t"/>
+    </dgm:scene3d>
+    <dgm:sp3d/>
+    <dgm:txPr/>
+    <dgm:style>
+      <a:lnRef idx="1">
+        <a:scrgbClr r="0" g="0" b="0"/>
+      </a:lnRef>
+      <a:fillRef idx="1">
+        <a:scrgbClr r="0" g="0" b="0"/>
+      </a:fillRef>
+      <a:effectRef idx="0">
+        <a:scrgbClr r="0" g="0" b="0"/>
+      </a:effectRef>
+      <a:fontRef idx="minor"/>
+    </dgm:style>
+  </dgm:styleLbl>
+  <dgm:styleLbl name="bgAccFollowNode1">
+    <dgm:scene3d>
+      <a:camera prst="orthographicFront"/>
+      <a:lightRig rig="threePt" dir="t"/>
+    </dgm:scene3d>
+    <dgm:sp3d/>
+    <dgm:txPr/>
+    <dgm:style>
+      <a:lnRef idx="1">
+        <a:scrgbClr r="0" g="0" b="0"/>
+      </a:lnRef>
+      <a:fillRef idx="1">
+        <a:scrgbClr r="0" g="0" b="0"/>
+      </a:fillRef>
+      <a:effectRef idx="0">
+        <a:scrgbClr r="0" g="0" b="0"/>
+      </a:effectRef>
+      <a:fontRef idx="minor"/>
+    </dgm:style>
+  </dgm:styleLbl>
+  <dgm:styleLbl name="fgAcc0">
+    <dgm:scene3d>
+      <a:camera prst="orthographicFront"/>
+      <a:lightRig rig="threePt" dir="t"/>
+    </dgm:scene3d>
+    <dgm:sp3d/>
+    <dgm:txPr/>
+    <dgm:style>
+      <a:lnRef idx="1">
+        <a:scrgbClr r="0" g="0" b="0"/>
+      </a:lnRef>
+      <a:fillRef idx="1">
+        <a:scrgbClr r="0" g="0" b="0"/>
+      </a:fillRef>
+      <a:effectRef idx="0">
+        <a:scrgbClr r="0" g="0" b="0"/>
+      </a:effectRef>
+      <a:fontRef idx="minor"/>
+    </dgm:style>
+  </dgm:styleLbl>
+  <dgm:styleLbl name="fgAcc2">
+    <dgm:scene3d>
+      <a:camera prst="orthographicFront"/>
+      <a:lightRig rig="threePt" dir="t"/>
+    </dgm:scene3d>
+    <dgm:sp3d/>
+    <dgm:txPr/>
+    <dgm:style>
+      <a:lnRef idx="1">
+        <a:scrgbClr r="0" g="0" b="0"/>
+      </a:lnRef>
+      <a:fillRef idx="1">
+        <a:scrgbClr r="0" g="0" b="0"/>
+      </a:fillRef>
+      <a:effectRef idx="0">
+        <a:scrgbClr r="0" g="0" b="0"/>
+      </a:effectRef>
+      <a:fontRef idx="minor"/>
+    </dgm:style>
+  </dgm:styleLbl>
+  <dgm:styleLbl name="fgAcc3">
+    <dgm:scene3d>
+      <a:camera prst="orthographicFront"/>
+      <a:lightRig rig="threePt" dir="t"/>
+    </dgm:scene3d>
+    <dgm:sp3d/>
+    <dgm:txPr/>
+    <dgm:style>
+      <a:lnRef idx="1">
+        <a:scrgbClr r="0" g="0" b="0"/>
+      </a:lnRef>
+      <a:fillRef idx="1">
+        <a:scrgbClr r="0" g="0" b="0"/>
+      </a:fillRef>
+      <a:effectRef idx="0">
+        <a:scrgbClr r="0" g="0" b="0"/>
+      </a:effectRef>
+      <a:fontRef idx="minor"/>
+    </dgm:style>
+  </dgm:styleLbl>
+  <dgm:styleLbl name="fgAcc4">
+    <dgm:scene3d>
+      <a:camera prst="orthographicFront"/>
+      <a:lightRig rig="threePt" dir="t"/>
+    </dgm:scene3d>
+    <dgm:sp3d/>
+    <dgm:txPr/>
+    <dgm:style>
+      <a:lnRef idx="1">
+        <a:scrgbClr r="0" g="0" b="0"/>
+      </a:lnRef>
+      <a:fillRef idx="1">
+        <a:scrgbClr r="0" g="0" b="0"/>
+      </a:fillRef>
+      <a:effectRef idx="0">
+        <a:scrgbClr r="0" g="0" b="0"/>
+      </a:effectRef>
+      <a:fontRef idx="minor"/>
+    </dgm:style>
+  </dgm:styleLbl>
+  <dgm:styleLbl name="bgShp">
+    <dgm:scene3d>
+      <a:camera prst="orthographicFront"/>
+      <a:lightRig rig="threePt" dir="t"/>
+    </dgm:scene3d>
+    <dgm:sp3d/>
+    <dgm:txPr/>
+    <dgm:style>
+      <a:lnRef idx="0">
+        <a:scrgbClr r="0" g="0" b="0"/>
+      </a:lnRef>
+      <a:fillRef idx="1">
+        <a:scrgbClr r="0" g="0" b="0"/>
+      </a:fillRef>
+      <a:effectRef idx="1">
+        <a:scrgbClr r="0" g="0" b="0"/>
+      </a:effectRef>
+      <a:fontRef idx="minor"/>
+    </dgm:style>
+  </dgm:styleLbl>
+  <dgm:styleLbl name="dkBgShp">
+    <dgm:scene3d>
+      <a:camera prst="orthographicFront"/>
+      <a:lightRig rig="threePt" dir="t"/>
+    </dgm:scene3d>
+    <dgm:sp3d/>
+    <dgm:txPr/>
+    <dgm:style>
+      <a:lnRef idx="0">
+        <a:scrgbClr r="0" g="0" b="0"/>
+      </a:lnRef>
+      <a:fillRef idx="1">
+        <a:scrgbClr r="0" g="0" b="0"/>
+      </a:fillRef>
+      <a:effectRef idx="1">
+        <a:scrgbClr r="0" g="0" b="0"/>
+      </a:effectRef>
+      <a:fontRef idx="minor"/>
+    </dgm:style>
+  </dgm:styleLbl>
+  <dgm:styleLbl name="trBgShp">
+    <dgm:scene3d>
+      <a:camera prst="orthographicFront"/>
+      <a:lightRig rig="threePt" dir="t"/>
+    </dgm:scene3d>
+    <dgm:sp3d/>
+    <dgm:txPr/>
+    <dgm:style>
+      <a:lnRef idx="0">
+        <a:scrgbClr r="0" g="0" b="0"/>
+      </a:lnRef>
+      <a:fillRef idx="1">
+        <a:scrgbClr r="0" g="0" b="0"/>
+      </a:fillRef>
+      <a:effectRef idx="0">
+        <a:scrgbClr r="0" g="0" b="0"/>
+      </a:effectRef>
+      <a:fontRef idx="minor"/>
+    </dgm:style>
+  </dgm:styleLbl>
+  <dgm:styleLbl name="fgShp">
+    <dgm:scene3d>
+      <a:camera prst="orthographicFront"/>
+      <a:lightRig rig="flat" dir="t"/>
+    </dgm:scene3d>
+    <dgm:sp3d prstMaterial="dkEdge">
+      <a:bevelT w="8200" h="38100"/>
+    </dgm:sp3d>
+    <dgm:txPr/>
+    <dgm:style>
+      <a:lnRef idx="1">
+        <a:scrgbClr r="0" g="0" b="0"/>
+      </a:lnRef>
+      <a:fillRef idx="2">
+        <a:scrgbClr r="0" g="0" b="0"/>
+      </a:fillRef>
+      <a:effectRef idx="1">
+        <a:scrgbClr r="0" g="0" b="0"/>
+      </a:effectRef>
+      <a:fontRef idx="minor"/>
+    </dgm:style>
+  </dgm:styleLbl>
+  <dgm:styleLbl name="revTx">
+    <dgm:scene3d>
+      <a:camera prst="orthographicFront"/>
+      <a:lightRig rig="threePt" dir="t"/>
+    </dgm:scene3d>
+    <dgm:sp3d/>
+    <dgm:txPr/>
+    <dgm:style>
+      <a:lnRef idx="0">
+        <a:scrgbClr r="0" g="0" b="0"/>
+      </a:lnRef>
+      <a:fillRef idx="0">
+        <a:scrgbClr r="0" g="0" b="0"/>
+      </a:fillRef>
+      <a:effectRef idx="0">
+        <a:scrgbClr r="0" g="0" b="0"/>
+      </a:effectRef>
+      <a:fontRef idx="minor"/>
+    </dgm:style>
+  </dgm:styleLbl>
+</dgm:styleDef>
+</file>
+
+<file path=ppt/diagrams/quickStyle3.xml><?xml version="1.0" encoding="utf-8"?>
 <dgm:styleDef xmlns:dgm="http://schemas.openxmlformats.org/drawingml/2006/diagram" xmlns:a="http://schemas.openxmlformats.org/drawingml/2006/main" uniqueId="urn:microsoft.com/office/officeart/2005/8/quickstyle/simple3">
   <dgm:title val=""/>
   <dgm:desc val=""/>
@@ -4957,7 +11423,8 @@
           <a:p>
             <a:fld id="{E8A24FED-46CF-4A09-B1CC-1E0B6DF6FD6A}" type="datetimeFigureOut">
               <a:rPr lang="de-DE" smtClean="0"/>
-              <a:t>25.04.2016</a:t>
+              <a:pPr/>
+              <a:t>26.04.2016</a:t>
             </a:fld>
             <a:endParaRPr lang="de-DE"/>
           </a:p>
@@ -5118,6 +11585,7 @@
           <a:p>
             <a:fld id="{5652F815-8907-4933-9379-FDD7E595D6C2}" type="slidenum">
               <a:rPr lang="de-DE" smtClean="0"/>
+              <a:pPr/>
               <a:t>‹Nr.›</a:t>
             </a:fld>
             <a:endParaRPr lang="de-DE"/>
@@ -5289,6 +11757,7 @@
           <a:p>
             <a:fld id="{5652F815-8907-4933-9379-FDD7E595D6C2}" type="slidenum">
               <a:rPr lang="de-DE" smtClean="0"/>
+              <a:pPr/>
               <a:t>3</a:t>
             </a:fld>
             <a:endParaRPr lang="de-DE"/>
@@ -5370,6 +11839,7 @@
           <a:p>
             <a:fld id="{5652F815-8907-4933-9379-FDD7E595D6C2}" type="slidenum">
               <a:rPr lang="de-DE" smtClean="0"/>
+              <a:pPr/>
               <a:t>4</a:t>
             </a:fld>
             <a:endParaRPr lang="de-DE"/>
@@ -5584,6 +12054,7 @@
           <a:p>
             <a:fld id="{5652F815-8907-4933-9379-FDD7E595D6C2}" type="slidenum">
               <a:rPr lang="de-DE" smtClean="0"/>
+              <a:pPr/>
               <a:t>7</a:t>
             </a:fld>
             <a:endParaRPr lang="de-DE"/>
@@ -6256,7 +12727,8 @@
           <a:p>
             <a:fld id="{6824E8E0-4EA7-4878-AE2A-C2C03E66CD52}" type="datetimeFigureOut">
               <a:rPr lang="de-DE" smtClean="0"/>
-              <a:t>25.04.2016</a:t>
+              <a:pPr/>
+              <a:t>26.04.2016</a:t>
             </a:fld>
             <a:endParaRPr lang="de-DE"/>
           </a:p>
@@ -6316,6 +12788,7 @@
           <a:p>
             <a:fld id="{B938B83A-8DF3-44A0-8718-2B5EDB2395B3}" type="slidenum">
               <a:rPr lang="de-DE" smtClean="0"/>
+              <a:pPr/>
               <a:t>‹Nr.›</a:t>
             </a:fld>
             <a:endParaRPr lang="de-DE"/>
@@ -6439,7 +12912,8 @@
           <a:p>
             <a:fld id="{6824E8E0-4EA7-4878-AE2A-C2C03E66CD52}" type="datetimeFigureOut">
               <a:rPr lang="de-DE" smtClean="0"/>
-              <a:t>25.04.2016</a:t>
+              <a:pPr/>
+              <a:t>26.04.2016</a:t>
             </a:fld>
             <a:endParaRPr lang="de-DE"/>
           </a:p>
@@ -6481,6 +12955,7 @@
           <a:p>
             <a:fld id="{B938B83A-8DF3-44A0-8718-2B5EDB2395B3}" type="slidenum">
               <a:rPr lang="de-DE" smtClean="0"/>
+              <a:pPr/>
               <a:t>‹Nr.›</a:t>
             </a:fld>
             <a:endParaRPr lang="de-DE"/>
@@ -6614,7 +13089,8 @@
           <a:p>
             <a:fld id="{6824E8E0-4EA7-4878-AE2A-C2C03E66CD52}" type="datetimeFigureOut">
               <a:rPr lang="de-DE" smtClean="0"/>
-              <a:t>25.04.2016</a:t>
+              <a:pPr/>
+              <a:t>26.04.2016</a:t>
             </a:fld>
             <a:endParaRPr lang="de-DE"/>
           </a:p>
@@ -6656,6 +13132,7 @@
           <a:p>
             <a:fld id="{B938B83A-8DF3-44A0-8718-2B5EDB2395B3}" type="slidenum">
               <a:rPr lang="de-DE" smtClean="0"/>
+              <a:pPr/>
               <a:t>‹Nr.›</a:t>
             </a:fld>
             <a:endParaRPr lang="de-DE"/>
@@ -6779,7 +13256,8 @@
           <a:p>
             <a:fld id="{6824E8E0-4EA7-4878-AE2A-C2C03E66CD52}" type="datetimeFigureOut">
               <a:rPr lang="de-DE" smtClean="0"/>
-              <a:t>25.04.2016</a:t>
+              <a:pPr/>
+              <a:t>26.04.2016</a:t>
             </a:fld>
             <a:endParaRPr lang="de-DE"/>
           </a:p>
@@ -6821,6 +13299,7 @@
           <a:p>
             <a:fld id="{B938B83A-8DF3-44A0-8718-2B5EDB2395B3}" type="slidenum">
               <a:rPr lang="de-DE" smtClean="0"/>
+              <a:pPr/>
               <a:t>‹Nr.›</a:t>
             </a:fld>
             <a:endParaRPr lang="de-DE"/>
@@ -7000,7 +13479,8 @@
           <a:p>
             <a:fld id="{6824E8E0-4EA7-4878-AE2A-C2C03E66CD52}" type="datetimeFigureOut">
               <a:rPr lang="de-DE" smtClean="0"/>
-              <a:t>25.04.2016</a:t>
+              <a:pPr/>
+              <a:t>26.04.2016</a:t>
             </a:fld>
             <a:endParaRPr lang="de-DE"/>
           </a:p>
@@ -7042,6 +13522,7 @@
           <a:p>
             <a:fld id="{B938B83A-8DF3-44A0-8718-2B5EDB2395B3}" type="slidenum">
               <a:rPr lang="de-DE" smtClean="0"/>
+              <a:pPr/>
               <a:t>‹Nr.›</a:t>
             </a:fld>
             <a:endParaRPr lang="de-DE"/>
@@ -7259,7 +13740,8 @@
           <a:p>
             <a:fld id="{6824E8E0-4EA7-4878-AE2A-C2C03E66CD52}" type="datetimeFigureOut">
               <a:rPr lang="de-DE" smtClean="0"/>
-              <a:t>25.04.2016</a:t>
+              <a:pPr/>
+              <a:t>26.04.2016</a:t>
             </a:fld>
             <a:endParaRPr lang="de-DE"/>
           </a:p>
@@ -7301,6 +13783,7 @@
           <a:p>
             <a:fld id="{B938B83A-8DF3-44A0-8718-2B5EDB2395B3}" type="slidenum">
               <a:rPr lang="de-DE" smtClean="0"/>
+              <a:pPr/>
               <a:t>‹Nr.›</a:t>
             </a:fld>
             <a:endParaRPr lang="de-DE"/>
@@ -7663,7 +14146,8 @@
           <a:p>
             <a:fld id="{6824E8E0-4EA7-4878-AE2A-C2C03E66CD52}" type="datetimeFigureOut">
               <a:rPr lang="de-DE" smtClean="0"/>
-              <a:t>25.04.2016</a:t>
+              <a:pPr/>
+              <a:t>26.04.2016</a:t>
             </a:fld>
             <a:endParaRPr lang="de-DE"/>
           </a:p>
@@ -7686,6 +14170,7 @@
           <a:p>
             <a:fld id="{B938B83A-8DF3-44A0-8718-2B5EDB2395B3}" type="slidenum">
               <a:rPr lang="de-DE" smtClean="0"/>
+              <a:pPr/>
               <a:t>‹Nr.›</a:t>
             </a:fld>
             <a:endParaRPr lang="de-DE"/>
@@ -7794,7 +14279,8 @@
           <a:p>
             <a:fld id="{6824E8E0-4EA7-4878-AE2A-C2C03E66CD52}" type="datetimeFigureOut">
               <a:rPr lang="de-DE" smtClean="0"/>
-              <a:t>25.04.2016</a:t>
+              <a:pPr/>
+              <a:t>26.04.2016</a:t>
             </a:fld>
             <a:endParaRPr lang="de-DE"/>
           </a:p>
@@ -7846,6 +14332,7 @@
           <a:p>
             <a:fld id="{B938B83A-8DF3-44A0-8718-2B5EDB2395B3}" type="slidenum">
               <a:rPr lang="de-DE" smtClean="0"/>
+              <a:pPr/>
               <a:t>‹Nr.›</a:t>
             </a:fld>
             <a:endParaRPr lang="de-DE"/>
@@ -7894,7 +14381,8 @@
           <a:p>
             <a:fld id="{6824E8E0-4EA7-4878-AE2A-C2C03E66CD52}" type="datetimeFigureOut">
               <a:rPr lang="de-DE" smtClean="0"/>
-              <a:t>25.04.2016</a:t>
+              <a:pPr/>
+              <a:t>26.04.2016</a:t>
             </a:fld>
             <a:endParaRPr lang="de-DE"/>
           </a:p>
@@ -7936,6 +14424,7 @@
           <a:p>
             <a:fld id="{B938B83A-8DF3-44A0-8718-2B5EDB2395B3}" type="slidenum">
               <a:rPr lang="de-DE" smtClean="0"/>
+              <a:pPr/>
               <a:t>‹Nr.›</a:t>
             </a:fld>
             <a:endParaRPr lang="de-DE"/>
@@ -8139,7 +14628,8 @@
           <a:p>
             <a:fld id="{6824E8E0-4EA7-4878-AE2A-C2C03E66CD52}" type="datetimeFigureOut">
               <a:rPr lang="de-DE" smtClean="0"/>
-              <a:t>25.04.2016</a:t>
+              <a:pPr/>
+              <a:t>26.04.2016</a:t>
             </a:fld>
             <a:endParaRPr lang="de-DE"/>
           </a:p>
@@ -8181,6 +14671,7 @@
           <a:p>
             <a:fld id="{B938B83A-8DF3-44A0-8718-2B5EDB2395B3}" type="slidenum">
               <a:rPr lang="de-DE" smtClean="0"/>
+              <a:pPr/>
               <a:t>‹Nr.›</a:t>
             </a:fld>
             <a:endParaRPr lang="de-DE"/>
@@ -8383,7 +14874,8 @@
           <a:p>
             <a:fld id="{6824E8E0-4EA7-4878-AE2A-C2C03E66CD52}" type="datetimeFigureOut">
               <a:rPr lang="de-DE" smtClean="0"/>
-              <a:t>25.04.2016</a:t>
+              <a:pPr/>
+              <a:t>26.04.2016</a:t>
             </a:fld>
             <a:endParaRPr lang="de-DE"/>
           </a:p>
@@ -8425,6 +14917,7 @@
           <a:p>
             <a:fld id="{B938B83A-8DF3-44A0-8718-2B5EDB2395B3}" type="slidenum">
               <a:rPr lang="de-DE" smtClean="0"/>
+              <a:pPr/>
               <a:t>‹Nr.›</a:t>
             </a:fld>
             <a:endParaRPr lang="de-DE"/>
@@ -9207,7 +15700,8 @@
           <a:p>
             <a:fld id="{6824E8E0-4EA7-4878-AE2A-C2C03E66CD52}" type="datetimeFigureOut">
               <a:rPr lang="de-DE" smtClean="0"/>
-              <a:t>25.04.2016</a:t>
+              <a:pPr/>
+              <a:t>26.04.2016</a:t>
             </a:fld>
             <a:endParaRPr lang="de-DE"/>
           </a:p>
@@ -9281,6 +15775,7 @@
           <a:p>
             <a:fld id="{B938B83A-8DF3-44A0-8718-2B5EDB2395B3}" type="slidenum">
               <a:rPr lang="de-DE" smtClean="0"/>
+              <a:pPr/>
               <a:t>‹Nr.›</a:t>
             </a:fld>
             <a:endParaRPr lang="de-DE"/>
@@ -9714,23 +16209,7 @@
           <a:p>
             <a:r>
               <a:rPr lang="en-US" smtClean="0"/>
-              <a:t>Important</a:t>
-            </a:r>
-            <a:r>
-              <a:rPr lang="en-US" smtClean="0"/>
-              <a:t> Design Patterns </a:t>
-            </a:r>
-            <a:r>
-              <a:rPr lang="en-US" smtClean="0"/>
-              <a:t>(</a:t>
-            </a:r>
-            <a:r>
-              <a:rPr lang="en-US" smtClean="0"/>
-              <a:t>for </a:t>
-            </a:r>
-            <a:r>
-              <a:rPr lang="en-US" smtClean="0"/>
-              <a:t>Java)</a:t>
+              <a:t>Important Design Patterns (for Java)</a:t>
             </a:r>
             <a:endParaRPr lang="en-US"/>
           </a:p>
@@ -11509,15 +17988,7 @@
             <a:pPr lvl="0"/>
             <a:r>
               <a:rPr lang="en-US" sz="3200" dirty="0" smtClean="0"/>
-              <a:t>Patterns </a:t>
-            </a:r>
-            <a:r>
-              <a:rPr lang="en-US" sz="3200" dirty="0" smtClean="0"/>
-              <a:t>for Concurrent and Networked </a:t>
-            </a:r>
-            <a:r>
-              <a:rPr lang="en-US" sz="3200" dirty="0" smtClean="0"/>
-              <a:t>Objects</a:t>
+              <a:t>Patterns for Concurrent and Networked Objects</a:t>
             </a:r>
             <a:br>
               <a:rPr lang="en-US" sz="3200" dirty="0" smtClean="0"/>
@@ -11533,18 +18004,285 @@
             <a:spLocks noGrp="1"/>
           </p:cNvSpPr>
           <p:nvPr>
-            <p:ph idx="1"/>
+            <p:ph sz="half" idx="1"/>
           </p:nvPr>
         </p:nvSpPr>
-        <p:spPr/>
+        <p:spPr>
+          <a:xfrm>
+            <a:off x="457200" y="2249424"/>
+            <a:ext cx="4906888" cy="4525963"/>
+          </a:xfrm>
+        </p:spPr>
         <p:txBody>
-          <a:bodyPr/>
+          <a:bodyPr>
+            <a:normAutofit lnSpcReduction="10000"/>
+          </a:bodyPr>
           <a:lstStyle/>
           <a:p>
-            <a:endParaRPr lang="en-US"/>
+            <a:r>
+              <a:rPr lang="en-US" dirty="0" smtClean="0"/>
+              <a:t>Challenges for networked applications developers:</a:t>
+            </a:r>
+          </a:p>
+          <a:p>
+            <a:pPr lvl="2"/>
+            <a:r>
+              <a:rPr lang="en-US" dirty="0" smtClean="0">
+                <a:solidFill>
+                  <a:schemeClr val="accent2"/>
+                </a:solidFill>
+              </a:rPr>
+              <a:t>Static and dynamic component </a:t>
+            </a:r>
+            <a:r>
+              <a:rPr lang="en-US" dirty="0" smtClean="0">
+                <a:solidFill>
+                  <a:schemeClr val="accent2"/>
+                </a:solidFill>
+              </a:rPr>
+              <a:t>configuration</a:t>
+            </a:r>
+            <a:br>
+              <a:rPr lang="en-US" dirty="0" smtClean="0">
+                <a:solidFill>
+                  <a:schemeClr val="accent2"/>
+                </a:solidFill>
+              </a:rPr>
+            </a:br>
+            <a:endParaRPr lang="en-US" dirty="0" smtClean="0">
+              <a:solidFill>
+                <a:schemeClr val="accent2"/>
+              </a:solidFill>
+            </a:endParaRPr>
+          </a:p>
+          <a:p>
+            <a:pPr lvl="2"/>
+            <a:r>
+              <a:rPr lang="en-US" dirty="0" smtClean="0">
+                <a:solidFill>
+                  <a:schemeClr val="accent3"/>
+                </a:solidFill>
+              </a:rPr>
+              <a:t>Event handling and dispatching</a:t>
+            </a:r>
+          </a:p>
+          <a:p>
+            <a:pPr lvl="2"/>
+            <a:endParaRPr lang="en-US" dirty="0" smtClean="0">
+              <a:solidFill>
+                <a:schemeClr val="accent3"/>
+              </a:solidFill>
+            </a:endParaRPr>
+          </a:p>
+          <a:p>
+            <a:pPr lvl="2"/>
+            <a:r>
+              <a:rPr lang="en-US" dirty="0" smtClean="0">
+                <a:solidFill>
+                  <a:schemeClr val="accent4"/>
+                </a:solidFill>
+              </a:rPr>
+              <a:t>Synchronization</a:t>
+            </a:r>
+          </a:p>
+          <a:p>
+            <a:pPr lvl="2"/>
+            <a:endParaRPr lang="en-US" dirty="0" smtClean="0">
+              <a:solidFill>
+                <a:schemeClr val="accent4"/>
+              </a:solidFill>
+            </a:endParaRPr>
+          </a:p>
+          <a:p>
+            <a:pPr lvl="2"/>
+            <a:r>
+              <a:rPr lang="en-US" dirty="0" smtClean="0">
+                <a:solidFill>
+                  <a:schemeClr val="accent5"/>
+                </a:solidFill>
+              </a:rPr>
+              <a:t>Concurrency</a:t>
+            </a:r>
+          </a:p>
+          <a:p>
+            <a:pPr lvl="2"/>
+            <a:endParaRPr lang="en-US" dirty="0" smtClean="0">
+              <a:solidFill>
+                <a:schemeClr val="accent5"/>
+              </a:solidFill>
+            </a:endParaRPr>
+          </a:p>
+          <a:p>
+            <a:pPr lvl="2"/>
+            <a:r>
+              <a:rPr lang="en-US" dirty="0" err="1" smtClean="0"/>
+              <a:t>Interprocess</a:t>
+            </a:r>
+            <a:r>
+              <a:rPr lang="en-US" dirty="0" smtClean="0"/>
+              <a:t> communication (IPC) &amp; network protocols</a:t>
+            </a:r>
+          </a:p>
+          <a:p>
+            <a:pPr lvl="2"/>
+            <a:r>
+              <a:rPr lang="en-US" dirty="0" smtClean="0"/>
+              <a:t>Primary and secondary storage management / caching</a:t>
+            </a:r>
           </a:p>
         </p:txBody>
       </p:sp>
+      <p:graphicFrame>
+        <p:nvGraphicFramePr>
+          <p:cNvPr id="6" name="Diagramm 5"/>
+          <p:cNvGraphicFramePr/>
+          <p:nvPr/>
+        </p:nvGraphicFramePr>
+        <p:xfrm>
+          <a:off x="5436096" y="2636912"/>
+          <a:ext cx="3707904" cy="2664296"/>
+        </p:xfrm>
+        <a:graphic>
+          <a:graphicData uri="http://schemas.openxmlformats.org/drawingml/2006/diagram">
+            <dgm:relIds xmlns:dgm="http://schemas.openxmlformats.org/drawingml/2006/diagram" xmlns:r="http://schemas.openxmlformats.org/officeDocument/2006/relationships" r:dm="rId2" r:lo="rId3" r:qs="rId4" r:cs="rId5"/>
+          </a:graphicData>
+        </a:graphic>
+      </p:graphicFrame>
+      <p:cxnSp>
+        <p:nvCxnSpPr>
+          <p:cNvPr id="8" name="Gerade Verbindung mit Pfeil 7"/>
+          <p:cNvCxnSpPr/>
+          <p:nvPr/>
+        </p:nvCxnSpPr>
+        <p:spPr>
+          <a:xfrm flipV="1">
+            <a:off x="4716016" y="2924944"/>
+            <a:ext cx="936104" cy="72008"/>
+          </a:xfrm>
+          <a:prstGeom prst="straightConnector1">
+            <a:avLst/>
+          </a:prstGeom>
+          <a:ln>
+            <a:tailEnd type="arrow"/>
+          </a:ln>
+        </p:spPr>
+        <p:style>
+          <a:lnRef idx="2">
+            <a:schemeClr val="accent2"/>
+          </a:lnRef>
+          <a:fillRef idx="0">
+            <a:schemeClr val="accent2"/>
+          </a:fillRef>
+          <a:effectRef idx="1">
+            <a:schemeClr val="accent2"/>
+          </a:effectRef>
+          <a:fontRef idx="minor">
+            <a:schemeClr val="tx1"/>
+          </a:fontRef>
+        </p:style>
+      </p:cxnSp>
+      <p:cxnSp>
+        <p:nvCxnSpPr>
+          <p:cNvPr id="9" name="Gerade Verbindung mit Pfeil 8"/>
+          <p:cNvCxnSpPr/>
+          <p:nvPr/>
+        </p:nvCxnSpPr>
+        <p:spPr>
+          <a:xfrm flipV="1">
+            <a:off x="4788024" y="3645024"/>
+            <a:ext cx="864096" cy="144016"/>
+          </a:xfrm>
+          <a:prstGeom prst="straightConnector1">
+            <a:avLst/>
+          </a:prstGeom>
+          <a:ln>
+            <a:solidFill>
+              <a:schemeClr val="accent3"/>
+            </a:solidFill>
+            <a:tailEnd type="arrow"/>
+          </a:ln>
+        </p:spPr>
+        <p:style>
+          <a:lnRef idx="2">
+            <a:schemeClr val="accent2"/>
+          </a:lnRef>
+          <a:fillRef idx="0">
+            <a:schemeClr val="accent2"/>
+          </a:fillRef>
+          <a:effectRef idx="1">
+            <a:schemeClr val="accent2"/>
+          </a:effectRef>
+          <a:fontRef idx="minor">
+            <a:schemeClr val="tx1"/>
+          </a:fontRef>
+        </p:style>
+      </p:cxnSp>
+      <p:cxnSp>
+        <p:nvCxnSpPr>
+          <p:cNvPr id="12" name="Gerade Verbindung mit Pfeil 11"/>
+          <p:cNvCxnSpPr/>
+          <p:nvPr/>
+        </p:nvCxnSpPr>
+        <p:spPr>
+          <a:xfrm flipV="1">
+            <a:off x="3275856" y="4293096"/>
+            <a:ext cx="2376264" cy="72008"/>
+          </a:xfrm>
+          <a:prstGeom prst="straightConnector1">
+            <a:avLst/>
+          </a:prstGeom>
+          <a:ln>
+            <a:tailEnd type="arrow"/>
+          </a:ln>
+        </p:spPr>
+        <p:style>
+          <a:lnRef idx="2">
+            <a:schemeClr val="accent4"/>
+          </a:lnRef>
+          <a:fillRef idx="0">
+            <a:schemeClr val="accent4"/>
+          </a:fillRef>
+          <a:effectRef idx="1">
+            <a:schemeClr val="accent4"/>
+          </a:effectRef>
+          <a:fontRef idx="minor">
+            <a:schemeClr val="tx1"/>
+          </a:fontRef>
+        </p:style>
+      </p:cxnSp>
+      <p:cxnSp>
+        <p:nvCxnSpPr>
+          <p:cNvPr id="14" name="Gerade Verbindung mit Pfeil 13"/>
+          <p:cNvCxnSpPr/>
+          <p:nvPr/>
+        </p:nvCxnSpPr>
+        <p:spPr>
+          <a:xfrm>
+            <a:off x="2915816" y="4941168"/>
+            <a:ext cx="2736304" cy="72008"/>
+          </a:xfrm>
+          <a:prstGeom prst="straightConnector1">
+            <a:avLst/>
+          </a:prstGeom>
+          <a:ln>
+            <a:tailEnd type="arrow"/>
+          </a:ln>
+        </p:spPr>
+        <p:style>
+          <a:lnRef idx="2">
+            <a:schemeClr val="accent5"/>
+          </a:lnRef>
+          <a:fillRef idx="0">
+            <a:schemeClr val="accent5"/>
+          </a:fillRef>
+          <a:effectRef idx="1">
+            <a:schemeClr val="accent5"/>
+          </a:effectRef>
+          <a:fontRef idx="minor">
+            <a:schemeClr val="tx1"/>
+          </a:fontRef>
+        </p:style>
+      </p:cxnSp>
     </p:spTree>
   </p:cSld>
   <p:clrMapOvr>
@@ -11582,14 +18320,451 @@
         </p:nvSpPr>
         <p:spPr/>
         <p:txBody>
-          <a:bodyPr/>
+          <a:bodyPr>
+            <a:noAutofit/>
+          </a:bodyPr>
           <a:lstStyle/>
           <a:p>
+            <a:pPr lvl="0"/>
             <a:r>
-              <a:rPr lang="en-US" smtClean="0"/>
-              <a:t>Sources</a:t>
+              <a:rPr lang="en-US" sz="3200" dirty="0" smtClean="0"/>
+              <a:t>Patterns for Concurrent and Networked Objects</a:t>
             </a:r>
-            <a:endParaRPr lang="en-US"/>
+            <a:br>
+              <a:rPr lang="en-US" sz="3200" dirty="0" smtClean="0"/>
+            </a:br>
+            <a:endParaRPr lang="en-US" sz="3200" dirty="0"/>
+          </a:p>
+        </p:txBody>
+      </p:sp>
+      <p:grpSp>
+        <p:nvGrpSpPr>
+          <p:cNvPr id="12" name="Gruppieren 11"/>
+          <p:cNvGrpSpPr/>
+          <p:nvPr/>
+        </p:nvGrpSpPr>
+        <p:grpSpPr>
+          <a:xfrm>
+            <a:off x="539552" y="2132856"/>
+            <a:ext cx="7992888" cy="4352032"/>
+            <a:chOff x="539552" y="2060848"/>
+            <a:chExt cx="7992888" cy="4352032"/>
+          </a:xfrm>
+        </p:grpSpPr>
+        <p:graphicFrame>
+          <p:nvGraphicFramePr>
+            <p:cNvPr id="6" name="Diagramm 5"/>
+            <p:cNvGraphicFramePr/>
+            <p:nvPr/>
+          </p:nvGraphicFramePr>
+          <p:xfrm>
+            <a:off x="539552" y="2060848"/>
+            <a:ext cx="7992888" cy="4352032"/>
+          </p:xfrm>
+          <a:graphic>
+            <a:graphicData uri="http://schemas.openxmlformats.org/drawingml/2006/diagram">
+              <dgm:relIds xmlns:dgm="http://schemas.openxmlformats.org/drawingml/2006/diagram" xmlns:r="http://schemas.openxmlformats.org/officeDocument/2006/relationships" r:dm="rId2" r:lo="rId3" r:qs="rId4" r:cs="rId5"/>
+            </a:graphicData>
+          </a:graphic>
+        </p:graphicFrame>
+        <p:sp>
+          <p:nvSpPr>
+            <p:cNvPr id="8" name="Textfeld 7"/>
+            <p:cNvSpPr txBox="1"/>
+            <p:nvPr/>
+          </p:nvSpPr>
+          <p:spPr>
+            <a:xfrm>
+              <a:off x="3491880" y="2132856"/>
+              <a:ext cx="4896544" cy="936104"/>
+            </a:xfrm>
+            <a:prstGeom prst="rect">
+              <a:avLst/>
+            </a:prstGeom>
+            <a:noFill/>
+          </p:spPr>
+          <p:txBody>
+            <a:bodyPr wrap="square" numCol="2" rtlCol="0" anchor="ctr" anchorCtr="0">
+              <a:normAutofit/>
+            </a:bodyPr>
+            <a:lstStyle/>
+            <a:p>
+              <a:pPr lvl="0">
+                <a:buFont typeface="Arial" pitchFamily="34" charset="0"/>
+                <a:buChar char="•"/>
+              </a:pPr>
+              <a:r>
+                <a:rPr lang="en-US" sz="1400" dirty="0" smtClean="0"/>
+                <a:t> Wrapper Facade</a:t>
+              </a:r>
+            </a:p>
+            <a:p>
+              <a:pPr lvl="0">
+                <a:buFont typeface="Arial" pitchFamily="34" charset="0"/>
+                <a:buChar char="•"/>
+              </a:pPr>
+              <a:r>
+                <a:rPr lang="en-US" sz="1400" dirty="0" smtClean="0"/>
+                <a:t> Interceptor</a:t>
+              </a:r>
+            </a:p>
+            <a:p>
+              <a:pPr lvl="0">
+                <a:buFont typeface="Arial" pitchFamily="34" charset="0"/>
+                <a:buChar char="•"/>
+              </a:pPr>
+              <a:endParaRPr lang="en-US" sz="1400" dirty="0" smtClean="0"/>
+            </a:p>
+            <a:p>
+              <a:pPr lvl="0">
+                <a:buFont typeface="Arial" pitchFamily="34" charset="0"/>
+                <a:buChar char="•"/>
+              </a:pPr>
+              <a:r>
+                <a:rPr lang="en-US" sz="1400" dirty="0" smtClean="0"/>
+                <a:t> Component </a:t>
+              </a:r>
+              <a:r>
+                <a:rPr lang="en-US" sz="1400" dirty="0" err="1" smtClean="0"/>
+                <a:t>Configurator</a:t>
+              </a:r>
+              <a:endParaRPr lang="en-US" sz="1400" dirty="0" smtClean="0"/>
+            </a:p>
+            <a:p>
+              <a:pPr lvl="0">
+                <a:buFont typeface="Arial" pitchFamily="34" charset="0"/>
+                <a:buChar char="•"/>
+              </a:pPr>
+              <a:r>
+                <a:rPr lang="en-US" sz="1400" dirty="0" smtClean="0"/>
+                <a:t> Extension </a:t>
+              </a:r>
+              <a:r>
+                <a:rPr lang="en-US" sz="1400" dirty="0" smtClean="0"/>
+                <a:t>Interface</a:t>
+              </a:r>
+              <a:endParaRPr lang="en-US" sz="1400" dirty="0"/>
+            </a:p>
+          </p:txBody>
+        </p:sp>
+        <p:sp>
+          <p:nvSpPr>
+            <p:cNvPr id="9" name="Textfeld 8"/>
+            <p:cNvSpPr txBox="1"/>
+            <p:nvPr/>
+          </p:nvSpPr>
+          <p:spPr>
+            <a:xfrm>
+              <a:off x="3491880" y="3212976"/>
+              <a:ext cx="4896544" cy="936104"/>
+            </a:xfrm>
+            <a:prstGeom prst="rect">
+              <a:avLst/>
+            </a:prstGeom>
+            <a:noFill/>
+          </p:spPr>
+          <p:txBody>
+            <a:bodyPr wrap="square" numCol="2" rtlCol="0" anchor="ctr" anchorCtr="0">
+              <a:normAutofit/>
+            </a:bodyPr>
+            <a:lstStyle/>
+            <a:p>
+              <a:pPr lvl="0">
+                <a:buFont typeface="Arial" pitchFamily="34" charset="0"/>
+                <a:buChar char="•"/>
+              </a:pPr>
+              <a:r>
+                <a:rPr lang="en-US" sz="1400" dirty="0" smtClean="0"/>
+                <a:t> Reactor</a:t>
+              </a:r>
+              <a:endParaRPr lang="en-US" sz="1400" dirty="0" smtClean="0"/>
+            </a:p>
+            <a:p>
+              <a:pPr lvl="0">
+                <a:buFont typeface="Arial" pitchFamily="34" charset="0"/>
+                <a:buChar char="•"/>
+              </a:pPr>
+              <a:r>
+                <a:rPr lang="en-US" sz="1400" dirty="0" smtClean="0"/>
+                <a:t> </a:t>
+              </a:r>
+              <a:r>
+                <a:rPr lang="en-US" sz="1400" dirty="0" err="1" smtClean="0"/>
+                <a:t>Proactor</a:t>
+              </a:r>
+              <a:endParaRPr lang="en-US" sz="1400" dirty="0" smtClean="0"/>
+            </a:p>
+            <a:p>
+              <a:pPr lvl="0">
+                <a:buFont typeface="Arial" pitchFamily="34" charset="0"/>
+                <a:buChar char="•"/>
+              </a:pPr>
+              <a:endParaRPr lang="en-US" sz="1400" dirty="0" smtClean="0"/>
+            </a:p>
+            <a:p>
+              <a:pPr lvl="0">
+                <a:buFont typeface="Arial" pitchFamily="34" charset="0"/>
+                <a:buChar char="•"/>
+              </a:pPr>
+              <a:r>
+                <a:rPr lang="en-US" sz="1400" dirty="0" smtClean="0"/>
+                <a:t> Asynchronous </a:t>
+              </a:r>
+              <a:br>
+                <a:rPr lang="en-US" sz="1400" dirty="0" smtClean="0"/>
+              </a:br>
+              <a:r>
+                <a:rPr lang="en-US" sz="1400" dirty="0" smtClean="0"/>
+                <a:t>  Completion </a:t>
+              </a:r>
+              <a:r>
+                <a:rPr lang="en-US" sz="1400" dirty="0" smtClean="0"/>
+                <a:t>Token</a:t>
+              </a:r>
+            </a:p>
+            <a:p>
+              <a:pPr lvl="0">
+                <a:buFont typeface="Arial" pitchFamily="34" charset="0"/>
+                <a:buChar char="•"/>
+              </a:pPr>
+              <a:r>
+                <a:rPr lang="en-US" sz="1400" dirty="0" smtClean="0"/>
+                <a:t> Acceptor-Connector</a:t>
+              </a:r>
+              <a:endParaRPr lang="en-US" sz="1400" dirty="0"/>
+            </a:p>
+          </p:txBody>
+        </p:sp>
+        <p:sp>
+          <p:nvSpPr>
+            <p:cNvPr id="10" name="Textfeld 9"/>
+            <p:cNvSpPr txBox="1"/>
+            <p:nvPr/>
+          </p:nvSpPr>
+          <p:spPr>
+            <a:xfrm>
+              <a:off x="3491880" y="4313192"/>
+              <a:ext cx="4896544" cy="936104"/>
+            </a:xfrm>
+            <a:prstGeom prst="rect">
+              <a:avLst/>
+            </a:prstGeom>
+            <a:noFill/>
+          </p:spPr>
+          <p:txBody>
+            <a:bodyPr wrap="square" numCol="2" rtlCol="0" anchor="ctr" anchorCtr="0">
+              <a:normAutofit/>
+            </a:bodyPr>
+            <a:lstStyle/>
+            <a:p>
+              <a:pPr lvl="0">
+                <a:buFont typeface="Arial" pitchFamily="34" charset="0"/>
+                <a:buChar char="•"/>
+              </a:pPr>
+              <a:r>
+                <a:rPr lang="en-US" sz="1400" dirty="0" smtClean="0"/>
+                <a:t> Scoped </a:t>
+              </a:r>
+              <a:r>
+                <a:rPr lang="en-US" sz="1400" dirty="0" smtClean="0"/>
+                <a:t>Locking</a:t>
+              </a:r>
+            </a:p>
+            <a:p>
+              <a:pPr lvl="0">
+                <a:buFont typeface="Arial" pitchFamily="34" charset="0"/>
+                <a:buChar char="•"/>
+              </a:pPr>
+              <a:r>
+                <a:rPr lang="en-US" sz="1400" dirty="0" smtClean="0"/>
+                <a:t> Strategized Locking</a:t>
+              </a:r>
+            </a:p>
+            <a:p>
+              <a:pPr lvl="0">
+                <a:buFont typeface="Arial" pitchFamily="34" charset="0"/>
+                <a:buChar char="•"/>
+              </a:pPr>
+              <a:endParaRPr lang="en-US" sz="1400" dirty="0" smtClean="0"/>
+            </a:p>
+            <a:p>
+              <a:pPr lvl="0">
+                <a:buFont typeface="Arial" pitchFamily="34" charset="0"/>
+                <a:buChar char="•"/>
+              </a:pPr>
+              <a:r>
+                <a:rPr lang="en-US" sz="1400" dirty="0" smtClean="0"/>
+                <a:t> Thread-Safe </a:t>
+              </a:r>
+              <a:r>
+                <a:rPr lang="en-US" sz="1400" dirty="0" smtClean="0"/>
+                <a:t>Interface</a:t>
+              </a:r>
+            </a:p>
+            <a:p>
+              <a:pPr lvl="0">
+                <a:buFont typeface="Arial" pitchFamily="34" charset="0"/>
+                <a:buChar char="•"/>
+              </a:pPr>
+              <a:r>
+                <a:rPr lang="en-US" sz="1400" dirty="0" smtClean="0"/>
+                <a:t> Double-Checked Locking</a:t>
+              </a:r>
+              <a:br>
+                <a:rPr lang="en-US" sz="1400" dirty="0" smtClean="0"/>
+              </a:br>
+              <a:r>
+                <a:rPr lang="en-US" sz="1400" dirty="0" smtClean="0"/>
+                <a:t>   Optimization</a:t>
+              </a:r>
+              <a:endParaRPr lang="en-US" sz="1400" dirty="0"/>
+            </a:p>
+          </p:txBody>
+        </p:sp>
+        <p:sp>
+          <p:nvSpPr>
+            <p:cNvPr id="11" name="Textfeld 10"/>
+            <p:cNvSpPr txBox="1"/>
+            <p:nvPr/>
+          </p:nvSpPr>
+          <p:spPr>
+            <a:xfrm>
+              <a:off x="3491880" y="5425128"/>
+              <a:ext cx="4896544" cy="936104"/>
+            </a:xfrm>
+            <a:prstGeom prst="rect">
+              <a:avLst/>
+            </a:prstGeom>
+            <a:noFill/>
+          </p:spPr>
+          <p:txBody>
+            <a:bodyPr wrap="square" numCol="2" rtlCol="0" anchor="ctr" anchorCtr="0">
+              <a:normAutofit/>
+            </a:bodyPr>
+            <a:lstStyle/>
+            <a:p>
+              <a:pPr lvl="0">
+                <a:buFont typeface="Arial" pitchFamily="34" charset="0"/>
+                <a:buChar char="•"/>
+              </a:pPr>
+              <a:r>
+                <a:rPr lang="en-US" sz="1400" dirty="0" smtClean="0"/>
+                <a:t> Active </a:t>
+              </a:r>
+              <a:r>
+                <a:rPr lang="en-US" sz="1400" dirty="0" smtClean="0"/>
+                <a:t>Object</a:t>
+              </a:r>
+            </a:p>
+            <a:p>
+              <a:pPr lvl="0">
+                <a:buFont typeface="Arial" pitchFamily="34" charset="0"/>
+                <a:buChar char="•"/>
+              </a:pPr>
+              <a:r>
+                <a:rPr lang="en-US" sz="1400" dirty="0" smtClean="0"/>
+                <a:t> Monitor </a:t>
+              </a:r>
+              <a:r>
+                <a:rPr lang="en-US" sz="1400" dirty="0" smtClean="0"/>
+                <a:t>Object</a:t>
+              </a:r>
+            </a:p>
+            <a:p>
+              <a:pPr lvl="0">
+                <a:buFont typeface="Arial" pitchFamily="34" charset="0"/>
+                <a:buChar char="•"/>
+              </a:pPr>
+              <a:r>
+                <a:rPr lang="en-US" sz="1400" dirty="0" smtClean="0"/>
+                <a:t> Half-Sync/Half-</a:t>
+              </a:r>
+              <a:r>
+                <a:rPr lang="en-US" sz="1400" dirty="0" err="1" smtClean="0"/>
+                <a:t>Async</a:t>
+              </a:r>
+              <a:endParaRPr lang="en-US" sz="1400" dirty="0" smtClean="0"/>
+            </a:p>
+            <a:p>
+              <a:pPr lvl="0">
+                <a:buFont typeface="Arial" pitchFamily="34" charset="0"/>
+                <a:buChar char="•"/>
+              </a:pPr>
+              <a:r>
+                <a:rPr lang="en-US" sz="1400" dirty="0" smtClean="0"/>
+                <a:t> Leader/Followers</a:t>
+              </a:r>
+              <a:endParaRPr lang="en-US" sz="1400" dirty="0" smtClean="0"/>
+            </a:p>
+            <a:p>
+              <a:pPr lvl="0">
+                <a:buFont typeface="Arial" pitchFamily="34" charset="0"/>
+                <a:buChar char="•"/>
+              </a:pPr>
+              <a:r>
+                <a:rPr lang="en-US" sz="1400" dirty="0" smtClean="0"/>
+                <a:t> Thread-Specific </a:t>
+              </a:r>
+              <a:r>
+                <a:rPr lang="en-US" sz="1400" dirty="0" smtClean="0"/>
+                <a:t>Storage</a:t>
+              </a:r>
+              <a:endParaRPr lang="en-US" sz="1400" dirty="0"/>
+            </a:p>
+          </p:txBody>
+        </p:sp>
+      </p:grpSp>
+    </p:spTree>
+  </p:cSld>
+  <p:clrMapOvr>
+    <a:masterClrMapping/>
+  </p:clrMapOvr>
+</p:sld>
+</file>
+
+<file path=ppt/slides/slide19.xml><?xml version="1.0" encoding="utf-8"?>
+<p:sld xmlns:a="http://schemas.openxmlformats.org/drawingml/2006/main" xmlns:r="http://schemas.openxmlformats.org/officeDocument/2006/relationships" xmlns:p="http://schemas.openxmlformats.org/presentationml/2006/main">
+  <p:cSld>
+    <p:spTree>
+      <p:nvGrpSpPr>
+        <p:cNvPr id="1" name=""/>
+        <p:cNvGrpSpPr/>
+        <p:nvPr/>
+      </p:nvGrpSpPr>
+      <p:grpSpPr>
+        <a:xfrm>
+          <a:off x="0" y="0"/>
+          <a:ext cx="0" cy="0"/>
+          <a:chOff x="0" y="0"/>
+          <a:chExt cx="0" cy="0"/>
+        </a:xfrm>
+      </p:grpSpPr>
+      <p:sp>
+        <p:nvSpPr>
+          <p:cNvPr id="2" name="Titel 1"/>
+          <p:cNvSpPr>
+            <a:spLocks noGrp="1"/>
+          </p:cNvSpPr>
+          <p:nvPr>
+            <p:ph type="title"/>
+          </p:nvPr>
+        </p:nvSpPr>
+        <p:spPr/>
+        <p:txBody>
+          <a:bodyPr>
+            <a:normAutofit/>
+          </a:bodyPr>
+          <a:lstStyle/>
+          <a:p>
+            <a:r>
+              <a:rPr lang="en-US" dirty="0" smtClean="0"/>
+              <a:t>Important </a:t>
+            </a:r>
+            <a:r>
+              <a:rPr lang="en-US" dirty="0" smtClean="0"/>
+              <a:t>Patterns</a:t>
+            </a:r>
+            <a:endParaRPr lang="en-US" dirty="0"/>
           </a:p>
         </p:txBody>
       </p:sp>
@@ -11603,116 +18778,256 @@
             <p:ph idx="1"/>
           </p:nvPr>
         </p:nvSpPr>
-        <p:spPr/>
+        <p:spPr>
+          <a:xfrm>
+            <a:off x="457200" y="2249424"/>
+            <a:ext cx="8219256" cy="4325112"/>
+          </a:xfrm>
+        </p:spPr>
         <p:txBody>
           <a:bodyPr/>
           <a:lstStyle/>
           <a:p>
             <a:r>
-              <a:rPr lang="en-US" smtClean="0"/>
-              <a:t>Christopher Alexander, </a:t>
+              <a:rPr lang="en-US" dirty="0" smtClean="0"/>
+              <a:t>Wrapper Facade</a:t>
+            </a:r>
+            <a:endParaRPr lang="en-US" dirty="0" smtClean="0"/>
+          </a:p>
+          <a:p>
+            <a:pPr lvl="2"/>
+            <a:r>
+              <a:rPr lang="en-US" dirty="0" smtClean="0">
+                <a:solidFill>
+                  <a:schemeClr val="accent2"/>
+                </a:solidFill>
+              </a:rPr>
+              <a:t>Encapsulate low-level functions </a:t>
             </a:r>
             <a:r>
-              <a:rPr lang="en-US" smtClean="0"/>
-              <a:t>Sara </a:t>
+              <a:rPr lang="en-US" dirty="0" smtClean="0">
+                <a:solidFill>
+                  <a:schemeClr val="accent2"/>
+                </a:solidFill>
+              </a:rPr>
+              <a:t>within OO class interfaces</a:t>
             </a:r>
+          </a:p>
+          <a:p>
+            <a:pPr lvl="2"/>
             <a:r>
-              <a:rPr lang="en-US" smtClean="0"/>
-              <a:t>Ishikawa</a:t>
+              <a:rPr lang="en-US" dirty="0" smtClean="0">
+                <a:solidFill>
+                  <a:schemeClr val="accent2"/>
+                </a:solidFill>
+              </a:rPr>
+              <a:t>Networking applications are often written using low-level functions.</a:t>
             </a:r>
+            <a:br>
+              <a:rPr lang="en-US" dirty="0" smtClean="0">
+                <a:solidFill>
+                  <a:schemeClr val="accent2"/>
+                </a:solidFill>
+              </a:rPr>
+            </a:br>
             <a:r>
-              <a:rPr lang="en-US" smtClean="0"/>
-              <a:t>, </a:t>
+              <a:rPr lang="en-US" dirty="0" smtClean="0">
+                <a:solidFill>
+                  <a:schemeClr val="accent2"/>
+                </a:solidFill>
+              </a:rPr>
+              <a:t>This leads to:</a:t>
             </a:r>
+          </a:p>
+          <a:p>
+            <a:pPr lvl="3"/>
             <a:r>
-              <a:rPr lang="en-US" smtClean="0"/>
-              <a:t>MurraySilverstein</a:t>
+              <a:rPr lang="en-US" dirty="0" smtClean="0">
+                <a:solidFill>
+                  <a:schemeClr val="accent2"/>
+                </a:solidFill>
+              </a:rPr>
+              <a:t>Non-robust programs</a:t>
             </a:r>
+          </a:p>
+          <a:p>
+            <a:pPr lvl="3"/>
             <a:r>
-              <a:rPr lang="en-US" smtClean="0"/>
-              <a:t>, Max </a:t>
+              <a:rPr lang="en-US" dirty="0" smtClean="0">
+                <a:solidFill>
+                  <a:schemeClr val="accent2"/>
+                </a:solidFill>
+              </a:rPr>
+              <a:t>Lack of portability</a:t>
             </a:r>
+          </a:p>
+          <a:p>
+            <a:pPr lvl="3"/>
             <a:r>
-              <a:rPr lang="en-US" smtClean="0"/>
-              <a:t>Jacobson</a:t>
+              <a:rPr lang="en-US" dirty="0" smtClean="0">
+                <a:solidFill>
+                  <a:schemeClr val="accent2"/>
+                </a:solidFill>
+              </a:rPr>
+              <a:t>High maintenance effort</a:t>
             </a:r>
-            <a:r>
-              <a:rPr lang="en-US" smtClean="0"/>
-              <a:t>, Ingrid </a:t>
-            </a:r>
-            <a:r>
-              <a:rPr lang="en-US" smtClean="0"/>
-              <a:t>Fiksdahl-King</a:t>
-            </a:r>
-            <a:r>
-              <a:rPr lang="en-US" smtClean="0"/>
-              <a:t>, and Shlomo </a:t>
-            </a:r>
-            <a:r>
-              <a:rPr lang="en-US" smtClean="0"/>
-              <a:t>Angel.</a:t>
-            </a:r>
-            <a:r>
-              <a:rPr lang="en-US" i="1" smtClean="0"/>
-              <a:t>A Pattern </a:t>
-            </a:r>
-            <a:r>
-              <a:rPr lang="en-US" i="1" smtClean="0"/>
-              <a:t>Language</a:t>
-            </a:r>
-            <a:r>
-              <a:rPr lang="en-US" i="1" smtClean="0"/>
-              <a:t>. Oxford University </a:t>
-            </a:r>
-            <a:r>
-              <a:rPr lang="en-US" smtClean="0"/>
-              <a:t>Press</a:t>
-            </a:r>
-            <a:r>
-              <a:rPr lang="en-US" smtClean="0"/>
-              <a:t>, </a:t>
-            </a:r>
-            <a:r>
-              <a:rPr lang="en-US" smtClean="0"/>
-              <a:t>NewYork</a:t>
-            </a:r>
-            <a:r>
-              <a:rPr lang="en-US" smtClean="0"/>
-              <a:t>, </a:t>
-            </a:r>
-            <a:r>
-              <a:rPr lang="en-US" smtClean="0"/>
-              <a:t>1977.</a:t>
-            </a:r>
-            <a:endParaRPr lang="en-US" smtClean="0"/>
-          </a:p>
-          <a:p>
-            <a:r>
-              <a:rPr lang="en-US" smtClean="0"/>
-              <a:t>All others are in the </a:t>
-            </a:r>
-            <a:r>
-              <a:rPr lang="en-US" smtClean="0"/>
-              <a:t>file</a:t>
-            </a:r>
-            <a:r>
-              <a:rPr lang="en-US" smtClean="0"/>
-              <a:t>: </a:t>
-            </a:r>
-            <a:r>
-              <a:rPr lang="en-US" sz="2400" smtClean="0">
-                <a:latin typeface="Bell MT" pitchFamily="18" charset="0"/>
-                <a:cs typeface="Arial" pitchFamily="34" charset="0"/>
-              </a:rPr>
-              <a:t>Presentation/Outline.docx</a:t>
-            </a:r>
-            <a:endParaRPr lang="en-US">
-              <a:latin typeface="Bell MT" pitchFamily="18" charset="0"/>
-              <a:cs typeface="Arial" pitchFamily="34" charset="0"/>
-            </a:endParaRPr>
           </a:p>
         </p:txBody>
       </p:sp>
+      <p:pic>
+        <p:nvPicPr>
+          <p:cNvPr id="1026" name="Picture 2"/>
+          <p:cNvPicPr>
+            <a:picLocks noChangeAspect="1" noChangeArrowheads="1"/>
+          </p:cNvPicPr>
+          <p:nvPr/>
+        </p:nvPicPr>
+        <p:blipFill>
+          <a:blip r:embed="rId2" cstate="print"/>
+          <a:srcRect/>
+          <a:stretch>
+            <a:fillRect/>
+          </a:stretch>
+        </p:blipFill>
+        <p:spPr bwMode="auto">
+          <a:xfrm>
+            <a:off x="5004048" y="4293096"/>
+            <a:ext cx="4000500" cy="1266825"/>
+          </a:xfrm>
+          <a:prstGeom prst="rect">
+            <a:avLst/>
+          </a:prstGeom>
+          <a:noFill/>
+          <a:ln w="9525">
+            <a:noFill/>
+            <a:miter lim="800000"/>
+            <a:headEnd/>
+            <a:tailEnd/>
+          </a:ln>
+        </p:spPr>
+      </p:pic>
+      <p:grpSp>
+        <p:nvGrpSpPr>
+          <p:cNvPr id="5" name="Gruppieren 4"/>
+          <p:cNvGrpSpPr/>
+          <p:nvPr/>
+        </p:nvGrpSpPr>
+        <p:grpSpPr>
+          <a:xfrm>
+            <a:off x="6156176" y="692696"/>
+            <a:ext cx="2877439" cy="1047632"/>
+            <a:chOff x="0" y="2178"/>
+            <a:chExt cx="2877439" cy="1047632"/>
+          </a:xfrm>
+          <a:scene3d>
+            <a:camera prst="orthographicFront"/>
+            <a:lightRig rig="flat" dir="t"/>
+          </a:scene3d>
+        </p:grpSpPr>
+        <p:sp>
+          <p:nvSpPr>
+            <p:cNvPr id="6" name="Abgerundetes Rechteck 5"/>
+            <p:cNvSpPr/>
+            <p:nvPr/>
+          </p:nvSpPr>
+          <p:spPr>
+            <a:xfrm>
+              <a:off x="0" y="2178"/>
+              <a:ext cx="2877439" cy="1047632"/>
+            </a:xfrm>
+            <a:prstGeom prst="roundRect">
+              <a:avLst/>
+            </a:prstGeom>
+            <a:sp3d prstMaterial="dkEdge">
+              <a:bevelT w="8200" h="38100"/>
+            </a:sp3d>
+          </p:spPr>
+          <p:style>
+            <a:lnRef idx="0">
+              <a:schemeClr val="lt1">
+                <a:hueOff val="0"/>
+                <a:satOff val="0"/>
+                <a:lumOff val="0"/>
+                <a:alphaOff val="0"/>
+              </a:schemeClr>
+            </a:lnRef>
+            <a:fillRef idx="2">
+              <a:schemeClr val="accent2">
+                <a:hueOff val="0"/>
+                <a:satOff val="0"/>
+                <a:lumOff val="0"/>
+                <a:alphaOff val="0"/>
+              </a:schemeClr>
+            </a:fillRef>
+            <a:effectRef idx="1">
+              <a:schemeClr val="accent2">
+                <a:hueOff val="0"/>
+                <a:satOff val="0"/>
+                <a:lumOff val="0"/>
+                <a:alphaOff val="0"/>
+              </a:schemeClr>
+            </a:effectRef>
+            <a:fontRef idx="minor">
+              <a:schemeClr val="dk1"/>
+            </a:fontRef>
+          </p:style>
+        </p:sp>
+        <p:sp>
+          <p:nvSpPr>
+            <p:cNvPr id="7" name="Abgerundetes Rechteck 4"/>
+            <p:cNvSpPr/>
+            <p:nvPr/>
+          </p:nvSpPr>
+          <p:spPr>
+            <a:xfrm>
+              <a:off x="51141" y="53319"/>
+              <a:ext cx="2775157" cy="945350"/>
+            </a:xfrm>
+            <a:prstGeom prst="rect">
+              <a:avLst/>
+            </a:prstGeom>
+            <a:sp3d/>
+          </p:spPr>
+          <p:style>
+            <a:lnRef idx="0">
+              <a:scrgbClr r="0" g="0" b="0"/>
+            </a:lnRef>
+            <a:fillRef idx="0">
+              <a:scrgbClr r="0" g="0" b="0"/>
+            </a:fillRef>
+            <a:effectRef idx="0">
+              <a:scrgbClr r="0" g="0" b="0"/>
+            </a:effectRef>
+            <a:fontRef idx="minor">
+              <a:schemeClr val="dk1"/>
+            </a:fontRef>
+          </p:style>
+          <p:txBody>
+            <a:bodyPr spcFirstLastPara="0" vert="horz" wrap="square" lIns="83820" tIns="41910" rIns="83820" bIns="41910" numCol="1" spcCol="1270" anchor="ctr" anchorCtr="0">
+              <a:noAutofit/>
+            </a:bodyPr>
+            <a:lstStyle/>
+            <a:p>
+              <a:pPr lvl="0" algn="ctr" defTabSz="977900">
+                <a:lnSpc>
+                  <a:spcPct val="90000"/>
+                </a:lnSpc>
+                <a:spcBef>
+                  <a:spcPct val="0"/>
+                </a:spcBef>
+                <a:spcAft>
+                  <a:spcPct val="35000"/>
+                </a:spcAft>
+              </a:pPr>
+              <a:r>
+                <a:rPr lang="en-US" sz="2200" kern="1200" noProof="0" dirty="0" smtClean="0"/>
+                <a:t>Service Access and Configuration Patterns</a:t>
+              </a:r>
+              <a:endParaRPr lang="en-US" sz="2200" kern="1200" noProof="0" dirty="0"/>
+            </a:p>
+          </p:txBody>
+        </p:sp>
+      </p:grpSp>
     </p:spTree>
   </p:cSld>
   <p:clrMapOvr>
@@ -11854,6 +19169,1274 @@
               <a:t>Hands-On</a:t>
             </a:r>
             <a:endParaRPr lang="de-DE" dirty="0"/>
+          </a:p>
+        </p:txBody>
+      </p:sp>
+    </p:spTree>
+  </p:cSld>
+  <p:clrMapOvr>
+    <a:masterClrMapping/>
+  </p:clrMapOvr>
+  <p:timing>
+    <p:tnLst>
+      <p:par>
+        <p:cTn id="1" dur="indefinite" restart="never" nodeType="tmRoot"/>
+      </p:par>
+    </p:tnLst>
+  </p:timing>
+</p:sld>
+</file>
+
+<file path=ppt/slides/slide20.xml><?xml version="1.0" encoding="utf-8"?>
+<p:sld xmlns:a="http://schemas.openxmlformats.org/drawingml/2006/main" xmlns:r="http://schemas.openxmlformats.org/officeDocument/2006/relationships" xmlns:p="http://schemas.openxmlformats.org/presentationml/2006/main">
+  <p:cSld>
+    <p:spTree>
+      <p:nvGrpSpPr>
+        <p:cNvPr id="1" name=""/>
+        <p:cNvGrpSpPr/>
+        <p:nvPr/>
+      </p:nvGrpSpPr>
+      <p:grpSpPr>
+        <a:xfrm>
+          <a:off x="0" y="0"/>
+          <a:ext cx="0" cy="0"/>
+          <a:chOff x="0" y="0"/>
+          <a:chExt cx="0" cy="0"/>
+        </a:xfrm>
+      </p:grpSpPr>
+      <p:sp>
+        <p:nvSpPr>
+          <p:cNvPr id="2" name="Titel 1"/>
+          <p:cNvSpPr>
+            <a:spLocks noGrp="1"/>
+          </p:cNvSpPr>
+          <p:nvPr>
+            <p:ph type="title"/>
+          </p:nvPr>
+        </p:nvSpPr>
+        <p:spPr/>
+        <p:txBody>
+          <a:bodyPr>
+            <a:normAutofit/>
+          </a:bodyPr>
+          <a:lstStyle/>
+          <a:p>
+            <a:r>
+              <a:rPr lang="en-US" dirty="0" smtClean="0"/>
+              <a:t>Important </a:t>
+            </a:r>
+            <a:r>
+              <a:rPr lang="en-US" dirty="0" smtClean="0"/>
+              <a:t>Patterns</a:t>
+            </a:r>
+            <a:endParaRPr lang="en-US" dirty="0"/>
+          </a:p>
+        </p:txBody>
+      </p:sp>
+      <p:sp>
+        <p:nvSpPr>
+          <p:cNvPr id="3" name="Inhaltsplatzhalter 2"/>
+          <p:cNvSpPr>
+            <a:spLocks noGrp="1"/>
+          </p:cNvSpPr>
+          <p:nvPr>
+            <p:ph idx="1"/>
+          </p:nvPr>
+        </p:nvSpPr>
+        <p:spPr>
+          <a:xfrm>
+            <a:off x="457200" y="2249424"/>
+            <a:ext cx="8219256" cy="4325112"/>
+          </a:xfrm>
+        </p:spPr>
+        <p:txBody>
+          <a:bodyPr>
+            <a:normAutofit fontScale="92500"/>
+          </a:bodyPr>
+          <a:lstStyle/>
+          <a:p>
+            <a:r>
+              <a:rPr lang="en-US" dirty="0" smtClean="0"/>
+              <a:t>Reactor / Dispatcher</a:t>
+            </a:r>
+          </a:p>
+          <a:p>
+            <a:pPr lvl="2"/>
+            <a:r>
+              <a:rPr lang="en-US" dirty="0" smtClean="0">
+                <a:solidFill>
+                  <a:schemeClr val="accent3"/>
+                </a:solidFill>
+              </a:rPr>
+              <a:t>Handles concurrently arriving events in an synchronous way</a:t>
+            </a:r>
+          </a:p>
+          <a:p>
+            <a:pPr lvl="2"/>
+            <a:r>
+              <a:rPr lang="en-US" dirty="0" smtClean="0">
+                <a:solidFill>
+                  <a:schemeClr val="accent3"/>
+                </a:solidFill>
+              </a:rPr>
+              <a:t>Avoids the creation of a thread for each incoming request</a:t>
+            </a:r>
+            <a:br>
+              <a:rPr lang="en-US" dirty="0" smtClean="0">
+                <a:solidFill>
+                  <a:schemeClr val="accent3"/>
+                </a:solidFill>
+              </a:rPr>
+            </a:br>
+            <a:r>
+              <a:rPr lang="en-US" dirty="0" smtClean="0">
+                <a:solidFill>
+                  <a:schemeClr val="accent3"/>
+                </a:solidFill>
+              </a:rPr>
+              <a:t>=&gt; application only needs one thread for handling concurrently arriving events</a:t>
+            </a:r>
+          </a:p>
+          <a:p>
+            <a:pPr lvl="2"/>
+            <a:r>
+              <a:rPr lang="en-US" dirty="0" smtClean="0">
+                <a:solidFill>
+                  <a:schemeClr val="accent3"/>
+                </a:solidFill>
+              </a:rPr>
+              <a:t>Separation of </a:t>
+            </a:r>
+            <a:r>
+              <a:rPr lang="en-US" dirty="0" err="1" smtClean="0">
+                <a:solidFill>
+                  <a:schemeClr val="accent3"/>
+                </a:solidFill>
+              </a:rPr>
+              <a:t>demultiplexing</a:t>
+            </a:r>
+            <a:r>
+              <a:rPr lang="en-US" dirty="0" smtClean="0">
+                <a:solidFill>
+                  <a:schemeClr val="accent3"/>
+                </a:solidFill>
+              </a:rPr>
+              <a:t> and handling of the events</a:t>
+            </a:r>
+          </a:p>
+          <a:p>
+            <a:pPr lvl="2"/>
+            <a:r>
+              <a:rPr lang="en-US" dirty="0" smtClean="0">
+                <a:solidFill>
+                  <a:schemeClr val="accent3"/>
+                </a:solidFill>
+              </a:rPr>
+              <a:t>Simple integration of new or improved services/handlers</a:t>
+            </a:r>
+          </a:p>
+          <a:p>
+            <a:pPr lvl="2"/>
+            <a:r>
+              <a:rPr lang="en-US" dirty="0" smtClean="0">
+                <a:solidFill>
+                  <a:schemeClr val="accent3"/>
+                </a:solidFill>
+              </a:rPr>
+              <a:t>Java AWT listener concept is similar to the Reactor pattern</a:t>
+            </a:r>
+          </a:p>
+          <a:p>
+            <a:r>
+              <a:rPr lang="en-US" dirty="0" err="1" smtClean="0"/>
+              <a:t>Proactor</a:t>
+            </a:r>
+            <a:r>
+              <a:rPr lang="en-US" dirty="0" smtClean="0"/>
+              <a:t> is an asynchronous variant of the Reactor</a:t>
+            </a:r>
+          </a:p>
+        </p:txBody>
+      </p:sp>
+      <p:grpSp>
+        <p:nvGrpSpPr>
+          <p:cNvPr id="5" name="Gruppieren 4"/>
+          <p:cNvGrpSpPr/>
+          <p:nvPr/>
+        </p:nvGrpSpPr>
+        <p:grpSpPr>
+          <a:xfrm>
+            <a:off x="6159057" y="692696"/>
+            <a:ext cx="2877439" cy="1047632"/>
+            <a:chOff x="0" y="1102192"/>
+            <a:chExt cx="2877439" cy="1047632"/>
+          </a:xfrm>
+          <a:scene3d>
+            <a:camera prst="orthographicFront"/>
+            <a:lightRig rig="flat" dir="t"/>
+          </a:scene3d>
+        </p:grpSpPr>
+        <p:sp>
+          <p:nvSpPr>
+            <p:cNvPr id="6" name="Abgerundetes Rechteck 5"/>
+            <p:cNvSpPr/>
+            <p:nvPr/>
+          </p:nvSpPr>
+          <p:spPr>
+            <a:xfrm>
+              <a:off x="0" y="1102192"/>
+              <a:ext cx="2877439" cy="1047632"/>
+            </a:xfrm>
+            <a:prstGeom prst="roundRect">
+              <a:avLst/>
+            </a:prstGeom>
+            <a:sp3d prstMaterial="dkEdge">
+              <a:bevelT w="8200" h="38100"/>
+            </a:sp3d>
+          </p:spPr>
+          <p:style>
+            <a:lnRef idx="0">
+              <a:schemeClr val="lt1">
+                <a:hueOff val="0"/>
+                <a:satOff val="0"/>
+                <a:lumOff val="0"/>
+                <a:alphaOff val="0"/>
+              </a:schemeClr>
+            </a:lnRef>
+            <a:fillRef idx="2">
+              <a:schemeClr val="accent3">
+                <a:hueOff val="0"/>
+                <a:satOff val="0"/>
+                <a:lumOff val="0"/>
+                <a:alphaOff val="0"/>
+              </a:schemeClr>
+            </a:fillRef>
+            <a:effectRef idx="1">
+              <a:schemeClr val="accent3">
+                <a:hueOff val="0"/>
+                <a:satOff val="0"/>
+                <a:lumOff val="0"/>
+                <a:alphaOff val="0"/>
+              </a:schemeClr>
+            </a:effectRef>
+            <a:fontRef idx="minor">
+              <a:schemeClr val="dk1"/>
+            </a:fontRef>
+          </p:style>
+        </p:sp>
+        <p:sp>
+          <p:nvSpPr>
+            <p:cNvPr id="7" name="Abgerundetes Rechteck 4"/>
+            <p:cNvSpPr/>
+            <p:nvPr/>
+          </p:nvSpPr>
+          <p:spPr>
+            <a:xfrm>
+              <a:off x="51141" y="1153333"/>
+              <a:ext cx="2775157" cy="945350"/>
+            </a:xfrm>
+            <a:prstGeom prst="rect">
+              <a:avLst/>
+            </a:prstGeom>
+            <a:sp3d/>
+          </p:spPr>
+          <p:style>
+            <a:lnRef idx="0">
+              <a:scrgbClr r="0" g="0" b="0"/>
+            </a:lnRef>
+            <a:fillRef idx="0">
+              <a:scrgbClr r="0" g="0" b="0"/>
+            </a:fillRef>
+            <a:effectRef idx="0">
+              <a:scrgbClr r="0" g="0" b="0"/>
+            </a:effectRef>
+            <a:fontRef idx="minor">
+              <a:schemeClr val="dk1"/>
+            </a:fontRef>
+          </p:style>
+          <p:txBody>
+            <a:bodyPr spcFirstLastPara="0" vert="horz" wrap="square" lIns="83820" tIns="41910" rIns="83820" bIns="41910" numCol="1" spcCol="1270" anchor="ctr" anchorCtr="0">
+              <a:noAutofit/>
+            </a:bodyPr>
+            <a:lstStyle/>
+            <a:p>
+              <a:pPr lvl="0" algn="ctr" defTabSz="977900">
+                <a:lnSpc>
+                  <a:spcPct val="90000"/>
+                </a:lnSpc>
+                <a:spcBef>
+                  <a:spcPct val="0"/>
+                </a:spcBef>
+                <a:spcAft>
+                  <a:spcPct val="35000"/>
+                </a:spcAft>
+              </a:pPr>
+              <a:r>
+                <a:rPr lang="en-US" sz="2200" kern="1200" noProof="0" dirty="0" smtClean="0"/>
+                <a:t>Event Handling Patterns</a:t>
+              </a:r>
+              <a:endParaRPr lang="en-US" sz="2200" kern="1200" noProof="0" dirty="0"/>
+            </a:p>
+          </p:txBody>
+        </p:sp>
+      </p:grpSp>
+    </p:spTree>
+  </p:cSld>
+  <p:clrMapOvr>
+    <a:masterClrMapping/>
+  </p:clrMapOvr>
+  <p:timing>
+    <p:tnLst>
+      <p:par>
+        <p:cTn id="1" dur="indefinite" restart="never" nodeType="tmRoot"/>
+      </p:par>
+    </p:tnLst>
+  </p:timing>
+</p:sld>
+</file>
+
+<file path=ppt/slides/slide21.xml><?xml version="1.0" encoding="utf-8"?>
+<p:sld xmlns:a="http://schemas.openxmlformats.org/drawingml/2006/main" xmlns:r="http://schemas.openxmlformats.org/officeDocument/2006/relationships" xmlns:p="http://schemas.openxmlformats.org/presentationml/2006/main">
+  <p:cSld>
+    <p:spTree>
+      <p:nvGrpSpPr>
+        <p:cNvPr id="1" name=""/>
+        <p:cNvGrpSpPr/>
+        <p:nvPr/>
+      </p:nvGrpSpPr>
+      <p:grpSpPr>
+        <a:xfrm>
+          <a:off x="0" y="0"/>
+          <a:ext cx="0" cy="0"/>
+          <a:chOff x="0" y="0"/>
+          <a:chExt cx="0" cy="0"/>
+        </a:xfrm>
+      </p:grpSpPr>
+      <p:sp>
+        <p:nvSpPr>
+          <p:cNvPr id="2" name="Titel 1"/>
+          <p:cNvSpPr>
+            <a:spLocks noGrp="1"/>
+          </p:cNvSpPr>
+          <p:nvPr>
+            <p:ph type="title"/>
+          </p:nvPr>
+        </p:nvSpPr>
+        <p:spPr/>
+        <p:txBody>
+          <a:bodyPr>
+            <a:normAutofit/>
+          </a:bodyPr>
+          <a:lstStyle/>
+          <a:p>
+            <a:r>
+              <a:rPr lang="en-US" dirty="0" smtClean="0"/>
+              <a:t>Important </a:t>
+            </a:r>
+            <a:r>
+              <a:rPr lang="en-US" dirty="0" smtClean="0"/>
+              <a:t>Patterns</a:t>
+            </a:r>
+            <a:endParaRPr lang="en-US" dirty="0"/>
+          </a:p>
+        </p:txBody>
+      </p:sp>
+      <p:sp>
+        <p:nvSpPr>
+          <p:cNvPr id="3" name="Inhaltsplatzhalter 2"/>
+          <p:cNvSpPr>
+            <a:spLocks noGrp="1"/>
+          </p:cNvSpPr>
+          <p:nvPr>
+            <p:ph idx="1"/>
+          </p:nvPr>
+        </p:nvSpPr>
+        <p:spPr>
+          <a:xfrm>
+            <a:off x="457200" y="2249424"/>
+            <a:ext cx="8219256" cy="4325112"/>
+          </a:xfrm>
+        </p:spPr>
+        <p:txBody>
+          <a:bodyPr/>
+          <a:lstStyle/>
+          <a:p>
+            <a:r>
+              <a:rPr lang="en-US" dirty="0" smtClean="0"/>
+              <a:t>Double-Checked </a:t>
+            </a:r>
+            <a:r>
+              <a:rPr lang="en-US" dirty="0" smtClean="0"/>
+              <a:t>Locking Optimization</a:t>
+            </a:r>
+          </a:p>
+          <a:p>
+            <a:pPr lvl="2"/>
+            <a:r>
+              <a:rPr lang="en-US" dirty="0" smtClean="0">
+                <a:solidFill>
+                  <a:schemeClr val="accent4"/>
+                </a:solidFill>
+              </a:rPr>
+              <a:t>Applicable if a critical section of code must acquire locks in a thread-safe manner just once during program execution</a:t>
+            </a:r>
+          </a:p>
+          <a:p>
+            <a:pPr lvl="2"/>
+            <a:r>
+              <a:rPr lang="en-US" dirty="0" smtClean="0">
+                <a:solidFill>
+                  <a:schemeClr val="accent4"/>
+                </a:solidFill>
+              </a:rPr>
+              <a:t>It reduces locking and synchronization overhead</a:t>
+            </a:r>
+          </a:p>
+          <a:p>
+            <a:pPr lvl="2"/>
+            <a:r>
+              <a:rPr lang="en-US" dirty="0" smtClean="0">
+                <a:solidFill>
+                  <a:schemeClr val="accent4"/>
+                </a:solidFill>
+              </a:rPr>
+              <a:t>Best example: Singleton in a multi-threaded environment</a:t>
+            </a:r>
+          </a:p>
+        </p:txBody>
+      </p:sp>
+      <p:grpSp>
+        <p:nvGrpSpPr>
+          <p:cNvPr id="5" name="Gruppieren 4"/>
+          <p:cNvGrpSpPr/>
+          <p:nvPr/>
+        </p:nvGrpSpPr>
+        <p:grpSpPr>
+          <a:xfrm>
+            <a:off x="6156176" y="692696"/>
+            <a:ext cx="2877439" cy="1047632"/>
+            <a:chOff x="0" y="2202206"/>
+            <a:chExt cx="2877439" cy="1047632"/>
+          </a:xfrm>
+          <a:scene3d>
+            <a:camera prst="orthographicFront"/>
+            <a:lightRig rig="flat" dir="t"/>
+          </a:scene3d>
+        </p:grpSpPr>
+        <p:sp>
+          <p:nvSpPr>
+            <p:cNvPr id="6" name="Abgerundetes Rechteck 5"/>
+            <p:cNvSpPr/>
+            <p:nvPr/>
+          </p:nvSpPr>
+          <p:spPr>
+            <a:xfrm>
+              <a:off x="0" y="2202206"/>
+              <a:ext cx="2877439" cy="1047632"/>
+            </a:xfrm>
+            <a:prstGeom prst="roundRect">
+              <a:avLst/>
+            </a:prstGeom>
+            <a:sp3d prstMaterial="dkEdge">
+              <a:bevelT w="8200" h="38100"/>
+            </a:sp3d>
+          </p:spPr>
+          <p:style>
+            <a:lnRef idx="0">
+              <a:schemeClr val="lt1">
+                <a:hueOff val="0"/>
+                <a:satOff val="0"/>
+                <a:lumOff val="0"/>
+                <a:alphaOff val="0"/>
+              </a:schemeClr>
+            </a:lnRef>
+            <a:fillRef idx="2">
+              <a:schemeClr val="accent4">
+                <a:hueOff val="0"/>
+                <a:satOff val="0"/>
+                <a:lumOff val="0"/>
+                <a:alphaOff val="0"/>
+              </a:schemeClr>
+            </a:fillRef>
+            <a:effectRef idx="1">
+              <a:schemeClr val="accent4">
+                <a:hueOff val="0"/>
+                <a:satOff val="0"/>
+                <a:lumOff val="0"/>
+                <a:alphaOff val="0"/>
+              </a:schemeClr>
+            </a:effectRef>
+            <a:fontRef idx="minor">
+              <a:schemeClr val="dk1"/>
+            </a:fontRef>
+          </p:style>
+        </p:sp>
+        <p:sp>
+          <p:nvSpPr>
+            <p:cNvPr id="7" name="Abgerundetes Rechteck 4"/>
+            <p:cNvSpPr/>
+            <p:nvPr/>
+          </p:nvSpPr>
+          <p:spPr>
+            <a:xfrm>
+              <a:off x="51141" y="2253347"/>
+              <a:ext cx="2775157" cy="945350"/>
+            </a:xfrm>
+            <a:prstGeom prst="rect">
+              <a:avLst/>
+            </a:prstGeom>
+            <a:sp3d/>
+          </p:spPr>
+          <p:style>
+            <a:lnRef idx="0">
+              <a:scrgbClr r="0" g="0" b="0"/>
+            </a:lnRef>
+            <a:fillRef idx="0">
+              <a:scrgbClr r="0" g="0" b="0"/>
+            </a:fillRef>
+            <a:effectRef idx="0">
+              <a:scrgbClr r="0" g="0" b="0"/>
+            </a:effectRef>
+            <a:fontRef idx="minor">
+              <a:schemeClr val="dk1"/>
+            </a:fontRef>
+          </p:style>
+          <p:txBody>
+            <a:bodyPr spcFirstLastPara="0" vert="horz" wrap="square" lIns="83820" tIns="41910" rIns="83820" bIns="41910" numCol="1" spcCol="1270" anchor="ctr" anchorCtr="0">
+              <a:noAutofit/>
+            </a:bodyPr>
+            <a:lstStyle/>
+            <a:p>
+              <a:pPr lvl="0" algn="ctr" defTabSz="977900">
+                <a:lnSpc>
+                  <a:spcPct val="90000"/>
+                </a:lnSpc>
+                <a:spcBef>
+                  <a:spcPct val="0"/>
+                </a:spcBef>
+                <a:spcAft>
+                  <a:spcPct val="35000"/>
+                </a:spcAft>
+              </a:pPr>
+              <a:r>
+                <a:rPr lang="en-US" sz="2200" kern="1200" noProof="0" dirty="0" smtClean="0"/>
+                <a:t>Synchronization Patterns</a:t>
+              </a:r>
+              <a:endParaRPr lang="en-US" sz="2200" kern="1200" noProof="0" dirty="0"/>
+            </a:p>
+          </p:txBody>
+        </p:sp>
+      </p:grpSp>
+    </p:spTree>
+  </p:cSld>
+  <p:clrMapOvr>
+    <a:masterClrMapping/>
+  </p:clrMapOvr>
+  <p:timing>
+    <p:tnLst>
+      <p:par>
+        <p:cTn id="1" dur="indefinite" restart="never" nodeType="tmRoot"/>
+      </p:par>
+    </p:tnLst>
+  </p:timing>
+</p:sld>
+</file>
+
+<file path=ppt/slides/slide22.xml><?xml version="1.0" encoding="utf-8"?>
+<p:sld xmlns:a="http://schemas.openxmlformats.org/drawingml/2006/main" xmlns:r="http://schemas.openxmlformats.org/officeDocument/2006/relationships" xmlns:p="http://schemas.openxmlformats.org/presentationml/2006/main">
+  <p:cSld>
+    <p:spTree>
+      <p:nvGrpSpPr>
+        <p:cNvPr id="1" name=""/>
+        <p:cNvGrpSpPr/>
+        <p:nvPr/>
+      </p:nvGrpSpPr>
+      <p:grpSpPr>
+        <a:xfrm>
+          <a:off x="0" y="0"/>
+          <a:ext cx="0" cy="0"/>
+          <a:chOff x="0" y="0"/>
+          <a:chExt cx="0" cy="0"/>
+        </a:xfrm>
+      </p:grpSpPr>
+      <p:sp>
+        <p:nvSpPr>
+          <p:cNvPr id="6" name="Titel 5"/>
+          <p:cNvSpPr>
+            <a:spLocks noGrp="1"/>
+          </p:cNvSpPr>
+          <p:nvPr>
+            <p:ph type="title"/>
+          </p:nvPr>
+        </p:nvSpPr>
+        <p:spPr/>
+        <p:txBody>
+          <a:bodyPr/>
+          <a:lstStyle/>
+          <a:p>
+            <a:endParaRPr lang="de-DE"/>
+          </a:p>
+        </p:txBody>
+      </p:sp>
+      <p:sp>
+        <p:nvSpPr>
+          <p:cNvPr id="7" name="Inhaltsplatzhalter 6"/>
+          <p:cNvSpPr>
+            <a:spLocks noGrp="1"/>
+          </p:cNvSpPr>
+          <p:nvPr>
+            <p:ph idx="1"/>
+          </p:nvPr>
+        </p:nvSpPr>
+        <p:spPr/>
+        <p:txBody>
+          <a:bodyPr/>
+          <a:lstStyle/>
+          <a:p>
+            <a:endParaRPr lang="de-DE" dirty="0"/>
+          </a:p>
+        </p:txBody>
+      </p:sp>
+      <p:sp>
+        <p:nvSpPr>
+          <p:cNvPr id="9" name="Rechteck 8"/>
+          <p:cNvSpPr/>
+          <p:nvPr/>
+        </p:nvSpPr>
+        <p:spPr>
+          <a:xfrm>
+            <a:off x="0" y="0"/>
+            <a:ext cx="9144000" cy="6858000"/>
+          </a:xfrm>
+          <a:prstGeom prst="rect">
+            <a:avLst/>
+          </a:prstGeom>
+          <a:solidFill>
+            <a:schemeClr val="tx1"/>
+          </a:solidFill>
+          <a:ln>
+            <a:solidFill>
+              <a:schemeClr val="tx1"/>
+            </a:solidFill>
+          </a:ln>
+        </p:spPr>
+        <p:style>
+          <a:lnRef idx="2">
+            <a:schemeClr val="accent1">
+              <a:shade val="50000"/>
+            </a:schemeClr>
+          </a:lnRef>
+          <a:fillRef idx="1">
+            <a:schemeClr val="accent1"/>
+          </a:fillRef>
+          <a:effectRef idx="0">
+            <a:schemeClr val="accent1"/>
+          </a:effectRef>
+          <a:fontRef idx="minor">
+            <a:schemeClr val="lt1"/>
+          </a:fontRef>
+        </p:style>
+        <p:txBody>
+          <a:bodyPr rtlCol="0" anchor="ctr"/>
+          <a:lstStyle/>
+          <a:p>
+            <a:pPr algn="ctr"/>
+            <a:endParaRPr lang="de-DE"/>
+          </a:p>
+        </p:txBody>
+      </p:sp>
+      <p:pic>
+        <p:nvPicPr>
+          <p:cNvPr id="27649" name="Picture 1"/>
+          <p:cNvPicPr>
+            <a:picLocks noChangeAspect="1" noChangeArrowheads="1"/>
+          </p:cNvPicPr>
+          <p:nvPr/>
+        </p:nvPicPr>
+        <p:blipFill>
+          <a:blip r:embed="rId2" cstate="print"/>
+          <a:srcRect/>
+          <a:stretch>
+            <a:fillRect/>
+          </a:stretch>
+        </p:blipFill>
+        <p:spPr bwMode="auto">
+          <a:xfrm>
+            <a:off x="1475656" y="188640"/>
+            <a:ext cx="5924550" cy="6419850"/>
+          </a:xfrm>
+          <a:prstGeom prst="rect">
+            <a:avLst/>
+          </a:prstGeom>
+          <a:noFill/>
+          <a:ln w="9525">
+            <a:noFill/>
+            <a:miter lim="800000"/>
+            <a:headEnd/>
+            <a:tailEnd/>
+          </a:ln>
+        </p:spPr>
+      </p:pic>
+    </p:spTree>
+  </p:cSld>
+  <p:clrMapOvr>
+    <a:masterClrMapping/>
+  </p:clrMapOvr>
+  <p:timing>
+    <p:tnLst>
+      <p:par>
+        <p:cTn id="1" dur="indefinite" restart="never" nodeType="tmRoot"/>
+      </p:par>
+    </p:tnLst>
+  </p:timing>
+</p:sld>
+</file>
+
+<file path=ppt/slides/slide23.xml><?xml version="1.0" encoding="utf-8"?>
+<p:sld xmlns:a="http://schemas.openxmlformats.org/drawingml/2006/main" xmlns:r="http://schemas.openxmlformats.org/officeDocument/2006/relationships" xmlns:p="http://schemas.openxmlformats.org/presentationml/2006/main">
+  <p:cSld>
+    <p:spTree>
+      <p:nvGrpSpPr>
+        <p:cNvPr id="1" name=""/>
+        <p:cNvGrpSpPr/>
+        <p:nvPr/>
+      </p:nvGrpSpPr>
+      <p:grpSpPr>
+        <a:xfrm>
+          <a:off x="0" y="0"/>
+          <a:ext cx="0" cy="0"/>
+          <a:chOff x="0" y="0"/>
+          <a:chExt cx="0" cy="0"/>
+        </a:xfrm>
+      </p:grpSpPr>
+      <p:sp>
+        <p:nvSpPr>
+          <p:cNvPr id="6" name="Titel 5"/>
+          <p:cNvSpPr>
+            <a:spLocks noGrp="1"/>
+          </p:cNvSpPr>
+          <p:nvPr>
+            <p:ph type="title"/>
+          </p:nvPr>
+        </p:nvSpPr>
+        <p:spPr/>
+        <p:txBody>
+          <a:bodyPr/>
+          <a:lstStyle/>
+          <a:p>
+            <a:endParaRPr lang="de-DE"/>
+          </a:p>
+        </p:txBody>
+      </p:sp>
+      <p:sp>
+        <p:nvSpPr>
+          <p:cNvPr id="7" name="Inhaltsplatzhalter 6"/>
+          <p:cNvSpPr>
+            <a:spLocks noGrp="1"/>
+          </p:cNvSpPr>
+          <p:nvPr>
+            <p:ph idx="1"/>
+          </p:nvPr>
+        </p:nvSpPr>
+        <p:spPr/>
+        <p:txBody>
+          <a:bodyPr/>
+          <a:lstStyle/>
+          <a:p>
+            <a:endParaRPr lang="de-DE" dirty="0"/>
+          </a:p>
+        </p:txBody>
+      </p:sp>
+      <p:sp>
+        <p:nvSpPr>
+          <p:cNvPr id="9" name="Rechteck 8"/>
+          <p:cNvSpPr/>
+          <p:nvPr/>
+        </p:nvSpPr>
+        <p:spPr>
+          <a:xfrm>
+            <a:off x="0" y="0"/>
+            <a:ext cx="9144000" cy="6858000"/>
+          </a:xfrm>
+          <a:prstGeom prst="rect">
+            <a:avLst/>
+          </a:prstGeom>
+          <a:solidFill>
+            <a:schemeClr val="tx1"/>
+          </a:solidFill>
+          <a:ln>
+            <a:solidFill>
+              <a:schemeClr val="tx1"/>
+            </a:solidFill>
+          </a:ln>
+        </p:spPr>
+        <p:style>
+          <a:lnRef idx="2">
+            <a:schemeClr val="accent1">
+              <a:shade val="50000"/>
+            </a:schemeClr>
+          </a:lnRef>
+          <a:fillRef idx="1">
+            <a:schemeClr val="accent1"/>
+          </a:fillRef>
+          <a:effectRef idx="0">
+            <a:schemeClr val="accent1"/>
+          </a:effectRef>
+          <a:fontRef idx="minor">
+            <a:schemeClr val="lt1"/>
+          </a:fontRef>
+        </p:style>
+        <p:txBody>
+          <a:bodyPr rtlCol="0" anchor="ctr"/>
+          <a:lstStyle/>
+          <a:p>
+            <a:pPr algn="ctr"/>
+            <a:endParaRPr lang="de-DE"/>
+          </a:p>
+        </p:txBody>
+      </p:sp>
+      <p:pic>
+        <p:nvPicPr>
+          <p:cNvPr id="2050" name="Picture 2"/>
+          <p:cNvPicPr>
+            <a:picLocks noChangeAspect="1" noChangeArrowheads="1"/>
+          </p:cNvPicPr>
+          <p:nvPr/>
+        </p:nvPicPr>
+        <p:blipFill>
+          <a:blip r:embed="rId2" cstate="print"/>
+          <a:srcRect/>
+          <a:stretch>
+            <a:fillRect/>
+          </a:stretch>
+        </p:blipFill>
+        <p:spPr bwMode="auto">
+          <a:xfrm>
+            <a:off x="552450" y="638175"/>
+            <a:ext cx="8039100" cy="5581650"/>
+          </a:xfrm>
+          <a:prstGeom prst="rect">
+            <a:avLst/>
+          </a:prstGeom>
+          <a:noFill/>
+          <a:ln w="9525">
+            <a:noFill/>
+            <a:miter lim="800000"/>
+            <a:headEnd/>
+            <a:tailEnd/>
+          </a:ln>
+        </p:spPr>
+      </p:pic>
+      <p:sp>
+        <p:nvSpPr>
+          <p:cNvPr id="8" name="Ellipse 7"/>
+          <p:cNvSpPr/>
+          <p:nvPr/>
+        </p:nvSpPr>
+        <p:spPr>
+          <a:xfrm>
+            <a:off x="2195736" y="1628800"/>
+            <a:ext cx="936104" cy="360040"/>
+          </a:xfrm>
+          <a:prstGeom prst="ellipse">
+            <a:avLst/>
+          </a:prstGeom>
+          <a:noFill/>
+          <a:ln>
+            <a:solidFill>
+              <a:srgbClr val="FF0000"/>
+            </a:solidFill>
+          </a:ln>
+        </p:spPr>
+        <p:style>
+          <a:lnRef idx="2">
+            <a:schemeClr val="accent1">
+              <a:shade val="50000"/>
+            </a:schemeClr>
+          </a:lnRef>
+          <a:fillRef idx="1">
+            <a:schemeClr val="accent1"/>
+          </a:fillRef>
+          <a:effectRef idx="0">
+            <a:schemeClr val="accent1"/>
+          </a:effectRef>
+          <a:fontRef idx="minor">
+            <a:schemeClr val="lt1"/>
+          </a:fontRef>
+        </p:style>
+        <p:txBody>
+          <a:bodyPr rtlCol="0" anchor="ctr"/>
+          <a:lstStyle/>
+          <a:p>
+            <a:pPr algn="ctr"/>
+            <a:endParaRPr lang="de-DE"/>
+          </a:p>
+        </p:txBody>
+      </p:sp>
+      <p:sp>
+        <p:nvSpPr>
+          <p:cNvPr id="11" name="Rechteck 10"/>
+          <p:cNvSpPr/>
+          <p:nvPr/>
+        </p:nvSpPr>
+        <p:spPr>
+          <a:xfrm>
+            <a:off x="755576" y="3521104"/>
+            <a:ext cx="6984776" cy="2736304"/>
+          </a:xfrm>
+          <a:prstGeom prst="rect">
+            <a:avLst/>
+          </a:prstGeom>
+          <a:noFill/>
+          <a:ln>
+            <a:solidFill>
+              <a:srgbClr val="FF0000"/>
+            </a:solidFill>
+          </a:ln>
+        </p:spPr>
+        <p:style>
+          <a:lnRef idx="2">
+            <a:schemeClr val="accent1">
+              <a:shade val="50000"/>
+            </a:schemeClr>
+          </a:lnRef>
+          <a:fillRef idx="1">
+            <a:schemeClr val="accent1"/>
+          </a:fillRef>
+          <a:effectRef idx="0">
+            <a:schemeClr val="accent1"/>
+          </a:effectRef>
+          <a:fontRef idx="minor">
+            <a:schemeClr val="lt1"/>
+          </a:fontRef>
+        </p:style>
+        <p:txBody>
+          <a:bodyPr rtlCol="0" anchor="ctr"/>
+          <a:lstStyle/>
+          <a:p>
+            <a:pPr algn="ctr"/>
+            <a:endParaRPr lang="de-DE"/>
+          </a:p>
+        </p:txBody>
+      </p:sp>
+    </p:spTree>
+  </p:cSld>
+  <p:clrMapOvr>
+    <a:masterClrMapping/>
+  </p:clrMapOvr>
+  <p:timing>
+    <p:tnLst>
+      <p:par>
+        <p:cTn id="1" dur="indefinite" restart="never" nodeType="tmRoot"/>
+      </p:par>
+    </p:tnLst>
+  </p:timing>
+</p:sld>
+</file>
+
+<file path=ppt/slides/slide24.xml><?xml version="1.0" encoding="utf-8"?>
+<p:sld xmlns:a="http://schemas.openxmlformats.org/drawingml/2006/main" xmlns:r="http://schemas.openxmlformats.org/officeDocument/2006/relationships" xmlns:p="http://schemas.openxmlformats.org/presentationml/2006/main">
+  <p:cSld>
+    <p:spTree>
+      <p:nvGrpSpPr>
+        <p:cNvPr id="1" name=""/>
+        <p:cNvGrpSpPr/>
+        <p:nvPr/>
+      </p:nvGrpSpPr>
+      <p:grpSpPr>
+        <a:xfrm>
+          <a:off x="0" y="0"/>
+          <a:ext cx="0" cy="0"/>
+          <a:chOff x="0" y="0"/>
+          <a:chExt cx="0" cy="0"/>
+        </a:xfrm>
+      </p:grpSpPr>
+      <p:sp>
+        <p:nvSpPr>
+          <p:cNvPr id="2" name="Titel 1"/>
+          <p:cNvSpPr>
+            <a:spLocks noGrp="1"/>
+          </p:cNvSpPr>
+          <p:nvPr>
+            <p:ph type="title"/>
+          </p:nvPr>
+        </p:nvSpPr>
+        <p:spPr/>
+        <p:txBody>
+          <a:bodyPr>
+            <a:normAutofit/>
+          </a:bodyPr>
+          <a:lstStyle/>
+          <a:p>
+            <a:r>
+              <a:rPr lang="en-US" dirty="0" smtClean="0"/>
+              <a:t>Important </a:t>
+            </a:r>
+            <a:r>
+              <a:rPr lang="en-US" dirty="0" smtClean="0"/>
+              <a:t>Patterns</a:t>
+            </a:r>
+            <a:endParaRPr lang="en-US" dirty="0"/>
+          </a:p>
+        </p:txBody>
+      </p:sp>
+      <p:sp>
+        <p:nvSpPr>
+          <p:cNvPr id="3" name="Inhaltsplatzhalter 2"/>
+          <p:cNvSpPr>
+            <a:spLocks noGrp="1"/>
+          </p:cNvSpPr>
+          <p:nvPr>
+            <p:ph idx="1"/>
+          </p:nvPr>
+        </p:nvSpPr>
+        <p:spPr>
+          <a:xfrm>
+            <a:off x="457200" y="2249424"/>
+            <a:ext cx="8219256" cy="4325112"/>
+          </a:xfrm>
+        </p:spPr>
+        <p:txBody>
+          <a:bodyPr/>
+          <a:lstStyle/>
+          <a:p>
+            <a:r>
+              <a:rPr lang="en-US" dirty="0" smtClean="0"/>
+              <a:t>Active Object</a:t>
+            </a:r>
+            <a:endParaRPr lang="en-US" dirty="0" smtClean="0"/>
+          </a:p>
+          <a:p>
+            <a:pPr lvl="2"/>
+            <a:r>
+              <a:rPr lang="en-US" dirty="0" smtClean="0"/>
+              <a:t>Encapsulate</a:t>
+            </a:r>
+            <a:endParaRPr lang="en-US" dirty="0" smtClean="0"/>
+          </a:p>
+        </p:txBody>
+      </p:sp>
+      <p:grpSp>
+        <p:nvGrpSpPr>
+          <p:cNvPr id="4" name="Gruppieren 3"/>
+          <p:cNvGrpSpPr/>
+          <p:nvPr/>
+        </p:nvGrpSpPr>
+        <p:grpSpPr>
+          <a:xfrm>
+            <a:off x="6156176" y="692696"/>
+            <a:ext cx="2877439" cy="1047632"/>
+            <a:chOff x="0" y="3302221"/>
+            <a:chExt cx="2877439" cy="1047632"/>
+          </a:xfrm>
+          <a:scene3d>
+            <a:camera prst="orthographicFront"/>
+            <a:lightRig rig="flat" dir="t"/>
+          </a:scene3d>
+        </p:grpSpPr>
+        <p:sp>
+          <p:nvSpPr>
+            <p:cNvPr id="5" name="Abgerundetes Rechteck 4"/>
+            <p:cNvSpPr/>
+            <p:nvPr/>
+          </p:nvSpPr>
+          <p:spPr>
+            <a:xfrm>
+              <a:off x="0" y="3302221"/>
+              <a:ext cx="2877439" cy="1047632"/>
+            </a:xfrm>
+            <a:prstGeom prst="roundRect">
+              <a:avLst/>
+            </a:prstGeom>
+            <a:sp3d prstMaterial="dkEdge">
+              <a:bevelT w="8200" h="38100"/>
+            </a:sp3d>
+          </p:spPr>
+          <p:style>
+            <a:lnRef idx="0">
+              <a:schemeClr val="lt1">
+                <a:hueOff val="0"/>
+                <a:satOff val="0"/>
+                <a:lumOff val="0"/>
+                <a:alphaOff val="0"/>
+              </a:schemeClr>
+            </a:lnRef>
+            <a:fillRef idx="2">
+              <a:schemeClr val="accent5">
+                <a:hueOff val="0"/>
+                <a:satOff val="0"/>
+                <a:lumOff val="0"/>
+                <a:alphaOff val="0"/>
+              </a:schemeClr>
+            </a:fillRef>
+            <a:effectRef idx="1">
+              <a:schemeClr val="accent5">
+                <a:hueOff val="0"/>
+                <a:satOff val="0"/>
+                <a:lumOff val="0"/>
+                <a:alphaOff val="0"/>
+              </a:schemeClr>
+            </a:effectRef>
+            <a:fontRef idx="minor">
+              <a:schemeClr val="dk1"/>
+            </a:fontRef>
+          </p:style>
+        </p:sp>
+        <p:sp>
+          <p:nvSpPr>
+            <p:cNvPr id="6" name="Abgerundetes Rechteck 4"/>
+            <p:cNvSpPr/>
+            <p:nvPr/>
+          </p:nvSpPr>
+          <p:spPr>
+            <a:xfrm>
+              <a:off x="51141" y="3353362"/>
+              <a:ext cx="2775157" cy="945350"/>
+            </a:xfrm>
+            <a:prstGeom prst="rect">
+              <a:avLst/>
+            </a:prstGeom>
+            <a:sp3d/>
+          </p:spPr>
+          <p:style>
+            <a:lnRef idx="0">
+              <a:scrgbClr r="0" g="0" b="0"/>
+            </a:lnRef>
+            <a:fillRef idx="0">
+              <a:scrgbClr r="0" g="0" b="0"/>
+            </a:fillRef>
+            <a:effectRef idx="0">
+              <a:scrgbClr r="0" g="0" b="0"/>
+            </a:effectRef>
+            <a:fontRef idx="minor">
+              <a:schemeClr val="dk1"/>
+            </a:fontRef>
+          </p:style>
+          <p:txBody>
+            <a:bodyPr spcFirstLastPara="0" vert="horz" wrap="square" lIns="83820" tIns="41910" rIns="83820" bIns="41910" numCol="1" spcCol="1270" anchor="ctr" anchorCtr="0">
+              <a:noAutofit/>
+            </a:bodyPr>
+            <a:lstStyle/>
+            <a:p>
+              <a:pPr lvl="0" algn="ctr" defTabSz="977900">
+                <a:lnSpc>
+                  <a:spcPct val="90000"/>
+                </a:lnSpc>
+                <a:spcBef>
+                  <a:spcPct val="0"/>
+                </a:spcBef>
+                <a:spcAft>
+                  <a:spcPct val="35000"/>
+                </a:spcAft>
+              </a:pPr>
+              <a:r>
+                <a:rPr lang="en-US" sz="2200" kern="1200" noProof="0" dirty="0" smtClean="0"/>
+                <a:t>Concurrency Patterns</a:t>
+              </a:r>
+              <a:endParaRPr lang="en-US" sz="2200" kern="1200" noProof="0" dirty="0"/>
+            </a:p>
+          </p:txBody>
+        </p:sp>
+      </p:grpSp>
+    </p:spTree>
+  </p:cSld>
+  <p:clrMapOvr>
+    <a:masterClrMapping/>
+  </p:clrMapOvr>
+  <p:timing>
+    <p:tnLst>
+      <p:par>
+        <p:cTn id="1" dur="indefinite" restart="never" nodeType="tmRoot"/>
+      </p:par>
+    </p:tnLst>
+  </p:timing>
+</p:sld>
+</file>
+
+<file path=ppt/slides/slide25.xml><?xml version="1.0" encoding="utf-8"?>
+<p:sld xmlns:a="http://schemas.openxmlformats.org/drawingml/2006/main" xmlns:r="http://schemas.openxmlformats.org/officeDocument/2006/relationships" xmlns:p="http://schemas.openxmlformats.org/presentationml/2006/main">
+  <p:cSld>
+    <p:spTree>
+      <p:nvGrpSpPr>
+        <p:cNvPr id="1" name=""/>
+        <p:cNvGrpSpPr/>
+        <p:nvPr/>
+      </p:nvGrpSpPr>
+      <p:grpSpPr>
+        <a:xfrm>
+          <a:off x="0" y="0"/>
+          <a:ext cx="0" cy="0"/>
+          <a:chOff x="0" y="0"/>
+          <a:chExt cx="0" cy="0"/>
+        </a:xfrm>
+      </p:grpSpPr>
+      <p:sp>
+        <p:nvSpPr>
+          <p:cNvPr id="2" name="Titel 1"/>
+          <p:cNvSpPr>
+            <a:spLocks noGrp="1"/>
+          </p:cNvSpPr>
+          <p:nvPr>
+            <p:ph type="title"/>
+          </p:nvPr>
+        </p:nvSpPr>
+        <p:spPr/>
+        <p:txBody>
+          <a:bodyPr/>
+          <a:lstStyle/>
+          <a:p>
+            <a:r>
+              <a:rPr lang="en-US" smtClean="0"/>
+              <a:t>Sources</a:t>
+            </a:r>
+            <a:endParaRPr lang="en-US"/>
+          </a:p>
+        </p:txBody>
+      </p:sp>
+      <p:sp>
+        <p:nvSpPr>
+          <p:cNvPr id="3" name="Inhaltsplatzhalter 2"/>
+          <p:cNvSpPr>
+            <a:spLocks noGrp="1"/>
+          </p:cNvSpPr>
+          <p:nvPr>
+            <p:ph idx="1"/>
+          </p:nvPr>
+        </p:nvSpPr>
+        <p:spPr/>
+        <p:txBody>
+          <a:bodyPr/>
+          <a:lstStyle/>
+          <a:p>
+            <a:r>
+              <a:rPr lang="en-US" smtClean="0"/>
+              <a:t>Christopher Alexander, Sara Ishikawa, MurraySilverstein, Max Jacobson, Ingrid Fiksdahl-King, and Shlomo Angel.</a:t>
+            </a:r>
+            <a:r>
+              <a:rPr lang="en-US" i="1" smtClean="0"/>
+              <a:t>A Pattern Language. Oxford University </a:t>
+            </a:r>
+            <a:r>
+              <a:rPr lang="en-US" smtClean="0"/>
+              <a:t>Press, NewYork, 1977.</a:t>
+            </a:r>
+          </a:p>
+          <a:p>
+            <a:r>
+              <a:rPr lang="en-US" smtClean="0"/>
+              <a:t>All others are in the file: </a:t>
+            </a:r>
+            <a:r>
+              <a:rPr lang="en-US" sz="2400" smtClean="0">
+                <a:latin typeface="Bell MT" pitchFamily="18" charset="0"/>
+                <a:cs typeface="Arial" pitchFamily="34" charset="0"/>
+              </a:rPr>
+              <a:t>Presentation/Outline.docx</a:t>
+            </a:r>
+            <a:endParaRPr lang="en-US">
+              <a:latin typeface="Bell MT" pitchFamily="18" charset="0"/>
+              <a:cs typeface="Arial" pitchFamily="34" charset="0"/>
+            </a:endParaRPr>
           </a:p>
         </p:txBody>
       </p:sp>
@@ -11906,15 +20489,7 @@
           <a:p>
             <a:r>
               <a:rPr lang="en-US" smtClean="0"/>
-              <a:t>What</a:t>
-            </a:r>
-            <a:r>
-              <a:rPr lang="en-US" smtClean="0"/>
-              <a:t> is a Design </a:t>
-            </a:r>
-            <a:r>
-              <a:rPr lang="en-US" smtClean="0"/>
-              <a:t>Pattern?</a:t>
+              <a:t>What is a Design Pattern?</a:t>
             </a:r>
             <a:endParaRPr lang="en-US"/>
           </a:p>
@@ -11944,91 +20519,15 @@
           <a:p>
             <a:r>
               <a:rPr lang="en-US" sz="800" smtClean="0"/>
-              <a:t>1: </a:t>
+              <a:t>1: Christopher Alexander, Sara Ishikawa, Murray Silverstein, Max Jacobson, Ingrid Fiksdahl-King, and Shlomo Angel. </a:t>
+            </a:r>
+            <a:r>
+              <a:rPr lang="en-US" sz="800" i="1" smtClean="0"/>
+              <a:t>A Pattern Language. Oxford University </a:t>
             </a:r>
             <a:r>
               <a:rPr lang="en-US" sz="800" smtClean="0"/>
-              <a:t>Christopher </a:t>
-            </a:r>
-            <a:r>
-              <a:rPr lang="en-US" sz="800" smtClean="0"/>
-              <a:t>Alexander</a:t>
-            </a:r>
-            <a:r>
-              <a:rPr lang="en-US" sz="800" smtClean="0"/>
-              <a:t>, Sara </a:t>
-            </a:r>
-            <a:r>
-              <a:rPr lang="en-US" sz="800" smtClean="0"/>
-              <a:t>Ishikawa</a:t>
-            </a:r>
-            <a:r>
-              <a:rPr lang="en-US" sz="800" smtClean="0"/>
-              <a:t>, Murray </a:t>
-            </a:r>
-            <a:r>
-              <a:rPr lang="en-US" sz="800" smtClean="0"/>
-              <a:t>Silverstein</a:t>
-            </a:r>
-            <a:r>
-              <a:rPr lang="en-US" sz="800" smtClean="0"/>
-              <a:t>, Max </a:t>
-            </a:r>
-            <a:r>
-              <a:rPr lang="en-US" sz="800" smtClean="0"/>
-              <a:t>Jacobson</a:t>
-            </a:r>
-            <a:r>
-              <a:rPr lang="en-US" sz="800" smtClean="0"/>
-              <a:t>, Ingrid </a:t>
-            </a:r>
-            <a:r>
-              <a:rPr lang="en-US" sz="800" smtClean="0"/>
-              <a:t>Fiksdahl-King</a:t>
-            </a:r>
-            <a:r>
-              <a:rPr lang="en-US" sz="800" smtClean="0"/>
-              <a:t>, and Shlomo </a:t>
-            </a:r>
-            <a:r>
-              <a:rPr lang="en-US" sz="800" smtClean="0"/>
-              <a:t>Angel</a:t>
-            </a:r>
-            <a:r>
-              <a:rPr lang="en-US" sz="800" smtClean="0"/>
-              <a:t>. </a:t>
-            </a:r>
-            <a:r>
-              <a:rPr lang="en-US" sz="800" i="1" smtClean="0"/>
-              <a:t>A Pattern </a:t>
-            </a:r>
-            <a:r>
-              <a:rPr lang="en-US" sz="800" i="1" smtClean="0"/>
-              <a:t>Language</a:t>
-            </a:r>
-            <a:r>
-              <a:rPr lang="en-US" sz="800" i="1" smtClean="0"/>
-              <a:t>. Oxford University </a:t>
-            </a:r>
-            <a:r>
-              <a:rPr lang="en-US" sz="800" smtClean="0"/>
-              <a:t>Press</a:t>
-            </a:r>
-            <a:r>
-              <a:rPr lang="en-US" sz="800" smtClean="0"/>
-              <a:t>, </a:t>
-            </a:r>
-            <a:r>
-              <a:rPr lang="en-US" sz="800" smtClean="0"/>
-              <a:t>NewYork</a:t>
-            </a:r>
-            <a:r>
-              <a:rPr lang="en-US" sz="800" smtClean="0"/>
-              <a:t>, </a:t>
-            </a:r>
-            <a:r>
-              <a:rPr lang="en-US" sz="800" smtClean="0"/>
-              <a:t>1977.</a:t>
+              <a:t>Press, NewYork, 1977.</a:t>
             </a:r>
             <a:endParaRPr lang="en-US" sz="800"/>
           </a:p>
@@ -12138,15 +20637,7 @@
                     <a:schemeClr val="bg1"/>
                   </a:solidFill>
                 </a:rPr>
-                <a:t>, without ever doing it the same </a:t>
-              </a:r>
-              <a:r>
-                <a:rPr lang="en-US">
-                  <a:solidFill>
-                    <a:schemeClr val="bg1"/>
-                  </a:solidFill>
-                </a:rPr>
-                <a:t>way </a:t>
+                <a:t>, without ever doing it the same way </a:t>
               </a:r>
               <a:r>
                 <a:rPr lang="en-US" smtClean="0">
@@ -12333,15 +20824,7 @@
           <a:p>
             <a:r>
               <a:rPr lang="en-US" smtClean="0"/>
-              <a:t>Why</a:t>
-            </a:r>
-            <a:r>
-              <a:rPr lang="en-US" smtClean="0"/>
-              <a:t> we should use Design </a:t>
-            </a:r>
-            <a:r>
-              <a:rPr lang="en-US" smtClean="0"/>
-              <a:t>Patterns</a:t>
+              <a:t>Why we should use Design Patterns</a:t>
             </a:r>
             <a:endParaRPr lang="en-US"/>
           </a:p>
@@ -12466,45 +20949,19 @@
           <a:p>
             <a:r>
               <a:rPr lang="en-US" smtClean="0"/>
-              <a:t>Sign</a:t>
+              <a:t>Sign for missing features in a programming language</a:t>
             </a:r>
+          </a:p>
+          <a:p>
             <a:r>
               <a:rPr lang="en-US" smtClean="0"/>
-              <a:t> for missing features in a programming </a:t>
+              <a:t>Inappropriate use increases complexity</a:t>
             </a:r>
+          </a:p>
+          <a:p>
             <a:r>
               <a:rPr lang="en-US" smtClean="0"/>
-              <a:t>language</a:t>
-            </a:r>
-            <a:endParaRPr lang="en-US" smtClean="0"/>
-          </a:p>
-          <a:p>
-            <a:r>
-              <a:rPr lang="en-US" smtClean="0"/>
-              <a:t>Inappropriate use increases </a:t>
-            </a:r>
-            <a:r>
-              <a:rPr lang="en-US" smtClean="0"/>
-              <a:t>complexity</a:t>
-            </a:r>
-            <a:endParaRPr lang="en-US" smtClean="0"/>
-          </a:p>
-          <a:p>
-            <a:r>
-              <a:rPr lang="en-US" smtClean="0"/>
-              <a:t>“once </a:t>
-            </a:r>
-            <a:r>
-              <a:rPr lang="en-US" smtClean="0"/>
-              <a:t>you begin to learn patterns you tend to over use </a:t>
-            </a:r>
-            <a:r>
-              <a:rPr lang="en-US" smtClean="0"/>
-              <a:t>them</a:t>
-            </a:r>
-            <a:r>
-              <a:rPr lang="en-US" smtClean="0"/>
-              <a:t>”</a:t>
+              <a:t>“once you begin to learn patterns you tend to over use them”</a:t>
             </a:r>
             <a:endParaRPr lang="en-US"/>
           </a:p>
@@ -12701,11 +21158,6 @@
               </a:rPr>
               <a:t>Object</a:t>
             </a:r>
-            <a:endParaRPr lang="en-US" smtClean="0">
-              <a:solidFill>
-                <a:schemeClr val="tx2"/>
-              </a:solidFill>
-            </a:endParaRPr>
           </a:p>
         </p:txBody>
       </p:sp>
@@ -12759,11 +21211,7 @@
               <a:pPr algn="ctr"/>
               <a:r>
                 <a:rPr lang="en-US" sz="1100" b="1" smtClean="0"/>
-                <a:t>Factory </a:t>
-              </a:r>
-              <a:r>
-                <a:rPr lang="en-US" sz="1100" b="1" smtClean="0"/>
-                <a:t>Method</a:t>
+                <a:t>Factory Method</a:t>
               </a:r>
               <a:endParaRPr lang="en-US" sz="1100" b="1"/>
             </a:p>
@@ -12846,24 +21294,12 @@
                 <a:rPr lang="en-US" sz="1100" b="1" smtClean="0"/>
                 <a:t>Abstract Factory, </a:t>
               </a:r>
-              <a:r>
-                <a:rPr lang="en-US" sz="1100" b="1" smtClean="0"/>
-                <a:t/>
-              </a:r>
               <a:br>
                 <a:rPr lang="en-US" sz="1100" b="1" smtClean="0"/>
               </a:br>
               <a:r>
                 <a:rPr lang="en-US" sz="1100" b="1" smtClean="0"/>
-                <a:t>Builder</a:t>
-              </a:r>
-              <a:r>
-                <a:rPr lang="en-US" sz="1100" b="1" smtClean="0"/>
-                <a:t>, </a:t>
-              </a:r>
-              <a:r>
-                <a:rPr lang="en-US" sz="1100" b="1" smtClean="0"/>
-                <a:t/>
+                <a:t>Builder, </a:t>
               </a:r>
               <a:br>
                 <a:rPr lang="en-US" sz="1100" b="1" smtClean="0"/>
@@ -12871,10 +21307,6 @@
               <a:r>
                 <a:rPr lang="en-US" sz="1100" b="1" smtClean="0"/>
                 <a:t>Prototype,</a:t>
-              </a:r>
-              <a:r>
-                <a:rPr lang="en-US" sz="1100" b="1" smtClean="0"/>
-                <a:t/>
               </a:r>
               <a:br>
                 <a:rPr lang="en-US" sz="1100" b="1" smtClean="0"/>
@@ -13161,11 +21593,7 @@
               </a:br>
               <a:r>
                 <a:rPr lang="en-US" sz="1100" b="1" smtClean="0"/>
-                <a:t>Template </a:t>
-              </a:r>
-              <a:r>
-                <a:rPr lang="en-US" sz="1100" b="1" smtClean="0"/>
-                <a:t>Method</a:t>
+                <a:t>Template Method</a:t>
               </a:r>
               <a:endParaRPr lang="en-US" sz="1100" b="1"/>
             </a:p>
@@ -13393,23 +21821,7 @@
           <a:p>
             <a:r>
               <a:rPr lang="en-US" smtClean="0"/>
-              <a:t>Important</a:t>
-            </a:r>
-            <a:r>
-              <a:rPr lang="en-US" smtClean="0"/>
-              <a:t> Design Patterns </a:t>
-            </a:r>
-            <a:r>
-              <a:rPr lang="en-US" smtClean="0"/>
-              <a:t>(</a:t>
-            </a:r>
-            <a:r>
-              <a:rPr lang="en-US" smtClean="0"/>
-              <a:t>for </a:t>
-            </a:r>
-            <a:r>
-              <a:rPr lang="en-US" smtClean="0"/>
-              <a:t>Java)</a:t>
+              <a:t>Important Design Patterns (for Java)</a:t>
             </a:r>
             <a:endParaRPr lang="en-US"/>
           </a:p>
@@ -13444,25 +21856,15 @@
             <a:pPr lvl="2"/>
             <a:r>
               <a:rPr lang="en-US" smtClean="0"/>
-              <a:t>Guarantees that there is only one instance of a particular </a:t>
+              <a:t>Guarantees that there is only one instance of a particular object</a:t>
             </a:r>
-            <a:r>
-              <a:rPr lang="en-US" smtClean="0"/>
-              <a:t>object</a:t>
-            </a:r>
-            <a:endParaRPr lang="en-US" smtClean="0"/>
           </a:p>
           <a:p>
             <a:pPr lvl="2"/>
             <a:r>
               <a:rPr lang="en-US" smtClean="0"/>
-              <a:t>Be careful -&gt; do not use it when in </a:t>
+              <a:t>Be careful -&gt; do not use it when in doubt</a:t>
             </a:r>
-            <a:r>
-              <a:rPr lang="en-US" smtClean="0"/>
-              <a:t>doubt</a:t>
-            </a:r>
-            <a:endParaRPr lang="en-US" smtClean="0"/>
           </a:p>
           <a:p>
             <a:endParaRPr lang="en-US"/>

--- a/presentation/Design Patterns.pptx
+++ b/presentation/Design Patterns.pptx
@@ -16174,7 +16174,7 @@
 </file>
 
 <file path=ppt/slides/slide10.xml><?xml version="1.0" encoding="utf-8"?>
-<p:sld xmlns:a="http://schemas.openxmlformats.org/drawingml/2006/main" xmlns:r="http://schemas.openxmlformats.org/officeDocument/2006/relationships" xmlns:p="http://schemas.openxmlformats.org/presentationml/2006/main">
+<p:sld xmlns:a="http://schemas.openxmlformats.org/drawingml/2006/main" xmlns:r="http://schemas.openxmlformats.org/officeDocument/2006/relationships" xmlns:p="http://schemas.openxmlformats.org/presentationml/2006/main" show="0">
   <p:cSld>
     <p:spTree>
       <p:nvGrpSpPr>
@@ -16334,6 +16334,7 @@
   <p:clrMapOvr>
     <a:masterClrMapping/>
   </p:clrMapOvr>
+  <p:transition/>
   <p:timing>
     <p:tnLst>
       <p:par>
@@ -16458,7 +16459,7 @@
 </file>
 
 <file path=ppt/slides/slide11.xml><?xml version="1.0" encoding="utf-8"?>
-<p:sld xmlns:a="http://schemas.openxmlformats.org/drawingml/2006/main" xmlns:r="http://schemas.openxmlformats.org/officeDocument/2006/relationships" xmlns:p="http://schemas.openxmlformats.org/presentationml/2006/main">
+<p:sld xmlns:a="http://schemas.openxmlformats.org/drawingml/2006/main" xmlns:r="http://schemas.openxmlformats.org/officeDocument/2006/relationships" xmlns:p="http://schemas.openxmlformats.org/presentationml/2006/main" show="0">
   <p:cSld>
     <p:spTree>
       <p:nvGrpSpPr>
@@ -16636,6 +16637,7 @@
   <p:clrMapOvr>
     <a:masterClrMapping/>
   </p:clrMapOvr>
+  <p:transition/>
   <p:timing>
     <p:tnLst>
       <p:par>
@@ -16647,7 +16649,7 @@
 </file>
 
 <file path=ppt/slides/slide12.xml><?xml version="1.0" encoding="utf-8"?>
-<p:sld xmlns:a="http://schemas.openxmlformats.org/drawingml/2006/main" xmlns:r="http://schemas.openxmlformats.org/officeDocument/2006/relationships" xmlns:p="http://schemas.openxmlformats.org/presentationml/2006/main">
+<p:sld xmlns:a="http://schemas.openxmlformats.org/drawingml/2006/main" xmlns:r="http://schemas.openxmlformats.org/officeDocument/2006/relationships" xmlns:p="http://schemas.openxmlformats.org/presentationml/2006/main" show="0">
   <p:cSld>
     <p:spTree>
       <p:nvGrpSpPr>
@@ -16753,6 +16755,7 @@
   <p:clrMapOvr>
     <a:masterClrMapping/>
   </p:clrMapOvr>
+  <p:transition/>
   <p:timing>
     <p:tnLst>
       <p:par>
@@ -16764,7 +16767,7 @@
 </file>
 
 <file path=ppt/slides/slide13.xml><?xml version="1.0" encoding="utf-8"?>
-<p:sld xmlns:a="http://schemas.openxmlformats.org/drawingml/2006/main" xmlns:r="http://schemas.openxmlformats.org/officeDocument/2006/relationships" xmlns:p="http://schemas.openxmlformats.org/presentationml/2006/main">
+<p:sld xmlns:a="http://schemas.openxmlformats.org/drawingml/2006/main" xmlns:r="http://schemas.openxmlformats.org/officeDocument/2006/relationships" xmlns:p="http://schemas.openxmlformats.org/presentationml/2006/main" show="0">
   <p:cSld>
     <p:spTree>
       <p:nvGrpSpPr>
@@ -16842,6 +16845,7 @@
   <p:clrMapOvr>
     <a:masterClrMapping/>
   </p:clrMapOvr>
+  <p:transition/>
   <p:timing>
     <p:tnLst>
       <p:par>
@@ -16853,7 +16857,7 @@
 </file>
 
 <file path=ppt/slides/slide14.xml><?xml version="1.0" encoding="utf-8"?>
-<p:sld xmlns:a="http://schemas.openxmlformats.org/drawingml/2006/main" xmlns:r="http://schemas.openxmlformats.org/officeDocument/2006/relationships" xmlns:p="http://schemas.openxmlformats.org/presentationml/2006/main">
+<p:sld xmlns:a="http://schemas.openxmlformats.org/drawingml/2006/main" xmlns:r="http://schemas.openxmlformats.org/officeDocument/2006/relationships" xmlns:p="http://schemas.openxmlformats.org/presentationml/2006/main" show="0">
   <p:cSld>
     <p:spTree>
       <p:nvGrpSpPr>
@@ -17328,6 +17332,7 @@
   <p:clrMapOvr>
     <a:masterClrMapping/>
   </p:clrMapOvr>
+  <p:transition/>
   <p:timing>
     <p:tnLst>
       <p:par>
@@ -17407,7 +17412,7 @@
 </file>
 
 <file path=ppt/slides/slide15.xml><?xml version="1.0" encoding="utf-8"?>
-<p:sld xmlns:a="http://schemas.openxmlformats.org/drawingml/2006/main" xmlns:r="http://schemas.openxmlformats.org/officeDocument/2006/relationships" xmlns:p="http://schemas.openxmlformats.org/presentationml/2006/main">
+<p:sld xmlns:a="http://schemas.openxmlformats.org/drawingml/2006/main" xmlns:r="http://schemas.openxmlformats.org/officeDocument/2006/relationships" xmlns:p="http://schemas.openxmlformats.org/presentationml/2006/main" show="0">
   <p:cSld>
     <p:spTree>
       <p:nvGrpSpPr>
@@ -17534,6 +17539,7 @@
   <p:clrMapOvr>
     <a:masterClrMapping/>
   </p:clrMapOvr>
+  <p:transition/>
   <p:timing>
     <p:tnLst>
       <p:par>
@@ -17545,7 +17551,7 @@
 </file>
 
 <file path=ppt/slides/slide16.xml><?xml version="1.0" encoding="utf-8"?>
-<p:sld xmlns:a="http://schemas.openxmlformats.org/drawingml/2006/main" xmlns:r="http://schemas.openxmlformats.org/officeDocument/2006/relationships" xmlns:p="http://schemas.openxmlformats.org/presentationml/2006/main">
+<p:sld xmlns:a="http://schemas.openxmlformats.org/drawingml/2006/main" xmlns:r="http://schemas.openxmlformats.org/officeDocument/2006/relationships" xmlns:p="http://schemas.openxmlformats.org/presentationml/2006/main" show="0">
   <p:cSld>
     <p:spTree>
       <p:nvGrpSpPr>
@@ -17873,6 +17879,7 @@
   <p:clrMapOvr>
     <a:masterClrMapping/>
   </p:clrMapOvr>
+  <p:transition/>
   <p:timing>
     <p:tnLst>
       <p:par>
@@ -19603,6 +19610,17 @@
               <a:t>Best example: Singleton in a multi-threaded environment</a:t>
             </a:r>
           </a:p>
+          <a:p>
+            <a:pPr lvl="2"/>
+            <a:r>
+              <a:rPr lang="en-US" dirty="0" smtClean="0">
+                <a:solidFill>
+                  <a:schemeClr val="accent4"/>
+                </a:solidFill>
+              </a:rPr>
+              <a:t>Can be UNSAFE in some language/hardware combinations</a:t>
+            </a:r>
+          </a:p>
         </p:txBody>
       </p:sp>
       <p:grpSp>
@@ -20202,7 +20220,7 @@
           <a:p>
             <a:r>
               <a:rPr lang="en-US" dirty="0" smtClean="0"/>
-              <a:t>Active Object</a:t>
+              <a:t>Active Object / Concurrent Object</a:t>
             </a:r>
             <a:endParaRPr lang="en-US" dirty="0" smtClean="0"/>
           </a:p>
@@ -20210,9 +20228,15 @@
             <a:pPr lvl="2"/>
             <a:r>
               <a:rPr lang="en-US" dirty="0" smtClean="0"/>
-              <a:t>Encapsulate</a:t>
+              <a:t>Decouples method execution from method invocation</a:t>
             </a:r>
-            <a:endParaRPr lang="en-US" dirty="0" smtClean="0"/>
+          </a:p>
+          <a:p>
+            <a:pPr lvl="2"/>
+            <a:r>
+              <a:rPr lang="en-US" dirty="0" smtClean="0"/>
+              <a:t>Enhances concurrency and simplifies synchronized access to an object in its own thread of control</a:t>
+            </a:r>
           </a:p>
         </p:txBody>
       </p:sp>
@@ -20338,6 +20362,52 @@
           </p:txBody>
         </p:sp>
       </p:grpSp>
+      <p:sp>
+        <p:nvSpPr>
+          <p:cNvPr id="7" name="Ellipse 6"/>
+          <p:cNvSpPr/>
+          <p:nvPr/>
+        </p:nvSpPr>
+        <p:spPr>
+          <a:xfrm>
+            <a:off x="179512" y="5877272"/>
+            <a:ext cx="1584176" cy="864096"/>
+          </a:xfrm>
+          <a:prstGeom prst="ellipse">
+            <a:avLst/>
+          </a:prstGeom>
+        </p:spPr>
+        <p:style>
+          <a:lnRef idx="1">
+            <a:schemeClr val="accent5"/>
+          </a:lnRef>
+          <a:fillRef idx="3">
+            <a:schemeClr val="accent5"/>
+          </a:fillRef>
+          <a:effectRef idx="2">
+            <a:schemeClr val="accent5"/>
+          </a:effectRef>
+          <a:fontRef idx="minor">
+            <a:schemeClr val="lt1"/>
+          </a:fontRef>
+        </p:style>
+        <p:txBody>
+          <a:bodyPr rtlCol="0" anchor="ctr"/>
+          <a:lstStyle/>
+          <a:p>
+            <a:pPr algn="ctr"/>
+            <a:r>
+              <a:rPr lang="en-US" spc="-120" dirty="0" smtClean="0">
+                <a:latin typeface="Consolas" pitchFamily="49" charset="0"/>
+              </a:rPr>
+              <a:t>Future/ Promise</a:t>
+            </a:r>
+            <a:endParaRPr lang="en-US" spc="-120" dirty="0">
+              <a:latin typeface="Consolas" pitchFamily="49" charset="0"/>
+            </a:endParaRPr>
+          </a:p>
+        </p:txBody>
+      </p:sp>
     </p:spTree>
   </p:cSld>
   <p:clrMapOvr>
@@ -21786,7 +21856,7 @@
 </file>
 
 <file path=ppt/slides/slide8.xml><?xml version="1.0" encoding="utf-8"?>
-<p:sld xmlns:a="http://schemas.openxmlformats.org/drawingml/2006/main" xmlns:r="http://schemas.openxmlformats.org/officeDocument/2006/relationships" xmlns:p="http://schemas.openxmlformats.org/presentationml/2006/main">
+<p:sld xmlns:a="http://schemas.openxmlformats.org/drawingml/2006/main" xmlns:r="http://schemas.openxmlformats.org/officeDocument/2006/relationships" xmlns:p="http://schemas.openxmlformats.org/presentationml/2006/main" show="0">
   <p:cSld>
     <p:spTree>
       <p:nvGrpSpPr>
@@ -21902,6 +21972,7 @@
   <p:clrMapOvr>
     <a:masterClrMapping/>
   </p:clrMapOvr>
+  <p:transition/>
   <p:timing>
     <p:tnLst>
       <p:par>
@@ -21913,7 +21984,7 @@
 </file>
 
 <file path=ppt/slides/slide9.xml><?xml version="1.0" encoding="utf-8"?>
-<p:sld xmlns:a="http://schemas.openxmlformats.org/drawingml/2006/main" xmlns:r="http://schemas.openxmlformats.org/officeDocument/2006/relationships" xmlns:p="http://schemas.openxmlformats.org/presentationml/2006/main">
+<p:sld xmlns:a="http://schemas.openxmlformats.org/drawingml/2006/main" xmlns:r="http://schemas.openxmlformats.org/officeDocument/2006/relationships" xmlns:p="http://schemas.openxmlformats.org/presentationml/2006/main" show="0">
   <p:cSld>
     <p:spTree>
       <p:nvGrpSpPr>
@@ -22052,6 +22123,7 @@
   <p:clrMapOvr>
     <a:masterClrMapping/>
   </p:clrMapOvr>
+  <p:transition/>
   <p:timing>
     <p:tnLst>
       <p:par>

--- a/presentation/Design Patterns.pptx
+++ b/presentation/Design Patterns.pptx
@@ -5,7 +5,7 @@
     <p:sldMasterId id="2147483660" r:id="rId1"/>
   </p:sldMasterIdLst>
   <p:notesMasterIdLst>
-    <p:notesMasterId r:id="rId27"/>
+    <p:notesMasterId r:id="rId31"/>
   </p:notesMasterIdLst>
   <p:sldIdLst>
     <p:sldId id="256" r:id="rId2"/>
@@ -32,7 +32,11 @@
     <p:sldId id="279" r:id="rId23"/>
     <p:sldId id="280" r:id="rId24"/>
     <p:sldId id="278" r:id="rId25"/>
-    <p:sldId id="259" r:id="rId26"/>
+    <p:sldId id="281" r:id="rId26"/>
+    <p:sldId id="283" r:id="rId27"/>
+    <p:sldId id="282" r:id="rId28"/>
+    <p:sldId id="284" r:id="rId29"/>
+    <p:sldId id="259" r:id="rId30"/>
   </p:sldIdLst>
   <p:sldSz cx="9144000" cy="6858000" type="screen4x3"/>
   <p:notesSz cx="6858000" cy="9144000"/>
@@ -3877,6 +3881,13 @@
         </dgm:presLayoutVars>
       </dgm:prSet>
       <dgm:spPr/>
+      <dgm:t>
+        <a:bodyPr/>
+        <a:lstStyle/>
+        <a:p>
+          <a:endParaRPr lang="de-DE"/>
+        </a:p>
+      </dgm:t>
     </dgm:pt>
     <dgm:pt modelId="{FB5F408D-1C69-4101-BD49-63EC282DF85D}" type="pres">
       <dgm:prSet presAssocID="{A2B8A66F-00A2-489B-A4AD-A84E9CA6D163}" presName="linNode" presStyleCnt="0"/>
@@ -3914,6 +3925,13 @@
         </dgm:presLayoutVars>
       </dgm:prSet>
       <dgm:spPr/>
+      <dgm:t>
+        <a:bodyPr/>
+        <a:lstStyle/>
+        <a:p>
+          <a:endParaRPr lang="de-DE"/>
+        </a:p>
+      </dgm:t>
     </dgm:pt>
     <dgm:pt modelId="{8DD53816-F4CF-411E-AE79-8E3BA97722E8}" type="pres">
       <dgm:prSet presAssocID="{CFCE6456-C4BB-4A14-8C1A-685F7BEA0B87}" presName="sp" presStyleCnt="0"/>
@@ -3955,18 +3973,25 @@
         </dgm:presLayoutVars>
       </dgm:prSet>
       <dgm:spPr/>
+      <dgm:t>
+        <a:bodyPr/>
+        <a:lstStyle/>
+        <a:p>
+          <a:endParaRPr lang="de-DE"/>
+        </a:p>
+      </dgm:t>
     </dgm:pt>
   </dgm:ptLst>
   <dgm:cxnLst>
+    <dgm:cxn modelId="{DBEA0B5A-A90D-4DAA-BA5C-9677C4715319}" type="presOf" srcId="{9BC09347-B33D-4979-9BDB-E36C7B30CBBA}" destId="{E63503F8-AAFE-4BAA-8D4E-448F984C98D8}" srcOrd="0" destOrd="0" presId="urn:microsoft.com/office/officeart/2005/8/layout/vList5"/>
+    <dgm:cxn modelId="{0E21A504-B936-4C33-8A75-641DA3707E7F}" srcId="{9B094859-64CF-43E2-84E3-5C2C137C1AE4}" destId="{552DEA89-C539-4395-A106-B0D2CFAEC0C4}" srcOrd="3" destOrd="0" parTransId="{4E93E06C-44D9-4AD8-9417-E359CCD1CC4C}" sibTransId="{C876DB4F-7528-4CCF-83D8-03DA5F64EBB9}"/>
+    <dgm:cxn modelId="{2815016F-AA00-4522-9087-9EBE388F41D5}" type="presOf" srcId="{552DEA89-C539-4395-A106-B0D2CFAEC0C4}" destId="{60494F3F-B686-4940-983F-1C72649574BB}" srcOrd="0" destOrd="0" presId="urn:microsoft.com/office/officeart/2005/8/layout/vList5"/>
+    <dgm:cxn modelId="{9DACFB29-D503-47DE-A112-9608887D92A1}" type="presOf" srcId="{9B094859-64CF-43E2-84E3-5C2C137C1AE4}" destId="{111A599B-EA97-4DC2-BF4C-8A6DA8FE7850}" srcOrd="0" destOrd="0" presId="urn:microsoft.com/office/officeart/2005/8/layout/vList5"/>
+    <dgm:cxn modelId="{14099E3B-A0C4-4EE6-AED6-D3E228B8A8F7}" type="presOf" srcId="{A2B8A66F-00A2-489B-A4AD-A84E9CA6D163}" destId="{082BB027-6359-45A9-905C-ACA83F9E48B2}" srcOrd="0" destOrd="0" presId="urn:microsoft.com/office/officeart/2005/8/layout/vList5"/>
+    <dgm:cxn modelId="{0D960763-A5E3-405B-899A-B575859CD7B8}" type="presOf" srcId="{19363DDF-615E-40BE-9E5E-4D3D9BB3CAA6}" destId="{87CD7CF8-79B5-416A-967B-F89FBA3DBED1}" srcOrd="0" destOrd="0" presId="urn:microsoft.com/office/officeart/2005/8/layout/vList5"/>
     <dgm:cxn modelId="{5C7C83F4-A3F9-46C8-B997-B717E9651361}" srcId="{9B094859-64CF-43E2-84E3-5C2C137C1AE4}" destId="{A2B8A66F-00A2-489B-A4AD-A84E9CA6D163}" srcOrd="0" destOrd="0" parTransId="{AA678909-AD5D-469C-AFA9-69B96C003BBB}" sibTransId="{90EDBD5F-B7B0-45C8-859F-7ED3086B50DC}"/>
-    <dgm:cxn modelId="{9DACFB29-D503-47DE-A112-9608887D92A1}" type="presOf" srcId="{9B094859-64CF-43E2-84E3-5C2C137C1AE4}" destId="{111A599B-EA97-4DC2-BF4C-8A6DA8FE7850}" srcOrd="0" destOrd="0" presId="urn:microsoft.com/office/officeart/2005/8/layout/vList5"/>
-    <dgm:cxn modelId="{0D960763-A5E3-405B-899A-B575859CD7B8}" type="presOf" srcId="{19363DDF-615E-40BE-9E5E-4D3D9BB3CAA6}" destId="{87CD7CF8-79B5-416A-967B-F89FBA3DBED1}" srcOrd="0" destOrd="0" presId="urn:microsoft.com/office/officeart/2005/8/layout/vList5"/>
+    <dgm:cxn modelId="{C344B9F3-4A37-4607-B718-D2DEBE1D5C6E}" srcId="{9B094859-64CF-43E2-84E3-5C2C137C1AE4}" destId="{9BC09347-B33D-4979-9BDB-E36C7B30CBBA}" srcOrd="2" destOrd="0" parTransId="{A7B10C6A-5E76-4F3B-93CA-9027D009C27B}" sibTransId="{5F6C0C8C-6177-488A-A37D-925D034EFCAC}"/>
     <dgm:cxn modelId="{B4147CAF-6A66-4AD5-80B9-30BC3C4F17E1}" srcId="{9B094859-64CF-43E2-84E3-5C2C137C1AE4}" destId="{19363DDF-615E-40BE-9E5E-4D3D9BB3CAA6}" srcOrd="1" destOrd="0" parTransId="{E3A5C0A8-31A9-48E7-92DB-42DF2B29BAB1}" sibTransId="{CFCE6456-C4BB-4A14-8C1A-685F7BEA0B87}"/>
-    <dgm:cxn modelId="{14099E3B-A0C4-4EE6-AED6-D3E228B8A8F7}" type="presOf" srcId="{A2B8A66F-00A2-489B-A4AD-A84E9CA6D163}" destId="{082BB027-6359-45A9-905C-ACA83F9E48B2}" srcOrd="0" destOrd="0" presId="urn:microsoft.com/office/officeart/2005/8/layout/vList5"/>
-    <dgm:cxn modelId="{0E21A504-B936-4C33-8A75-641DA3707E7F}" srcId="{9B094859-64CF-43E2-84E3-5C2C137C1AE4}" destId="{552DEA89-C539-4395-A106-B0D2CFAEC0C4}" srcOrd="3" destOrd="0" parTransId="{4E93E06C-44D9-4AD8-9417-E359CCD1CC4C}" sibTransId="{C876DB4F-7528-4CCF-83D8-03DA5F64EBB9}"/>
-    <dgm:cxn modelId="{DBEA0B5A-A90D-4DAA-BA5C-9677C4715319}" type="presOf" srcId="{9BC09347-B33D-4979-9BDB-E36C7B30CBBA}" destId="{E63503F8-AAFE-4BAA-8D4E-448F984C98D8}" srcOrd="0" destOrd="0" presId="urn:microsoft.com/office/officeart/2005/8/layout/vList5"/>
-    <dgm:cxn modelId="{C344B9F3-4A37-4607-B718-D2DEBE1D5C6E}" srcId="{9B094859-64CF-43E2-84E3-5C2C137C1AE4}" destId="{9BC09347-B33D-4979-9BDB-E36C7B30CBBA}" srcOrd="2" destOrd="0" parTransId="{A7B10C6A-5E76-4F3B-93CA-9027D009C27B}" sibTransId="{5F6C0C8C-6177-488A-A37D-925D034EFCAC}"/>
-    <dgm:cxn modelId="{2815016F-AA00-4522-9087-9EBE388F41D5}" type="presOf" srcId="{552DEA89-C539-4395-A106-B0D2CFAEC0C4}" destId="{60494F3F-B686-4940-983F-1C72649574BB}" srcOrd="0" destOrd="0" presId="urn:microsoft.com/office/officeart/2005/8/layout/vList5"/>
     <dgm:cxn modelId="{3C1F2102-CD8A-4343-A860-5BE7B6C14B41}" type="presParOf" srcId="{111A599B-EA97-4DC2-BF4C-8A6DA8FE7850}" destId="{FB5F408D-1C69-4101-BD49-63EC282DF85D}" srcOrd="0" destOrd="0" presId="urn:microsoft.com/office/officeart/2005/8/layout/vList5"/>
     <dgm:cxn modelId="{0146E2F0-2E73-4B1D-87B6-71BD2EB64C2D}" type="presParOf" srcId="{FB5F408D-1C69-4101-BD49-63EC282DF85D}" destId="{082BB027-6359-45A9-905C-ACA83F9E48B2}" srcOrd="0" destOrd="0" presId="urn:microsoft.com/office/officeart/2005/8/layout/vList5"/>
     <dgm:cxn modelId="{6035159D-5BC2-47DE-8375-B10C07B88641}" type="presParOf" srcId="{111A599B-EA97-4DC2-BF4C-8A6DA8FE7850}" destId="{1C4285F0-7F7E-4417-BC38-6822BA52F0FF}" srcOrd="1" destOrd="0" presId="urn:microsoft.com/office/officeart/2005/8/layout/vList5"/>
@@ -4292,6 +4317,13 @@
         </dgm:presLayoutVars>
       </dgm:prSet>
       <dgm:spPr/>
+      <dgm:t>
+        <a:bodyPr/>
+        <a:lstStyle/>
+        <a:p>
+          <a:endParaRPr lang="de-DE"/>
+        </a:p>
+      </dgm:t>
     </dgm:pt>
     <dgm:pt modelId="{FB5F408D-1C69-4101-BD49-63EC282DF85D}" type="pres">
       <dgm:prSet presAssocID="{A2B8A66F-00A2-489B-A4AD-A84E9CA6D163}" presName="linNode" presStyleCnt="0"/>
@@ -4344,6 +4376,13 @@
         </dgm:presLayoutVars>
       </dgm:prSet>
       <dgm:spPr/>
+      <dgm:t>
+        <a:bodyPr/>
+        <a:lstStyle/>
+        <a:p>
+          <a:endParaRPr lang="de-DE"/>
+        </a:p>
+      </dgm:t>
     </dgm:pt>
     <dgm:pt modelId="{CFA3EF0F-E32F-4919-8FAD-A97203F6D04C}" type="pres">
       <dgm:prSet presAssocID="{19363DDF-615E-40BE-9E5E-4D3D9BB3CAA6}" presName="descendantText" presStyleLbl="alignAccFollowNode1" presStyleIdx="1" presStyleCnt="4" custScaleY="113084">
@@ -4415,6 +4454,13 @@
         </dgm:presLayoutVars>
       </dgm:prSet>
       <dgm:spPr/>
+      <dgm:t>
+        <a:bodyPr/>
+        <a:lstStyle/>
+        <a:p>
+          <a:endParaRPr lang="de-DE"/>
+        </a:p>
+      </dgm:t>
     </dgm:pt>
     <dgm:pt modelId="{E245088C-AE90-4831-A6ED-F041C588B53D}" type="pres">
       <dgm:prSet presAssocID="{552DEA89-C539-4395-A106-B0D2CFAEC0C4}" presName="descendantText" presStyleLbl="alignAccFollowNode1" presStyleIdx="3" presStyleCnt="4" custScaleY="113084">
@@ -4433,23 +4479,23 @@
     </dgm:pt>
   </dgm:ptLst>
   <dgm:cxnLst>
+    <dgm:cxn modelId="{C344B9F3-4A37-4607-B718-D2DEBE1D5C6E}" srcId="{9B094859-64CF-43E2-84E3-5C2C137C1AE4}" destId="{9BC09347-B33D-4979-9BDB-E36C7B30CBBA}" srcOrd="2" destOrd="0" parTransId="{A7B10C6A-5E76-4F3B-93CA-9027D009C27B}" sibTransId="{5F6C0C8C-6177-488A-A37D-925D034EFCAC}"/>
+    <dgm:cxn modelId="{1238CC98-DD3B-4BC5-8E64-E07E41C97C9D}" type="presOf" srcId="{9B094859-64CF-43E2-84E3-5C2C137C1AE4}" destId="{111A599B-EA97-4DC2-BF4C-8A6DA8FE7850}" srcOrd="0" destOrd="0" presId="urn:microsoft.com/office/officeart/2005/8/layout/vList5"/>
+    <dgm:cxn modelId="{2FB3C88A-9F6A-4884-BD03-9BB760CC7590}" type="presOf" srcId="{3E96148D-D17F-4733-B179-D5496FEB499F}" destId="{CFA3EF0F-E32F-4919-8FAD-A97203F6D04C}" srcOrd="0" destOrd="0" presId="urn:microsoft.com/office/officeart/2005/8/layout/vList5"/>
+    <dgm:cxn modelId="{D44312E4-74CF-4B2F-910B-7E06C9D55ABE}" srcId="{9BC09347-B33D-4979-9BDB-E36C7B30CBBA}" destId="{B6DB679C-C865-4F82-8C1F-D10AFF82174F}" srcOrd="0" destOrd="0" parTransId="{6A858F0D-FB09-4262-B0BC-A93F9ED5665B}" sibTransId="{50B38557-20D0-4551-87B9-BE63C766CC2B}"/>
+    <dgm:cxn modelId="{07548154-88E8-498A-AA67-0666225A42F3}" type="presOf" srcId="{B6DB679C-C865-4F82-8C1F-D10AFF82174F}" destId="{E27B0244-D2DB-48D7-866A-10FF9AEA5537}" srcOrd="0" destOrd="0" presId="urn:microsoft.com/office/officeart/2005/8/layout/vList5"/>
+    <dgm:cxn modelId="{5DBE8F18-B1E3-4C1C-B9C5-D6072DA8DAC6}" srcId="{A2B8A66F-00A2-489B-A4AD-A84E9CA6D163}" destId="{AA94DCE6-9613-4387-A2D5-632A9737BADF}" srcOrd="0" destOrd="0" parTransId="{16998827-5D9C-407F-AD34-E83863D575A6}" sibTransId="{1AEE6D3F-9838-4279-9EE3-704CEEEF7BDA}"/>
+    <dgm:cxn modelId="{CFD02CDB-2973-4533-A1B6-42DD5AE69130}" type="presOf" srcId="{9BC09347-B33D-4979-9BDB-E36C7B30CBBA}" destId="{E63503F8-AAFE-4BAA-8D4E-448F984C98D8}" srcOrd="0" destOrd="0" presId="urn:microsoft.com/office/officeart/2005/8/layout/vList5"/>
     <dgm:cxn modelId="{5C7C83F4-A3F9-46C8-B997-B717E9651361}" srcId="{9B094859-64CF-43E2-84E3-5C2C137C1AE4}" destId="{A2B8A66F-00A2-489B-A4AD-A84E9CA6D163}" srcOrd="0" destOrd="0" parTransId="{AA678909-AD5D-469C-AFA9-69B96C003BBB}" sibTransId="{90EDBD5F-B7B0-45C8-859F-7ED3086B50DC}"/>
-    <dgm:cxn modelId="{1238CC98-DD3B-4BC5-8E64-E07E41C97C9D}" type="presOf" srcId="{9B094859-64CF-43E2-84E3-5C2C137C1AE4}" destId="{111A599B-EA97-4DC2-BF4C-8A6DA8FE7850}" srcOrd="0" destOrd="0" presId="urn:microsoft.com/office/officeart/2005/8/layout/vList5"/>
+    <dgm:cxn modelId="{58F648DC-CBC0-4F7D-9463-921B95CC3EBD}" type="presOf" srcId="{AA94DCE6-9613-4387-A2D5-632A9737BADF}" destId="{748CF2E3-6A35-43D7-9F44-D9F9BA74867A}" srcOrd="0" destOrd="0" presId="urn:microsoft.com/office/officeart/2005/8/layout/vList5"/>
+    <dgm:cxn modelId="{0E21A504-B936-4C33-8A75-641DA3707E7F}" srcId="{9B094859-64CF-43E2-84E3-5C2C137C1AE4}" destId="{552DEA89-C539-4395-A106-B0D2CFAEC0C4}" srcOrd="3" destOrd="0" parTransId="{4E93E06C-44D9-4AD8-9417-E359CCD1CC4C}" sibTransId="{C876DB4F-7528-4CCF-83D8-03DA5F64EBB9}"/>
+    <dgm:cxn modelId="{D3E52FCE-6791-42F8-8BA3-A14ED795C0FF}" srcId="{19363DDF-615E-40BE-9E5E-4D3D9BB3CAA6}" destId="{3E96148D-D17F-4733-B179-D5496FEB499F}" srcOrd="0" destOrd="0" parTransId="{C9943526-A6EC-4E5C-A1CC-CC84EBBB7DA9}" sibTransId="{3601115B-4296-4145-87CC-E83BC373ECBB}"/>
+    <dgm:cxn modelId="{9DFE0D66-237A-43A5-96DF-5C339908DAEB}" type="presOf" srcId="{552DEA89-C539-4395-A106-B0D2CFAEC0C4}" destId="{60494F3F-B686-4940-983F-1C72649574BB}" srcOrd="0" destOrd="0" presId="urn:microsoft.com/office/officeart/2005/8/layout/vList5"/>
+    <dgm:cxn modelId="{B4147CAF-6A66-4AD5-80B9-30BC3C4F17E1}" srcId="{9B094859-64CF-43E2-84E3-5C2C137C1AE4}" destId="{19363DDF-615E-40BE-9E5E-4D3D9BB3CAA6}" srcOrd="1" destOrd="0" parTransId="{E3A5C0A8-31A9-48E7-92DB-42DF2B29BAB1}" sibTransId="{CFCE6456-C4BB-4A14-8C1A-685F7BEA0B87}"/>
+    <dgm:cxn modelId="{AF8074F0-6C38-48A7-805C-55687DF824B0}" type="presOf" srcId="{19363DDF-615E-40BE-9E5E-4D3D9BB3CAA6}" destId="{87CD7CF8-79B5-416A-967B-F89FBA3DBED1}" srcOrd="0" destOrd="0" presId="urn:microsoft.com/office/officeart/2005/8/layout/vList5"/>
     <dgm:cxn modelId="{3FBAE32D-5A06-464F-ABD0-A3B333C789B5}" type="presOf" srcId="{A2B8A66F-00A2-489B-A4AD-A84E9CA6D163}" destId="{082BB027-6359-45A9-905C-ACA83F9E48B2}" srcOrd="0" destOrd="0" presId="urn:microsoft.com/office/officeart/2005/8/layout/vList5"/>
-    <dgm:cxn modelId="{07548154-88E8-498A-AA67-0666225A42F3}" type="presOf" srcId="{B6DB679C-C865-4F82-8C1F-D10AFF82174F}" destId="{E27B0244-D2DB-48D7-866A-10FF9AEA5537}" srcOrd="0" destOrd="0" presId="urn:microsoft.com/office/officeart/2005/8/layout/vList5"/>
-    <dgm:cxn modelId="{B4147CAF-6A66-4AD5-80B9-30BC3C4F17E1}" srcId="{9B094859-64CF-43E2-84E3-5C2C137C1AE4}" destId="{19363DDF-615E-40BE-9E5E-4D3D9BB3CAA6}" srcOrd="1" destOrd="0" parTransId="{E3A5C0A8-31A9-48E7-92DB-42DF2B29BAB1}" sibTransId="{CFCE6456-C4BB-4A14-8C1A-685F7BEA0B87}"/>
-    <dgm:cxn modelId="{D44312E4-74CF-4B2F-910B-7E06C9D55ABE}" srcId="{9BC09347-B33D-4979-9BDB-E36C7B30CBBA}" destId="{B6DB679C-C865-4F82-8C1F-D10AFF82174F}" srcOrd="0" destOrd="0" parTransId="{6A858F0D-FB09-4262-B0BC-A93F9ED5665B}" sibTransId="{50B38557-20D0-4551-87B9-BE63C766CC2B}"/>
-    <dgm:cxn modelId="{5DBE8F18-B1E3-4C1C-B9C5-D6072DA8DAC6}" srcId="{A2B8A66F-00A2-489B-A4AD-A84E9CA6D163}" destId="{AA94DCE6-9613-4387-A2D5-632A9737BADF}" srcOrd="0" destOrd="0" parTransId="{16998827-5D9C-407F-AD34-E83863D575A6}" sibTransId="{1AEE6D3F-9838-4279-9EE3-704CEEEF7BDA}"/>
     <dgm:cxn modelId="{D8507855-EDC0-4B24-8975-AA8ED513D6EA}" srcId="{552DEA89-C539-4395-A106-B0D2CFAEC0C4}" destId="{0FFFF5FF-ECD8-4251-967E-29766560BAB1}" srcOrd="0" destOrd="0" parTransId="{9F8A1712-A2E8-4AF2-A489-94AF313D43D8}" sibTransId="{26B373E8-6879-45CB-BE35-1AF6147F2A70}"/>
     <dgm:cxn modelId="{5CE65E79-61FC-4AF2-8D8E-41174F0D462E}" type="presOf" srcId="{0FFFF5FF-ECD8-4251-967E-29766560BAB1}" destId="{E245088C-AE90-4831-A6ED-F041C588B53D}" srcOrd="0" destOrd="0" presId="urn:microsoft.com/office/officeart/2005/8/layout/vList5"/>
-    <dgm:cxn modelId="{D3E52FCE-6791-42F8-8BA3-A14ED795C0FF}" srcId="{19363DDF-615E-40BE-9E5E-4D3D9BB3CAA6}" destId="{3E96148D-D17F-4733-B179-D5496FEB499F}" srcOrd="0" destOrd="0" parTransId="{C9943526-A6EC-4E5C-A1CC-CC84EBBB7DA9}" sibTransId="{3601115B-4296-4145-87CC-E83BC373ECBB}"/>
-    <dgm:cxn modelId="{AF8074F0-6C38-48A7-805C-55687DF824B0}" type="presOf" srcId="{19363DDF-615E-40BE-9E5E-4D3D9BB3CAA6}" destId="{87CD7CF8-79B5-416A-967B-F89FBA3DBED1}" srcOrd="0" destOrd="0" presId="urn:microsoft.com/office/officeart/2005/8/layout/vList5"/>
-    <dgm:cxn modelId="{0E21A504-B936-4C33-8A75-641DA3707E7F}" srcId="{9B094859-64CF-43E2-84E3-5C2C137C1AE4}" destId="{552DEA89-C539-4395-A106-B0D2CFAEC0C4}" srcOrd="3" destOrd="0" parTransId="{4E93E06C-44D9-4AD8-9417-E359CCD1CC4C}" sibTransId="{C876DB4F-7528-4CCF-83D8-03DA5F64EBB9}"/>
-    <dgm:cxn modelId="{58F648DC-CBC0-4F7D-9463-921B95CC3EBD}" type="presOf" srcId="{AA94DCE6-9613-4387-A2D5-632A9737BADF}" destId="{748CF2E3-6A35-43D7-9F44-D9F9BA74867A}" srcOrd="0" destOrd="0" presId="urn:microsoft.com/office/officeart/2005/8/layout/vList5"/>
-    <dgm:cxn modelId="{2FB3C88A-9F6A-4884-BD03-9BB760CC7590}" type="presOf" srcId="{3E96148D-D17F-4733-B179-D5496FEB499F}" destId="{CFA3EF0F-E32F-4919-8FAD-A97203F6D04C}" srcOrd="0" destOrd="0" presId="urn:microsoft.com/office/officeart/2005/8/layout/vList5"/>
-    <dgm:cxn modelId="{C344B9F3-4A37-4607-B718-D2DEBE1D5C6E}" srcId="{9B094859-64CF-43E2-84E3-5C2C137C1AE4}" destId="{9BC09347-B33D-4979-9BDB-E36C7B30CBBA}" srcOrd="2" destOrd="0" parTransId="{A7B10C6A-5E76-4F3B-93CA-9027D009C27B}" sibTransId="{5F6C0C8C-6177-488A-A37D-925D034EFCAC}"/>
-    <dgm:cxn modelId="{CFD02CDB-2973-4533-A1B6-42DD5AE69130}" type="presOf" srcId="{9BC09347-B33D-4979-9BDB-E36C7B30CBBA}" destId="{E63503F8-AAFE-4BAA-8D4E-448F984C98D8}" srcOrd="0" destOrd="0" presId="urn:microsoft.com/office/officeart/2005/8/layout/vList5"/>
-    <dgm:cxn modelId="{9DFE0D66-237A-43A5-96DF-5C339908DAEB}" type="presOf" srcId="{552DEA89-C539-4395-A106-B0D2CFAEC0C4}" destId="{60494F3F-B686-4940-983F-1C72649574BB}" srcOrd="0" destOrd="0" presId="urn:microsoft.com/office/officeart/2005/8/layout/vList5"/>
     <dgm:cxn modelId="{FEB22461-8010-4025-BB89-E548578DD158}" type="presParOf" srcId="{111A599B-EA97-4DC2-BF4C-8A6DA8FE7850}" destId="{FB5F408D-1C69-4101-BD49-63EC282DF85D}" srcOrd="0" destOrd="0" presId="urn:microsoft.com/office/officeart/2005/8/layout/vList5"/>
     <dgm:cxn modelId="{275A771A-21D5-4DC7-9CAB-0A95300CE05A}" type="presParOf" srcId="{FB5F408D-1C69-4101-BD49-63EC282DF85D}" destId="{082BB027-6359-45A9-905C-ACA83F9E48B2}" srcOrd="0" destOrd="0" presId="urn:microsoft.com/office/officeart/2005/8/layout/vList5"/>
     <dgm:cxn modelId="{0416CEA8-FF54-4859-AB33-869C41B0E859}" type="presParOf" srcId="{FB5F408D-1C69-4101-BD49-63EC282DF85D}" destId="{748CF2E3-6A35-43D7-9F44-D9F9BA74867A}" srcOrd="1" destOrd="0" presId="urn:microsoft.com/office/officeart/2005/8/layout/vList5"/>
@@ -11424,7 +11470,7 @@
             <a:fld id="{E8A24FED-46CF-4A09-B1CC-1E0B6DF6FD6A}" type="datetimeFigureOut">
               <a:rPr lang="de-DE" smtClean="0"/>
               <a:pPr/>
-              <a:t>26.04.2016</a:t>
+              <a:t>29.04.2016</a:t>
             </a:fld>
             <a:endParaRPr lang="de-DE"/>
           </a:p>
@@ -12728,7 +12774,7 @@
             <a:fld id="{6824E8E0-4EA7-4878-AE2A-C2C03E66CD52}" type="datetimeFigureOut">
               <a:rPr lang="de-DE" smtClean="0"/>
               <a:pPr/>
-              <a:t>26.04.2016</a:t>
+              <a:t>29.04.2016</a:t>
             </a:fld>
             <a:endParaRPr lang="de-DE"/>
           </a:p>
@@ -12913,7 +12959,7 @@
             <a:fld id="{6824E8E0-4EA7-4878-AE2A-C2C03E66CD52}" type="datetimeFigureOut">
               <a:rPr lang="de-DE" smtClean="0"/>
               <a:pPr/>
-              <a:t>26.04.2016</a:t>
+              <a:t>29.04.2016</a:t>
             </a:fld>
             <a:endParaRPr lang="de-DE"/>
           </a:p>
@@ -13090,7 +13136,7 @@
             <a:fld id="{6824E8E0-4EA7-4878-AE2A-C2C03E66CD52}" type="datetimeFigureOut">
               <a:rPr lang="de-DE" smtClean="0"/>
               <a:pPr/>
-              <a:t>26.04.2016</a:t>
+              <a:t>29.04.2016</a:t>
             </a:fld>
             <a:endParaRPr lang="de-DE"/>
           </a:p>
@@ -13257,7 +13303,7 @@
             <a:fld id="{6824E8E0-4EA7-4878-AE2A-C2C03E66CD52}" type="datetimeFigureOut">
               <a:rPr lang="de-DE" smtClean="0"/>
               <a:pPr/>
-              <a:t>26.04.2016</a:t>
+              <a:t>29.04.2016</a:t>
             </a:fld>
             <a:endParaRPr lang="de-DE"/>
           </a:p>
@@ -13480,7 +13526,7 @@
             <a:fld id="{6824E8E0-4EA7-4878-AE2A-C2C03E66CD52}" type="datetimeFigureOut">
               <a:rPr lang="de-DE" smtClean="0"/>
               <a:pPr/>
-              <a:t>26.04.2016</a:t>
+              <a:t>29.04.2016</a:t>
             </a:fld>
             <a:endParaRPr lang="de-DE"/>
           </a:p>
@@ -13741,7 +13787,7 @@
             <a:fld id="{6824E8E0-4EA7-4878-AE2A-C2C03E66CD52}" type="datetimeFigureOut">
               <a:rPr lang="de-DE" smtClean="0"/>
               <a:pPr/>
-              <a:t>26.04.2016</a:t>
+              <a:t>29.04.2016</a:t>
             </a:fld>
             <a:endParaRPr lang="de-DE"/>
           </a:p>
@@ -14147,7 +14193,7 @@
             <a:fld id="{6824E8E0-4EA7-4878-AE2A-C2C03E66CD52}" type="datetimeFigureOut">
               <a:rPr lang="de-DE" smtClean="0"/>
               <a:pPr/>
-              <a:t>26.04.2016</a:t>
+              <a:t>29.04.2016</a:t>
             </a:fld>
             <a:endParaRPr lang="de-DE"/>
           </a:p>
@@ -14280,7 +14326,7 @@
             <a:fld id="{6824E8E0-4EA7-4878-AE2A-C2C03E66CD52}" type="datetimeFigureOut">
               <a:rPr lang="de-DE" smtClean="0"/>
               <a:pPr/>
-              <a:t>26.04.2016</a:t>
+              <a:t>29.04.2016</a:t>
             </a:fld>
             <a:endParaRPr lang="de-DE"/>
           </a:p>
@@ -14382,7 +14428,7 @@
             <a:fld id="{6824E8E0-4EA7-4878-AE2A-C2C03E66CD52}" type="datetimeFigureOut">
               <a:rPr lang="de-DE" smtClean="0"/>
               <a:pPr/>
-              <a:t>26.04.2016</a:t>
+              <a:t>29.04.2016</a:t>
             </a:fld>
             <a:endParaRPr lang="de-DE"/>
           </a:p>
@@ -14629,7 +14675,7 @@
             <a:fld id="{6824E8E0-4EA7-4878-AE2A-C2C03E66CD52}" type="datetimeFigureOut">
               <a:rPr lang="de-DE" smtClean="0"/>
               <a:pPr/>
-              <a:t>26.04.2016</a:t>
+              <a:t>29.04.2016</a:t>
             </a:fld>
             <a:endParaRPr lang="de-DE"/>
           </a:p>
@@ -14875,7 +14921,7 @@
             <a:fld id="{6824E8E0-4EA7-4878-AE2A-C2C03E66CD52}" type="datetimeFigureOut">
               <a:rPr lang="de-DE" smtClean="0"/>
               <a:pPr/>
-              <a:t>26.04.2016</a:t>
+              <a:t>29.04.2016</a:t>
             </a:fld>
             <a:endParaRPr lang="de-DE"/>
           </a:p>
@@ -15701,7 +15747,7 @@
             <a:fld id="{6824E8E0-4EA7-4878-AE2A-C2C03E66CD52}" type="datetimeFigureOut">
               <a:rPr lang="de-DE" smtClean="0"/>
               <a:pPr/>
-              <a:t>26.04.2016</a:t>
+              <a:t>29.04.2016</a:t>
             </a:fld>
             <a:endParaRPr lang="de-DE"/>
           </a:p>
@@ -18039,15 +18085,7 @@
                   <a:schemeClr val="accent2"/>
                 </a:solidFill>
               </a:rPr>
-              <a:t>Static and dynamic component </a:t>
-            </a:r>
-            <a:r>
-              <a:rPr lang="en-US" dirty="0" smtClean="0">
-                <a:solidFill>
-                  <a:schemeClr val="accent2"/>
-                </a:solidFill>
-              </a:rPr>
-              <a:t>configuration</a:t>
+              <a:t>Static and dynamic component configuration</a:t>
             </a:r>
             <a:br>
               <a:rPr lang="en-US" dirty="0" smtClean="0">
@@ -18295,6 +18333,13 @@
   <p:clrMapOvr>
     <a:masterClrMapping/>
   </p:clrMapOvr>
+  <p:timing>
+    <p:tnLst>
+      <p:par>
+        <p:cTn id="1" dur="indefinite" restart="never" nodeType="tmRoot"/>
+      </p:par>
+    </p:tnLst>
+  </p:timing>
 </p:sld>
 </file>
 
@@ -18444,11 +18489,7 @@
               </a:pPr>
               <a:r>
                 <a:rPr lang="en-US" sz="1400" dirty="0" smtClean="0"/>
-                <a:t> Extension </a:t>
-              </a:r>
-              <a:r>
-                <a:rPr lang="en-US" sz="1400" dirty="0" smtClean="0"/>
-                <a:t>Interface</a:t>
+                <a:t> Extension Interface</a:t>
               </a:r>
               <a:endParaRPr lang="en-US" sz="1400" dirty="0"/>
             </a:p>
@@ -18484,7 +18525,6 @@
                 <a:rPr lang="en-US" sz="1400" dirty="0" smtClean="0"/>
                 <a:t> Reactor</a:t>
               </a:r>
-              <a:endParaRPr lang="en-US" sz="1400" dirty="0" smtClean="0"/>
             </a:p>
             <a:p>
               <a:pPr lvl="0">
@@ -18522,11 +18562,7 @@
               </a:br>
               <a:r>
                 <a:rPr lang="en-US" sz="1400" dirty="0" smtClean="0"/>
-                <a:t>  Completion </a:t>
-              </a:r>
-              <a:r>
-                <a:rPr lang="en-US" sz="1400" dirty="0" smtClean="0"/>
-                <a:t>Token</a:t>
+                <a:t>  Completion Token</a:t>
               </a:r>
             </a:p>
             <a:p>
@@ -18570,11 +18606,7 @@
               </a:pPr>
               <a:r>
                 <a:rPr lang="en-US" sz="1400" dirty="0" smtClean="0"/>
-                <a:t> Scoped </a:t>
-              </a:r>
-              <a:r>
-                <a:rPr lang="en-US" sz="1400" dirty="0" smtClean="0"/>
-                <a:t>Locking</a:t>
+                <a:t> Scoped Locking</a:t>
               </a:r>
             </a:p>
             <a:p>
@@ -18601,11 +18633,7 @@
               </a:pPr>
               <a:r>
                 <a:rPr lang="en-US" sz="1400" dirty="0" smtClean="0"/>
-                <a:t> Thread-Safe </a:t>
-              </a:r>
-              <a:r>
-                <a:rPr lang="en-US" sz="1400" dirty="0" smtClean="0"/>
-                <a:t>Interface</a:t>
+                <a:t> Thread-Safe Interface</a:t>
               </a:r>
             </a:p>
             <a:p>
@@ -18656,11 +18684,7 @@
               </a:pPr>
               <a:r>
                 <a:rPr lang="en-US" sz="1400" dirty="0" smtClean="0"/>
-                <a:t> Active </a:t>
-              </a:r>
-              <a:r>
-                <a:rPr lang="en-US" sz="1400" dirty="0" smtClean="0"/>
-                <a:t>Object</a:t>
+                <a:t> Active Object</a:t>
               </a:r>
             </a:p>
             <a:p>
@@ -18670,11 +18694,7 @@
               </a:pPr>
               <a:r>
                 <a:rPr lang="en-US" sz="1400" dirty="0" smtClean="0"/>
-                <a:t> Monitor </a:t>
-              </a:r>
-              <a:r>
-                <a:rPr lang="en-US" sz="1400" dirty="0" smtClean="0"/>
-                <a:t>Object</a:t>
+                <a:t> Monitor Object</a:t>
               </a:r>
             </a:p>
             <a:p>
@@ -18701,7 +18721,6 @@
                 <a:rPr lang="en-US" sz="1400" dirty="0" smtClean="0"/>
                 <a:t> Leader/Followers</a:t>
               </a:r>
-              <a:endParaRPr lang="en-US" sz="1400" dirty="0" smtClean="0"/>
             </a:p>
             <a:p>
               <a:pPr lvl="0">
@@ -18710,11 +18729,7 @@
               </a:pPr>
               <a:r>
                 <a:rPr lang="en-US" sz="1400" dirty="0" smtClean="0"/>
-                <a:t> Thread-Specific </a:t>
-              </a:r>
-              <a:r>
-                <a:rPr lang="en-US" sz="1400" dirty="0" smtClean="0"/>
-                <a:t>Storage</a:t>
+                <a:t> Thread-Specific Storage</a:t>
               </a:r>
               <a:endParaRPr lang="en-US" sz="1400" dirty="0"/>
             </a:p>
@@ -18726,6 +18741,13 @@
   <p:clrMapOvr>
     <a:masterClrMapping/>
   </p:clrMapOvr>
+  <p:timing>
+    <p:tnLst>
+      <p:par>
+        <p:cTn id="1" dur="indefinite" restart="never" nodeType="tmRoot"/>
+      </p:par>
+    </p:tnLst>
+  </p:timing>
 </p:sld>
 </file>
 
@@ -18765,11 +18787,7 @@
           <a:p>
             <a:r>
               <a:rPr lang="en-US" dirty="0" smtClean="0"/>
-              <a:t>Important </a:t>
-            </a:r>
-            <a:r>
-              <a:rPr lang="en-US" dirty="0" smtClean="0"/>
-              <a:t>Patterns</a:t>
+              <a:t>Important Patterns</a:t>
             </a:r>
             <a:endParaRPr lang="en-US" dirty="0"/>
           </a:p>
@@ -18799,7 +18817,6 @@
               <a:rPr lang="en-US" dirty="0" smtClean="0"/>
               <a:t>Wrapper Facade</a:t>
             </a:r>
-            <a:endParaRPr lang="en-US" dirty="0" smtClean="0"/>
           </a:p>
           <a:p>
             <a:pPr lvl="2"/>
@@ -18809,15 +18826,7 @@
                   <a:schemeClr val="accent2"/>
                 </a:solidFill>
               </a:rPr>
-              <a:t>Encapsulate low-level functions </a:t>
-            </a:r>
-            <a:r>
-              <a:rPr lang="en-US" dirty="0" smtClean="0">
-                <a:solidFill>
-                  <a:schemeClr val="accent2"/>
-                </a:solidFill>
-              </a:rPr>
-              <a:t>within OO class interfaces</a:t>
+              <a:t>Encapsulate low-level functions within OO class interfaces</a:t>
             </a:r>
           </a:p>
           <a:p>
@@ -19230,11 +19239,7 @@
           <a:p>
             <a:r>
               <a:rPr lang="en-US" dirty="0" smtClean="0"/>
-              <a:t>Important </a:t>
-            </a:r>
-            <a:r>
-              <a:rPr lang="en-US" dirty="0" smtClean="0"/>
-              <a:t>Patterns</a:t>
+              <a:t>Important Patterns</a:t>
             </a:r>
             <a:endParaRPr lang="en-US" dirty="0"/>
           </a:p>
@@ -19538,11 +19543,7 @@
           <a:p>
             <a:r>
               <a:rPr lang="en-US" dirty="0" smtClean="0"/>
-              <a:t>Important </a:t>
-            </a:r>
-            <a:r>
-              <a:rPr lang="en-US" dirty="0" smtClean="0"/>
-              <a:t>Patterns</a:t>
+              <a:t>Important Patterns</a:t>
             </a:r>
             <a:endParaRPr lang="en-US" dirty="0"/>
           </a:p>
@@ -19570,11 +19571,7 @@
           <a:p>
             <a:r>
               <a:rPr lang="en-US" dirty="0" smtClean="0"/>
-              <a:t>Double-Checked </a:t>
-            </a:r>
-            <a:r>
-              <a:rPr lang="en-US" dirty="0" smtClean="0"/>
-              <a:t>Locking Optimization</a:t>
+              <a:t>Double-Checked Locking Optimization</a:t>
             </a:r>
           </a:p>
           <a:p>
@@ -20169,6 +20166,32 @@
           <a:chExt cx="0" cy="0"/>
         </a:xfrm>
       </p:grpSpPr>
+      <p:pic>
+        <p:nvPicPr>
+          <p:cNvPr id="2052" name="Picture 4" descr="http://www.codeguru.com/images/article/18981/Classes.gif"/>
+          <p:cNvPicPr>
+            <a:picLocks noChangeAspect="1" noChangeArrowheads="1"/>
+          </p:cNvPicPr>
+          <p:nvPr/>
+        </p:nvPicPr>
+        <p:blipFill>
+          <a:blip r:embed="rId2" cstate="print"/>
+          <a:srcRect/>
+          <a:stretch>
+            <a:fillRect/>
+          </a:stretch>
+        </p:blipFill>
+        <p:spPr bwMode="auto">
+          <a:xfrm>
+            <a:off x="2555776" y="3933056"/>
+            <a:ext cx="4032448" cy="3054054"/>
+          </a:xfrm>
+          <a:prstGeom prst="rect">
+            <a:avLst/>
+          </a:prstGeom>
+          <a:noFill/>
+        </p:spPr>
+      </p:pic>
       <p:sp>
         <p:nvSpPr>
           <p:cNvPr id="2" name="Titel 1"/>
@@ -20188,11 +20211,7 @@
           <a:p>
             <a:r>
               <a:rPr lang="en-US" dirty="0" smtClean="0"/>
-              <a:t>Important </a:t>
-            </a:r>
-            <a:r>
-              <a:rPr lang="en-US" dirty="0" smtClean="0"/>
-              <a:t>Patterns</a:t>
+              <a:t>Important Patterns</a:t>
             </a:r>
             <a:endParaRPr lang="en-US" dirty="0"/>
           </a:p>
@@ -20222,7 +20241,6 @@
               <a:rPr lang="en-US" dirty="0" smtClean="0"/>
               <a:t>Active Object / Concurrent Object</a:t>
             </a:r>
-            <a:endParaRPr lang="en-US" dirty="0" smtClean="0"/>
           </a:p>
           <a:p>
             <a:pPr lvl="2"/>
@@ -20237,6 +20255,10 @@
               <a:rPr lang="en-US" dirty="0" smtClean="0"/>
               <a:t>Enhances concurrency and simplifies synchronized access to an object in its own thread of control</a:t>
             </a:r>
+          </a:p>
+          <a:p>
+            <a:pPr lvl="2"/>
+            <a:endParaRPr lang="en-US" dirty="0" smtClean="0"/>
           </a:p>
         </p:txBody>
       </p:sp>
@@ -20362,52 +20384,6 @@
           </p:txBody>
         </p:sp>
       </p:grpSp>
-      <p:sp>
-        <p:nvSpPr>
-          <p:cNvPr id="7" name="Ellipse 6"/>
-          <p:cNvSpPr/>
-          <p:nvPr/>
-        </p:nvSpPr>
-        <p:spPr>
-          <a:xfrm>
-            <a:off x="179512" y="5877272"/>
-            <a:ext cx="1584176" cy="864096"/>
-          </a:xfrm>
-          <a:prstGeom prst="ellipse">
-            <a:avLst/>
-          </a:prstGeom>
-        </p:spPr>
-        <p:style>
-          <a:lnRef idx="1">
-            <a:schemeClr val="accent5"/>
-          </a:lnRef>
-          <a:fillRef idx="3">
-            <a:schemeClr val="accent5"/>
-          </a:fillRef>
-          <a:effectRef idx="2">
-            <a:schemeClr val="accent5"/>
-          </a:effectRef>
-          <a:fontRef idx="minor">
-            <a:schemeClr val="lt1"/>
-          </a:fontRef>
-        </p:style>
-        <p:txBody>
-          <a:bodyPr rtlCol="0" anchor="ctr"/>
-          <a:lstStyle/>
-          <a:p>
-            <a:pPr algn="ctr"/>
-            <a:r>
-              <a:rPr lang="en-US" spc="-120" dirty="0" smtClean="0">
-                <a:latin typeface="Consolas" pitchFamily="49" charset="0"/>
-              </a:rPr>
-              <a:t>Future/ Promise</a:t>
-            </a:r>
-            <a:endParaRPr lang="en-US" spc="-120" dirty="0">
-              <a:latin typeface="Consolas" pitchFamily="49" charset="0"/>
-            </a:endParaRPr>
-          </a:p>
-        </p:txBody>
-      </p:sp>
     </p:spTree>
   </p:cSld>
   <p:clrMapOvr>
@@ -20455,11 +20431,7 @@
           <a:bodyPr/>
           <a:lstStyle/>
           <a:p>
-            <a:r>
-              <a:rPr lang="en-US" smtClean="0"/>
-              <a:t>Sources</a:t>
-            </a:r>
-            <a:endParaRPr lang="en-US"/>
+            <a:endParaRPr lang="de-DE"/>
           </a:p>
         </p:txBody>
       </p:sp>
@@ -20478,32 +20450,1018 @@
           <a:bodyPr/>
           <a:lstStyle/>
           <a:p>
+            <a:endParaRPr lang="de-DE"/>
+          </a:p>
+        </p:txBody>
+      </p:sp>
+      <p:pic>
+        <p:nvPicPr>
+          <p:cNvPr id="4" name="Picture 2" descr="http://image.slidesharecdn.com/activeobject-presentation-120301221004-phpapp02/95/active-object-design-pattern-4-638.jpg?cb=1369843883"/>
+          <p:cNvPicPr>
+            <a:picLocks noChangeAspect="1" noChangeArrowheads="1"/>
+          </p:cNvPicPr>
+          <p:nvPr/>
+        </p:nvPicPr>
+        <p:blipFill>
+          <a:blip r:embed="rId2" cstate="print"/>
+          <a:srcRect/>
+          <a:stretch>
+            <a:fillRect/>
+          </a:stretch>
+        </p:blipFill>
+        <p:spPr bwMode="auto">
+          <a:xfrm>
+            <a:off x="0" y="-72431"/>
+            <a:ext cx="9230928" cy="6930431"/>
+          </a:xfrm>
+          <a:prstGeom prst="rect">
+            <a:avLst/>
+          </a:prstGeom>
+          <a:noFill/>
+        </p:spPr>
+      </p:pic>
+    </p:spTree>
+  </p:cSld>
+  <p:clrMapOvr>
+    <a:masterClrMapping/>
+  </p:clrMapOvr>
+  <p:timing>
+    <p:tnLst>
+      <p:par>
+        <p:cTn id="1" dur="indefinite" restart="never" nodeType="tmRoot"/>
+      </p:par>
+    </p:tnLst>
+  </p:timing>
+</p:sld>
+</file>
+
+<file path=ppt/slides/slide26.xml><?xml version="1.0" encoding="utf-8"?>
+<p:sld xmlns:a="http://schemas.openxmlformats.org/drawingml/2006/main" xmlns:r="http://schemas.openxmlformats.org/officeDocument/2006/relationships" xmlns:p="http://schemas.openxmlformats.org/presentationml/2006/main">
+  <p:cSld>
+    <p:spTree>
+      <p:nvGrpSpPr>
+        <p:cNvPr id="1" name=""/>
+        <p:cNvGrpSpPr/>
+        <p:nvPr/>
+      </p:nvGrpSpPr>
+      <p:grpSpPr>
+        <a:xfrm>
+          <a:off x="0" y="0"/>
+          <a:ext cx="0" cy="0"/>
+          <a:chOff x="0" y="0"/>
+          <a:chExt cx="0" cy="0"/>
+        </a:xfrm>
+      </p:grpSpPr>
+      <p:pic>
+        <p:nvPicPr>
+          <p:cNvPr id="43011" name="Picture 3" descr="E:\Sebastian\Documents\DHBW\eclipse-workspace\ActiveObjectDemo\uml\Synchronous.png"/>
+          <p:cNvPicPr>
+            <a:picLocks noChangeAspect="1" noChangeArrowheads="1"/>
+          </p:cNvPicPr>
+          <p:nvPr/>
+        </p:nvPicPr>
+        <p:blipFill>
+          <a:blip r:embed="rId2" cstate="print"/>
+          <a:srcRect/>
+          <a:stretch>
+            <a:fillRect/>
+          </a:stretch>
+        </p:blipFill>
+        <p:spPr bwMode="auto">
+          <a:xfrm>
+            <a:off x="4860032" y="2974057"/>
+            <a:ext cx="4295775" cy="2543175"/>
+          </a:xfrm>
+          <a:prstGeom prst="rect">
+            <a:avLst/>
+          </a:prstGeom>
+          <a:noFill/>
+        </p:spPr>
+      </p:pic>
+      <p:sp>
+        <p:nvSpPr>
+          <p:cNvPr id="2" name="Titel 1"/>
+          <p:cNvSpPr>
+            <a:spLocks noGrp="1"/>
+          </p:cNvSpPr>
+          <p:nvPr>
+            <p:ph type="title"/>
+          </p:nvPr>
+        </p:nvSpPr>
+        <p:spPr/>
+        <p:txBody>
+          <a:bodyPr/>
+          <a:lstStyle/>
+          <a:p>
+            <a:r>
+              <a:rPr lang="de-DE" dirty="0" err="1" smtClean="0"/>
+              <a:t>Active</a:t>
+            </a:r>
+            <a:r>
+              <a:rPr lang="de-DE" dirty="0" smtClean="0"/>
+              <a:t> </a:t>
+            </a:r>
+            <a:r>
+              <a:rPr lang="de-DE" dirty="0" err="1" smtClean="0"/>
+              <a:t>Object</a:t>
+            </a:r>
+            <a:r>
+              <a:rPr lang="de-DE" dirty="0" smtClean="0"/>
+              <a:t> Pattern</a:t>
+            </a:r>
+            <a:endParaRPr lang="de-DE" dirty="0"/>
+          </a:p>
+        </p:txBody>
+      </p:sp>
+      <p:sp>
+        <p:nvSpPr>
+          <p:cNvPr id="3" name="Inhaltsplatzhalter 2"/>
+          <p:cNvSpPr>
+            <a:spLocks noGrp="1"/>
+          </p:cNvSpPr>
+          <p:nvPr>
+            <p:ph idx="1"/>
+          </p:nvPr>
+        </p:nvSpPr>
+        <p:spPr>
+          <a:xfrm>
+            <a:off x="457200" y="2249424"/>
+            <a:ext cx="4618856" cy="4325112"/>
+          </a:xfrm>
+        </p:spPr>
+        <p:txBody>
+          <a:bodyPr/>
+          <a:lstStyle/>
+          <a:p>
+            <a:r>
+              <a:rPr lang="de-DE" dirty="0" smtClean="0"/>
+              <a:t>Simple </a:t>
+            </a:r>
+            <a:r>
+              <a:rPr lang="de-DE" dirty="0" err="1" smtClean="0"/>
+              <a:t>demo</a:t>
+            </a:r>
+            <a:r>
+              <a:rPr lang="de-DE" dirty="0" smtClean="0"/>
+              <a:t> </a:t>
+            </a:r>
+            <a:r>
+              <a:rPr lang="de-DE" dirty="0" err="1" smtClean="0"/>
+              <a:t>application</a:t>
+            </a:r>
+            <a:r>
+              <a:rPr lang="de-DE" dirty="0" smtClean="0"/>
+              <a:t>:</a:t>
+            </a:r>
+          </a:p>
+          <a:p>
+            <a:pPr lvl="2"/>
+            <a:r>
+              <a:rPr lang="de-DE" dirty="0" smtClean="0"/>
+              <a:t>Database </a:t>
+            </a:r>
+            <a:r>
+              <a:rPr lang="de-DE" dirty="0" err="1" smtClean="0"/>
+              <a:t>mockup</a:t>
+            </a:r>
+            <a:endParaRPr lang="de-DE" dirty="0" smtClean="0"/>
+          </a:p>
+          <a:p>
+            <a:pPr lvl="2"/>
+            <a:r>
+              <a:rPr lang="de-DE" dirty="0" smtClean="0"/>
+              <a:t>Client </a:t>
+            </a:r>
+            <a:r>
+              <a:rPr lang="de-DE" dirty="0" err="1" smtClean="0"/>
+              <a:t>can</a:t>
+            </a:r>
+            <a:r>
+              <a:rPr lang="de-DE" dirty="0" smtClean="0"/>
+              <a:t> </a:t>
+            </a:r>
+            <a:r>
+              <a:rPr lang="de-DE" dirty="0" err="1" smtClean="0"/>
+              <a:t>query</a:t>
+            </a:r>
+            <a:r>
+              <a:rPr lang="de-DE" dirty="0" smtClean="0"/>
+              <a:t> </a:t>
+            </a:r>
+            <a:r>
+              <a:rPr lang="de-DE" dirty="0" err="1" smtClean="0"/>
+              <a:t>some</a:t>
+            </a:r>
+            <a:r>
+              <a:rPr lang="de-DE" dirty="0" smtClean="0"/>
+              <a:t> </a:t>
+            </a:r>
+            <a:r>
+              <a:rPr lang="de-DE" dirty="0" err="1" smtClean="0"/>
+              <a:t>data</a:t>
+            </a:r>
+            <a:r>
+              <a:rPr lang="de-DE" dirty="0" smtClean="0"/>
+              <a:t> </a:t>
+            </a:r>
+            <a:r>
+              <a:rPr lang="de-DE" dirty="0" err="1" smtClean="0"/>
+              <a:t>with</a:t>
+            </a:r>
+            <a:r>
+              <a:rPr lang="de-DE" dirty="0" smtClean="0"/>
+              <a:t/>
+            </a:r>
+            <a:br>
+              <a:rPr lang="de-DE" dirty="0" smtClean="0"/>
+            </a:br>
+            <a:r>
+              <a:rPr lang="de-DE" dirty="0" err="1" smtClean="0"/>
+              <a:t>queryData</a:t>
+            </a:r>
+            <a:r>
+              <a:rPr lang="de-DE" dirty="0" smtClean="0"/>
+              <a:t>()</a:t>
+            </a:r>
+          </a:p>
+          <a:p>
+            <a:pPr lvl="2"/>
+            <a:r>
+              <a:rPr lang="de-DE" dirty="0" err="1" smtClean="0"/>
+              <a:t>Accessing</a:t>
+            </a:r>
+            <a:r>
+              <a:rPr lang="de-DE" dirty="0" smtClean="0"/>
+              <a:t> </a:t>
+            </a:r>
+            <a:r>
+              <a:rPr lang="de-DE" dirty="0" err="1" smtClean="0"/>
+              <a:t>the</a:t>
+            </a:r>
+            <a:r>
+              <a:rPr lang="de-DE" dirty="0" smtClean="0"/>
+              <a:t> „</a:t>
+            </a:r>
+            <a:r>
+              <a:rPr lang="de-DE" dirty="0" err="1" smtClean="0"/>
+              <a:t>database</a:t>
+            </a:r>
+            <a:r>
+              <a:rPr lang="de-DE" dirty="0" smtClean="0"/>
+              <a:t>“ </a:t>
+            </a:r>
+            <a:r>
+              <a:rPr lang="de-DE" dirty="0" err="1" smtClean="0"/>
+              <a:t>takes</a:t>
+            </a:r>
+            <a:r>
+              <a:rPr lang="de-DE" dirty="0" smtClean="0"/>
+              <a:t> a </a:t>
+            </a:r>
+            <a:r>
+              <a:rPr lang="de-DE" dirty="0" err="1" smtClean="0"/>
+              <a:t>lot</a:t>
+            </a:r>
+            <a:r>
+              <a:rPr lang="de-DE" dirty="0" smtClean="0"/>
+              <a:t> </a:t>
+            </a:r>
+            <a:r>
+              <a:rPr lang="de-DE" dirty="0" err="1" smtClean="0"/>
+              <a:t>of</a:t>
+            </a:r>
+            <a:r>
+              <a:rPr lang="de-DE" dirty="0" smtClean="0"/>
+              <a:t> time (~5s)</a:t>
+            </a:r>
+          </a:p>
+          <a:p>
+            <a:r>
+              <a:rPr lang="de-DE" dirty="0" err="1" smtClean="0"/>
+              <a:t>We</a:t>
+            </a:r>
+            <a:r>
+              <a:rPr lang="de-DE" dirty="0" smtClean="0"/>
+              <a:t> </a:t>
+            </a:r>
+            <a:r>
+              <a:rPr lang="de-DE" dirty="0" err="1" smtClean="0"/>
+              <a:t>want</a:t>
+            </a:r>
+            <a:r>
+              <a:rPr lang="de-DE" dirty="0" smtClean="0"/>
+              <a:t> </a:t>
+            </a:r>
+            <a:r>
+              <a:rPr lang="de-DE" dirty="0" err="1" smtClean="0"/>
+              <a:t>to</a:t>
+            </a:r>
+            <a:r>
+              <a:rPr lang="de-DE" dirty="0" smtClean="0"/>
+              <a:t> do multiple </a:t>
+            </a:r>
+            <a:r>
+              <a:rPr lang="de-DE" dirty="0" err="1" smtClean="0"/>
+              <a:t>queries</a:t>
+            </a:r>
+            <a:r>
+              <a:rPr lang="de-DE" dirty="0" smtClean="0"/>
+              <a:t> </a:t>
+            </a:r>
+          </a:p>
+        </p:txBody>
+      </p:sp>
+      <p:sp>
+        <p:nvSpPr>
+          <p:cNvPr id="5" name="Rechteck 4"/>
+          <p:cNvSpPr/>
+          <p:nvPr/>
+        </p:nvSpPr>
+        <p:spPr>
+          <a:xfrm>
+            <a:off x="4788024" y="2902049"/>
+            <a:ext cx="2016224" cy="1080120"/>
+          </a:xfrm>
+          <a:prstGeom prst="rect">
+            <a:avLst/>
+          </a:prstGeom>
+          <a:noFill/>
+          <a:ln>
+            <a:solidFill>
+              <a:schemeClr val="accent3"/>
+            </a:solidFill>
+          </a:ln>
+        </p:spPr>
+        <p:style>
+          <a:lnRef idx="2">
+            <a:schemeClr val="accent1">
+              <a:shade val="50000"/>
+            </a:schemeClr>
+          </a:lnRef>
+          <a:fillRef idx="1">
+            <a:schemeClr val="accent1"/>
+          </a:fillRef>
+          <a:effectRef idx="0">
+            <a:schemeClr val="accent1"/>
+          </a:effectRef>
+          <a:fontRef idx="minor">
+            <a:schemeClr val="lt1"/>
+          </a:fontRef>
+        </p:style>
+        <p:txBody>
+          <a:bodyPr rtlCol="0" anchor="ctr"/>
+          <a:lstStyle/>
+          <a:p>
+            <a:pPr algn="ctr"/>
+            <a:endParaRPr lang="de-DE"/>
+          </a:p>
+        </p:txBody>
+      </p:sp>
+      <p:sp>
+        <p:nvSpPr>
+          <p:cNvPr id="6" name="Textfeld 5"/>
+          <p:cNvSpPr txBox="1"/>
+          <p:nvPr/>
+        </p:nvSpPr>
+        <p:spPr>
+          <a:xfrm>
+            <a:off x="4860032" y="3972877"/>
+            <a:ext cx="1193038" cy="369332"/>
+          </a:xfrm>
+          <a:prstGeom prst="rect">
+            <a:avLst/>
+          </a:prstGeom>
+          <a:noFill/>
+        </p:spPr>
+        <p:txBody>
+          <a:bodyPr wrap="square" rtlCol="0">
+            <a:spAutoFit/>
+          </a:bodyPr>
+          <a:lstStyle/>
+          <a:p>
+            <a:r>
+              <a:rPr lang="de-DE" dirty="0" smtClean="0">
+                <a:solidFill>
+                  <a:schemeClr val="accent3"/>
+                </a:solidFill>
+              </a:rPr>
+              <a:t>Client</a:t>
+            </a:r>
+            <a:endParaRPr lang="de-DE" dirty="0">
+              <a:solidFill>
+                <a:schemeClr val="accent3"/>
+              </a:solidFill>
+            </a:endParaRPr>
+          </a:p>
+        </p:txBody>
+      </p:sp>
+    </p:spTree>
+  </p:cSld>
+  <p:clrMapOvr>
+    <a:masterClrMapping/>
+  </p:clrMapOvr>
+  <p:timing>
+    <p:tnLst>
+      <p:par>
+        <p:cTn id="1" dur="indefinite" restart="never" nodeType="tmRoot"/>
+      </p:par>
+    </p:tnLst>
+  </p:timing>
+</p:sld>
+</file>
+
+<file path=ppt/slides/slide27.xml><?xml version="1.0" encoding="utf-8"?>
+<p:sld xmlns:a="http://schemas.openxmlformats.org/drawingml/2006/main" xmlns:r="http://schemas.openxmlformats.org/officeDocument/2006/relationships" xmlns:p="http://schemas.openxmlformats.org/presentationml/2006/main">
+  <p:cSld>
+    <p:spTree>
+      <p:nvGrpSpPr>
+        <p:cNvPr id="1" name=""/>
+        <p:cNvGrpSpPr/>
+        <p:nvPr/>
+      </p:nvGrpSpPr>
+      <p:grpSpPr>
+        <a:xfrm>
+          <a:off x="0" y="0"/>
+          <a:ext cx="0" cy="0"/>
+          <a:chOff x="0" y="0"/>
+          <a:chExt cx="0" cy="0"/>
+        </a:xfrm>
+      </p:grpSpPr>
+      <p:sp>
+        <p:nvSpPr>
+          <p:cNvPr id="2" name="Titel 1"/>
+          <p:cNvSpPr>
+            <a:spLocks noGrp="1"/>
+          </p:cNvSpPr>
+          <p:nvPr>
+            <p:ph type="title"/>
+          </p:nvPr>
+        </p:nvSpPr>
+        <p:spPr/>
+        <p:txBody>
+          <a:bodyPr/>
+          <a:lstStyle/>
+          <a:p>
+            <a:r>
+              <a:rPr lang="de-DE" dirty="0" err="1" smtClean="0"/>
+              <a:t>Active</a:t>
+            </a:r>
+            <a:r>
+              <a:rPr lang="de-DE" dirty="0" smtClean="0"/>
+              <a:t> </a:t>
+            </a:r>
+            <a:r>
+              <a:rPr lang="de-DE" dirty="0" err="1" smtClean="0"/>
+              <a:t>Object</a:t>
+            </a:r>
+            <a:r>
+              <a:rPr lang="de-DE" dirty="0" smtClean="0"/>
+              <a:t> Pattern</a:t>
+            </a:r>
+            <a:endParaRPr lang="de-DE" dirty="0"/>
+          </a:p>
+        </p:txBody>
+      </p:sp>
+      <p:pic>
+        <p:nvPicPr>
+          <p:cNvPr id="43012" name="Picture 4" descr="E:\Sebastian\Documents\DHBW\eclipse-workspace\ActiveObjectDemo\uml\Asynchronous.png"/>
+          <p:cNvPicPr>
+            <a:picLocks noChangeAspect="1" noChangeArrowheads="1"/>
+          </p:cNvPicPr>
+          <p:nvPr/>
+        </p:nvPicPr>
+        <p:blipFill>
+          <a:blip r:embed="rId2" cstate="print"/>
+          <a:srcRect/>
+          <a:stretch>
+            <a:fillRect/>
+          </a:stretch>
+        </p:blipFill>
+        <p:spPr bwMode="auto">
+          <a:xfrm>
+            <a:off x="0" y="2550285"/>
+            <a:ext cx="9144000" cy="4047067"/>
+          </a:xfrm>
+          <a:prstGeom prst="rect">
+            <a:avLst/>
+          </a:prstGeom>
+          <a:noFill/>
+        </p:spPr>
+      </p:pic>
+      <p:sp>
+        <p:nvSpPr>
+          <p:cNvPr id="8" name="Rechteck 7"/>
+          <p:cNvSpPr/>
+          <p:nvPr/>
+        </p:nvSpPr>
+        <p:spPr>
+          <a:xfrm>
+            <a:off x="0" y="2492896"/>
+            <a:ext cx="1763688" cy="1152128"/>
+          </a:xfrm>
+          <a:prstGeom prst="rect">
+            <a:avLst/>
+          </a:prstGeom>
+          <a:noFill/>
+          <a:ln>
+            <a:solidFill>
+              <a:schemeClr val="accent3"/>
+            </a:solidFill>
+          </a:ln>
+        </p:spPr>
+        <p:style>
+          <a:lnRef idx="2">
+            <a:schemeClr val="accent1">
+              <a:shade val="50000"/>
+            </a:schemeClr>
+          </a:lnRef>
+          <a:fillRef idx="1">
+            <a:schemeClr val="accent1"/>
+          </a:fillRef>
+          <a:effectRef idx="0">
+            <a:schemeClr val="accent1"/>
+          </a:effectRef>
+          <a:fontRef idx="minor">
+            <a:schemeClr val="lt1"/>
+          </a:fontRef>
+        </p:style>
+        <p:txBody>
+          <a:bodyPr rtlCol="0" anchor="ctr"/>
+          <a:lstStyle/>
+          <a:p>
+            <a:pPr algn="ctr"/>
+            <a:endParaRPr lang="de-DE"/>
+          </a:p>
+        </p:txBody>
+      </p:sp>
+      <p:sp>
+        <p:nvSpPr>
+          <p:cNvPr id="12" name="Textfeld 11"/>
+          <p:cNvSpPr txBox="1"/>
+          <p:nvPr/>
+        </p:nvSpPr>
+        <p:spPr>
+          <a:xfrm>
+            <a:off x="4644008" y="2123564"/>
+            <a:ext cx="1152128" cy="369332"/>
+          </a:xfrm>
+          <a:prstGeom prst="rect">
+            <a:avLst/>
+          </a:prstGeom>
+          <a:noFill/>
+        </p:spPr>
+        <p:txBody>
+          <a:bodyPr wrap="square" rtlCol="0">
+            <a:spAutoFit/>
+          </a:bodyPr>
+          <a:lstStyle/>
+          <a:p>
+            <a:r>
+              <a:rPr lang="de-DE" dirty="0" smtClean="0">
+                <a:solidFill>
+                  <a:srgbClr val="FF0000"/>
+                </a:solidFill>
+              </a:rPr>
+              <a:t>Hidden</a:t>
+            </a:r>
+            <a:endParaRPr lang="de-DE" dirty="0">
+              <a:solidFill>
+                <a:srgbClr val="FF0000"/>
+              </a:solidFill>
+            </a:endParaRPr>
+          </a:p>
+        </p:txBody>
+      </p:sp>
+      <p:sp>
+        <p:nvSpPr>
+          <p:cNvPr id="14" name="Textfeld 13"/>
+          <p:cNvSpPr txBox="1"/>
+          <p:nvPr/>
+        </p:nvSpPr>
+        <p:spPr>
+          <a:xfrm>
+            <a:off x="2627784" y="2123564"/>
+            <a:ext cx="1944216" cy="369332"/>
+          </a:xfrm>
+          <a:prstGeom prst="rect">
+            <a:avLst/>
+          </a:prstGeom>
+          <a:noFill/>
+        </p:spPr>
+        <p:txBody>
+          <a:bodyPr wrap="square" rtlCol="0">
+            <a:spAutoFit/>
+          </a:bodyPr>
+          <a:lstStyle/>
+          <a:p>
+            <a:r>
+              <a:rPr lang="de-DE" dirty="0" smtClean="0">
+                <a:solidFill>
+                  <a:schemeClr val="accent3"/>
+                </a:solidFill>
+              </a:rPr>
+              <a:t>Visible </a:t>
+            </a:r>
+            <a:r>
+              <a:rPr lang="de-DE" dirty="0" err="1" smtClean="0">
+                <a:solidFill>
+                  <a:schemeClr val="accent3"/>
+                </a:solidFill>
+              </a:rPr>
+              <a:t>for</a:t>
+            </a:r>
+            <a:r>
+              <a:rPr lang="de-DE" dirty="0" smtClean="0">
+                <a:solidFill>
+                  <a:schemeClr val="accent3"/>
+                </a:solidFill>
+              </a:rPr>
+              <a:t> Client</a:t>
+            </a:r>
+            <a:endParaRPr lang="de-DE" dirty="0">
+              <a:solidFill>
+                <a:schemeClr val="accent3"/>
+              </a:solidFill>
+            </a:endParaRPr>
+          </a:p>
+        </p:txBody>
+      </p:sp>
+      <p:sp>
+        <p:nvSpPr>
+          <p:cNvPr id="17" name="Rechteck 16"/>
+          <p:cNvSpPr/>
+          <p:nvPr/>
+        </p:nvSpPr>
+        <p:spPr>
+          <a:xfrm>
+            <a:off x="4572000" y="2132856"/>
+            <a:ext cx="4572000" cy="4725144"/>
+          </a:xfrm>
+          <a:prstGeom prst="rect">
+            <a:avLst/>
+          </a:prstGeom>
+          <a:noFill/>
+          <a:ln w="28575">
+            <a:solidFill>
+              <a:srgbClr val="FF0000"/>
+            </a:solidFill>
+          </a:ln>
+        </p:spPr>
+        <p:style>
+          <a:lnRef idx="2">
+            <a:schemeClr val="accent1">
+              <a:shade val="50000"/>
+            </a:schemeClr>
+          </a:lnRef>
+          <a:fillRef idx="1">
+            <a:schemeClr val="accent1"/>
+          </a:fillRef>
+          <a:effectRef idx="0">
+            <a:schemeClr val="accent1"/>
+          </a:effectRef>
+          <a:fontRef idx="minor">
+            <a:schemeClr val="lt1"/>
+          </a:fontRef>
+        </p:style>
+        <p:txBody>
+          <a:bodyPr rtlCol="0" anchor="ctr"/>
+          <a:lstStyle/>
+          <a:p>
+            <a:pPr algn="ctr"/>
+            <a:endParaRPr lang="de-DE"/>
+          </a:p>
+        </p:txBody>
+      </p:sp>
+      <p:sp>
+        <p:nvSpPr>
+          <p:cNvPr id="18" name="Textfeld 17"/>
+          <p:cNvSpPr txBox="1"/>
+          <p:nvPr/>
+        </p:nvSpPr>
+        <p:spPr>
+          <a:xfrm>
+            <a:off x="0" y="3645024"/>
+            <a:ext cx="1043608" cy="369332"/>
+          </a:xfrm>
+          <a:prstGeom prst="rect">
+            <a:avLst/>
+          </a:prstGeom>
+          <a:noFill/>
+        </p:spPr>
+        <p:txBody>
+          <a:bodyPr wrap="square" rtlCol="0">
+            <a:spAutoFit/>
+          </a:bodyPr>
+          <a:lstStyle/>
+          <a:p>
+            <a:r>
+              <a:rPr lang="de-DE" dirty="0" smtClean="0">
+                <a:solidFill>
+                  <a:schemeClr val="accent3"/>
+                </a:solidFill>
+              </a:rPr>
+              <a:t>Client</a:t>
+            </a:r>
+            <a:endParaRPr lang="de-DE" dirty="0">
+              <a:solidFill>
+                <a:schemeClr val="accent3"/>
+              </a:solidFill>
+            </a:endParaRPr>
+          </a:p>
+        </p:txBody>
+      </p:sp>
+    </p:spTree>
+  </p:cSld>
+  <p:clrMapOvr>
+    <a:masterClrMapping/>
+  </p:clrMapOvr>
+  <p:timing>
+    <p:tnLst>
+      <p:par>
+        <p:cTn id="1" dur="indefinite" restart="never" nodeType="tmRoot"/>
+      </p:par>
+    </p:tnLst>
+  </p:timing>
+</p:sld>
+</file>
+
+<file path=ppt/slides/slide28.xml><?xml version="1.0" encoding="utf-8"?>
+<p:sld xmlns:a="http://schemas.openxmlformats.org/drawingml/2006/main" xmlns:r="http://schemas.openxmlformats.org/officeDocument/2006/relationships" xmlns:p="http://schemas.openxmlformats.org/presentationml/2006/main">
+  <p:cSld>
+    <p:spTree>
+      <p:nvGrpSpPr>
+        <p:cNvPr id="1" name=""/>
+        <p:cNvGrpSpPr/>
+        <p:nvPr/>
+      </p:nvGrpSpPr>
+      <p:grpSpPr>
+        <a:xfrm>
+          <a:off x="0" y="0"/>
+          <a:ext cx="0" cy="0"/>
+          <a:chOff x="0" y="0"/>
+          <a:chExt cx="0" cy="0"/>
+        </a:xfrm>
+      </p:grpSpPr>
+      <p:sp>
+        <p:nvSpPr>
+          <p:cNvPr id="4" name="Titel 3"/>
+          <p:cNvSpPr>
+            <a:spLocks noGrp="1"/>
+          </p:cNvSpPr>
+          <p:nvPr>
+            <p:ph type="ctrTitle"/>
+          </p:nvPr>
+        </p:nvSpPr>
+        <p:spPr/>
+        <p:txBody>
+          <a:bodyPr/>
+          <a:lstStyle/>
+          <a:p>
+            <a:r>
+              <a:rPr lang="de-DE" dirty="0" err="1" smtClean="0"/>
+              <a:t>Thank</a:t>
+            </a:r>
+            <a:r>
+              <a:rPr lang="de-DE" dirty="0" smtClean="0"/>
+              <a:t> </a:t>
+            </a:r>
+            <a:r>
+              <a:rPr lang="de-DE" dirty="0" err="1" smtClean="0"/>
+              <a:t>you</a:t>
+            </a:r>
+            <a:r>
+              <a:rPr lang="de-DE" dirty="0" smtClean="0"/>
+              <a:t> </a:t>
+            </a:r>
+            <a:r>
+              <a:rPr lang="de-DE" dirty="0" err="1" smtClean="0"/>
+              <a:t>for</a:t>
+            </a:r>
+            <a:r>
+              <a:rPr lang="de-DE" dirty="0" smtClean="0"/>
+              <a:t> </a:t>
+            </a:r>
+            <a:r>
+              <a:rPr lang="de-DE" dirty="0" err="1" smtClean="0"/>
+              <a:t>your</a:t>
+            </a:r>
+            <a:r>
+              <a:rPr lang="de-DE" dirty="0" smtClean="0"/>
+              <a:t> </a:t>
+            </a:r>
+            <a:r>
+              <a:rPr lang="de-DE" dirty="0" err="1" smtClean="0"/>
+              <a:t>attantion</a:t>
+            </a:r>
+            <a:r>
+              <a:rPr lang="de-DE" dirty="0" smtClean="0"/>
+              <a:t>!</a:t>
+            </a:r>
+            <a:endParaRPr lang="de-DE" dirty="0"/>
+          </a:p>
+        </p:txBody>
+      </p:sp>
+      <p:sp>
+        <p:nvSpPr>
+          <p:cNvPr id="5" name="Untertitel 4"/>
+          <p:cNvSpPr>
+            <a:spLocks noGrp="1"/>
+          </p:cNvSpPr>
+          <p:nvPr>
+            <p:ph type="subTitle" idx="1"/>
+          </p:nvPr>
+        </p:nvSpPr>
+        <p:spPr/>
+        <p:txBody>
+          <a:bodyPr/>
+          <a:lstStyle/>
+          <a:p>
+            <a:endParaRPr lang="de-DE"/>
+          </a:p>
+        </p:txBody>
+      </p:sp>
+    </p:spTree>
+  </p:cSld>
+  <p:clrMapOvr>
+    <a:masterClrMapping/>
+  </p:clrMapOvr>
+  <p:timing>
+    <p:tnLst>
+      <p:par>
+        <p:cTn id="1" dur="indefinite" restart="never" nodeType="tmRoot"/>
+      </p:par>
+    </p:tnLst>
+  </p:timing>
+</p:sld>
+</file>
+
+<file path=ppt/slides/slide29.xml><?xml version="1.0" encoding="utf-8"?>
+<p:sld xmlns:a="http://schemas.openxmlformats.org/drawingml/2006/main" xmlns:r="http://schemas.openxmlformats.org/officeDocument/2006/relationships" xmlns:p="http://schemas.openxmlformats.org/presentationml/2006/main">
+  <p:cSld>
+    <p:spTree>
+      <p:nvGrpSpPr>
+        <p:cNvPr id="1" name=""/>
+        <p:cNvGrpSpPr/>
+        <p:nvPr/>
+      </p:nvGrpSpPr>
+      <p:grpSpPr>
+        <a:xfrm>
+          <a:off x="0" y="0"/>
+          <a:ext cx="0" cy="0"/>
+          <a:chOff x="0" y="0"/>
+          <a:chExt cx="0" cy="0"/>
+        </a:xfrm>
+      </p:grpSpPr>
+      <p:sp>
+        <p:nvSpPr>
+          <p:cNvPr id="2" name="Titel 1"/>
+          <p:cNvSpPr>
+            <a:spLocks noGrp="1"/>
+          </p:cNvSpPr>
+          <p:nvPr>
+            <p:ph type="title"/>
+          </p:nvPr>
+        </p:nvSpPr>
+        <p:spPr/>
+        <p:txBody>
+          <a:bodyPr/>
+          <a:lstStyle/>
+          <a:p>
             <a:r>
               <a:rPr lang="en-US" smtClean="0"/>
-              <a:t>Christopher Alexander, Sara Ishikawa, MurraySilverstein, Max Jacobson, Ingrid Fiksdahl-King, and Shlomo Angel.</a:t>
-            </a:r>
-            <a:r>
-              <a:rPr lang="en-US" i="1" smtClean="0"/>
-              <a:t>A Pattern Language. Oxford University </a:t>
-            </a:r>
+              <a:t>Sources</a:t>
+            </a:r>
+            <a:endParaRPr lang="en-US"/>
+          </a:p>
+        </p:txBody>
+      </p:sp>
+      <p:sp>
+        <p:nvSpPr>
+          <p:cNvPr id="3" name="Inhaltsplatzhalter 2"/>
+          <p:cNvSpPr>
+            <a:spLocks noGrp="1"/>
+          </p:cNvSpPr>
+          <p:nvPr>
+            <p:ph idx="1"/>
+          </p:nvPr>
+        </p:nvSpPr>
+        <p:spPr/>
+        <p:txBody>
+          <a:bodyPr>
+            <a:normAutofit lnSpcReduction="10000"/>
+          </a:bodyPr>
+          <a:lstStyle/>
+          <a:p>
+            <a:r>
+              <a:rPr lang="en-US" dirty="0" smtClean="0"/>
+              <a:t>Christopher Alexander, Sara Ishikawa, </a:t>
+            </a:r>
+            <a:r>
+              <a:rPr lang="en-US" dirty="0" err="1" smtClean="0"/>
+              <a:t>MurraySilverstein</a:t>
+            </a:r>
+            <a:r>
+              <a:rPr lang="en-US" dirty="0" smtClean="0"/>
+              <a:t>, Max Jacobson, Ingrid </a:t>
+            </a:r>
+            <a:r>
+              <a:rPr lang="en-US" dirty="0" err="1" smtClean="0"/>
+              <a:t>Fiksdahl</a:t>
+            </a:r>
+            <a:r>
+              <a:rPr lang="en-US" dirty="0" smtClean="0"/>
+              <a:t>-King, and </a:t>
+            </a:r>
+            <a:r>
+              <a:rPr lang="en-US" dirty="0" err="1" smtClean="0"/>
+              <a:t>Shlomo</a:t>
+            </a:r>
+            <a:r>
+              <a:rPr lang="en-US" dirty="0" smtClean="0"/>
+              <a:t> </a:t>
+            </a:r>
+            <a:r>
+              <a:rPr lang="en-US" dirty="0" err="1" smtClean="0"/>
+              <a:t>Angel.</a:t>
+            </a:r>
+            <a:r>
+              <a:rPr lang="en-US" i="1" dirty="0" err="1" smtClean="0"/>
+              <a:t>A</a:t>
+            </a:r>
+            <a:r>
+              <a:rPr lang="en-US" i="1" dirty="0" smtClean="0"/>
+              <a:t> Pattern Language. Oxford University </a:t>
+            </a:r>
+            <a:r>
+              <a:rPr lang="en-US" dirty="0" smtClean="0"/>
+              <a:t>Press, </a:t>
+            </a:r>
+            <a:r>
+              <a:rPr lang="en-US" dirty="0" err="1" smtClean="0"/>
+              <a:t>NewYork</a:t>
+            </a:r>
+            <a:r>
+              <a:rPr lang="en-US" dirty="0" smtClean="0"/>
+              <a:t>, 1977</a:t>
+            </a:r>
+            <a:r>
+              <a:rPr lang="en-US" dirty="0" smtClean="0"/>
+              <a:t>.</a:t>
+            </a:r>
+          </a:p>
+          <a:p>
+            <a:r>
+              <a:rPr lang="en-US" dirty="0" smtClean="0">
+                <a:hlinkClick r:id="rId2"/>
+              </a:rPr>
+              <a:t>http://</a:t>
+            </a:r>
+            <a:r>
+              <a:rPr lang="en-US" dirty="0" smtClean="0">
+                <a:hlinkClick r:id="rId2"/>
+              </a:rPr>
+              <a:t>www.codeguru.com/images/article/18981/Classes.gif</a:t>
+            </a:r>
+            <a:endParaRPr lang="en-US" dirty="0" smtClean="0"/>
+          </a:p>
+          <a:p>
+            <a:r>
+              <a:rPr lang="en-US" smtClean="0">
+                <a:hlinkClick r:id="rId3"/>
+              </a:rPr>
+              <a:t>http</a:t>
+            </a:r>
+            <a:r>
+              <a:rPr lang="en-US" smtClean="0">
+                <a:hlinkClick r:id="rId3"/>
+              </a:rPr>
+              <a:t>://</a:t>
+            </a:r>
+            <a:r>
+              <a:rPr lang="en-US" smtClean="0">
+                <a:hlinkClick r:id="rId3"/>
+              </a:rPr>
+              <a:t>www.patterns-kompakt.de/patterns/activeobject.html</a:t>
+            </a:r>
+            <a:endParaRPr lang="en-US" smtClean="0"/>
+          </a:p>
+          <a:p>
             <a:r>
               <a:rPr lang="en-US" smtClean="0"/>
-              <a:t>Press, NewYork, 1977.</a:t>
-            </a:r>
-          </a:p>
-          <a:p>
-            <a:r>
-              <a:rPr lang="en-US" smtClean="0"/>
-              <a:t>All others are in the file: </a:t>
-            </a:r>
-            <a:r>
-              <a:rPr lang="en-US" sz="2400" smtClean="0">
+              <a:t>All </a:t>
+            </a:r>
+            <a:r>
+              <a:rPr lang="en-US" dirty="0" smtClean="0"/>
+              <a:t>others are in the file: </a:t>
+            </a:r>
+            <a:r>
+              <a:rPr lang="en-US" sz="2400" dirty="0" smtClean="0">
                 <a:latin typeface="Bell MT" pitchFamily="18" charset="0"/>
                 <a:cs typeface="Arial" pitchFamily="34" charset="0"/>
               </a:rPr>
               <a:t>Presentation/Outline.docx</a:t>
             </a:r>
-            <a:endParaRPr lang="en-US">
+            <a:endParaRPr lang="en-US" dirty="0">
               <a:latin typeface="Bell MT" pitchFamily="18" charset="0"/>
               <a:cs typeface="Arial" pitchFamily="34" charset="0"/>
             </a:endParaRPr>

--- a/presentation/Design Patterns.pptx
+++ b/presentation/Design Patterns.pptx
@@ -135,6 +135,22 @@
       </a:defRPr>
     </a:lvl9pPr>
   </p:defaultTextStyle>
+  <p:extLst>
+    <p:ext uri="{EFAFB233-063F-42B5-8137-9DF3F51BA10A}">
+      <p15:sldGuideLst xmlns:p15="http://schemas.microsoft.com/office/powerpoint/2012/main">
+        <p15:guide id="1" orient="horz" pos="2160">
+          <p15:clr>
+            <a:srgbClr val="A4A3A4"/>
+          </p15:clr>
+        </p15:guide>
+        <p15:guide id="2" pos="2880">
+          <p15:clr>
+            <a:srgbClr val="A4A3A4"/>
+          </p15:clr>
+        </p15:guide>
+      </p15:sldGuideLst>
+    </p:ext>
+  </p:extLst>
 </p:presentation>
 </file>
 
@@ -921,7 +937,7 @@
 </file>
 
 <file path=ppt/diagrams/colors2.xml><?xml version="1.0" encoding="utf-8"?>
-<dgm:colorsDef xmlns:dgm="http://schemas.openxmlformats.org/drawingml/2006/diagram" xmlns:a="http://schemas.openxmlformats.org/drawingml/2006/main" uniqueId="urn:microsoft.com/office/officeart/2005/8/colors/colorful1">
+<dgm:colorsDef xmlns:dgm="http://schemas.openxmlformats.org/drawingml/2006/diagram" xmlns:a="http://schemas.openxmlformats.org/drawingml/2006/main" uniqueId="urn:microsoft.com/office/officeart/2005/8/colors/colorful1#1">
   <dgm:title val=""/>
   <dgm:desc val=""/>
   <dgm:catLst>
@@ -1840,7 +1856,7 @@
 </file>
 
 <file path=ppt/diagrams/colors3.xml><?xml version="1.0" encoding="utf-8"?>
-<dgm:colorsDef xmlns:dgm="http://schemas.openxmlformats.org/drawingml/2006/diagram" xmlns:a="http://schemas.openxmlformats.org/drawingml/2006/main" uniqueId="urn:microsoft.com/office/officeart/2005/8/colors/colorful1">
+<dgm:colorsDef xmlns:dgm="http://schemas.openxmlformats.org/drawingml/2006/diagram" xmlns:a="http://schemas.openxmlformats.org/drawingml/2006/main" uniqueId="urn:microsoft.com/office/officeart/2005/8/colors/colorful1#2">
   <dgm:title val=""/>
   <dgm:desc val=""/>
   <dgm:catLst>
@@ -3621,33 +3637,33 @@
     </dgm:pt>
   </dgm:ptLst>
   <dgm:cxnLst>
+    <dgm:cxn modelId="{BDD2744A-2870-4B54-8B34-2AC4001A122E}" type="presOf" srcId="{A51EE4F3-683C-4511-97B7-5A8AFC250124}" destId="{5251050C-A92E-4690-B5D0-7A8370A08314}" srcOrd="0" destOrd="0" presId="urn:microsoft.com/office/officeart/2005/8/layout/hierarchy4"/>
+    <dgm:cxn modelId="{5B7B8394-E46F-4439-BE3D-F44B238BC2B3}" srcId="{BC5556E5-78C6-42FF-8133-53FBDA12667C}" destId="{C544CF65-64CD-4A43-9EDD-49C4F05D95D6}" srcOrd="1" destOrd="0" parTransId="{8543370B-46C1-4AEC-8D98-1F3D01220233}" sibTransId="{1D7B12A0-0894-42BD-92A5-1966DA310D65}"/>
+    <dgm:cxn modelId="{BF7C34C1-6E0A-40A3-984D-A3393980E194}" type="presOf" srcId="{2C806EE0-B478-44C0-9427-EA8DDCA8C682}" destId="{029DDB1F-127D-407C-ACD5-D5BB1741BCD4}" srcOrd="0" destOrd="0" presId="urn:microsoft.com/office/officeart/2005/8/layout/hierarchy4"/>
+    <dgm:cxn modelId="{8B547723-EA4C-406B-9CA8-3AF7FF048BEB}" type="presOf" srcId="{A856D2D8-9D8D-4099-B296-386A05A8AD39}" destId="{A472835F-C15D-4DC2-AF59-91D3BD1F1A68}" srcOrd="0" destOrd="0" presId="urn:microsoft.com/office/officeart/2005/8/layout/hierarchy4"/>
+    <dgm:cxn modelId="{92FC7C5E-60EE-459E-A0C8-1F1094696FA3}" srcId="{A51EE4F3-683C-4511-97B7-5A8AFC250124}" destId="{3DB350D3-D070-480F-A373-2BAFDB8195B7}" srcOrd="0" destOrd="0" parTransId="{2D1DC300-F403-420B-B98B-25608F872BA7}" sibTransId="{6776375E-0591-4859-BF70-70996AC991A0}"/>
+    <dgm:cxn modelId="{059433E4-3C75-4303-A55F-6827AAF3F221}" srcId="{3DB350D3-D070-480F-A373-2BAFDB8195B7}" destId="{2B7D9824-AF88-4392-A5DC-CA3C07DC9C6C}" srcOrd="3" destOrd="0" parTransId="{78A8D7E4-85C5-4B4B-AF3D-7C31D5E78903}" sibTransId="{124BBBDD-5460-46E3-9CE7-A595C3860981}"/>
+    <dgm:cxn modelId="{066D888D-2D39-4B27-B8D3-5FA36793FFF3}" srcId="{BC5556E5-78C6-42FF-8133-53FBDA12667C}" destId="{9B2681F0-B283-4747-8214-1C90EE3D9836}" srcOrd="0" destOrd="0" parTransId="{CF761C0A-748C-49B7-B8C6-B48C03590FDD}" sibTransId="{53E454C6-E1B2-44C9-9F81-B362D08A9553}"/>
+    <dgm:cxn modelId="{0AE98A52-3A21-4F74-B7D2-0801918A1DB9}" type="presOf" srcId="{D4C102DC-AD37-47CD-BB99-2F2A33D5F8E2}" destId="{83E83D5C-94AD-4C1C-8EA7-CB61019CDFD5}" srcOrd="0" destOrd="0" presId="urn:microsoft.com/office/officeart/2005/8/layout/hierarchy4"/>
     <dgm:cxn modelId="{C3F02D59-3FE4-43B0-B41C-8C6380D340A1}" srcId="{2B7D9824-AF88-4392-A5DC-CA3C07DC9C6C}" destId="{16234E93-217B-4CEB-84B0-8ADBB9E4ED0C}" srcOrd="0" destOrd="0" parTransId="{8751D7D2-2B15-4279-B342-120CB1E8C90A}" sibTransId="{337C8003-9029-44E8-9208-3240A19AEF93}"/>
-    <dgm:cxn modelId="{0AE98A52-3A21-4F74-B7D2-0801918A1DB9}" type="presOf" srcId="{D4C102DC-AD37-47CD-BB99-2F2A33D5F8E2}" destId="{83E83D5C-94AD-4C1C-8EA7-CB61019CDFD5}" srcOrd="0" destOrd="0" presId="urn:microsoft.com/office/officeart/2005/8/layout/hierarchy4"/>
+    <dgm:cxn modelId="{1CB1A071-F6F7-4ECD-81CA-0D6CA5C5D7CC}" srcId="{3DB350D3-D070-480F-A373-2BAFDB8195B7}" destId="{D4C102DC-AD37-47CD-BB99-2F2A33D5F8E2}" srcOrd="0" destOrd="0" parTransId="{D087E2CD-E01A-4DDF-B88E-B9657999E0A8}" sibTransId="{492721F1-4A27-4F1A-B1B2-79454EDF10AB}"/>
+    <dgm:cxn modelId="{19D22967-0E3C-4429-8B29-F0D1F165CBD2}" type="presOf" srcId="{C544CF65-64CD-4A43-9EDD-49C4F05D95D6}" destId="{6F57AA7E-BF37-4B9B-9AA7-E2D287BB939D}" srcOrd="0" destOrd="0" presId="urn:microsoft.com/office/officeart/2005/8/layout/hierarchy4"/>
+    <dgm:cxn modelId="{01156F1A-82A7-47CF-B8CC-D3396956E48D}" srcId="{2B7D9824-AF88-4392-A5DC-CA3C07DC9C6C}" destId="{A856D2D8-9D8D-4099-B296-386A05A8AD39}" srcOrd="2" destOrd="0" parTransId="{D451141E-7978-4B42-9B71-84DF73859511}" sibTransId="{2A88593D-82A9-43CB-A40E-28119D15DC4F}"/>
+    <dgm:cxn modelId="{AED784AD-A711-4DA5-9617-17E7BDBA2EB3}" type="presOf" srcId="{BC5556E5-78C6-42FF-8133-53FBDA12667C}" destId="{D5B63C8F-BC39-4519-BC71-B79549B4A2B4}" srcOrd="0" destOrd="0" presId="urn:microsoft.com/office/officeart/2005/8/layout/hierarchy4"/>
+    <dgm:cxn modelId="{8CA27C36-C6F5-485B-B9DC-E39908166013}" srcId="{B31ECDD2-BAC2-402E-95D3-7DFF626F9D9D}" destId="{4CE6E755-3F9B-45F1-BDB2-661286C99B6A}" srcOrd="1" destOrd="0" parTransId="{250ECBA3-6F00-4C2B-AD51-7E9AA38481F2}" sibTransId="{BD83B2C2-D3C2-4783-9D50-9A421480E391}"/>
+    <dgm:cxn modelId="{2F625E45-EF40-47B1-AFC7-C05E426DB4D0}" type="presOf" srcId="{9B2681F0-B283-4747-8214-1C90EE3D9836}" destId="{67A03939-BD22-4529-B0AD-114986C6EE11}" srcOrd="0" destOrd="0" presId="urn:microsoft.com/office/officeart/2005/8/layout/hierarchy4"/>
+    <dgm:cxn modelId="{B2BA3FED-63CA-4928-95A3-A1E7A489A322}" type="presOf" srcId="{2B7D9824-AF88-4392-A5DC-CA3C07DC9C6C}" destId="{EFA9A04D-2828-41DB-B047-E703EA2DAD07}" srcOrd="0" destOrd="0" presId="urn:microsoft.com/office/officeart/2005/8/layout/hierarchy4"/>
+    <dgm:cxn modelId="{B1144B41-E2E2-44D4-A4DE-4F61157D8699}" srcId="{3DB350D3-D070-480F-A373-2BAFDB8195B7}" destId="{B31ECDD2-BAC2-402E-95D3-7DFF626F9D9D}" srcOrd="2" destOrd="0" parTransId="{17EF6E3D-3027-4F7F-A679-17A3AA43122A}" sibTransId="{95586543-D5F0-462E-9F46-1788F9D111DB}"/>
+    <dgm:cxn modelId="{7C0F0020-F059-4C2C-BC71-39E453B306E7}" srcId="{3DB350D3-D070-480F-A373-2BAFDB8195B7}" destId="{BC5556E5-78C6-42FF-8133-53FBDA12667C}" srcOrd="1" destOrd="0" parTransId="{F64956ED-9D47-49EA-B7F0-D36FABF16590}" sibTransId="{7F9BDBAF-34EE-43C0-A98A-9A5C9599DCF8}"/>
     <dgm:cxn modelId="{42DF3BD6-08EE-4095-A7DD-E8DAB93B33F8}" srcId="{D4C102DC-AD37-47CD-BB99-2F2A33D5F8E2}" destId="{2C806EE0-B478-44C0-9427-EA8DDCA8C682}" srcOrd="0" destOrd="0" parTransId="{2BD4FD85-5432-429F-8C16-DB1A5BD8EEA1}" sibTransId="{495B064B-7FF4-4FC4-9CBF-4B6A4EF4C0A2}"/>
-    <dgm:cxn modelId="{8B547723-EA4C-406B-9CA8-3AF7FF048BEB}" type="presOf" srcId="{A856D2D8-9D8D-4099-B296-386A05A8AD39}" destId="{A472835F-C15D-4DC2-AF59-91D3BD1F1A68}" srcOrd="0" destOrd="0" presId="urn:microsoft.com/office/officeart/2005/8/layout/hierarchy4"/>
-    <dgm:cxn modelId="{5B7B8394-E46F-4439-BE3D-F44B238BC2B3}" srcId="{BC5556E5-78C6-42FF-8133-53FBDA12667C}" destId="{C544CF65-64CD-4A43-9EDD-49C4F05D95D6}" srcOrd="1" destOrd="0" parTransId="{8543370B-46C1-4AEC-8D98-1F3D01220233}" sibTransId="{1D7B12A0-0894-42BD-92A5-1966DA310D65}"/>
     <dgm:cxn modelId="{CC13DF02-9E4B-4816-A714-0EF8C6B96293}" type="presOf" srcId="{FF649322-2DE1-4D80-8160-739B3E351948}" destId="{7C68D11E-6D6C-4154-9052-DAA5FAB04448}" srcOrd="0" destOrd="0" presId="urn:microsoft.com/office/officeart/2005/8/layout/hierarchy4"/>
-    <dgm:cxn modelId="{19D22967-0E3C-4429-8B29-F0D1F165CBD2}" type="presOf" srcId="{C544CF65-64CD-4A43-9EDD-49C4F05D95D6}" destId="{6F57AA7E-BF37-4B9B-9AA7-E2D287BB939D}" srcOrd="0" destOrd="0" presId="urn:microsoft.com/office/officeart/2005/8/layout/hierarchy4"/>
     <dgm:cxn modelId="{B05D0EAE-2B3A-4941-A82B-7CEFBDCECEED}" srcId="{B31ECDD2-BAC2-402E-95D3-7DFF626F9D9D}" destId="{FF649322-2DE1-4D80-8160-739B3E351948}" srcOrd="0" destOrd="0" parTransId="{70B9557A-6C63-4E64-9847-B45B9FC1EB8E}" sibTransId="{25CE3E1B-7706-4B01-A873-1789FA5F1DCE}"/>
+    <dgm:cxn modelId="{26C69F2F-8302-4F6E-9C3E-29EAB7756056}" type="presOf" srcId="{16234E93-217B-4CEB-84B0-8ADBB9E4ED0C}" destId="{3D44DD11-1F2C-48DB-ACBD-7B992443A5D5}" srcOrd="0" destOrd="0" presId="urn:microsoft.com/office/officeart/2005/8/layout/hierarchy4"/>
+    <dgm:cxn modelId="{B9E63A7A-E0AE-4D1F-9DA3-BBECE3AAA09D}" type="presOf" srcId="{B31ECDD2-BAC2-402E-95D3-7DFF626F9D9D}" destId="{9E464E03-ADCA-4ED8-AEB1-693D4142908E}" srcOrd="0" destOrd="0" presId="urn:microsoft.com/office/officeart/2005/8/layout/hierarchy4"/>
+    <dgm:cxn modelId="{3E9EBCB7-E8E6-48A4-8D84-1EA40F1BA1F9}" type="presOf" srcId="{3DB350D3-D070-480F-A373-2BAFDB8195B7}" destId="{F1CA5073-1ECB-4B55-BDA4-AC7FC9CAF784}" srcOrd="0" destOrd="0" presId="urn:microsoft.com/office/officeart/2005/8/layout/hierarchy4"/>
     <dgm:cxn modelId="{03B51B6D-A224-4784-A2B6-BFB222B21C79}" type="presOf" srcId="{4CE6E755-3F9B-45F1-BDB2-661286C99B6A}" destId="{012E50F3-EDE5-444B-A931-0C64AB72CD04}" srcOrd="0" destOrd="0" presId="urn:microsoft.com/office/officeart/2005/8/layout/hierarchy4"/>
-    <dgm:cxn modelId="{066D888D-2D39-4B27-B8D3-5FA36793FFF3}" srcId="{BC5556E5-78C6-42FF-8133-53FBDA12667C}" destId="{9B2681F0-B283-4747-8214-1C90EE3D9836}" srcOrd="0" destOrd="0" parTransId="{CF761C0A-748C-49B7-B8C6-B48C03590FDD}" sibTransId="{53E454C6-E1B2-44C9-9F81-B362D08A9553}"/>
-    <dgm:cxn modelId="{3E9EBCB7-E8E6-48A4-8D84-1EA40F1BA1F9}" type="presOf" srcId="{3DB350D3-D070-480F-A373-2BAFDB8195B7}" destId="{F1CA5073-1ECB-4B55-BDA4-AC7FC9CAF784}" srcOrd="0" destOrd="0" presId="urn:microsoft.com/office/officeart/2005/8/layout/hierarchy4"/>
-    <dgm:cxn modelId="{B2BA3FED-63CA-4928-95A3-A1E7A489A322}" type="presOf" srcId="{2B7D9824-AF88-4392-A5DC-CA3C07DC9C6C}" destId="{EFA9A04D-2828-41DB-B047-E703EA2DAD07}" srcOrd="0" destOrd="0" presId="urn:microsoft.com/office/officeart/2005/8/layout/hierarchy4"/>
-    <dgm:cxn modelId="{059433E4-3C75-4303-A55F-6827AAF3F221}" srcId="{3DB350D3-D070-480F-A373-2BAFDB8195B7}" destId="{2B7D9824-AF88-4392-A5DC-CA3C07DC9C6C}" srcOrd="3" destOrd="0" parTransId="{78A8D7E4-85C5-4B4B-AF3D-7C31D5E78903}" sibTransId="{124BBBDD-5460-46E3-9CE7-A595C3860981}"/>
-    <dgm:cxn modelId="{AED784AD-A711-4DA5-9617-17E7BDBA2EB3}" type="presOf" srcId="{BC5556E5-78C6-42FF-8133-53FBDA12667C}" destId="{D5B63C8F-BC39-4519-BC71-B79549B4A2B4}" srcOrd="0" destOrd="0" presId="urn:microsoft.com/office/officeart/2005/8/layout/hierarchy4"/>
-    <dgm:cxn modelId="{92FC7C5E-60EE-459E-A0C8-1F1094696FA3}" srcId="{A51EE4F3-683C-4511-97B7-5A8AFC250124}" destId="{3DB350D3-D070-480F-A373-2BAFDB8195B7}" srcOrd="0" destOrd="0" parTransId="{2D1DC300-F403-420B-B98B-25608F872BA7}" sibTransId="{6776375E-0591-4859-BF70-70996AC991A0}"/>
-    <dgm:cxn modelId="{B9E63A7A-E0AE-4D1F-9DA3-BBECE3AAA09D}" type="presOf" srcId="{B31ECDD2-BAC2-402E-95D3-7DFF626F9D9D}" destId="{9E464E03-ADCA-4ED8-AEB1-693D4142908E}" srcOrd="0" destOrd="0" presId="urn:microsoft.com/office/officeart/2005/8/layout/hierarchy4"/>
-    <dgm:cxn modelId="{BF7C34C1-6E0A-40A3-984D-A3393980E194}" type="presOf" srcId="{2C806EE0-B478-44C0-9427-EA8DDCA8C682}" destId="{029DDB1F-127D-407C-ACD5-D5BB1741BCD4}" srcOrd="0" destOrd="0" presId="urn:microsoft.com/office/officeart/2005/8/layout/hierarchy4"/>
-    <dgm:cxn modelId="{1CB1A071-F6F7-4ECD-81CA-0D6CA5C5D7CC}" srcId="{3DB350D3-D070-480F-A373-2BAFDB8195B7}" destId="{D4C102DC-AD37-47CD-BB99-2F2A33D5F8E2}" srcOrd="0" destOrd="0" parTransId="{D087E2CD-E01A-4DDF-B88E-B9657999E0A8}" sibTransId="{492721F1-4A27-4F1A-B1B2-79454EDF10AB}"/>
     <dgm:cxn modelId="{20F9CE55-458C-4EDA-99D7-4788C413FB58}" type="presOf" srcId="{75D6605A-996E-4493-B95D-8FE91191D101}" destId="{3B7B11BF-1FA6-4038-B663-81EB430F264A}" srcOrd="0" destOrd="0" presId="urn:microsoft.com/office/officeart/2005/8/layout/hierarchy4"/>
-    <dgm:cxn modelId="{01156F1A-82A7-47CF-B8CC-D3396956E48D}" srcId="{2B7D9824-AF88-4392-A5DC-CA3C07DC9C6C}" destId="{A856D2D8-9D8D-4099-B296-386A05A8AD39}" srcOrd="2" destOrd="0" parTransId="{D451141E-7978-4B42-9B71-84DF73859511}" sibTransId="{2A88593D-82A9-43CB-A40E-28119D15DC4F}"/>
-    <dgm:cxn modelId="{B1144B41-E2E2-44D4-A4DE-4F61157D8699}" srcId="{3DB350D3-D070-480F-A373-2BAFDB8195B7}" destId="{B31ECDD2-BAC2-402E-95D3-7DFF626F9D9D}" srcOrd="2" destOrd="0" parTransId="{17EF6E3D-3027-4F7F-A679-17A3AA43122A}" sibTransId="{95586543-D5F0-462E-9F46-1788F9D111DB}"/>
     <dgm:cxn modelId="{556D3E4B-3929-4A83-835F-0BFF07E1E196}" srcId="{2B7D9824-AF88-4392-A5DC-CA3C07DC9C6C}" destId="{75D6605A-996E-4493-B95D-8FE91191D101}" srcOrd="1" destOrd="0" parTransId="{44A58A14-40B6-44C9-AB78-3DB54266CA72}" sibTransId="{B3331910-407C-4824-A180-AAAF015EE304}"/>
-    <dgm:cxn modelId="{26C69F2F-8302-4F6E-9C3E-29EAB7756056}" type="presOf" srcId="{16234E93-217B-4CEB-84B0-8ADBB9E4ED0C}" destId="{3D44DD11-1F2C-48DB-ACBD-7B992443A5D5}" srcOrd="0" destOrd="0" presId="urn:microsoft.com/office/officeart/2005/8/layout/hierarchy4"/>
-    <dgm:cxn modelId="{BDD2744A-2870-4B54-8B34-2AC4001A122E}" type="presOf" srcId="{A51EE4F3-683C-4511-97B7-5A8AFC250124}" destId="{5251050C-A92E-4690-B5D0-7A8370A08314}" srcOrd="0" destOrd="0" presId="urn:microsoft.com/office/officeart/2005/8/layout/hierarchy4"/>
-    <dgm:cxn modelId="{8CA27C36-C6F5-485B-B9DC-E39908166013}" srcId="{B31ECDD2-BAC2-402E-95D3-7DFF626F9D9D}" destId="{4CE6E755-3F9B-45F1-BDB2-661286C99B6A}" srcOrd="1" destOrd="0" parTransId="{250ECBA3-6F00-4C2B-AD51-7E9AA38481F2}" sibTransId="{BD83B2C2-D3C2-4783-9D50-9A421480E391}"/>
-    <dgm:cxn modelId="{7C0F0020-F059-4C2C-BC71-39E453B306E7}" srcId="{3DB350D3-D070-480F-A373-2BAFDB8195B7}" destId="{BC5556E5-78C6-42FF-8133-53FBDA12667C}" srcOrd="1" destOrd="0" parTransId="{F64956ED-9D47-49EA-B7F0-D36FABF16590}" sibTransId="{7F9BDBAF-34EE-43C0-A98A-9A5C9599DCF8}"/>
-    <dgm:cxn modelId="{2F625E45-EF40-47B1-AFC7-C05E426DB4D0}" type="presOf" srcId="{9B2681F0-B283-4747-8214-1C90EE3D9836}" destId="{67A03939-BD22-4529-B0AD-114986C6EE11}" srcOrd="0" destOrd="0" presId="urn:microsoft.com/office/officeart/2005/8/layout/hierarchy4"/>
     <dgm:cxn modelId="{18C0D2B0-CC0C-4348-8613-1EF83E6D2198}" type="presParOf" srcId="{5251050C-A92E-4690-B5D0-7A8370A08314}" destId="{8EB519A1-020E-4BE8-8E55-BC4880CDEBF6}" srcOrd="0" destOrd="0" presId="urn:microsoft.com/office/officeart/2005/8/layout/hierarchy4"/>
     <dgm:cxn modelId="{38920CE3-B8BC-4ED0-AA10-351B31CF53EA}" type="presParOf" srcId="{8EB519A1-020E-4BE8-8E55-BC4880CDEBF6}" destId="{F1CA5073-1ECB-4B55-BDA4-AC7FC9CAF784}" srcOrd="0" destOrd="0" presId="urn:microsoft.com/office/officeart/2005/8/layout/hierarchy4"/>
     <dgm:cxn modelId="{CEA64F4C-249F-4C16-B3EF-15F485EBAB60}" type="presParOf" srcId="{8EB519A1-020E-4BE8-8E55-BC4880CDEBF6}" destId="{552A1FE6-7267-4C4F-A268-082AEE91A1BE}" srcOrd="1" destOrd="0" presId="urn:microsoft.com/office/officeart/2005/8/layout/hierarchy4"/>
@@ -3704,7 +3720,7 @@
   <dgm:whole/>
   <dgm:extLst>
     <a:ext uri="http://schemas.microsoft.com/office/drawing/2008/diagram">
-      <dsp:dataModelExt xmlns:dsp="http://schemas.microsoft.com/office/drawing/2008/diagram" xmlns="" relId="rId7" minVer="http://schemas.openxmlformats.org/drawingml/2006/diagram"/>
+      <dsp:dataModelExt xmlns:dsp="http://schemas.microsoft.com/office/drawing/2008/diagram" relId="rId7" minVer="http://schemas.openxmlformats.org/drawingml/2006/diagram"/>
     </a:ext>
   </dgm:extLst>
 </dgm:dataModel>
@@ -3714,7 +3730,7 @@
 <dgm:dataModel xmlns:dgm="http://schemas.openxmlformats.org/drawingml/2006/diagram" xmlns:a="http://schemas.openxmlformats.org/drawingml/2006/main">
   <dgm:ptLst>
     <dgm:pt modelId="{9B094859-64CF-43E2-84E3-5C2C137C1AE4}" type="doc">
-      <dgm:prSet loTypeId="urn:microsoft.com/office/officeart/2005/8/layout/vList5" loCatId="list" qsTypeId="urn:microsoft.com/office/officeart/2005/8/quickstyle/simple3" qsCatId="simple" csTypeId="urn:microsoft.com/office/officeart/2005/8/colors/colorful1" csCatId="colorful" phldr="1"/>
+      <dgm:prSet loTypeId="urn:microsoft.com/office/officeart/2005/8/layout/vList5" loCatId="list" qsTypeId="urn:microsoft.com/office/officeart/2005/8/quickstyle/simple3" qsCatId="simple" csTypeId="urn:microsoft.com/office/officeart/2005/8/colors/colorful1#1" csCatId="colorful" phldr="1"/>
       <dgm:spPr/>
       <dgm:t>
         <a:bodyPr/>
@@ -3983,15 +3999,15 @@
     </dgm:pt>
   </dgm:ptLst>
   <dgm:cxnLst>
-    <dgm:cxn modelId="{DBEA0B5A-A90D-4DAA-BA5C-9677C4715319}" type="presOf" srcId="{9BC09347-B33D-4979-9BDB-E36C7B30CBBA}" destId="{E63503F8-AAFE-4BAA-8D4E-448F984C98D8}" srcOrd="0" destOrd="0" presId="urn:microsoft.com/office/officeart/2005/8/layout/vList5"/>
-    <dgm:cxn modelId="{0E21A504-B936-4C33-8A75-641DA3707E7F}" srcId="{9B094859-64CF-43E2-84E3-5C2C137C1AE4}" destId="{552DEA89-C539-4395-A106-B0D2CFAEC0C4}" srcOrd="3" destOrd="0" parTransId="{4E93E06C-44D9-4AD8-9417-E359CCD1CC4C}" sibTransId="{C876DB4F-7528-4CCF-83D8-03DA5F64EBB9}"/>
+    <dgm:cxn modelId="{5C7C83F4-A3F9-46C8-B997-B717E9651361}" srcId="{9B094859-64CF-43E2-84E3-5C2C137C1AE4}" destId="{A2B8A66F-00A2-489B-A4AD-A84E9CA6D163}" srcOrd="0" destOrd="0" parTransId="{AA678909-AD5D-469C-AFA9-69B96C003BBB}" sibTransId="{90EDBD5F-B7B0-45C8-859F-7ED3086B50DC}"/>
     <dgm:cxn modelId="{2815016F-AA00-4522-9087-9EBE388F41D5}" type="presOf" srcId="{552DEA89-C539-4395-A106-B0D2CFAEC0C4}" destId="{60494F3F-B686-4940-983F-1C72649574BB}" srcOrd="0" destOrd="0" presId="urn:microsoft.com/office/officeart/2005/8/layout/vList5"/>
     <dgm:cxn modelId="{9DACFB29-D503-47DE-A112-9608887D92A1}" type="presOf" srcId="{9B094859-64CF-43E2-84E3-5C2C137C1AE4}" destId="{111A599B-EA97-4DC2-BF4C-8A6DA8FE7850}" srcOrd="0" destOrd="0" presId="urn:microsoft.com/office/officeart/2005/8/layout/vList5"/>
+    <dgm:cxn modelId="{C344B9F3-4A37-4607-B718-D2DEBE1D5C6E}" srcId="{9B094859-64CF-43E2-84E3-5C2C137C1AE4}" destId="{9BC09347-B33D-4979-9BDB-E36C7B30CBBA}" srcOrd="2" destOrd="0" parTransId="{A7B10C6A-5E76-4F3B-93CA-9027D009C27B}" sibTransId="{5F6C0C8C-6177-488A-A37D-925D034EFCAC}"/>
     <dgm:cxn modelId="{14099E3B-A0C4-4EE6-AED6-D3E228B8A8F7}" type="presOf" srcId="{A2B8A66F-00A2-489B-A4AD-A84E9CA6D163}" destId="{082BB027-6359-45A9-905C-ACA83F9E48B2}" srcOrd="0" destOrd="0" presId="urn:microsoft.com/office/officeart/2005/8/layout/vList5"/>
     <dgm:cxn modelId="{0D960763-A5E3-405B-899A-B575859CD7B8}" type="presOf" srcId="{19363DDF-615E-40BE-9E5E-4D3D9BB3CAA6}" destId="{87CD7CF8-79B5-416A-967B-F89FBA3DBED1}" srcOrd="0" destOrd="0" presId="urn:microsoft.com/office/officeart/2005/8/layout/vList5"/>
-    <dgm:cxn modelId="{5C7C83F4-A3F9-46C8-B997-B717E9651361}" srcId="{9B094859-64CF-43E2-84E3-5C2C137C1AE4}" destId="{A2B8A66F-00A2-489B-A4AD-A84E9CA6D163}" srcOrd="0" destOrd="0" parTransId="{AA678909-AD5D-469C-AFA9-69B96C003BBB}" sibTransId="{90EDBD5F-B7B0-45C8-859F-7ED3086B50DC}"/>
-    <dgm:cxn modelId="{C344B9F3-4A37-4607-B718-D2DEBE1D5C6E}" srcId="{9B094859-64CF-43E2-84E3-5C2C137C1AE4}" destId="{9BC09347-B33D-4979-9BDB-E36C7B30CBBA}" srcOrd="2" destOrd="0" parTransId="{A7B10C6A-5E76-4F3B-93CA-9027D009C27B}" sibTransId="{5F6C0C8C-6177-488A-A37D-925D034EFCAC}"/>
+    <dgm:cxn modelId="{DBEA0B5A-A90D-4DAA-BA5C-9677C4715319}" type="presOf" srcId="{9BC09347-B33D-4979-9BDB-E36C7B30CBBA}" destId="{E63503F8-AAFE-4BAA-8D4E-448F984C98D8}" srcOrd="0" destOrd="0" presId="urn:microsoft.com/office/officeart/2005/8/layout/vList5"/>
     <dgm:cxn modelId="{B4147CAF-6A66-4AD5-80B9-30BC3C4F17E1}" srcId="{9B094859-64CF-43E2-84E3-5C2C137C1AE4}" destId="{19363DDF-615E-40BE-9E5E-4D3D9BB3CAA6}" srcOrd="1" destOrd="0" parTransId="{E3A5C0A8-31A9-48E7-92DB-42DF2B29BAB1}" sibTransId="{CFCE6456-C4BB-4A14-8C1A-685F7BEA0B87}"/>
+    <dgm:cxn modelId="{0E21A504-B936-4C33-8A75-641DA3707E7F}" srcId="{9B094859-64CF-43E2-84E3-5C2C137C1AE4}" destId="{552DEA89-C539-4395-A106-B0D2CFAEC0C4}" srcOrd="3" destOrd="0" parTransId="{4E93E06C-44D9-4AD8-9417-E359CCD1CC4C}" sibTransId="{C876DB4F-7528-4CCF-83D8-03DA5F64EBB9}"/>
     <dgm:cxn modelId="{3C1F2102-CD8A-4343-A860-5BE7B6C14B41}" type="presParOf" srcId="{111A599B-EA97-4DC2-BF4C-8A6DA8FE7850}" destId="{FB5F408D-1C69-4101-BD49-63EC282DF85D}" srcOrd="0" destOrd="0" presId="urn:microsoft.com/office/officeart/2005/8/layout/vList5"/>
     <dgm:cxn modelId="{0146E2F0-2E73-4B1D-87B6-71BD2EB64C2D}" type="presParOf" srcId="{FB5F408D-1C69-4101-BD49-63EC282DF85D}" destId="{082BB027-6359-45A9-905C-ACA83F9E48B2}" srcOrd="0" destOrd="0" presId="urn:microsoft.com/office/officeart/2005/8/layout/vList5"/>
     <dgm:cxn modelId="{6035159D-5BC2-47DE-8375-B10C07B88641}" type="presParOf" srcId="{111A599B-EA97-4DC2-BF4C-8A6DA8FE7850}" destId="{1C4285F0-7F7E-4417-BC38-6822BA52F0FF}" srcOrd="1" destOrd="0" presId="urn:microsoft.com/office/officeart/2005/8/layout/vList5"/>
@@ -4008,7 +4024,7 @@
   <dgm:whole/>
   <dgm:extLst>
     <a:ext uri="http://schemas.microsoft.com/office/drawing/2008/diagram">
-      <dsp:dataModelExt xmlns:dsp="http://schemas.microsoft.com/office/drawing/2008/diagram" xmlns="" relId="rId6" minVer="http://schemas.openxmlformats.org/drawingml/2006/diagram"/>
+      <dsp:dataModelExt xmlns:dsp="http://schemas.microsoft.com/office/drawing/2008/diagram" relId="rId6" minVer="http://schemas.openxmlformats.org/drawingml/2006/diagram"/>
     </a:ext>
   </dgm:extLst>
 </dgm:dataModel>
@@ -4018,7 +4034,7 @@
 <dgm:dataModel xmlns:dgm="http://schemas.openxmlformats.org/drawingml/2006/diagram" xmlns:a="http://schemas.openxmlformats.org/drawingml/2006/main">
   <dgm:ptLst>
     <dgm:pt modelId="{9B094859-64CF-43E2-84E3-5C2C137C1AE4}" type="doc">
-      <dgm:prSet loTypeId="urn:microsoft.com/office/officeart/2005/8/layout/vList5" loCatId="list" qsTypeId="urn:microsoft.com/office/officeart/2005/8/quickstyle/simple3" qsCatId="simple" csTypeId="urn:microsoft.com/office/officeart/2005/8/colors/colorful1" csCatId="colorful" phldr="1"/>
+      <dgm:prSet loTypeId="urn:microsoft.com/office/officeart/2005/8/layout/vList5" loCatId="list" qsTypeId="urn:microsoft.com/office/officeart/2005/8/quickstyle/simple3" qsCatId="simple" csTypeId="urn:microsoft.com/office/officeart/2005/8/colors/colorful1#2" csCatId="colorful" phldr="1"/>
       <dgm:spPr/>
       <dgm:t>
         <a:bodyPr/>
@@ -4479,23 +4495,23 @@
     </dgm:pt>
   </dgm:ptLst>
   <dgm:cxnLst>
+    <dgm:cxn modelId="{5C7C83F4-A3F9-46C8-B997-B717E9651361}" srcId="{9B094859-64CF-43E2-84E3-5C2C137C1AE4}" destId="{A2B8A66F-00A2-489B-A4AD-A84E9CA6D163}" srcOrd="0" destOrd="0" parTransId="{AA678909-AD5D-469C-AFA9-69B96C003BBB}" sibTransId="{90EDBD5F-B7B0-45C8-859F-7ED3086B50DC}"/>
+    <dgm:cxn modelId="{3FBAE32D-5A06-464F-ABD0-A3B333C789B5}" type="presOf" srcId="{A2B8A66F-00A2-489B-A4AD-A84E9CA6D163}" destId="{082BB027-6359-45A9-905C-ACA83F9E48B2}" srcOrd="0" destOrd="0" presId="urn:microsoft.com/office/officeart/2005/8/layout/vList5"/>
     <dgm:cxn modelId="{C344B9F3-4A37-4607-B718-D2DEBE1D5C6E}" srcId="{9B094859-64CF-43E2-84E3-5C2C137C1AE4}" destId="{9BC09347-B33D-4979-9BDB-E36C7B30CBBA}" srcOrd="2" destOrd="0" parTransId="{A7B10C6A-5E76-4F3B-93CA-9027D009C27B}" sibTransId="{5F6C0C8C-6177-488A-A37D-925D034EFCAC}"/>
+    <dgm:cxn modelId="{9DFE0D66-237A-43A5-96DF-5C339908DAEB}" type="presOf" srcId="{552DEA89-C539-4395-A106-B0D2CFAEC0C4}" destId="{60494F3F-B686-4940-983F-1C72649574BB}" srcOrd="0" destOrd="0" presId="urn:microsoft.com/office/officeart/2005/8/layout/vList5"/>
+    <dgm:cxn modelId="{D44312E4-74CF-4B2F-910B-7E06C9D55ABE}" srcId="{9BC09347-B33D-4979-9BDB-E36C7B30CBBA}" destId="{B6DB679C-C865-4F82-8C1F-D10AFF82174F}" srcOrd="0" destOrd="0" parTransId="{6A858F0D-FB09-4262-B0BC-A93F9ED5665B}" sibTransId="{50B38557-20D0-4551-87B9-BE63C766CC2B}"/>
+    <dgm:cxn modelId="{5DBE8F18-B1E3-4C1C-B9C5-D6072DA8DAC6}" srcId="{A2B8A66F-00A2-489B-A4AD-A84E9CA6D163}" destId="{AA94DCE6-9613-4387-A2D5-632A9737BADF}" srcOrd="0" destOrd="0" parTransId="{16998827-5D9C-407F-AD34-E83863D575A6}" sibTransId="{1AEE6D3F-9838-4279-9EE3-704CEEEF7BDA}"/>
+    <dgm:cxn modelId="{58F648DC-CBC0-4F7D-9463-921B95CC3EBD}" type="presOf" srcId="{AA94DCE6-9613-4387-A2D5-632A9737BADF}" destId="{748CF2E3-6A35-43D7-9F44-D9F9BA74867A}" srcOrd="0" destOrd="0" presId="urn:microsoft.com/office/officeart/2005/8/layout/vList5"/>
+    <dgm:cxn modelId="{07548154-88E8-498A-AA67-0666225A42F3}" type="presOf" srcId="{B6DB679C-C865-4F82-8C1F-D10AFF82174F}" destId="{E27B0244-D2DB-48D7-866A-10FF9AEA5537}" srcOrd="0" destOrd="0" presId="urn:microsoft.com/office/officeart/2005/8/layout/vList5"/>
+    <dgm:cxn modelId="{AF8074F0-6C38-48A7-805C-55687DF824B0}" type="presOf" srcId="{19363DDF-615E-40BE-9E5E-4D3D9BB3CAA6}" destId="{87CD7CF8-79B5-416A-967B-F89FBA3DBED1}" srcOrd="0" destOrd="0" presId="urn:microsoft.com/office/officeart/2005/8/layout/vList5"/>
+    <dgm:cxn modelId="{D8507855-EDC0-4B24-8975-AA8ED513D6EA}" srcId="{552DEA89-C539-4395-A106-B0D2CFAEC0C4}" destId="{0FFFF5FF-ECD8-4251-967E-29766560BAB1}" srcOrd="0" destOrd="0" parTransId="{9F8A1712-A2E8-4AF2-A489-94AF313D43D8}" sibTransId="{26B373E8-6879-45CB-BE35-1AF6147F2A70}"/>
+    <dgm:cxn modelId="{D3E52FCE-6791-42F8-8BA3-A14ED795C0FF}" srcId="{19363DDF-615E-40BE-9E5E-4D3D9BB3CAA6}" destId="{3E96148D-D17F-4733-B179-D5496FEB499F}" srcOrd="0" destOrd="0" parTransId="{C9943526-A6EC-4E5C-A1CC-CC84EBBB7DA9}" sibTransId="{3601115B-4296-4145-87CC-E83BC373ECBB}"/>
+    <dgm:cxn modelId="{B4147CAF-6A66-4AD5-80B9-30BC3C4F17E1}" srcId="{9B094859-64CF-43E2-84E3-5C2C137C1AE4}" destId="{19363DDF-615E-40BE-9E5E-4D3D9BB3CAA6}" srcOrd="1" destOrd="0" parTransId="{E3A5C0A8-31A9-48E7-92DB-42DF2B29BAB1}" sibTransId="{CFCE6456-C4BB-4A14-8C1A-685F7BEA0B87}"/>
+    <dgm:cxn modelId="{5CE65E79-61FC-4AF2-8D8E-41174F0D462E}" type="presOf" srcId="{0FFFF5FF-ECD8-4251-967E-29766560BAB1}" destId="{E245088C-AE90-4831-A6ED-F041C588B53D}" srcOrd="0" destOrd="0" presId="urn:microsoft.com/office/officeart/2005/8/layout/vList5"/>
+    <dgm:cxn modelId="{2FB3C88A-9F6A-4884-BD03-9BB760CC7590}" type="presOf" srcId="{3E96148D-D17F-4733-B179-D5496FEB499F}" destId="{CFA3EF0F-E32F-4919-8FAD-A97203F6D04C}" srcOrd="0" destOrd="0" presId="urn:microsoft.com/office/officeart/2005/8/layout/vList5"/>
+    <dgm:cxn modelId="{CFD02CDB-2973-4533-A1B6-42DD5AE69130}" type="presOf" srcId="{9BC09347-B33D-4979-9BDB-E36C7B30CBBA}" destId="{E63503F8-AAFE-4BAA-8D4E-448F984C98D8}" srcOrd="0" destOrd="0" presId="urn:microsoft.com/office/officeart/2005/8/layout/vList5"/>
+    <dgm:cxn modelId="{0E21A504-B936-4C33-8A75-641DA3707E7F}" srcId="{9B094859-64CF-43E2-84E3-5C2C137C1AE4}" destId="{552DEA89-C539-4395-A106-B0D2CFAEC0C4}" srcOrd="3" destOrd="0" parTransId="{4E93E06C-44D9-4AD8-9417-E359CCD1CC4C}" sibTransId="{C876DB4F-7528-4CCF-83D8-03DA5F64EBB9}"/>
     <dgm:cxn modelId="{1238CC98-DD3B-4BC5-8E64-E07E41C97C9D}" type="presOf" srcId="{9B094859-64CF-43E2-84E3-5C2C137C1AE4}" destId="{111A599B-EA97-4DC2-BF4C-8A6DA8FE7850}" srcOrd="0" destOrd="0" presId="urn:microsoft.com/office/officeart/2005/8/layout/vList5"/>
-    <dgm:cxn modelId="{2FB3C88A-9F6A-4884-BD03-9BB760CC7590}" type="presOf" srcId="{3E96148D-D17F-4733-B179-D5496FEB499F}" destId="{CFA3EF0F-E32F-4919-8FAD-A97203F6D04C}" srcOrd="0" destOrd="0" presId="urn:microsoft.com/office/officeart/2005/8/layout/vList5"/>
-    <dgm:cxn modelId="{D44312E4-74CF-4B2F-910B-7E06C9D55ABE}" srcId="{9BC09347-B33D-4979-9BDB-E36C7B30CBBA}" destId="{B6DB679C-C865-4F82-8C1F-D10AFF82174F}" srcOrd="0" destOrd="0" parTransId="{6A858F0D-FB09-4262-B0BC-A93F9ED5665B}" sibTransId="{50B38557-20D0-4551-87B9-BE63C766CC2B}"/>
-    <dgm:cxn modelId="{07548154-88E8-498A-AA67-0666225A42F3}" type="presOf" srcId="{B6DB679C-C865-4F82-8C1F-D10AFF82174F}" destId="{E27B0244-D2DB-48D7-866A-10FF9AEA5537}" srcOrd="0" destOrd="0" presId="urn:microsoft.com/office/officeart/2005/8/layout/vList5"/>
-    <dgm:cxn modelId="{5DBE8F18-B1E3-4C1C-B9C5-D6072DA8DAC6}" srcId="{A2B8A66F-00A2-489B-A4AD-A84E9CA6D163}" destId="{AA94DCE6-9613-4387-A2D5-632A9737BADF}" srcOrd="0" destOrd="0" parTransId="{16998827-5D9C-407F-AD34-E83863D575A6}" sibTransId="{1AEE6D3F-9838-4279-9EE3-704CEEEF7BDA}"/>
-    <dgm:cxn modelId="{CFD02CDB-2973-4533-A1B6-42DD5AE69130}" type="presOf" srcId="{9BC09347-B33D-4979-9BDB-E36C7B30CBBA}" destId="{E63503F8-AAFE-4BAA-8D4E-448F984C98D8}" srcOrd="0" destOrd="0" presId="urn:microsoft.com/office/officeart/2005/8/layout/vList5"/>
-    <dgm:cxn modelId="{5C7C83F4-A3F9-46C8-B997-B717E9651361}" srcId="{9B094859-64CF-43E2-84E3-5C2C137C1AE4}" destId="{A2B8A66F-00A2-489B-A4AD-A84E9CA6D163}" srcOrd="0" destOrd="0" parTransId="{AA678909-AD5D-469C-AFA9-69B96C003BBB}" sibTransId="{90EDBD5F-B7B0-45C8-859F-7ED3086B50DC}"/>
-    <dgm:cxn modelId="{58F648DC-CBC0-4F7D-9463-921B95CC3EBD}" type="presOf" srcId="{AA94DCE6-9613-4387-A2D5-632A9737BADF}" destId="{748CF2E3-6A35-43D7-9F44-D9F9BA74867A}" srcOrd="0" destOrd="0" presId="urn:microsoft.com/office/officeart/2005/8/layout/vList5"/>
-    <dgm:cxn modelId="{0E21A504-B936-4C33-8A75-641DA3707E7F}" srcId="{9B094859-64CF-43E2-84E3-5C2C137C1AE4}" destId="{552DEA89-C539-4395-A106-B0D2CFAEC0C4}" srcOrd="3" destOrd="0" parTransId="{4E93E06C-44D9-4AD8-9417-E359CCD1CC4C}" sibTransId="{C876DB4F-7528-4CCF-83D8-03DA5F64EBB9}"/>
-    <dgm:cxn modelId="{D3E52FCE-6791-42F8-8BA3-A14ED795C0FF}" srcId="{19363DDF-615E-40BE-9E5E-4D3D9BB3CAA6}" destId="{3E96148D-D17F-4733-B179-D5496FEB499F}" srcOrd="0" destOrd="0" parTransId="{C9943526-A6EC-4E5C-A1CC-CC84EBBB7DA9}" sibTransId="{3601115B-4296-4145-87CC-E83BC373ECBB}"/>
-    <dgm:cxn modelId="{9DFE0D66-237A-43A5-96DF-5C339908DAEB}" type="presOf" srcId="{552DEA89-C539-4395-A106-B0D2CFAEC0C4}" destId="{60494F3F-B686-4940-983F-1C72649574BB}" srcOrd="0" destOrd="0" presId="urn:microsoft.com/office/officeart/2005/8/layout/vList5"/>
-    <dgm:cxn modelId="{B4147CAF-6A66-4AD5-80B9-30BC3C4F17E1}" srcId="{9B094859-64CF-43E2-84E3-5C2C137C1AE4}" destId="{19363DDF-615E-40BE-9E5E-4D3D9BB3CAA6}" srcOrd="1" destOrd="0" parTransId="{E3A5C0A8-31A9-48E7-92DB-42DF2B29BAB1}" sibTransId="{CFCE6456-C4BB-4A14-8C1A-685F7BEA0B87}"/>
-    <dgm:cxn modelId="{AF8074F0-6C38-48A7-805C-55687DF824B0}" type="presOf" srcId="{19363DDF-615E-40BE-9E5E-4D3D9BB3CAA6}" destId="{87CD7CF8-79B5-416A-967B-F89FBA3DBED1}" srcOrd="0" destOrd="0" presId="urn:microsoft.com/office/officeart/2005/8/layout/vList5"/>
-    <dgm:cxn modelId="{3FBAE32D-5A06-464F-ABD0-A3B333C789B5}" type="presOf" srcId="{A2B8A66F-00A2-489B-A4AD-A84E9CA6D163}" destId="{082BB027-6359-45A9-905C-ACA83F9E48B2}" srcOrd="0" destOrd="0" presId="urn:microsoft.com/office/officeart/2005/8/layout/vList5"/>
-    <dgm:cxn modelId="{D8507855-EDC0-4B24-8975-AA8ED513D6EA}" srcId="{552DEA89-C539-4395-A106-B0D2CFAEC0C4}" destId="{0FFFF5FF-ECD8-4251-967E-29766560BAB1}" srcOrd="0" destOrd="0" parTransId="{9F8A1712-A2E8-4AF2-A489-94AF313D43D8}" sibTransId="{26B373E8-6879-45CB-BE35-1AF6147F2A70}"/>
-    <dgm:cxn modelId="{5CE65E79-61FC-4AF2-8D8E-41174F0D462E}" type="presOf" srcId="{0FFFF5FF-ECD8-4251-967E-29766560BAB1}" destId="{E245088C-AE90-4831-A6ED-F041C588B53D}" srcOrd="0" destOrd="0" presId="urn:microsoft.com/office/officeart/2005/8/layout/vList5"/>
     <dgm:cxn modelId="{FEB22461-8010-4025-BB89-E548578DD158}" type="presParOf" srcId="{111A599B-EA97-4DC2-BF4C-8A6DA8FE7850}" destId="{FB5F408D-1C69-4101-BD49-63EC282DF85D}" srcOrd="0" destOrd="0" presId="urn:microsoft.com/office/officeart/2005/8/layout/vList5"/>
     <dgm:cxn modelId="{275A771A-21D5-4DC7-9CAB-0A95300CE05A}" type="presParOf" srcId="{FB5F408D-1C69-4101-BD49-63EC282DF85D}" destId="{082BB027-6359-45A9-905C-ACA83F9E48B2}" srcOrd="0" destOrd="0" presId="urn:microsoft.com/office/officeart/2005/8/layout/vList5"/>
     <dgm:cxn modelId="{0416CEA8-FF54-4859-AB33-869C41B0E859}" type="presParOf" srcId="{FB5F408D-1C69-4101-BD49-63EC282DF85D}" destId="{748CF2E3-6A35-43D7-9F44-D9F9BA74867A}" srcOrd="1" destOrd="0" presId="urn:microsoft.com/office/officeart/2005/8/layout/vList5"/>
@@ -4516,14 +4532,14 @@
   <dgm:whole/>
   <dgm:extLst>
     <a:ext uri="http://schemas.microsoft.com/office/drawing/2008/diagram">
-      <dsp:dataModelExt xmlns:dsp="http://schemas.microsoft.com/office/drawing/2008/diagram" xmlns="" relId="rId6" minVer="http://schemas.openxmlformats.org/drawingml/2006/diagram"/>
+      <dsp:dataModelExt xmlns:dsp="http://schemas.microsoft.com/office/drawing/2008/diagram" relId="rId6" minVer="http://schemas.openxmlformats.org/drawingml/2006/diagram"/>
     </a:ext>
   </dgm:extLst>
 </dgm:dataModel>
 </file>
 
 <file path=ppt/diagrams/drawing1.xml><?xml version="1.0" encoding="utf-8"?>
-<dsp:drawing xmlns:dgm="http://schemas.openxmlformats.org/drawingml/2006/diagram" xmlns:a="http://schemas.openxmlformats.org/drawingml/2006/main" xmlns:dsp="http://schemas.microsoft.com/office/drawing/2008/diagram">
+<dsp:drawing xmlns:dgm="http://schemas.openxmlformats.org/drawingml/2006/diagram" xmlns:dsp="http://schemas.microsoft.com/office/drawing/2008/diagram" xmlns:a="http://schemas.openxmlformats.org/drawingml/2006/main">
   <dsp:spTree>
     <dsp:nvGrpSpPr>
       <dsp:cNvPr id="0" name=""/>
@@ -4639,8 +4655,8 @@
         </a:p>
       </dsp:txBody>
       <dsp:txXfrm>
-        <a:off x="3897" y="2301"/>
-        <a:ext cx="8221804" cy="1440967"/>
+        <a:off x="46101" y="44505"/>
+        <a:ext cx="8137396" cy="1356559"/>
       </dsp:txXfrm>
     </dsp:sp>
     <dsp:sp modelId="{83E83D5C-94AD-4C1C-8EA7-CB61019CDFD5}">
@@ -4752,8 +4768,8 @@
         </a:p>
       </dsp:txBody>
       <dsp:txXfrm>
-        <a:off x="11922" y="1601238"/>
-        <a:ext cx="974555" cy="1440967"/>
+        <a:off x="40466" y="1629782"/>
+        <a:ext cx="917467" cy="1383879"/>
       </dsp:txXfrm>
     </dsp:sp>
     <dsp:sp modelId="{029DDB1F-127D-407C-ACD5-D5BB1741BCD4}">
@@ -4865,8 +4881,8 @@
         </a:p>
       </dsp:txBody>
       <dsp:txXfrm>
-        <a:off x="11922" y="3200175"/>
-        <a:ext cx="974555" cy="974497"/>
+        <a:off x="40464" y="3228717"/>
+        <a:ext cx="917471" cy="917413"/>
       </dsp:txXfrm>
     </dsp:sp>
     <dsp:sp modelId="{D5B63C8F-BC39-4519-BC71-B79549B4A2B4}">
@@ -4978,8 +4994,8 @@
         </a:p>
       </dsp:txBody>
       <dsp:txXfrm>
-        <a:off x="1068340" y="1601238"/>
-        <a:ext cx="1990041" cy="1440967"/>
+        <a:off x="1110544" y="1643442"/>
+        <a:ext cx="1905633" cy="1356559"/>
       </dsp:txXfrm>
     </dsp:sp>
     <dsp:sp modelId="{67A03939-BD22-4529-B0AD-114986C6EE11}">
@@ -5091,8 +5107,8 @@
         </a:p>
       </dsp:txBody>
       <dsp:txXfrm>
-        <a:off x="1068340" y="3200175"/>
-        <a:ext cx="974555" cy="974497"/>
+        <a:off x="1096882" y="3228717"/>
+        <a:ext cx="917471" cy="917413"/>
       </dsp:txXfrm>
     </dsp:sp>
     <dsp:sp modelId="{6F57AA7E-BF37-4B9B-9AA7-E2D287BB939D}">
@@ -5204,8 +5220,8 @@
         </a:p>
       </dsp:txBody>
       <dsp:txXfrm>
-        <a:off x="2083827" y="3200175"/>
-        <a:ext cx="974555" cy="965347"/>
+        <a:off x="2112101" y="3228449"/>
+        <a:ext cx="918007" cy="908799"/>
       </dsp:txXfrm>
     </dsp:sp>
     <dsp:sp modelId="{9E464E03-ADCA-4ED8-AEB1-693D4142908E}">
@@ -5317,8 +5333,8 @@
         </a:p>
       </dsp:txBody>
       <dsp:txXfrm>
-        <a:off x="3140244" y="1601238"/>
-        <a:ext cx="1990041" cy="1440967"/>
+        <a:off x="3182448" y="1643442"/>
+        <a:ext cx="1905633" cy="1356559"/>
       </dsp:txXfrm>
     </dsp:sp>
     <dsp:sp modelId="{7C68D11E-6D6C-4154-9052-DAA5FAB04448}">
@@ -5430,8 +5446,8 @@
         </a:p>
       </dsp:txBody>
       <dsp:txXfrm>
-        <a:off x="3140244" y="3200175"/>
-        <a:ext cx="974555" cy="974497"/>
+        <a:off x="3168786" y="3228717"/>
+        <a:ext cx="917471" cy="917413"/>
       </dsp:txXfrm>
     </dsp:sp>
     <dsp:sp modelId="{012E50F3-EDE5-444B-A931-0C64AB72CD04}">
@@ -5543,8 +5559,8 @@
         </a:p>
       </dsp:txBody>
       <dsp:txXfrm>
-        <a:off x="4155731" y="3200175"/>
-        <a:ext cx="974555" cy="1001371"/>
+        <a:off x="4184275" y="3228719"/>
+        <a:ext cx="917467" cy="944283"/>
       </dsp:txXfrm>
     </dsp:sp>
     <dsp:sp modelId="{EFA9A04D-2828-41DB-B047-E703EA2DAD07}">
@@ -5656,8 +5672,8 @@
         </a:p>
       </dsp:txBody>
       <dsp:txXfrm>
-        <a:off x="5212149" y="1601238"/>
-        <a:ext cx="3005527" cy="1440967"/>
+        <a:off x="5254353" y="1643442"/>
+        <a:ext cx="2921119" cy="1356559"/>
       </dsp:txXfrm>
     </dsp:sp>
     <dsp:sp modelId="{3D44DD11-1F2C-48DB-ACBD-7B992443A5D5}">
@@ -5769,8 +5785,8 @@
         </a:p>
       </dsp:txBody>
       <dsp:txXfrm>
-        <a:off x="5212149" y="3200175"/>
-        <a:ext cx="974555" cy="974497"/>
+        <a:off x="5240691" y="3228717"/>
+        <a:ext cx="917471" cy="917413"/>
       </dsp:txXfrm>
     </dsp:sp>
     <dsp:sp modelId="{3B7B11BF-1FA6-4038-B663-81EB430F264A}">
@@ -5882,8 +5898,8 @@
         </a:p>
       </dsp:txBody>
       <dsp:txXfrm>
-        <a:off x="6227635" y="3200175"/>
-        <a:ext cx="974555" cy="974497"/>
+        <a:off x="6256177" y="3228717"/>
+        <a:ext cx="917471" cy="917413"/>
       </dsp:txXfrm>
     </dsp:sp>
     <dsp:sp modelId="{A472835F-C15D-4DC2-AF59-91D3BD1F1A68}">
@@ -5995,8 +6011,8 @@
         </a:p>
       </dsp:txBody>
       <dsp:txXfrm>
-        <a:off x="7243121" y="3200175"/>
-        <a:ext cx="974555" cy="974497"/>
+        <a:off x="7271663" y="3228717"/>
+        <a:ext cx="917471" cy="917413"/>
       </dsp:txXfrm>
     </dsp:sp>
   </dsp:spTree>
@@ -6004,7 +6020,7 @@
 </file>
 
 <file path=ppt/diagrams/drawing2.xml><?xml version="1.0" encoding="utf-8"?>
-<dsp:drawing xmlns:dgm="http://schemas.openxmlformats.org/drawingml/2006/diagram" xmlns:a="http://schemas.openxmlformats.org/drawingml/2006/main" xmlns:dsp="http://schemas.microsoft.com/office/drawing/2008/diagram">
+<dsp:drawing xmlns:dgm="http://schemas.openxmlformats.org/drawingml/2006/diagram" xmlns:dsp="http://schemas.microsoft.com/office/drawing/2008/diagram" xmlns:a="http://schemas.openxmlformats.org/drawingml/2006/main">
   <dsp:spTree>
     <dsp:nvGrpSpPr>
       <dsp:cNvPr id="0" name=""/>
@@ -6118,8 +6134,8 @@
         </a:p>
       </dsp:txBody>
       <dsp:txXfrm>
-        <a:off x="209882" y="1333"/>
-        <a:ext cx="3288138" cy="641356"/>
+        <a:off x="241190" y="32641"/>
+        <a:ext cx="3225522" cy="578740"/>
       </dsp:txXfrm>
     </dsp:sp>
     <dsp:sp modelId="{87CD7CF8-79B5-416A-967B-F89FBA3DBED1}">
@@ -6229,8 +6245,8 @@
         </a:p>
       </dsp:txBody>
       <dsp:txXfrm>
-        <a:off x="209882" y="674757"/>
-        <a:ext cx="3288138" cy="641356"/>
+        <a:off x="241190" y="706065"/>
+        <a:ext cx="3225522" cy="578740"/>
       </dsp:txXfrm>
     </dsp:sp>
     <dsp:sp modelId="{E63503F8-AAFE-4BAA-8D4E-448F984C98D8}">
@@ -6340,8 +6356,8 @@
         </a:p>
       </dsp:txBody>
       <dsp:txXfrm>
-        <a:off x="209882" y="1348181"/>
-        <a:ext cx="3288138" cy="641356"/>
+        <a:off x="241190" y="1379489"/>
+        <a:ext cx="3225522" cy="578740"/>
       </dsp:txXfrm>
     </dsp:sp>
     <dsp:sp modelId="{60494F3F-B686-4940-983F-1C72649574BB}">
@@ -6451,8 +6467,8 @@
         </a:p>
       </dsp:txBody>
       <dsp:txXfrm>
-        <a:off x="209882" y="2021606"/>
-        <a:ext cx="3288138" cy="641356"/>
+        <a:off x="241190" y="2052914"/>
+        <a:ext cx="3225522" cy="578740"/>
       </dsp:txXfrm>
     </dsp:sp>
   </dsp:spTree>
@@ -6460,7 +6476,7 @@
 </file>
 
 <file path=ppt/diagrams/drawing3.xml><?xml version="1.0" encoding="utf-8"?>
-<dsp:drawing xmlns:dgm="http://schemas.openxmlformats.org/drawingml/2006/diagram" xmlns:a="http://schemas.openxmlformats.org/drawingml/2006/main" xmlns:dsp="http://schemas.microsoft.com/office/drawing/2008/diagram">
+<dsp:drawing xmlns:dgm="http://schemas.openxmlformats.org/drawingml/2006/diagram" xmlns:dsp="http://schemas.microsoft.com/office/drawing/2008/diagram" xmlns:a="http://schemas.openxmlformats.org/drawingml/2006/main">
   <dsp:spTree>
     <dsp:nvGrpSpPr>
       <dsp:cNvPr id="0" name=""/>
@@ -6538,9 +6554,9 @@
           <a:endParaRPr lang="en-US" sz="1200" kern="1200" noProof="0" dirty="0"/>
         </a:p>
       </dsp:txBody>
-      <dsp:txXfrm rot="5400000">
-        <a:off x="4961281" y="-2031729"/>
-        <a:ext cx="947763" cy="5115448"/>
+      <dsp:txXfrm rot="-5400000">
+        <a:off x="2877439" y="98379"/>
+        <a:ext cx="5069182" cy="855231"/>
       </dsp:txXfrm>
     </dsp:sp>
     <dsp:sp modelId="{082BB027-6359-45A9-905C-ACA83F9E48B2}">
@@ -6650,8 +6666,8 @@
         </a:p>
       </dsp:txBody>
       <dsp:txXfrm>
-        <a:off x="0" y="2178"/>
-        <a:ext cx="2877439" cy="1047632"/>
+        <a:off x="51141" y="53319"/>
+        <a:ext cx="2775157" cy="945350"/>
       </dsp:txXfrm>
     </dsp:sp>
     <dsp:sp modelId="{CFA3EF0F-E32F-4919-8FAD-A97203F6D04C}">
@@ -6725,9 +6741,9 @@
           <a:endParaRPr lang="en-US" sz="1200" kern="1200" noProof="0" dirty="0"/>
         </a:p>
       </dsp:txBody>
-      <dsp:txXfrm rot="5400000">
-        <a:off x="4961281" y="-931715"/>
-        <a:ext cx="947763" cy="5115448"/>
+      <dsp:txXfrm rot="-5400000">
+        <a:off x="2877439" y="1198393"/>
+        <a:ext cx="5069182" cy="855231"/>
       </dsp:txXfrm>
     </dsp:sp>
     <dsp:sp modelId="{87CD7CF8-79B5-416A-967B-F89FBA3DBED1}">
@@ -6837,8 +6853,8 @@
         </a:p>
       </dsp:txBody>
       <dsp:txXfrm>
-        <a:off x="0" y="1102192"/>
-        <a:ext cx="2877439" cy="1047632"/>
+        <a:off x="51141" y="1153333"/>
+        <a:ext cx="2775157" cy="945350"/>
       </dsp:txXfrm>
     </dsp:sp>
     <dsp:sp modelId="{E27B0244-D2DB-48D7-866A-10FF9AEA5537}">
@@ -6912,9 +6928,9 @@
           <a:endParaRPr lang="en-US" sz="1200" kern="1200" noProof="0" dirty="0"/>
         </a:p>
       </dsp:txBody>
-      <dsp:txXfrm rot="5400000">
-        <a:off x="4961281" y="168299"/>
-        <a:ext cx="947763" cy="5115448"/>
+      <dsp:txXfrm rot="-5400000">
+        <a:off x="2877439" y="2298407"/>
+        <a:ext cx="5069182" cy="855231"/>
       </dsp:txXfrm>
     </dsp:sp>
     <dsp:sp modelId="{E63503F8-AAFE-4BAA-8D4E-448F984C98D8}">
@@ -7024,8 +7040,8 @@
         </a:p>
       </dsp:txBody>
       <dsp:txXfrm>
-        <a:off x="0" y="2202206"/>
-        <a:ext cx="2877439" cy="1047632"/>
+        <a:off x="51141" y="2253347"/>
+        <a:ext cx="2775157" cy="945350"/>
       </dsp:txXfrm>
     </dsp:sp>
     <dsp:sp modelId="{E245088C-AE90-4831-A6ED-F041C588B53D}">
@@ -7099,9 +7115,9 @@
           <a:endParaRPr lang="en-US" sz="1200" kern="1200" noProof="0" dirty="0"/>
         </a:p>
       </dsp:txBody>
-      <dsp:txXfrm rot="5400000">
-        <a:off x="4961281" y="1268313"/>
-        <a:ext cx="947763" cy="5115448"/>
+      <dsp:txXfrm rot="-5400000">
+        <a:off x="2877439" y="3398421"/>
+        <a:ext cx="5069182" cy="855231"/>
       </dsp:txXfrm>
     </dsp:sp>
     <dsp:sp modelId="{60494F3F-B686-4940-983F-1C72649574BB}">
@@ -7211,8 +7227,8 @@
         </a:p>
       </dsp:txBody>
       <dsp:txXfrm>
-        <a:off x="0" y="3302221"/>
-        <a:ext cx="2877439" cy="1047632"/>
+        <a:off x="51141" y="3353362"/>
+        <a:ext cx="2775157" cy="945350"/>
       </dsp:txXfrm>
     </dsp:sp>
   </dsp:spTree>
@@ -11470,7 +11486,7 @@
             <a:fld id="{E8A24FED-46CF-4A09-B1CC-1E0B6DF6FD6A}" type="datetimeFigureOut">
               <a:rPr lang="de-DE" smtClean="0"/>
               <a:pPr/>
-              <a:t>29.04.2016</a:t>
+              <a:t>02.05.2016</a:t>
             </a:fld>
             <a:endParaRPr lang="de-DE"/>
           </a:p>
@@ -11632,13 +11648,18 @@
             <a:fld id="{5652F815-8907-4933-9379-FDD7E595D6C2}" type="slidenum">
               <a:rPr lang="de-DE" smtClean="0"/>
               <a:pPr/>
-              <a:t>‹Nr.›</a:t>
+              <a:t>‹#›</a:t>
             </a:fld>
             <a:endParaRPr lang="de-DE"/>
           </a:p>
         </p:txBody>
       </p:sp>
     </p:spTree>
+    <p:extLst>
+      <p:ext uri="{BB962C8B-B14F-4D97-AF65-F5344CB8AC3E}">
+        <p14:creationId xmlns:p14="http://schemas.microsoft.com/office/powerpoint/2010/main" val="235483979"/>
+      </p:ext>
+    </p:extLst>
   </p:cSld>
   <p:clrMap bg1="lt1" tx1="dk1" bg2="lt2" tx2="dk2" accent1="accent1" accent2="accent2" accent3="accent3" accent4="accent4" accent5="accent5" accent6="accent6" hlink="hlink" folHlink="folHlink"/>
   <p:notesStyle>
@@ -11811,6 +11832,11 @@
         </p:txBody>
       </p:sp>
     </p:spTree>
+    <p:extLst>
+      <p:ext uri="{BB962C8B-B14F-4D97-AF65-F5344CB8AC3E}">
+        <p14:creationId xmlns:p14="http://schemas.microsoft.com/office/powerpoint/2010/main" val="1213245312"/>
+      </p:ext>
+    </p:extLst>
   </p:cSld>
   <p:clrMapOvr>
     <a:masterClrMapping/>
@@ -11893,6 +11919,11 @@
         </p:txBody>
       </p:sp>
     </p:spTree>
+    <p:extLst>
+      <p:ext uri="{BB962C8B-B14F-4D97-AF65-F5344CB8AC3E}">
+        <p14:creationId xmlns:p14="http://schemas.microsoft.com/office/powerpoint/2010/main" val="3093642644"/>
+      </p:ext>
+    </p:extLst>
   </p:cSld>
   <p:clrMapOvr>
     <a:masterClrMapping/>
@@ -12108,6 +12139,11 @@
         </p:txBody>
       </p:sp>
     </p:spTree>
+    <p:extLst>
+      <p:ext uri="{BB962C8B-B14F-4D97-AF65-F5344CB8AC3E}">
+        <p14:creationId xmlns:p14="http://schemas.microsoft.com/office/powerpoint/2010/main" val="229653007"/>
+      </p:ext>
+    </p:extLst>
   </p:cSld>
   <p:clrMapOvr>
     <a:masterClrMapping/>
@@ -12774,7 +12810,7 @@
             <a:fld id="{6824E8E0-4EA7-4878-AE2A-C2C03E66CD52}" type="datetimeFigureOut">
               <a:rPr lang="de-DE" smtClean="0"/>
               <a:pPr/>
-              <a:t>29.04.2016</a:t>
+              <a:t>02.05.2016</a:t>
             </a:fld>
             <a:endParaRPr lang="de-DE"/>
           </a:p>
@@ -12835,7 +12871,7 @@
             <a:fld id="{B938B83A-8DF3-44A0-8718-2B5EDB2395B3}" type="slidenum">
               <a:rPr lang="de-DE" smtClean="0"/>
               <a:pPr/>
-              <a:t>‹Nr.›</a:t>
+              <a:t>‹#›</a:t>
             </a:fld>
             <a:endParaRPr lang="de-DE"/>
           </a:p>
@@ -12959,7 +12995,7 @@
             <a:fld id="{6824E8E0-4EA7-4878-AE2A-C2C03E66CD52}" type="datetimeFigureOut">
               <a:rPr lang="de-DE" smtClean="0"/>
               <a:pPr/>
-              <a:t>29.04.2016</a:t>
+              <a:t>02.05.2016</a:t>
             </a:fld>
             <a:endParaRPr lang="de-DE"/>
           </a:p>
@@ -13002,7 +13038,7 @@
             <a:fld id="{B938B83A-8DF3-44A0-8718-2B5EDB2395B3}" type="slidenum">
               <a:rPr lang="de-DE" smtClean="0"/>
               <a:pPr/>
-              <a:t>‹Nr.›</a:t>
+              <a:t>‹#›</a:t>
             </a:fld>
             <a:endParaRPr lang="de-DE"/>
           </a:p>
@@ -13136,7 +13172,7 @@
             <a:fld id="{6824E8E0-4EA7-4878-AE2A-C2C03E66CD52}" type="datetimeFigureOut">
               <a:rPr lang="de-DE" smtClean="0"/>
               <a:pPr/>
-              <a:t>29.04.2016</a:t>
+              <a:t>02.05.2016</a:t>
             </a:fld>
             <a:endParaRPr lang="de-DE"/>
           </a:p>
@@ -13179,7 +13215,7 @@
             <a:fld id="{B938B83A-8DF3-44A0-8718-2B5EDB2395B3}" type="slidenum">
               <a:rPr lang="de-DE" smtClean="0"/>
               <a:pPr/>
-              <a:t>‹Nr.›</a:t>
+              <a:t>‹#›</a:t>
             </a:fld>
             <a:endParaRPr lang="de-DE"/>
           </a:p>
@@ -13303,7 +13339,7 @@
             <a:fld id="{6824E8E0-4EA7-4878-AE2A-C2C03E66CD52}" type="datetimeFigureOut">
               <a:rPr lang="de-DE" smtClean="0"/>
               <a:pPr/>
-              <a:t>29.04.2016</a:t>
+              <a:t>02.05.2016</a:t>
             </a:fld>
             <a:endParaRPr lang="de-DE"/>
           </a:p>
@@ -13346,7 +13382,7 @@
             <a:fld id="{B938B83A-8DF3-44A0-8718-2B5EDB2395B3}" type="slidenum">
               <a:rPr lang="de-DE" smtClean="0"/>
               <a:pPr/>
-              <a:t>‹Nr.›</a:t>
+              <a:t>‹#›</a:t>
             </a:fld>
             <a:endParaRPr lang="de-DE"/>
           </a:p>
@@ -13526,7 +13562,7 @@
             <a:fld id="{6824E8E0-4EA7-4878-AE2A-C2C03E66CD52}" type="datetimeFigureOut">
               <a:rPr lang="de-DE" smtClean="0"/>
               <a:pPr/>
-              <a:t>29.04.2016</a:t>
+              <a:t>02.05.2016</a:t>
             </a:fld>
             <a:endParaRPr lang="de-DE"/>
           </a:p>
@@ -13569,7 +13605,7 @@
             <a:fld id="{B938B83A-8DF3-44A0-8718-2B5EDB2395B3}" type="slidenum">
               <a:rPr lang="de-DE" smtClean="0"/>
               <a:pPr/>
-              <a:t>‹Nr.›</a:t>
+              <a:t>‹#›</a:t>
             </a:fld>
             <a:endParaRPr lang="de-DE"/>
           </a:p>
@@ -13787,7 +13823,7 @@
             <a:fld id="{6824E8E0-4EA7-4878-AE2A-C2C03E66CD52}" type="datetimeFigureOut">
               <a:rPr lang="de-DE" smtClean="0"/>
               <a:pPr/>
-              <a:t>29.04.2016</a:t>
+              <a:t>02.05.2016</a:t>
             </a:fld>
             <a:endParaRPr lang="de-DE"/>
           </a:p>
@@ -13830,7 +13866,7 @@
             <a:fld id="{B938B83A-8DF3-44A0-8718-2B5EDB2395B3}" type="slidenum">
               <a:rPr lang="de-DE" smtClean="0"/>
               <a:pPr/>
-              <a:t>‹Nr.›</a:t>
+              <a:t>‹#›</a:t>
             </a:fld>
             <a:endParaRPr lang="de-DE"/>
           </a:p>
@@ -14193,7 +14229,7 @@
             <a:fld id="{6824E8E0-4EA7-4878-AE2A-C2C03E66CD52}" type="datetimeFigureOut">
               <a:rPr lang="de-DE" smtClean="0"/>
               <a:pPr/>
-              <a:t>29.04.2016</a:t>
+              <a:t>02.05.2016</a:t>
             </a:fld>
             <a:endParaRPr lang="de-DE"/>
           </a:p>
@@ -14217,7 +14253,7 @@
             <a:fld id="{B938B83A-8DF3-44A0-8718-2B5EDB2395B3}" type="slidenum">
               <a:rPr lang="de-DE" smtClean="0"/>
               <a:pPr/>
-              <a:t>‹Nr.›</a:t>
+              <a:t>‹#›</a:t>
             </a:fld>
             <a:endParaRPr lang="de-DE"/>
           </a:p>
@@ -14326,7 +14362,7 @@
             <a:fld id="{6824E8E0-4EA7-4878-AE2A-C2C03E66CD52}" type="datetimeFigureOut">
               <a:rPr lang="de-DE" smtClean="0"/>
               <a:pPr/>
-              <a:t>29.04.2016</a:t>
+              <a:t>02.05.2016</a:t>
             </a:fld>
             <a:endParaRPr lang="de-DE"/>
           </a:p>
@@ -14379,7 +14415,7 @@
             <a:fld id="{B938B83A-8DF3-44A0-8718-2B5EDB2395B3}" type="slidenum">
               <a:rPr lang="de-DE" smtClean="0"/>
               <a:pPr/>
-              <a:t>‹Nr.›</a:t>
+              <a:t>‹#›</a:t>
             </a:fld>
             <a:endParaRPr lang="de-DE"/>
           </a:p>
@@ -14428,7 +14464,7 @@
             <a:fld id="{6824E8E0-4EA7-4878-AE2A-C2C03E66CD52}" type="datetimeFigureOut">
               <a:rPr lang="de-DE" smtClean="0"/>
               <a:pPr/>
-              <a:t>29.04.2016</a:t>
+              <a:t>02.05.2016</a:t>
             </a:fld>
             <a:endParaRPr lang="de-DE"/>
           </a:p>
@@ -14471,7 +14507,7 @@
             <a:fld id="{B938B83A-8DF3-44A0-8718-2B5EDB2395B3}" type="slidenum">
               <a:rPr lang="de-DE" smtClean="0"/>
               <a:pPr/>
-              <a:t>‹Nr.›</a:t>
+              <a:t>‹#›</a:t>
             </a:fld>
             <a:endParaRPr lang="de-DE"/>
           </a:p>
@@ -14675,7 +14711,7 @@
             <a:fld id="{6824E8E0-4EA7-4878-AE2A-C2C03E66CD52}" type="datetimeFigureOut">
               <a:rPr lang="de-DE" smtClean="0"/>
               <a:pPr/>
-              <a:t>29.04.2016</a:t>
+              <a:t>02.05.2016</a:t>
             </a:fld>
             <a:endParaRPr lang="de-DE"/>
           </a:p>
@@ -14718,7 +14754,7 @@
             <a:fld id="{B938B83A-8DF3-44A0-8718-2B5EDB2395B3}" type="slidenum">
               <a:rPr lang="de-DE" smtClean="0"/>
               <a:pPr/>
-              <a:t>‹Nr.›</a:t>
+              <a:t>‹#›</a:t>
             </a:fld>
             <a:endParaRPr lang="de-DE"/>
           </a:p>
@@ -14921,7 +14957,7 @@
             <a:fld id="{6824E8E0-4EA7-4878-AE2A-C2C03E66CD52}" type="datetimeFigureOut">
               <a:rPr lang="de-DE" smtClean="0"/>
               <a:pPr/>
-              <a:t>29.04.2016</a:t>
+              <a:t>02.05.2016</a:t>
             </a:fld>
             <a:endParaRPr lang="de-DE"/>
           </a:p>
@@ -14964,7 +15000,7 @@
             <a:fld id="{B938B83A-8DF3-44A0-8718-2B5EDB2395B3}" type="slidenum">
               <a:rPr lang="de-DE" smtClean="0"/>
               <a:pPr/>
-              <a:t>‹Nr.›</a:t>
+              <a:t>‹#›</a:t>
             </a:fld>
             <a:endParaRPr lang="de-DE"/>
           </a:p>
@@ -15747,7 +15783,7 @@
             <a:fld id="{6824E8E0-4EA7-4878-AE2A-C2C03E66CD52}" type="datetimeFigureOut">
               <a:rPr lang="de-DE" smtClean="0"/>
               <a:pPr/>
-              <a:t>29.04.2016</a:t>
+              <a:t>02.05.2016</a:t>
             </a:fld>
             <a:endParaRPr lang="de-DE"/>
           </a:p>
@@ -15822,7 +15858,7 @@
             <a:fld id="{B938B83A-8DF3-44A0-8718-2B5EDB2395B3}" type="slidenum">
               <a:rPr lang="de-DE" smtClean="0"/>
               <a:pPr/>
-              <a:t>‹Nr.›</a:t>
+              <a:t>‹#›</a:t>
             </a:fld>
             <a:endParaRPr lang="de-DE"/>
           </a:p>
@@ -16220,7 +16256,7 @@
 </file>
 
 <file path=ppt/slides/slide10.xml><?xml version="1.0" encoding="utf-8"?>
-<p:sld xmlns:a="http://schemas.openxmlformats.org/drawingml/2006/main" xmlns:r="http://schemas.openxmlformats.org/officeDocument/2006/relationships" xmlns:p="http://schemas.openxmlformats.org/presentationml/2006/main" show="0">
+<p:sld xmlns:a="http://schemas.openxmlformats.org/drawingml/2006/main" xmlns:r="http://schemas.openxmlformats.org/officeDocument/2006/relationships" xmlns:p="http://schemas.openxmlformats.org/presentationml/2006/main">
   <p:cSld>
     <p:spTree>
       <p:nvGrpSpPr>
@@ -16505,7 +16541,7 @@
 </file>
 
 <file path=ppt/slides/slide11.xml><?xml version="1.0" encoding="utf-8"?>
-<p:sld xmlns:a="http://schemas.openxmlformats.org/drawingml/2006/main" xmlns:r="http://schemas.openxmlformats.org/officeDocument/2006/relationships" xmlns:p="http://schemas.openxmlformats.org/presentationml/2006/main" show="0">
+<p:sld xmlns:a="http://schemas.openxmlformats.org/drawingml/2006/main" xmlns:r="http://schemas.openxmlformats.org/officeDocument/2006/relationships" xmlns:p="http://schemas.openxmlformats.org/presentationml/2006/main">
   <p:cSld>
     <p:spTree>
       <p:nvGrpSpPr>
@@ -16695,7 +16731,7 @@
 </file>
 
 <file path=ppt/slides/slide12.xml><?xml version="1.0" encoding="utf-8"?>
-<p:sld xmlns:a="http://schemas.openxmlformats.org/drawingml/2006/main" xmlns:r="http://schemas.openxmlformats.org/officeDocument/2006/relationships" xmlns:p="http://schemas.openxmlformats.org/presentationml/2006/main" show="0">
+<p:sld xmlns:a="http://schemas.openxmlformats.org/drawingml/2006/main" xmlns:r="http://schemas.openxmlformats.org/officeDocument/2006/relationships" xmlns:p="http://schemas.openxmlformats.org/presentationml/2006/main">
   <p:cSld>
     <p:spTree>
       <p:nvGrpSpPr>
@@ -16813,7 +16849,7 @@
 </file>
 
 <file path=ppt/slides/slide13.xml><?xml version="1.0" encoding="utf-8"?>
-<p:sld xmlns:a="http://schemas.openxmlformats.org/drawingml/2006/main" xmlns:r="http://schemas.openxmlformats.org/officeDocument/2006/relationships" xmlns:p="http://schemas.openxmlformats.org/presentationml/2006/main" show="0">
+<p:sld xmlns:a="http://schemas.openxmlformats.org/drawingml/2006/main" xmlns:r="http://schemas.openxmlformats.org/officeDocument/2006/relationships" xmlns:p="http://schemas.openxmlformats.org/presentationml/2006/main">
   <p:cSld>
     <p:spTree>
       <p:nvGrpSpPr>
@@ -16903,7 +16939,7 @@
 </file>
 
 <file path=ppt/slides/slide14.xml><?xml version="1.0" encoding="utf-8"?>
-<p:sld xmlns:a="http://schemas.openxmlformats.org/drawingml/2006/main" xmlns:r="http://schemas.openxmlformats.org/officeDocument/2006/relationships" xmlns:p="http://schemas.openxmlformats.org/presentationml/2006/main" show="0">
+<p:sld xmlns:a="http://schemas.openxmlformats.org/drawingml/2006/main" xmlns:r="http://schemas.openxmlformats.org/officeDocument/2006/relationships" xmlns:p="http://schemas.openxmlformats.org/presentationml/2006/main">
   <p:cSld>
     <p:spTree>
       <p:nvGrpSpPr>
@@ -17458,7 +17494,7 @@
 </file>
 
 <file path=ppt/slides/slide15.xml><?xml version="1.0" encoding="utf-8"?>
-<p:sld xmlns:a="http://schemas.openxmlformats.org/drawingml/2006/main" xmlns:r="http://schemas.openxmlformats.org/officeDocument/2006/relationships" xmlns:p="http://schemas.openxmlformats.org/presentationml/2006/main" show="0">
+<p:sld xmlns:a="http://schemas.openxmlformats.org/drawingml/2006/main" xmlns:r="http://schemas.openxmlformats.org/officeDocument/2006/relationships" xmlns:p="http://schemas.openxmlformats.org/presentationml/2006/main">
   <p:cSld>
     <p:spTree>
       <p:nvGrpSpPr>
@@ -17597,7 +17633,7 @@
 </file>
 
 <file path=ppt/slides/slide16.xml><?xml version="1.0" encoding="utf-8"?>
-<p:sld xmlns:a="http://schemas.openxmlformats.org/drawingml/2006/main" xmlns:r="http://schemas.openxmlformats.org/officeDocument/2006/relationships" xmlns:p="http://schemas.openxmlformats.org/presentationml/2006/main" show="0">
+<p:sld xmlns:a="http://schemas.openxmlformats.org/drawingml/2006/main" xmlns:r="http://schemas.openxmlformats.org/officeDocument/2006/relationships" xmlns:p="http://schemas.openxmlformats.org/presentationml/2006/main">
   <p:cSld>
     <p:spTree>
       <p:nvGrpSpPr>
@@ -19132,6 +19168,7 @@
             </a:r>
           </a:p>
           <a:p>
+            <a:pPr lvl="1"/>
             <a:r>
               <a:rPr lang="de-DE" dirty="0" smtClean="0"/>
               <a:t>Elements </a:t>
@@ -19142,8 +19179,55 @@
             </a:r>
             <a:r>
               <a:rPr lang="de-DE" dirty="0" smtClean="0"/>
+              <a:t> Design </a:t>
+            </a:r>
+            <a:r>
+              <a:rPr lang="de-DE" dirty="0" smtClean="0"/>
+              <a:t>Patterns</a:t>
+            </a:r>
+          </a:p>
+          <a:p>
+            <a:pPr lvl="1"/>
+            <a:r>
+              <a:rPr lang="de-DE" dirty="0" err="1" smtClean="0"/>
+              <a:t>Why</a:t>
+            </a:r>
+            <a:r>
+              <a:rPr lang="de-DE" dirty="0" smtClean="0"/>
+              <a:t> </a:t>
+            </a:r>
+            <a:r>
+              <a:rPr lang="de-DE" dirty="0" err="1" smtClean="0"/>
+              <a:t>we</a:t>
+            </a:r>
+            <a:r>
+              <a:rPr lang="de-DE" dirty="0" smtClean="0"/>
+              <a:t> </a:t>
+            </a:r>
+            <a:r>
+              <a:rPr lang="de-DE" dirty="0" err="1" smtClean="0"/>
+              <a:t>should</a:t>
+            </a:r>
+            <a:r>
+              <a:rPr lang="de-DE" dirty="0" smtClean="0"/>
+              <a:t> </a:t>
+            </a:r>
+            <a:r>
+              <a:rPr lang="de-DE" dirty="0" err="1" smtClean="0"/>
+              <a:t>use</a:t>
+            </a:r>
+            <a:r>
+              <a:rPr lang="de-DE" dirty="0" smtClean="0"/>
               <a:t> Design Patterns</a:t>
             </a:r>
+          </a:p>
+          <a:p>
+            <a:pPr lvl="1"/>
+            <a:r>
+              <a:rPr lang="de-DE" dirty="0" err="1" smtClean="0"/>
+              <a:t>Criticism</a:t>
+            </a:r>
+            <a:endParaRPr lang="de-DE" dirty="0" smtClean="0"/>
           </a:p>
           <a:p>
             <a:r>
@@ -19168,7 +19252,19 @@
           <a:p>
             <a:r>
               <a:rPr lang="de-DE" dirty="0" smtClean="0"/>
-              <a:t>The Command Pattern</a:t>
+              <a:t>The </a:t>
+            </a:r>
+            <a:r>
+              <a:rPr lang="de-DE" dirty="0" err="1" smtClean="0"/>
+              <a:t>ActiveObject</a:t>
+            </a:r>
+            <a:r>
+              <a:rPr lang="de-DE" dirty="0" smtClean="0"/>
+              <a:t> </a:t>
+            </a:r>
+            <a:r>
+              <a:rPr lang="de-DE" dirty="0" smtClean="0"/>
+              <a:t>Pattern</a:t>
             </a:r>
           </a:p>
           <a:p>
@@ -21402,11 +21498,7 @@
             </a:r>
             <a:r>
               <a:rPr lang="en-US" dirty="0" smtClean="0"/>
-              <a:t>, 1977</a:t>
-            </a:r>
-            <a:r>
-              <a:rPr lang="en-US" dirty="0" smtClean="0"/>
-              <a:t>.</a:t>
+              <a:t>, 1977.</a:t>
             </a:r>
           </a:p>
           <a:p>
@@ -21414,13 +21506,7 @@
               <a:rPr lang="en-US" dirty="0" smtClean="0">
                 <a:hlinkClick r:id="rId2"/>
               </a:rPr>
-              <a:t>http://</a:t>
-            </a:r>
-            <a:r>
-              <a:rPr lang="en-US" dirty="0" smtClean="0">
-                <a:hlinkClick r:id="rId2"/>
-              </a:rPr>
-              <a:t>www.codeguru.com/images/article/18981/Classes.gif</a:t>
+              <a:t>http://www.codeguru.com/images/article/18981/Classes.gif</a:t>
             </a:r>
             <a:endParaRPr lang="en-US" dirty="0" smtClean="0"/>
           </a:p>
@@ -21429,19 +21515,7 @@
               <a:rPr lang="en-US" smtClean="0">
                 <a:hlinkClick r:id="rId3"/>
               </a:rPr>
-              <a:t>http</a:t>
-            </a:r>
-            <a:r>
-              <a:rPr lang="en-US" smtClean="0">
-                <a:hlinkClick r:id="rId3"/>
-              </a:rPr>
-              <a:t>://</a:t>
-            </a:r>
-            <a:r>
-              <a:rPr lang="en-US" smtClean="0">
-                <a:hlinkClick r:id="rId3"/>
-              </a:rPr>
-              <a:t>www.patterns-kompakt.de/patterns/activeobject.html</a:t>
+              <a:t>http://www.patterns-kompakt.de/patterns/activeobject.html</a:t>
             </a:r>
             <a:endParaRPr lang="en-US" smtClean="0"/>
           </a:p>
@@ -21584,7 +21658,7 @@
           <p:spPr>
             <a:xfrm>
               <a:off x="1979712" y="2348880"/>
-              <a:ext cx="5544616" cy="1940957"/>
+              <a:ext cx="5544616" cy="2485787"/>
             </a:xfrm>
             <a:prstGeom prst="wedgeRoundRectCallout">
               <a:avLst>
@@ -21604,7 +21678,7 @@
             <a:lstStyle/>
             <a:p>
               <a:r>
-                <a:rPr lang="en-US" smtClean="0">
+                <a:rPr lang="en-US" sz="2000" dirty="0" smtClean="0">
                   <a:solidFill>
                     <a:schemeClr val="bg1"/>
                   </a:solidFill>
@@ -21612,7 +21686,7 @@
                 <a:t>“Each </a:t>
               </a:r>
               <a:r>
-                <a:rPr lang="en-US">
+                <a:rPr lang="en-US" sz="2000" dirty="0">
                   <a:solidFill>
                     <a:schemeClr val="bg1"/>
                   </a:solidFill>
@@ -21620,7 +21694,7 @@
                 <a:t>pattern describes a problem which occurs </a:t>
               </a:r>
               <a:r>
-                <a:rPr lang="en-US" smtClean="0">
+                <a:rPr lang="en-US" sz="2000" dirty="0" smtClean="0">
                   <a:solidFill>
                     <a:schemeClr val="bg1"/>
                   </a:solidFill>
@@ -21628,7 +21702,7 @@
                 <a:t>over and </a:t>
               </a:r>
               <a:r>
-                <a:rPr lang="en-US">
+                <a:rPr lang="en-US" sz="2000" dirty="0">
                   <a:solidFill>
                     <a:schemeClr val="bg1"/>
                   </a:solidFill>
@@ -21636,7 +21710,7 @@
                 <a:t>over again in our environment, and then describes the core of the </a:t>
               </a:r>
               <a:r>
-                <a:rPr lang="en-US" smtClean="0">
+                <a:rPr lang="en-US" sz="2000" dirty="0" smtClean="0">
                   <a:solidFill>
                     <a:schemeClr val="bg1"/>
                   </a:solidFill>
@@ -21644,7 +21718,7 @@
                 <a:t>solution to </a:t>
               </a:r>
               <a:r>
-                <a:rPr lang="en-US">
+                <a:rPr lang="en-US" sz="2000" dirty="0">
                   <a:solidFill>
                     <a:schemeClr val="bg1"/>
                   </a:solidFill>
@@ -21652,7 +21726,7 @@
                 <a:t>that problem, in such a way that you can use this solution a </a:t>
               </a:r>
               <a:r>
-                <a:rPr lang="en-US" smtClean="0">
+                <a:rPr lang="en-US" sz="2000" dirty="0" smtClean="0">
                   <a:solidFill>
                     <a:schemeClr val="bg1"/>
                   </a:solidFill>
@@ -21660,7 +21734,7 @@
                 <a:t>million times over</a:t>
               </a:r>
               <a:r>
-                <a:rPr lang="en-US">
+                <a:rPr lang="en-US" sz="2000" dirty="0">
                   <a:solidFill>
                     <a:schemeClr val="bg1"/>
                   </a:solidFill>
@@ -21668,7 +21742,7 @@
                 <a:t>, without ever doing it the same way </a:t>
               </a:r>
               <a:r>
-                <a:rPr lang="en-US" smtClean="0">
+                <a:rPr lang="en-US" sz="2000" dirty="0" smtClean="0">
                   <a:solidFill>
                     <a:schemeClr val="bg1"/>
                   </a:solidFill>
@@ -21676,14 +21750,14 @@
                 <a:t>twice”</a:t>
               </a:r>
               <a:r>
-                <a:rPr lang="en-US" baseline="30000" smtClean="0">
+                <a:rPr lang="en-US" sz="2000" baseline="30000" dirty="0" smtClean="0">
                   <a:solidFill>
                     <a:schemeClr val="bg1"/>
                   </a:solidFill>
                 </a:rPr>
                 <a:t>1</a:t>
               </a:r>
-              <a:endParaRPr lang="en-US" baseline="30000">
+              <a:endParaRPr lang="en-US" sz="2000" baseline="30000" dirty="0">
                 <a:solidFill>
                   <a:schemeClr val="bg1"/>
                 </a:solidFill>
@@ -22814,7 +22888,7 @@
 </file>
 
 <file path=ppt/slides/slide8.xml><?xml version="1.0" encoding="utf-8"?>
-<p:sld xmlns:a="http://schemas.openxmlformats.org/drawingml/2006/main" xmlns:r="http://schemas.openxmlformats.org/officeDocument/2006/relationships" xmlns:p="http://schemas.openxmlformats.org/presentationml/2006/main" show="0">
+<p:sld xmlns:a="http://schemas.openxmlformats.org/drawingml/2006/main" xmlns:r="http://schemas.openxmlformats.org/officeDocument/2006/relationships" xmlns:p="http://schemas.openxmlformats.org/presentationml/2006/main">
   <p:cSld>
     <p:spTree>
       <p:nvGrpSpPr>
@@ -22942,7 +23016,7 @@
 </file>
 
 <file path=ppt/slides/slide9.xml><?xml version="1.0" encoding="utf-8"?>
-<p:sld xmlns:a="http://schemas.openxmlformats.org/drawingml/2006/main" xmlns:r="http://schemas.openxmlformats.org/officeDocument/2006/relationships" xmlns:p="http://schemas.openxmlformats.org/presentationml/2006/main" show="0">
+<p:sld xmlns:a="http://schemas.openxmlformats.org/drawingml/2006/main" xmlns:r="http://schemas.openxmlformats.org/officeDocument/2006/relationships" xmlns:p="http://schemas.openxmlformats.org/presentationml/2006/main">
   <p:cSld>
     <p:spTree>
       <p:nvGrpSpPr>

--- a/presentation/Design Patterns.pptx
+++ b/presentation/Design Patterns.pptx
@@ -4546,1475 +4546,6 @@
       <dsp:cNvGrpSpPr/>
     </dsp:nvGrpSpPr>
     <dsp:grpSpPr/>
-    <dsp:sp modelId="{F1CA5073-1ECB-4B55-BDA4-AC7FC9CAF784}">
-      <dsp:nvSpPr>
-        <dsp:cNvPr id="0" name=""/>
-        <dsp:cNvSpPr/>
-      </dsp:nvSpPr>
-      <dsp:spPr>
-        <a:xfrm>
-          <a:off x="3897" y="2301"/>
-          <a:ext cx="8221804" cy="1440967"/>
-        </a:xfrm>
-        <a:prstGeom prst="roundRect">
-          <a:avLst>
-            <a:gd name="adj" fmla="val 10000"/>
-          </a:avLst>
-        </a:prstGeom>
-        <a:gradFill rotWithShape="0">
-          <a:gsLst>
-            <a:gs pos="0">
-              <a:schemeClr val="accent3">
-                <a:hueOff val="0"/>
-                <a:satOff val="0"/>
-                <a:lumOff val="0"/>
-                <a:alphaOff val="0"/>
-                <a:tint val="1000"/>
-                <a:satMod val="255000"/>
-              </a:schemeClr>
-            </a:gs>
-            <a:gs pos="55000">
-              <a:schemeClr val="accent3">
-                <a:hueOff val="0"/>
-                <a:satOff val="0"/>
-                <a:lumOff val="0"/>
-                <a:alphaOff val="0"/>
-                <a:tint val="12000"/>
-                <a:satMod val="255000"/>
-              </a:schemeClr>
-            </a:gs>
-            <a:gs pos="100000">
-              <a:schemeClr val="accent3">
-                <a:hueOff val="0"/>
-                <a:satOff val="0"/>
-                <a:lumOff val="0"/>
-                <a:alphaOff val="0"/>
-                <a:tint val="45000"/>
-                <a:satMod val="250000"/>
-              </a:schemeClr>
-            </a:gs>
-          </a:gsLst>
-          <a:path path="circle">
-            <a:fillToRect l="-40000" t="-90000" r="140000" b="190000"/>
-          </a:path>
-        </a:gradFill>
-        <a:ln>
-          <a:noFill/>
-        </a:ln>
-        <a:effectLst>
-          <a:outerShdw blurRad="51500" dist="25400" dir="5400000" rotWithShape="0">
-            <a:srgbClr val="000000">
-              <a:alpha val="40000"/>
-            </a:srgbClr>
-          </a:outerShdw>
-        </a:effectLst>
-        <a:scene3d>
-          <a:camera prst="orthographicFront"/>
-          <a:lightRig rig="flat" dir="t"/>
-        </a:scene3d>
-        <a:sp3d prstMaterial="dkEdge">
-          <a:bevelT w="8200" h="38100"/>
-        </a:sp3d>
-      </dsp:spPr>
-      <dsp:style>
-        <a:lnRef idx="0">
-          <a:scrgbClr r="0" g="0" b="0"/>
-        </a:lnRef>
-        <a:fillRef idx="2">
-          <a:scrgbClr r="0" g="0" b="0"/>
-        </a:fillRef>
-        <a:effectRef idx="1">
-          <a:scrgbClr r="0" g="0" b="0"/>
-        </a:effectRef>
-        <a:fontRef idx="minor">
-          <a:schemeClr val="dk1"/>
-        </a:fontRef>
-      </dsp:style>
-      <dsp:txBody>
-        <a:bodyPr spcFirstLastPara="0" vert="horz" wrap="square" lIns="152400" tIns="152400" rIns="152400" bIns="152400" numCol="1" spcCol="1270" anchor="ctr" anchorCtr="0">
-          <a:noAutofit/>
-        </a:bodyPr>
-        <a:lstStyle/>
-        <a:p>
-          <a:pPr lvl="0" algn="ctr" defTabSz="1778000">
-            <a:lnSpc>
-              <a:spcPct val="90000"/>
-            </a:lnSpc>
-            <a:spcBef>
-              <a:spcPct val="0"/>
-            </a:spcBef>
-            <a:spcAft>
-              <a:spcPct val="35000"/>
-            </a:spcAft>
-          </a:pPr>
-          <a:r>
-            <a:rPr lang="en-US" sz="4000" kern="1200" noProof="0" smtClean="0"/>
-            <a:t>Elements of Design Patterns</a:t>
-          </a:r>
-          <a:endParaRPr lang="en-US" sz="4000" kern="1200" noProof="0"/>
-        </a:p>
-      </dsp:txBody>
-      <dsp:txXfrm>
-        <a:off x="46101" y="44505"/>
-        <a:ext cx="8137396" cy="1356559"/>
-      </dsp:txXfrm>
-    </dsp:sp>
-    <dsp:sp modelId="{83E83D5C-94AD-4C1C-8EA7-CB61019CDFD5}">
-      <dsp:nvSpPr>
-        <dsp:cNvPr id="0" name=""/>
-        <dsp:cNvSpPr/>
-      </dsp:nvSpPr>
-      <dsp:spPr>
-        <a:xfrm>
-          <a:off x="11922" y="1601238"/>
-          <a:ext cx="974555" cy="1440967"/>
-        </a:xfrm>
-        <a:prstGeom prst="roundRect">
-          <a:avLst>
-            <a:gd name="adj" fmla="val 10000"/>
-          </a:avLst>
-        </a:prstGeom>
-        <a:gradFill rotWithShape="0">
-          <a:gsLst>
-            <a:gs pos="0">
-              <a:schemeClr val="accent5">
-                <a:hueOff val="0"/>
-                <a:satOff val="0"/>
-                <a:lumOff val="0"/>
-                <a:alphaOff val="0"/>
-                <a:tint val="1000"/>
-                <a:satMod val="255000"/>
-              </a:schemeClr>
-            </a:gs>
-            <a:gs pos="55000">
-              <a:schemeClr val="accent5">
-                <a:hueOff val="0"/>
-                <a:satOff val="0"/>
-                <a:lumOff val="0"/>
-                <a:alphaOff val="0"/>
-                <a:tint val="12000"/>
-                <a:satMod val="255000"/>
-              </a:schemeClr>
-            </a:gs>
-            <a:gs pos="100000">
-              <a:schemeClr val="accent5">
-                <a:hueOff val="0"/>
-                <a:satOff val="0"/>
-                <a:lumOff val="0"/>
-                <a:alphaOff val="0"/>
-                <a:tint val="45000"/>
-                <a:satMod val="250000"/>
-              </a:schemeClr>
-            </a:gs>
-          </a:gsLst>
-          <a:path path="circle">
-            <a:fillToRect l="-40000" t="-90000" r="140000" b="190000"/>
-          </a:path>
-        </a:gradFill>
-        <a:ln>
-          <a:noFill/>
-        </a:ln>
-        <a:effectLst>
-          <a:outerShdw blurRad="51500" dist="25400" dir="5400000" rotWithShape="0">
-            <a:srgbClr val="000000">
-              <a:alpha val="40000"/>
-            </a:srgbClr>
-          </a:outerShdw>
-        </a:effectLst>
-        <a:scene3d>
-          <a:camera prst="orthographicFront"/>
-          <a:lightRig rig="flat" dir="t"/>
-        </a:scene3d>
-        <a:sp3d prstMaterial="dkEdge">
-          <a:bevelT w="8200" h="38100"/>
-        </a:sp3d>
-      </dsp:spPr>
-      <dsp:style>
-        <a:lnRef idx="0">
-          <a:scrgbClr r="0" g="0" b="0"/>
-        </a:lnRef>
-        <a:fillRef idx="2">
-          <a:scrgbClr r="0" g="0" b="0"/>
-        </a:fillRef>
-        <a:effectRef idx="1">
-          <a:scrgbClr r="0" g="0" b="0"/>
-        </a:effectRef>
-        <a:fontRef idx="minor">
-          <a:schemeClr val="dk1"/>
-        </a:fontRef>
-      </dsp:style>
-      <dsp:txBody>
-        <a:bodyPr spcFirstLastPara="0" vert="horz" wrap="square" lIns="83820" tIns="83820" rIns="83820" bIns="83820" numCol="1" spcCol="1270" anchor="ctr" anchorCtr="0">
-          <a:noAutofit/>
-        </a:bodyPr>
-        <a:lstStyle/>
-        <a:p>
-          <a:pPr lvl="0" algn="ctr" defTabSz="977900">
-            <a:lnSpc>
-              <a:spcPct val="90000"/>
-            </a:lnSpc>
-            <a:spcBef>
-              <a:spcPct val="0"/>
-            </a:spcBef>
-            <a:spcAft>
-              <a:spcPct val="35000"/>
-            </a:spcAft>
-          </a:pPr>
-          <a:r>
-            <a:rPr lang="en-US" sz="2200" kern="1200" noProof="0" smtClean="0"/>
-            <a:t>Name</a:t>
-          </a:r>
-          <a:endParaRPr lang="en-US" sz="2200" kern="1200" noProof="0"/>
-        </a:p>
-      </dsp:txBody>
-      <dsp:txXfrm>
-        <a:off x="40466" y="1629782"/>
-        <a:ext cx="917467" cy="1383879"/>
-      </dsp:txXfrm>
-    </dsp:sp>
-    <dsp:sp modelId="{029DDB1F-127D-407C-ACD5-D5BB1741BCD4}">
-      <dsp:nvSpPr>
-        <dsp:cNvPr id="0" name=""/>
-        <dsp:cNvSpPr/>
-      </dsp:nvSpPr>
-      <dsp:spPr>
-        <a:xfrm>
-          <a:off x="11922" y="3200175"/>
-          <a:ext cx="974555" cy="974497"/>
-        </a:xfrm>
-        <a:prstGeom prst="roundRect">
-          <a:avLst>
-            <a:gd name="adj" fmla="val 10000"/>
-          </a:avLst>
-        </a:prstGeom>
-        <a:gradFill rotWithShape="0">
-          <a:gsLst>
-            <a:gs pos="0">
-              <a:schemeClr val="accent6">
-                <a:hueOff val="0"/>
-                <a:satOff val="0"/>
-                <a:lumOff val="0"/>
-                <a:alphaOff val="0"/>
-                <a:tint val="1000"/>
-                <a:satMod val="255000"/>
-              </a:schemeClr>
-            </a:gs>
-            <a:gs pos="55000">
-              <a:schemeClr val="accent6">
-                <a:hueOff val="0"/>
-                <a:satOff val="0"/>
-                <a:lumOff val="0"/>
-                <a:alphaOff val="0"/>
-                <a:tint val="12000"/>
-                <a:satMod val="255000"/>
-              </a:schemeClr>
-            </a:gs>
-            <a:gs pos="100000">
-              <a:schemeClr val="accent6">
-                <a:hueOff val="0"/>
-                <a:satOff val="0"/>
-                <a:lumOff val="0"/>
-                <a:alphaOff val="0"/>
-                <a:tint val="45000"/>
-                <a:satMod val="250000"/>
-              </a:schemeClr>
-            </a:gs>
-          </a:gsLst>
-          <a:path path="circle">
-            <a:fillToRect l="-40000" t="-90000" r="140000" b="190000"/>
-          </a:path>
-        </a:gradFill>
-        <a:ln>
-          <a:noFill/>
-        </a:ln>
-        <a:effectLst>
-          <a:outerShdw blurRad="51500" dist="25400" dir="5400000" rotWithShape="0">
-            <a:srgbClr val="000000">
-              <a:alpha val="40000"/>
-            </a:srgbClr>
-          </a:outerShdw>
-        </a:effectLst>
-        <a:scene3d>
-          <a:camera prst="orthographicFront"/>
-          <a:lightRig rig="flat" dir="t"/>
-        </a:scene3d>
-        <a:sp3d prstMaterial="dkEdge">
-          <a:bevelT w="8200" h="38100"/>
-        </a:sp3d>
-      </dsp:spPr>
-      <dsp:style>
-        <a:lnRef idx="0">
-          <a:scrgbClr r="0" g="0" b="0"/>
-        </a:lnRef>
-        <a:fillRef idx="2">
-          <a:scrgbClr r="0" g="0" b="0"/>
-        </a:fillRef>
-        <a:effectRef idx="1">
-          <a:scrgbClr r="0" g="0" b="0"/>
-        </a:effectRef>
-        <a:fontRef idx="minor">
-          <a:schemeClr val="dk1"/>
-        </a:fontRef>
-      </dsp:style>
-      <dsp:txBody>
-        <a:bodyPr spcFirstLastPara="0" vert="horz" wrap="square" lIns="45720" tIns="45720" rIns="45720" bIns="45720" numCol="1" spcCol="1270" anchor="ctr" anchorCtr="0">
-          <a:noAutofit/>
-        </a:bodyPr>
-        <a:lstStyle/>
-        <a:p>
-          <a:pPr lvl="0" algn="ctr" defTabSz="533400">
-            <a:lnSpc>
-              <a:spcPct val="90000"/>
-            </a:lnSpc>
-            <a:spcBef>
-              <a:spcPct val="0"/>
-            </a:spcBef>
-            <a:spcAft>
-              <a:spcPct val="35000"/>
-            </a:spcAft>
-          </a:pPr>
-          <a:r>
-            <a:rPr lang="en-US" sz="1200" kern="1200" noProof="0" smtClean="0"/>
-            <a:t>Vocabulary to talk about</a:t>
-          </a:r>
-          <a:endParaRPr lang="en-US" sz="1200" kern="1200" noProof="0"/>
-        </a:p>
-      </dsp:txBody>
-      <dsp:txXfrm>
-        <a:off x="40464" y="3228717"/>
-        <a:ext cx="917471" cy="917413"/>
-      </dsp:txXfrm>
-    </dsp:sp>
-    <dsp:sp modelId="{D5B63C8F-BC39-4519-BC71-B79549B4A2B4}">
-      <dsp:nvSpPr>
-        <dsp:cNvPr id="0" name=""/>
-        <dsp:cNvSpPr/>
-      </dsp:nvSpPr>
-      <dsp:spPr>
-        <a:xfrm>
-          <a:off x="1068340" y="1601238"/>
-          <a:ext cx="1990041" cy="1440967"/>
-        </a:xfrm>
-        <a:prstGeom prst="roundRect">
-          <a:avLst>
-            <a:gd name="adj" fmla="val 10000"/>
-          </a:avLst>
-        </a:prstGeom>
-        <a:gradFill rotWithShape="0">
-          <a:gsLst>
-            <a:gs pos="0">
-              <a:schemeClr val="accent5">
-                <a:hueOff val="0"/>
-                <a:satOff val="0"/>
-                <a:lumOff val="0"/>
-                <a:alphaOff val="0"/>
-                <a:tint val="1000"/>
-                <a:satMod val="255000"/>
-              </a:schemeClr>
-            </a:gs>
-            <a:gs pos="55000">
-              <a:schemeClr val="accent5">
-                <a:hueOff val="0"/>
-                <a:satOff val="0"/>
-                <a:lumOff val="0"/>
-                <a:alphaOff val="0"/>
-                <a:tint val="12000"/>
-                <a:satMod val="255000"/>
-              </a:schemeClr>
-            </a:gs>
-            <a:gs pos="100000">
-              <a:schemeClr val="accent5">
-                <a:hueOff val="0"/>
-                <a:satOff val="0"/>
-                <a:lumOff val="0"/>
-                <a:alphaOff val="0"/>
-                <a:tint val="45000"/>
-                <a:satMod val="250000"/>
-              </a:schemeClr>
-            </a:gs>
-          </a:gsLst>
-          <a:path path="circle">
-            <a:fillToRect l="-40000" t="-90000" r="140000" b="190000"/>
-          </a:path>
-        </a:gradFill>
-        <a:ln>
-          <a:noFill/>
-        </a:ln>
-        <a:effectLst>
-          <a:outerShdw blurRad="51500" dist="25400" dir="5400000" rotWithShape="0">
-            <a:srgbClr val="000000">
-              <a:alpha val="40000"/>
-            </a:srgbClr>
-          </a:outerShdw>
-        </a:effectLst>
-        <a:scene3d>
-          <a:camera prst="orthographicFront"/>
-          <a:lightRig rig="flat" dir="t"/>
-        </a:scene3d>
-        <a:sp3d prstMaterial="dkEdge">
-          <a:bevelT w="8200" h="38100"/>
-        </a:sp3d>
-      </dsp:spPr>
-      <dsp:style>
-        <a:lnRef idx="0">
-          <a:scrgbClr r="0" g="0" b="0"/>
-        </a:lnRef>
-        <a:fillRef idx="2">
-          <a:scrgbClr r="0" g="0" b="0"/>
-        </a:fillRef>
-        <a:effectRef idx="1">
-          <a:scrgbClr r="0" g="0" b="0"/>
-        </a:effectRef>
-        <a:fontRef idx="minor">
-          <a:schemeClr val="dk1"/>
-        </a:fontRef>
-      </dsp:style>
-      <dsp:txBody>
-        <a:bodyPr spcFirstLastPara="0" vert="horz" wrap="square" lIns="83820" tIns="83820" rIns="83820" bIns="83820" numCol="1" spcCol="1270" anchor="ctr" anchorCtr="0">
-          <a:noAutofit/>
-        </a:bodyPr>
-        <a:lstStyle/>
-        <a:p>
-          <a:pPr lvl="0" algn="ctr" defTabSz="977900">
-            <a:lnSpc>
-              <a:spcPct val="90000"/>
-            </a:lnSpc>
-            <a:spcBef>
-              <a:spcPct val="0"/>
-            </a:spcBef>
-            <a:spcAft>
-              <a:spcPct val="35000"/>
-            </a:spcAft>
-          </a:pPr>
-          <a:r>
-            <a:rPr lang="en-US" sz="2200" kern="1200" noProof="0" smtClean="0"/>
-            <a:t>Problem</a:t>
-          </a:r>
-          <a:endParaRPr lang="en-US" sz="2200" kern="1200" noProof="0"/>
-        </a:p>
-      </dsp:txBody>
-      <dsp:txXfrm>
-        <a:off x="1110544" y="1643442"/>
-        <a:ext cx="1905633" cy="1356559"/>
-      </dsp:txXfrm>
-    </dsp:sp>
-    <dsp:sp modelId="{67A03939-BD22-4529-B0AD-114986C6EE11}">
-      <dsp:nvSpPr>
-        <dsp:cNvPr id="0" name=""/>
-        <dsp:cNvSpPr/>
-      </dsp:nvSpPr>
-      <dsp:spPr>
-        <a:xfrm>
-          <a:off x="1068340" y="3200175"/>
-          <a:ext cx="974555" cy="974497"/>
-        </a:xfrm>
-        <a:prstGeom prst="roundRect">
-          <a:avLst>
-            <a:gd name="adj" fmla="val 10000"/>
-          </a:avLst>
-        </a:prstGeom>
-        <a:gradFill rotWithShape="0">
-          <a:gsLst>
-            <a:gs pos="0">
-              <a:schemeClr val="accent6">
-                <a:hueOff val="0"/>
-                <a:satOff val="0"/>
-                <a:lumOff val="0"/>
-                <a:alphaOff val="0"/>
-                <a:tint val="1000"/>
-                <a:satMod val="255000"/>
-              </a:schemeClr>
-            </a:gs>
-            <a:gs pos="55000">
-              <a:schemeClr val="accent6">
-                <a:hueOff val="0"/>
-                <a:satOff val="0"/>
-                <a:lumOff val="0"/>
-                <a:alphaOff val="0"/>
-                <a:tint val="12000"/>
-                <a:satMod val="255000"/>
-              </a:schemeClr>
-            </a:gs>
-            <a:gs pos="100000">
-              <a:schemeClr val="accent6">
-                <a:hueOff val="0"/>
-                <a:satOff val="0"/>
-                <a:lumOff val="0"/>
-                <a:alphaOff val="0"/>
-                <a:tint val="45000"/>
-                <a:satMod val="250000"/>
-              </a:schemeClr>
-            </a:gs>
-          </a:gsLst>
-          <a:path path="circle">
-            <a:fillToRect l="-40000" t="-90000" r="140000" b="190000"/>
-          </a:path>
-        </a:gradFill>
-        <a:ln>
-          <a:noFill/>
-        </a:ln>
-        <a:effectLst>
-          <a:outerShdw blurRad="51500" dist="25400" dir="5400000" rotWithShape="0">
-            <a:srgbClr val="000000">
-              <a:alpha val="40000"/>
-            </a:srgbClr>
-          </a:outerShdw>
-        </a:effectLst>
-        <a:scene3d>
-          <a:camera prst="orthographicFront"/>
-          <a:lightRig rig="flat" dir="t"/>
-        </a:scene3d>
-        <a:sp3d prstMaterial="dkEdge">
-          <a:bevelT w="8200" h="38100"/>
-        </a:sp3d>
-      </dsp:spPr>
-      <dsp:style>
-        <a:lnRef idx="0">
-          <a:scrgbClr r="0" g="0" b="0"/>
-        </a:lnRef>
-        <a:fillRef idx="2">
-          <a:scrgbClr r="0" g="0" b="0"/>
-        </a:fillRef>
-        <a:effectRef idx="1">
-          <a:scrgbClr r="0" g="0" b="0"/>
-        </a:effectRef>
-        <a:fontRef idx="minor">
-          <a:schemeClr val="dk1"/>
-        </a:fontRef>
-      </dsp:style>
-      <dsp:txBody>
-        <a:bodyPr spcFirstLastPara="0" vert="horz" wrap="square" lIns="45720" tIns="45720" rIns="45720" bIns="45720" numCol="1" spcCol="1270" anchor="ctr" anchorCtr="0">
-          <a:noAutofit/>
-        </a:bodyPr>
-        <a:lstStyle/>
-        <a:p>
-          <a:pPr lvl="0" algn="ctr" defTabSz="533400">
-            <a:lnSpc>
-              <a:spcPct val="90000"/>
-            </a:lnSpc>
-            <a:spcBef>
-              <a:spcPct val="0"/>
-            </a:spcBef>
-            <a:spcAft>
-              <a:spcPct val="35000"/>
-            </a:spcAft>
-          </a:pPr>
-          <a:r>
-            <a:rPr lang="en-US" sz="1200" kern="1200" noProof="0" smtClean="0"/>
-            <a:t>When to apply the pattern</a:t>
-          </a:r>
-          <a:endParaRPr lang="en-US" sz="1200" kern="1200" noProof="0"/>
-        </a:p>
-      </dsp:txBody>
-      <dsp:txXfrm>
-        <a:off x="1096882" y="3228717"/>
-        <a:ext cx="917471" cy="917413"/>
-      </dsp:txXfrm>
-    </dsp:sp>
-    <dsp:sp modelId="{6F57AA7E-BF37-4B9B-9AA7-E2D287BB939D}">
-      <dsp:nvSpPr>
-        <dsp:cNvPr id="0" name=""/>
-        <dsp:cNvSpPr/>
-      </dsp:nvSpPr>
-      <dsp:spPr>
-        <a:xfrm>
-          <a:off x="2083827" y="3200175"/>
-          <a:ext cx="974555" cy="965347"/>
-        </a:xfrm>
-        <a:prstGeom prst="roundRect">
-          <a:avLst>
-            <a:gd name="adj" fmla="val 10000"/>
-          </a:avLst>
-        </a:prstGeom>
-        <a:gradFill rotWithShape="0">
-          <a:gsLst>
-            <a:gs pos="0">
-              <a:schemeClr val="accent6">
-                <a:hueOff val="0"/>
-                <a:satOff val="0"/>
-                <a:lumOff val="0"/>
-                <a:alphaOff val="0"/>
-                <a:tint val="1000"/>
-                <a:satMod val="255000"/>
-              </a:schemeClr>
-            </a:gs>
-            <a:gs pos="55000">
-              <a:schemeClr val="accent6">
-                <a:hueOff val="0"/>
-                <a:satOff val="0"/>
-                <a:lumOff val="0"/>
-                <a:alphaOff val="0"/>
-                <a:tint val="12000"/>
-                <a:satMod val="255000"/>
-              </a:schemeClr>
-            </a:gs>
-            <a:gs pos="100000">
-              <a:schemeClr val="accent6">
-                <a:hueOff val="0"/>
-                <a:satOff val="0"/>
-                <a:lumOff val="0"/>
-                <a:alphaOff val="0"/>
-                <a:tint val="45000"/>
-                <a:satMod val="250000"/>
-              </a:schemeClr>
-            </a:gs>
-          </a:gsLst>
-          <a:path path="circle">
-            <a:fillToRect l="-40000" t="-90000" r="140000" b="190000"/>
-          </a:path>
-        </a:gradFill>
-        <a:ln>
-          <a:noFill/>
-        </a:ln>
-        <a:effectLst>
-          <a:outerShdw blurRad="51500" dist="25400" dir="5400000" rotWithShape="0">
-            <a:srgbClr val="000000">
-              <a:alpha val="40000"/>
-            </a:srgbClr>
-          </a:outerShdw>
-        </a:effectLst>
-        <a:scene3d>
-          <a:camera prst="orthographicFront"/>
-          <a:lightRig rig="flat" dir="t"/>
-        </a:scene3d>
-        <a:sp3d prstMaterial="dkEdge">
-          <a:bevelT w="8200" h="38100"/>
-        </a:sp3d>
-      </dsp:spPr>
-      <dsp:style>
-        <a:lnRef idx="0">
-          <a:scrgbClr r="0" g="0" b="0"/>
-        </a:lnRef>
-        <a:fillRef idx="2">
-          <a:scrgbClr r="0" g="0" b="0"/>
-        </a:fillRef>
-        <a:effectRef idx="1">
-          <a:scrgbClr r="0" g="0" b="0"/>
-        </a:effectRef>
-        <a:fontRef idx="minor">
-          <a:schemeClr val="dk1"/>
-        </a:fontRef>
-      </dsp:style>
-      <dsp:txBody>
-        <a:bodyPr spcFirstLastPara="0" vert="horz" wrap="square" lIns="45720" tIns="45720" rIns="45720" bIns="45720" numCol="1" spcCol="1270" anchor="ctr" anchorCtr="0">
-          <a:noAutofit/>
-        </a:bodyPr>
-        <a:lstStyle/>
-        <a:p>
-          <a:pPr lvl="0" algn="ctr" defTabSz="533400">
-            <a:lnSpc>
-              <a:spcPct val="90000"/>
-            </a:lnSpc>
-            <a:spcBef>
-              <a:spcPct val="0"/>
-            </a:spcBef>
-            <a:spcAft>
-              <a:spcPct val="35000"/>
-            </a:spcAft>
-          </a:pPr>
-          <a:r>
-            <a:rPr lang="en-US" sz="1200" kern="1200" noProof="0" smtClean="0"/>
-            <a:t>Problem description</a:t>
-          </a:r>
-          <a:endParaRPr lang="en-US" sz="1200" kern="1200" noProof="0"/>
-        </a:p>
-      </dsp:txBody>
-      <dsp:txXfrm>
-        <a:off x="2112101" y="3228449"/>
-        <a:ext cx="918007" cy="908799"/>
-      </dsp:txXfrm>
-    </dsp:sp>
-    <dsp:sp modelId="{9E464E03-ADCA-4ED8-AEB1-693D4142908E}">
-      <dsp:nvSpPr>
-        <dsp:cNvPr id="0" name=""/>
-        <dsp:cNvSpPr/>
-      </dsp:nvSpPr>
-      <dsp:spPr>
-        <a:xfrm>
-          <a:off x="3140244" y="1601238"/>
-          <a:ext cx="1990041" cy="1440967"/>
-        </a:xfrm>
-        <a:prstGeom prst="roundRect">
-          <a:avLst>
-            <a:gd name="adj" fmla="val 10000"/>
-          </a:avLst>
-        </a:prstGeom>
-        <a:gradFill rotWithShape="0">
-          <a:gsLst>
-            <a:gs pos="0">
-              <a:schemeClr val="accent5">
-                <a:hueOff val="0"/>
-                <a:satOff val="0"/>
-                <a:lumOff val="0"/>
-                <a:alphaOff val="0"/>
-                <a:tint val="1000"/>
-                <a:satMod val="255000"/>
-              </a:schemeClr>
-            </a:gs>
-            <a:gs pos="55000">
-              <a:schemeClr val="accent5">
-                <a:hueOff val="0"/>
-                <a:satOff val="0"/>
-                <a:lumOff val="0"/>
-                <a:alphaOff val="0"/>
-                <a:tint val="12000"/>
-                <a:satMod val="255000"/>
-              </a:schemeClr>
-            </a:gs>
-            <a:gs pos="100000">
-              <a:schemeClr val="accent5">
-                <a:hueOff val="0"/>
-                <a:satOff val="0"/>
-                <a:lumOff val="0"/>
-                <a:alphaOff val="0"/>
-                <a:tint val="45000"/>
-                <a:satMod val="250000"/>
-              </a:schemeClr>
-            </a:gs>
-          </a:gsLst>
-          <a:path path="circle">
-            <a:fillToRect l="-40000" t="-90000" r="140000" b="190000"/>
-          </a:path>
-        </a:gradFill>
-        <a:ln>
-          <a:noFill/>
-        </a:ln>
-        <a:effectLst>
-          <a:outerShdw blurRad="51500" dist="25400" dir="5400000" rotWithShape="0">
-            <a:srgbClr val="000000">
-              <a:alpha val="40000"/>
-            </a:srgbClr>
-          </a:outerShdw>
-        </a:effectLst>
-        <a:scene3d>
-          <a:camera prst="orthographicFront"/>
-          <a:lightRig rig="flat" dir="t"/>
-        </a:scene3d>
-        <a:sp3d prstMaterial="dkEdge">
-          <a:bevelT w="8200" h="38100"/>
-        </a:sp3d>
-      </dsp:spPr>
-      <dsp:style>
-        <a:lnRef idx="0">
-          <a:scrgbClr r="0" g="0" b="0"/>
-        </a:lnRef>
-        <a:fillRef idx="2">
-          <a:scrgbClr r="0" g="0" b="0"/>
-        </a:fillRef>
-        <a:effectRef idx="1">
-          <a:scrgbClr r="0" g="0" b="0"/>
-        </a:effectRef>
-        <a:fontRef idx="minor">
-          <a:schemeClr val="dk1"/>
-        </a:fontRef>
-      </dsp:style>
-      <dsp:txBody>
-        <a:bodyPr spcFirstLastPara="0" vert="horz" wrap="square" lIns="83820" tIns="83820" rIns="83820" bIns="83820" numCol="1" spcCol="1270" anchor="ctr" anchorCtr="0">
-          <a:noAutofit/>
-        </a:bodyPr>
-        <a:lstStyle/>
-        <a:p>
-          <a:pPr lvl="0" algn="ctr" defTabSz="977900">
-            <a:lnSpc>
-              <a:spcPct val="90000"/>
-            </a:lnSpc>
-            <a:spcBef>
-              <a:spcPct val="0"/>
-            </a:spcBef>
-            <a:spcAft>
-              <a:spcPct val="35000"/>
-            </a:spcAft>
-          </a:pPr>
-          <a:r>
-            <a:rPr lang="en-US" sz="2200" kern="1200" noProof="0" smtClean="0"/>
-            <a:t>Solution</a:t>
-          </a:r>
-          <a:endParaRPr lang="en-US" sz="2200" kern="1200" noProof="0"/>
-        </a:p>
-      </dsp:txBody>
-      <dsp:txXfrm>
-        <a:off x="3182448" y="1643442"/>
-        <a:ext cx="1905633" cy="1356559"/>
-      </dsp:txXfrm>
-    </dsp:sp>
-    <dsp:sp modelId="{7C68D11E-6D6C-4154-9052-DAA5FAB04448}">
-      <dsp:nvSpPr>
-        <dsp:cNvPr id="0" name=""/>
-        <dsp:cNvSpPr/>
-      </dsp:nvSpPr>
-      <dsp:spPr>
-        <a:xfrm>
-          <a:off x="3140244" y="3200175"/>
-          <a:ext cx="974555" cy="974497"/>
-        </a:xfrm>
-        <a:prstGeom prst="roundRect">
-          <a:avLst>
-            <a:gd name="adj" fmla="val 10000"/>
-          </a:avLst>
-        </a:prstGeom>
-        <a:gradFill rotWithShape="0">
-          <a:gsLst>
-            <a:gs pos="0">
-              <a:schemeClr val="accent6">
-                <a:hueOff val="0"/>
-                <a:satOff val="0"/>
-                <a:lumOff val="0"/>
-                <a:alphaOff val="0"/>
-                <a:tint val="1000"/>
-                <a:satMod val="255000"/>
-              </a:schemeClr>
-            </a:gs>
-            <a:gs pos="55000">
-              <a:schemeClr val="accent6">
-                <a:hueOff val="0"/>
-                <a:satOff val="0"/>
-                <a:lumOff val="0"/>
-                <a:alphaOff val="0"/>
-                <a:tint val="12000"/>
-                <a:satMod val="255000"/>
-              </a:schemeClr>
-            </a:gs>
-            <a:gs pos="100000">
-              <a:schemeClr val="accent6">
-                <a:hueOff val="0"/>
-                <a:satOff val="0"/>
-                <a:lumOff val="0"/>
-                <a:alphaOff val="0"/>
-                <a:tint val="45000"/>
-                <a:satMod val="250000"/>
-              </a:schemeClr>
-            </a:gs>
-          </a:gsLst>
-          <a:path path="circle">
-            <a:fillToRect l="-40000" t="-90000" r="140000" b="190000"/>
-          </a:path>
-        </a:gradFill>
-        <a:ln>
-          <a:noFill/>
-        </a:ln>
-        <a:effectLst>
-          <a:outerShdw blurRad="51500" dist="25400" dir="5400000" rotWithShape="0">
-            <a:srgbClr val="000000">
-              <a:alpha val="40000"/>
-            </a:srgbClr>
-          </a:outerShdw>
-        </a:effectLst>
-        <a:scene3d>
-          <a:camera prst="orthographicFront"/>
-          <a:lightRig rig="flat" dir="t"/>
-        </a:scene3d>
-        <a:sp3d prstMaterial="dkEdge">
-          <a:bevelT w="8200" h="38100"/>
-        </a:sp3d>
-      </dsp:spPr>
-      <dsp:style>
-        <a:lnRef idx="0">
-          <a:scrgbClr r="0" g="0" b="0"/>
-        </a:lnRef>
-        <a:fillRef idx="2">
-          <a:scrgbClr r="0" g="0" b="0"/>
-        </a:fillRef>
-        <a:effectRef idx="1">
-          <a:scrgbClr r="0" g="0" b="0"/>
-        </a:effectRef>
-        <a:fontRef idx="minor">
-          <a:schemeClr val="dk1"/>
-        </a:fontRef>
-      </dsp:style>
-      <dsp:txBody>
-        <a:bodyPr spcFirstLastPara="0" vert="horz" wrap="square" lIns="45720" tIns="45720" rIns="45720" bIns="45720" numCol="1" spcCol="1270" anchor="ctr" anchorCtr="0">
-          <a:noAutofit/>
-        </a:bodyPr>
-        <a:lstStyle/>
-        <a:p>
-          <a:pPr lvl="0" algn="ctr" defTabSz="533400">
-            <a:lnSpc>
-              <a:spcPct val="90000"/>
-            </a:lnSpc>
-            <a:spcBef>
-              <a:spcPct val="0"/>
-            </a:spcBef>
-            <a:spcAft>
-              <a:spcPct val="35000"/>
-            </a:spcAft>
-          </a:pPr>
-          <a:r>
-            <a:rPr lang="en-US" sz="1200" kern="1200" noProof="0" smtClean="0"/>
-            <a:t>Abstract description of a design problem</a:t>
-          </a:r>
-          <a:endParaRPr lang="en-US" sz="1200" kern="1200" noProof="0"/>
-        </a:p>
-      </dsp:txBody>
-      <dsp:txXfrm>
-        <a:off x="3168786" y="3228717"/>
-        <a:ext cx="917471" cy="917413"/>
-      </dsp:txXfrm>
-    </dsp:sp>
-    <dsp:sp modelId="{012E50F3-EDE5-444B-A931-0C64AB72CD04}">
-      <dsp:nvSpPr>
-        <dsp:cNvPr id="0" name=""/>
-        <dsp:cNvSpPr/>
-      </dsp:nvSpPr>
-      <dsp:spPr>
-        <a:xfrm>
-          <a:off x="4155731" y="3200175"/>
-          <a:ext cx="974555" cy="1001371"/>
-        </a:xfrm>
-        <a:prstGeom prst="roundRect">
-          <a:avLst>
-            <a:gd name="adj" fmla="val 10000"/>
-          </a:avLst>
-        </a:prstGeom>
-        <a:gradFill rotWithShape="0">
-          <a:gsLst>
-            <a:gs pos="0">
-              <a:schemeClr val="accent6">
-                <a:hueOff val="0"/>
-                <a:satOff val="0"/>
-                <a:lumOff val="0"/>
-                <a:alphaOff val="0"/>
-                <a:tint val="1000"/>
-                <a:satMod val="255000"/>
-              </a:schemeClr>
-            </a:gs>
-            <a:gs pos="55000">
-              <a:schemeClr val="accent6">
-                <a:hueOff val="0"/>
-                <a:satOff val="0"/>
-                <a:lumOff val="0"/>
-                <a:alphaOff val="0"/>
-                <a:tint val="12000"/>
-                <a:satMod val="255000"/>
-              </a:schemeClr>
-            </a:gs>
-            <a:gs pos="100000">
-              <a:schemeClr val="accent6">
-                <a:hueOff val="0"/>
-                <a:satOff val="0"/>
-                <a:lumOff val="0"/>
-                <a:alphaOff val="0"/>
-                <a:tint val="45000"/>
-                <a:satMod val="250000"/>
-              </a:schemeClr>
-            </a:gs>
-          </a:gsLst>
-          <a:path path="circle">
-            <a:fillToRect l="-40000" t="-90000" r="140000" b="190000"/>
-          </a:path>
-        </a:gradFill>
-        <a:ln>
-          <a:noFill/>
-        </a:ln>
-        <a:effectLst>
-          <a:outerShdw blurRad="51500" dist="25400" dir="5400000" rotWithShape="0">
-            <a:srgbClr val="000000">
-              <a:alpha val="40000"/>
-            </a:srgbClr>
-          </a:outerShdw>
-        </a:effectLst>
-        <a:scene3d>
-          <a:camera prst="orthographicFront"/>
-          <a:lightRig rig="flat" dir="t"/>
-        </a:scene3d>
-        <a:sp3d prstMaterial="dkEdge">
-          <a:bevelT w="8200" h="38100"/>
-        </a:sp3d>
-      </dsp:spPr>
-      <dsp:style>
-        <a:lnRef idx="0">
-          <a:scrgbClr r="0" g="0" b="0"/>
-        </a:lnRef>
-        <a:fillRef idx="2">
-          <a:scrgbClr r="0" g="0" b="0"/>
-        </a:fillRef>
-        <a:effectRef idx="1">
-          <a:scrgbClr r="0" g="0" b="0"/>
-        </a:effectRef>
-        <a:fontRef idx="minor">
-          <a:schemeClr val="dk1"/>
-        </a:fontRef>
-      </dsp:style>
-      <dsp:txBody>
-        <a:bodyPr spcFirstLastPara="0" vert="horz" wrap="square" lIns="45720" tIns="45720" rIns="45720" bIns="45720" numCol="1" spcCol="1270" anchor="ctr" anchorCtr="0">
-          <a:noAutofit/>
-        </a:bodyPr>
-        <a:lstStyle/>
-        <a:p>
-          <a:pPr lvl="0" algn="ctr" defTabSz="533400">
-            <a:lnSpc>
-              <a:spcPct val="90000"/>
-            </a:lnSpc>
-            <a:spcBef>
-              <a:spcPct val="0"/>
-            </a:spcBef>
-            <a:spcAft>
-              <a:spcPct val="35000"/>
-            </a:spcAft>
-          </a:pPr>
-          <a:r>
-            <a:rPr lang="en-US" sz="1200" kern="1200" noProof="0" smtClean="0"/>
-            <a:t>How can the problem be solved</a:t>
-          </a:r>
-          <a:endParaRPr lang="en-US" sz="1200" kern="1200" noProof="0"/>
-        </a:p>
-      </dsp:txBody>
-      <dsp:txXfrm>
-        <a:off x="4184275" y="3228719"/>
-        <a:ext cx="917467" cy="944283"/>
-      </dsp:txXfrm>
-    </dsp:sp>
-    <dsp:sp modelId="{EFA9A04D-2828-41DB-B047-E703EA2DAD07}">
-      <dsp:nvSpPr>
-        <dsp:cNvPr id="0" name=""/>
-        <dsp:cNvSpPr/>
-      </dsp:nvSpPr>
-      <dsp:spPr>
-        <a:xfrm>
-          <a:off x="5212149" y="1601238"/>
-          <a:ext cx="3005527" cy="1440967"/>
-        </a:xfrm>
-        <a:prstGeom prst="roundRect">
-          <a:avLst>
-            <a:gd name="adj" fmla="val 10000"/>
-          </a:avLst>
-        </a:prstGeom>
-        <a:gradFill rotWithShape="0">
-          <a:gsLst>
-            <a:gs pos="0">
-              <a:schemeClr val="accent5">
-                <a:hueOff val="0"/>
-                <a:satOff val="0"/>
-                <a:lumOff val="0"/>
-                <a:alphaOff val="0"/>
-                <a:tint val="1000"/>
-                <a:satMod val="255000"/>
-              </a:schemeClr>
-            </a:gs>
-            <a:gs pos="55000">
-              <a:schemeClr val="accent5">
-                <a:hueOff val="0"/>
-                <a:satOff val="0"/>
-                <a:lumOff val="0"/>
-                <a:alphaOff val="0"/>
-                <a:tint val="12000"/>
-                <a:satMod val="255000"/>
-              </a:schemeClr>
-            </a:gs>
-            <a:gs pos="100000">
-              <a:schemeClr val="accent5">
-                <a:hueOff val="0"/>
-                <a:satOff val="0"/>
-                <a:lumOff val="0"/>
-                <a:alphaOff val="0"/>
-                <a:tint val="45000"/>
-                <a:satMod val="250000"/>
-              </a:schemeClr>
-            </a:gs>
-          </a:gsLst>
-          <a:path path="circle">
-            <a:fillToRect l="-40000" t="-90000" r="140000" b="190000"/>
-          </a:path>
-        </a:gradFill>
-        <a:ln>
-          <a:noFill/>
-        </a:ln>
-        <a:effectLst>
-          <a:outerShdw blurRad="51500" dist="25400" dir="5400000" rotWithShape="0">
-            <a:srgbClr val="000000">
-              <a:alpha val="40000"/>
-            </a:srgbClr>
-          </a:outerShdw>
-        </a:effectLst>
-        <a:scene3d>
-          <a:camera prst="orthographicFront"/>
-          <a:lightRig rig="flat" dir="t"/>
-        </a:scene3d>
-        <a:sp3d prstMaterial="dkEdge">
-          <a:bevelT w="8200" h="38100"/>
-        </a:sp3d>
-      </dsp:spPr>
-      <dsp:style>
-        <a:lnRef idx="0">
-          <a:scrgbClr r="0" g="0" b="0"/>
-        </a:lnRef>
-        <a:fillRef idx="2">
-          <a:scrgbClr r="0" g="0" b="0"/>
-        </a:fillRef>
-        <a:effectRef idx="1">
-          <a:scrgbClr r="0" g="0" b="0"/>
-        </a:effectRef>
-        <a:fontRef idx="minor">
-          <a:schemeClr val="dk1"/>
-        </a:fontRef>
-      </dsp:style>
-      <dsp:txBody>
-        <a:bodyPr spcFirstLastPara="0" vert="horz" wrap="square" lIns="83820" tIns="83820" rIns="83820" bIns="83820" numCol="1" spcCol="1270" anchor="ctr" anchorCtr="0">
-          <a:noAutofit/>
-        </a:bodyPr>
-        <a:lstStyle/>
-        <a:p>
-          <a:pPr lvl="0" algn="ctr" defTabSz="977900">
-            <a:lnSpc>
-              <a:spcPct val="90000"/>
-            </a:lnSpc>
-            <a:spcBef>
-              <a:spcPct val="0"/>
-            </a:spcBef>
-            <a:spcAft>
-              <a:spcPct val="35000"/>
-            </a:spcAft>
-          </a:pPr>
-          <a:r>
-            <a:rPr lang="en-US" sz="2200" kern="1200" noProof="0" smtClean="0"/>
-            <a:t>Consequences</a:t>
-          </a:r>
-          <a:endParaRPr lang="en-US" sz="2200" kern="1200" noProof="0"/>
-        </a:p>
-      </dsp:txBody>
-      <dsp:txXfrm>
-        <a:off x="5254353" y="1643442"/>
-        <a:ext cx="2921119" cy="1356559"/>
-      </dsp:txXfrm>
-    </dsp:sp>
-    <dsp:sp modelId="{3D44DD11-1F2C-48DB-ACBD-7B992443A5D5}">
-      <dsp:nvSpPr>
-        <dsp:cNvPr id="0" name=""/>
-        <dsp:cNvSpPr/>
-      </dsp:nvSpPr>
-      <dsp:spPr>
-        <a:xfrm>
-          <a:off x="5212149" y="3200175"/>
-          <a:ext cx="974555" cy="974497"/>
-        </a:xfrm>
-        <a:prstGeom prst="roundRect">
-          <a:avLst>
-            <a:gd name="adj" fmla="val 10000"/>
-          </a:avLst>
-        </a:prstGeom>
-        <a:gradFill rotWithShape="0">
-          <a:gsLst>
-            <a:gs pos="0">
-              <a:schemeClr val="accent6">
-                <a:hueOff val="0"/>
-                <a:satOff val="0"/>
-                <a:lumOff val="0"/>
-                <a:alphaOff val="0"/>
-                <a:tint val="1000"/>
-                <a:satMod val="255000"/>
-              </a:schemeClr>
-            </a:gs>
-            <a:gs pos="55000">
-              <a:schemeClr val="accent6">
-                <a:hueOff val="0"/>
-                <a:satOff val="0"/>
-                <a:lumOff val="0"/>
-                <a:alphaOff val="0"/>
-                <a:tint val="12000"/>
-                <a:satMod val="255000"/>
-              </a:schemeClr>
-            </a:gs>
-            <a:gs pos="100000">
-              <a:schemeClr val="accent6">
-                <a:hueOff val="0"/>
-                <a:satOff val="0"/>
-                <a:lumOff val="0"/>
-                <a:alphaOff val="0"/>
-                <a:tint val="45000"/>
-                <a:satMod val="250000"/>
-              </a:schemeClr>
-            </a:gs>
-          </a:gsLst>
-          <a:path path="circle">
-            <a:fillToRect l="-40000" t="-90000" r="140000" b="190000"/>
-          </a:path>
-        </a:gradFill>
-        <a:ln>
-          <a:noFill/>
-        </a:ln>
-        <a:effectLst>
-          <a:outerShdw blurRad="51500" dist="25400" dir="5400000" rotWithShape="0">
-            <a:srgbClr val="000000">
-              <a:alpha val="40000"/>
-            </a:srgbClr>
-          </a:outerShdw>
-        </a:effectLst>
-        <a:scene3d>
-          <a:camera prst="orthographicFront"/>
-          <a:lightRig rig="flat" dir="t"/>
-        </a:scene3d>
-        <a:sp3d prstMaterial="dkEdge">
-          <a:bevelT w="8200" h="38100"/>
-        </a:sp3d>
-      </dsp:spPr>
-      <dsp:style>
-        <a:lnRef idx="0">
-          <a:scrgbClr r="0" g="0" b="0"/>
-        </a:lnRef>
-        <a:fillRef idx="2">
-          <a:scrgbClr r="0" g="0" b="0"/>
-        </a:fillRef>
-        <a:effectRef idx="1">
-          <a:scrgbClr r="0" g="0" b="0"/>
-        </a:effectRef>
-        <a:fontRef idx="minor">
-          <a:schemeClr val="dk1"/>
-        </a:fontRef>
-      </dsp:style>
-      <dsp:txBody>
-        <a:bodyPr spcFirstLastPara="0" vert="horz" wrap="square" lIns="45720" tIns="45720" rIns="45720" bIns="45720" numCol="1" spcCol="1270" anchor="ctr" anchorCtr="0">
-          <a:noAutofit/>
-        </a:bodyPr>
-        <a:lstStyle/>
-        <a:p>
-          <a:pPr lvl="0" algn="ctr" defTabSz="533400">
-            <a:lnSpc>
-              <a:spcPct val="90000"/>
-            </a:lnSpc>
-            <a:spcBef>
-              <a:spcPct val="0"/>
-            </a:spcBef>
-            <a:spcAft>
-              <a:spcPct val="35000"/>
-            </a:spcAft>
-          </a:pPr>
-          <a:r>
-            <a:rPr lang="en-US" sz="1200" kern="1200" noProof="0" smtClean="0"/>
-            <a:t>Results</a:t>
-          </a:r>
-          <a:endParaRPr lang="en-US" sz="1200" kern="1200" noProof="0"/>
-        </a:p>
-      </dsp:txBody>
-      <dsp:txXfrm>
-        <a:off x="5240691" y="3228717"/>
-        <a:ext cx="917471" cy="917413"/>
-      </dsp:txXfrm>
-    </dsp:sp>
-    <dsp:sp modelId="{3B7B11BF-1FA6-4038-B663-81EB430F264A}">
-      <dsp:nvSpPr>
-        <dsp:cNvPr id="0" name=""/>
-        <dsp:cNvSpPr/>
-      </dsp:nvSpPr>
-      <dsp:spPr>
-        <a:xfrm>
-          <a:off x="6227635" y="3200175"/>
-          <a:ext cx="974555" cy="974497"/>
-        </a:xfrm>
-        <a:prstGeom prst="roundRect">
-          <a:avLst>
-            <a:gd name="adj" fmla="val 10000"/>
-          </a:avLst>
-        </a:prstGeom>
-        <a:gradFill rotWithShape="0">
-          <a:gsLst>
-            <a:gs pos="0">
-              <a:schemeClr val="accent6">
-                <a:hueOff val="0"/>
-                <a:satOff val="0"/>
-                <a:lumOff val="0"/>
-                <a:alphaOff val="0"/>
-                <a:tint val="1000"/>
-                <a:satMod val="255000"/>
-              </a:schemeClr>
-            </a:gs>
-            <a:gs pos="55000">
-              <a:schemeClr val="accent6">
-                <a:hueOff val="0"/>
-                <a:satOff val="0"/>
-                <a:lumOff val="0"/>
-                <a:alphaOff val="0"/>
-                <a:tint val="12000"/>
-                <a:satMod val="255000"/>
-              </a:schemeClr>
-            </a:gs>
-            <a:gs pos="100000">
-              <a:schemeClr val="accent6">
-                <a:hueOff val="0"/>
-                <a:satOff val="0"/>
-                <a:lumOff val="0"/>
-                <a:alphaOff val="0"/>
-                <a:tint val="45000"/>
-                <a:satMod val="250000"/>
-              </a:schemeClr>
-            </a:gs>
-          </a:gsLst>
-          <a:path path="circle">
-            <a:fillToRect l="-40000" t="-90000" r="140000" b="190000"/>
-          </a:path>
-        </a:gradFill>
-        <a:ln>
-          <a:noFill/>
-        </a:ln>
-        <a:effectLst>
-          <a:outerShdw blurRad="51500" dist="25400" dir="5400000" rotWithShape="0">
-            <a:srgbClr val="000000">
-              <a:alpha val="40000"/>
-            </a:srgbClr>
-          </a:outerShdw>
-        </a:effectLst>
-        <a:scene3d>
-          <a:camera prst="orthographicFront"/>
-          <a:lightRig rig="flat" dir="t"/>
-        </a:scene3d>
-        <a:sp3d prstMaterial="dkEdge">
-          <a:bevelT w="8200" h="38100"/>
-        </a:sp3d>
-      </dsp:spPr>
-      <dsp:style>
-        <a:lnRef idx="0">
-          <a:scrgbClr r="0" g="0" b="0"/>
-        </a:lnRef>
-        <a:fillRef idx="2">
-          <a:scrgbClr r="0" g="0" b="0"/>
-        </a:fillRef>
-        <a:effectRef idx="1">
-          <a:scrgbClr r="0" g="0" b="0"/>
-        </a:effectRef>
-        <a:fontRef idx="minor">
-          <a:schemeClr val="dk1"/>
-        </a:fontRef>
-      </dsp:style>
-      <dsp:txBody>
-        <a:bodyPr spcFirstLastPara="0" vert="horz" wrap="square" lIns="45720" tIns="45720" rIns="45720" bIns="45720" numCol="1" spcCol="1270" anchor="ctr" anchorCtr="0">
-          <a:noAutofit/>
-        </a:bodyPr>
-        <a:lstStyle/>
-        <a:p>
-          <a:pPr lvl="0" algn="ctr" defTabSz="533400">
-            <a:lnSpc>
-              <a:spcPct val="90000"/>
-            </a:lnSpc>
-            <a:spcBef>
-              <a:spcPct val="0"/>
-            </a:spcBef>
-            <a:spcAft>
-              <a:spcPct val="35000"/>
-            </a:spcAft>
-          </a:pPr>
-          <a:r>
-            <a:rPr lang="en-US" sz="1200" kern="1200" noProof="0" smtClean="0"/>
-            <a:t>Trade-offs</a:t>
-          </a:r>
-          <a:endParaRPr lang="en-US" sz="1200" kern="1200" noProof="0"/>
-        </a:p>
-      </dsp:txBody>
-      <dsp:txXfrm>
-        <a:off x="6256177" y="3228717"/>
-        <a:ext cx="917471" cy="917413"/>
-      </dsp:txXfrm>
-    </dsp:sp>
-    <dsp:sp modelId="{A472835F-C15D-4DC2-AF59-91D3BD1F1A68}">
-      <dsp:nvSpPr>
-        <dsp:cNvPr id="0" name=""/>
-        <dsp:cNvSpPr/>
-      </dsp:nvSpPr>
-      <dsp:spPr>
-        <a:xfrm>
-          <a:off x="7243121" y="3200175"/>
-          <a:ext cx="974555" cy="974497"/>
-        </a:xfrm>
-        <a:prstGeom prst="roundRect">
-          <a:avLst>
-            <a:gd name="adj" fmla="val 10000"/>
-          </a:avLst>
-        </a:prstGeom>
-        <a:gradFill rotWithShape="0">
-          <a:gsLst>
-            <a:gs pos="0">
-              <a:schemeClr val="accent6">
-                <a:hueOff val="0"/>
-                <a:satOff val="0"/>
-                <a:lumOff val="0"/>
-                <a:alphaOff val="0"/>
-                <a:tint val="1000"/>
-                <a:satMod val="255000"/>
-              </a:schemeClr>
-            </a:gs>
-            <a:gs pos="55000">
-              <a:schemeClr val="accent6">
-                <a:hueOff val="0"/>
-                <a:satOff val="0"/>
-                <a:lumOff val="0"/>
-                <a:alphaOff val="0"/>
-                <a:tint val="12000"/>
-                <a:satMod val="255000"/>
-              </a:schemeClr>
-            </a:gs>
-            <a:gs pos="100000">
-              <a:schemeClr val="accent6">
-                <a:hueOff val="0"/>
-                <a:satOff val="0"/>
-                <a:lumOff val="0"/>
-                <a:alphaOff val="0"/>
-                <a:tint val="45000"/>
-                <a:satMod val="250000"/>
-              </a:schemeClr>
-            </a:gs>
-          </a:gsLst>
-          <a:path path="circle">
-            <a:fillToRect l="-40000" t="-90000" r="140000" b="190000"/>
-          </a:path>
-        </a:gradFill>
-        <a:ln>
-          <a:noFill/>
-        </a:ln>
-        <a:effectLst>
-          <a:outerShdw blurRad="51500" dist="25400" dir="5400000" rotWithShape="0">
-            <a:srgbClr val="000000">
-              <a:alpha val="40000"/>
-            </a:srgbClr>
-          </a:outerShdw>
-        </a:effectLst>
-        <a:scene3d>
-          <a:camera prst="orthographicFront"/>
-          <a:lightRig rig="flat" dir="t"/>
-        </a:scene3d>
-        <a:sp3d prstMaterial="dkEdge">
-          <a:bevelT w="8200" h="38100"/>
-        </a:sp3d>
-      </dsp:spPr>
-      <dsp:style>
-        <a:lnRef idx="0">
-          <a:scrgbClr r="0" g="0" b="0"/>
-        </a:lnRef>
-        <a:fillRef idx="2">
-          <a:scrgbClr r="0" g="0" b="0"/>
-        </a:fillRef>
-        <a:effectRef idx="1">
-          <a:scrgbClr r="0" g="0" b="0"/>
-        </a:effectRef>
-        <a:fontRef idx="minor">
-          <a:schemeClr val="dk1"/>
-        </a:fontRef>
-      </dsp:style>
-      <dsp:txBody>
-        <a:bodyPr spcFirstLastPara="0" vert="horz" wrap="square" lIns="45720" tIns="45720" rIns="45720" bIns="45720" numCol="1" spcCol="1270" anchor="ctr" anchorCtr="0">
-          <a:noAutofit/>
-        </a:bodyPr>
-        <a:lstStyle/>
-        <a:p>
-          <a:pPr lvl="0" algn="ctr" defTabSz="533400">
-            <a:lnSpc>
-              <a:spcPct val="90000"/>
-            </a:lnSpc>
-            <a:spcBef>
-              <a:spcPct val="0"/>
-            </a:spcBef>
-            <a:spcAft>
-              <a:spcPct val="35000"/>
-            </a:spcAft>
-          </a:pPr>
-          <a:r>
-            <a:rPr lang="en-US" sz="1200" kern="1200" noProof="0" smtClean="0"/>
-            <a:t>Language / Implementation issues</a:t>
-          </a:r>
-          <a:endParaRPr lang="en-US" sz="1200" kern="1200" noProof="0"/>
-        </a:p>
-      </dsp:txBody>
-      <dsp:txXfrm>
-        <a:off x="7271663" y="3228717"/>
-        <a:ext cx="917471" cy="917413"/>
-      </dsp:txXfrm>
-    </dsp:sp>
   </dsp:spTree>
 </dsp:drawing>
 </file>
@@ -6027,450 +4558,6 @@
       <dsp:cNvGrpSpPr/>
     </dsp:nvGrpSpPr>
     <dsp:grpSpPr/>
-    <dsp:sp modelId="{082BB027-6359-45A9-905C-ACA83F9E48B2}">
-      <dsp:nvSpPr>
-        <dsp:cNvPr id="0" name=""/>
-        <dsp:cNvSpPr/>
-      </dsp:nvSpPr>
-      <dsp:spPr>
-        <a:xfrm>
-          <a:off x="209882" y="1333"/>
-          <a:ext cx="3288138" cy="641356"/>
-        </a:xfrm>
-        <a:prstGeom prst="roundRect">
-          <a:avLst/>
-        </a:prstGeom>
-        <a:gradFill rotWithShape="0">
-          <a:gsLst>
-            <a:gs pos="0">
-              <a:schemeClr val="accent2">
-                <a:hueOff val="0"/>
-                <a:satOff val="0"/>
-                <a:lumOff val="0"/>
-                <a:alphaOff val="0"/>
-                <a:tint val="1000"/>
-                <a:satMod val="255000"/>
-              </a:schemeClr>
-            </a:gs>
-            <a:gs pos="55000">
-              <a:schemeClr val="accent2">
-                <a:hueOff val="0"/>
-                <a:satOff val="0"/>
-                <a:lumOff val="0"/>
-                <a:alphaOff val="0"/>
-                <a:tint val="12000"/>
-                <a:satMod val="255000"/>
-              </a:schemeClr>
-            </a:gs>
-            <a:gs pos="100000">
-              <a:schemeClr val="accent2">
-                <a:hueOff val="0"/>
-                <a:satOff val="0"/>
-                <a:lumOff val="0"/>
-                <a:alphaOff val="0"/>
-                <a:tint val="45000"/>
-                <a:satMod val="250000"/>
-              </a:schemeClr>
-            </a:gs>
-          </a:gsLst>
-          <a:path path="circle">
-            <a:fillToRect l="-40000" t="-90000" r="140000" b="190000"/>
-          </a:path>
-        </a:gradFill>
-        <a:ln>
-          <a:noFill/>
-        </a:ln>
-        <a:effectLst>
-          <a:outerShdw blurRad="51500" dist="25400" dir="5400000" rotWithShape="0">
-            <a:srgbClr val="000000">
-              <a:alpha val="40000"/>
-            </a:srgbClr>
-          </a:outerShdw>
-        </a:effectLst>
-        <a:scene3d>
-          <a:camera prst="orthographicFront"/>
-          <a:lightRig rig="flat" dir="t"/>
-        </a:scene3d>
-        <a:sp3d prstMaterial="dkEdge">
-          <a:bevelT w="8200" h="38100"/>
-        </a:sp3d>
-      </dsp:spPr>
-      <dsp:style>
-        <a:lnRef idx="0">
-          <a:scrgbClr r="0" g="0" b="0"/>
-        </a:lnRef>
-        <a:fillRef idx="2">
-          <a:scrgbClr r="0" g="0" b="0"/>
-        </a:fillRef>
-        <a:effectRef idx="1">
-          <a:scrgbClr r="0" g="0" b="0"/>
-        </a:effectRef>
-        <a:fontRef idx="minor">
-          <a:schemeClr val="dk1"/>
-        </a:fontRef>
-      </dsp:style>
-      <dsp:txBody>
-        <a:bodyPr spcFirstLastPara="0" vert="horz" wrap="square" lIns="60960" tIns="30480" rIns="60960" bIns="30480" numCol="1" spcCol="1270" anchor="ctr" anchorCtr="0">
-          <a:noAutofit/>
-        </a:bodyPr>
-        <a:lstStyle/>
-        <a:p>
-          <a:pPr lvl="0" algn="ctr" defTabSz="711200">
-            <a:lnSpc>
-              <a:spcPct val="90000"/>
-            </a:lnSpc>
-            <a:spcBef>
-              <a:spcPct val="0"/>
-            </a:spcBef>
-            <a:spcAft>
-              <a:spcPct val="35000"/>
-            </a:spcAft>
-          </a:pPr>
-          <a:r>
-            <a:rPr lang="en-US" sz="1600" kern="1200" noProof="0" dirty="0" smtClean="0"/>
-            <a:t>Service Access and Configuration Patterns</a:t>
-          </a:r>
-          <a:endParaRPr lang="en-US" sz="1600" kern="1200" noProof="0" dirty="0"/>
-        </a:p>
-      </dsp:txBody>
-      <dsp:txXfrm>
-        <a:off x="241190" y="32641"/>
-        <a:ext cx="3225522" cy="578740"/>
-      </dsp:txXfrm>
-    </dsp:sp>
-    <dsp:sp modelId="{87CD7CF8-79B5-416A-967B-F89FBA3DBED1}">
-      <dsp:nvSpPr>
-        <dsp:cNvPr id="0" name=""/>
-        <dsp:cNvSpPr/>
-      </dsp:nvSpPr>
-      <dsp:spPr>
-        <a:xfrm>
-          <a:off x="209882" y="674757"/>
-          <a:ext cx="3288138" cy="641356"/>
-        </a:xfrm>
-        <a:prstGeom prst="roundRect">
-          <a:avLst/>
-        </a:prstGeom>
-        <a:gradFill rotWithShape="0">
-          <a:gsLst>
-            <a:gs pos="0">
-              <a:schemeClr val="accent3">
-                <a:hueOff val="0"/>
-                <a:satOff val="0"/>
-                <a:lumOff val="0"/>
-                <a:alphaOff val="0"/>
-                <a:tint val="1000"/>
-                <a:satMod val="255000"/>
-              </a:schemeClr>
-            </a:gs>
-            <a:gs pos="55000">
-              <a:schemeClr val="accent3">
-                <a:hueOff val="0"/>
-                <a:satOff val="0"/>
-                <a:lumOff val="0"/>
-                <a:alphaOff val="0"/>
-                <a:tint val="12000"/>
-                <a:satMod val="255000"/>
-              </a:schemeClr>
-            </a:gs>
-            <a:gs pos="100000">
-              <a:schemeClr val="accent3">
-                <a:hueOff val="0"/>
-                <a:satOff val="0"/>
-                <a:lumOff val="0"/>
-                <a:alphaOff val="0"/>
-                <a:tint val="45000"/>
-                <a:satMod val="250000"/>
-              </a:schemeClr>
-            </a:gs>
-          </a:gsLst>
-          <a:path path="circle">
-            <a:fillToRect l="-40000" t="-90000" r="140000" b="190000"/>
-          </a:path>
-        </a:gradFill>
-        <a:ln>
-          <a:noFill/>
-        </a:ln>
-        <a:effectLst>
-          <a:outerShdw blurRad="51500" dist="25400" dir="5400000" rotWithShape="0">
-            <a:srgbClr val="000000">
-              <a:alpha val="40000"/>
-            </a:srgbClr>
-          </a:outerShdw>
-        </a:effectLst>
-        <a:scene3d>
-          <a:camera prst="orthographicFront"/>
-          <a:lightRig rig="flat" dir="t"/>
-        </a:scene3d>
-        <a:sp3d prstMaterial="dkEdge">
-          <a:bevelT w="8200" h="38100"/>
-        </a:sp3d>
-      </dsp:spPr>
-      <dsp:style>
-        <a:lnRef idx="0">
-          <a:scrgbClr r="0" g="0" b="0"/>
-        </a:lnRef>
-        <a:fillRef idx="2">
-          <a:scrgbClr r="0" g="0" b="0"/>
-        </a:fillRef>
-        <a:effectRef idx="1">
-          <a:scrgbClr r="0" g="0" b="0"/>
-        </a:effectRef>
-        <a:fontRef idx="minor">
-          <a:schemeClr val="dk1"/>
-        </a:fontRef>
-      </dsp:style>
-      <dsp:txBody>
-        <a:bodyPr spcFirstLastPara="0" vert="horz" wrap="square" lIns="57150" tIns="28575" rIns="57150" bIns="28575" numCol="1" spcCol="1270" anchor="ctr" anchorCtr="0">
-          <a:noAutofit/>
-        </a:bodyPr>
-        <a:lstStyle/>
-        <a:p>
-          <a:pPr lvl="0" algn="ctr" defTabSz="666750">
-            <a:lnSpc>
-              <a:spcPct val="90000"/>
-            </a:lnSpc>
-            <a:spcBef>
-              <a:spcPct val="0"/>
-            </a:spcBef>
-            <a:spcAft>
-              <a:spcPct val="35000"/>
-            </a:spcAft>
-          </a:pPr>
-          <a:r>
-            <a:rPr lang="en-US" sz="1500" kern="1200" noProof="0" dirty="0" smtClean="0"/>
-            <a:t>Event Handling Patterns</a:t>
-          </a:r>
-          <a:endParaRPr lang="en-US" sz="1500" kern="1200" noProof="0" dirty="0"/>
-        </a:p>
-      </dsp:txBody>
-      <dsp:txXfrm>
-        <a:off x="241190" y="706065"/>
-        <a:ext cx="3225522" cy="578740"/>
-      </dsp:txXfrm>
-    </dsp:sp>
-    <dsp:sp modelId="{E63503F8-AAFE-4BAA-8D4E-448F984C98D8}">
-      <dsp:nvSpPr>
-        <dsp:cNvPr id="0" name=""/>
-        <dsp:cNvSpPr/>
-      </dsp:nvSpPr>
-      <dsp:spPr>
-        <a:xfrm>
-          <a:off x="209882" y="1348181"/>
-          <a:ext cx="3288138" cy="641356"/>
-        </a:xfrm>
-        <a:prstGeom prst="roundRect">
-          <a:avLst/>
-        </a:prstGeom>
-        <a:gradFill rotWithShape="0">
-          <a:gsLst>
-            <a:gs pos="0">
-              <a:schemeClr val="accent4">
-                <a:hueOff val="0"/>
-                <a:satOff val="0"/>
-                <a:lumOff val="0"/>
-                <a:alphaOff val="0"/>
-                <a:tint val="1000"/>
-                <a:satMod val="255000"/>
-              </a:schemeClr>
-            </a:gs>
-            <a:gs pos="55000">
-              <a:schemeClr val="accent4">
-                <a:hueOff val="0"/>
-                <a:satOff val="0"/>
-                <a:lumOff val="0"/>
-                <a:alphaOff val="0"/>
-                <a:tint val="12000"/>
-                <a:satMod val="255000"/>
-              </a:schemeClr>
-            </a:gs>
-            <a:gs pos="100000">
-              <a:schemeClr val="accent4">
-                <a:hueOff val="0"/>
-                <a:satOff val="0"/>
-                <a:lumOff val="0"/>
-                <a:alphaOff val="0"/>
-                <a:tint val="45000"/>
-                <a:satMod val="250000"/>
-              </a:schemeClr>
-            </a:gs>
-          </a:gsLst>
-          <a:path path="circle">
-            <a:fillToRect l="-40000" t="-90000" r="140000" b="190000"/>
-          </a:path>
-        </a:gradFill>
-        <a:ln>
-          <a:noFill/>
-        </a:ln>
-        <a:effectLst>
-          <a:outerShdw blurRad="51500" dist="25400" dir="5400000" rotWithShape="0">
-            <a:srgbClr val="000000">
-              <a:alpha val="40000"/>
-            </a:srgbClr>
-          </a:outerShdw>
-        </a:effectLst>
-        <a:scene3d>
-          <a:camera prst="orthographicFront"/>
-          <a:lightRig rig="flat" dir="t"/>
-        </a:scene3d>
-        <a:sp3d prstMaterial="dkEdge">
-          <a:bevelT w="8200" h="38100"/>
-        </a:sp3d>
-      </dsp:spPr>
-      <dsp:style>
-        <a:lnRef idx="0">
-          <a:scrgbClr r="0" g="0" b="0"/>
-        </a:lnRef>
-        <a:fillRef idx="2">
-          <a:scrgbClr r="0" g="0" b="0"/>
-        </a:fillRef>
-        <a:effectRef idx="1">
-          <a:scrgbClr r="0" g="0" b="0"/>
-        </a:effectRef>
-        <a:fontRef idx="minor">
-          <a:schemeClr val="dk1"/>
-        </a:fontRef>
-      </dsp:style>
-      <dsp:txBody>
-        <a:bodyPr spcFirstLastPara="0" vert="horz" wrap="square" lIns="57150" tIns="28575" rIns="57150" bIns="28575" numCol="1" spcCol="1270" anchor="ctr" anchorCtr="0">
-          <a:noAutofit/>
-        </a:bodyPr>
-        <a:lstStyle/>
-        <a:p>
-          <a:pPr lvl="0" algn="ctr" defTabSz="666750">
-            <a:lnSpc>
-              <a:spcPct val="90000"/>
-            </a:lnSpc>
-            <a:spcBef>
-              <a:spcPct val="0"/>
-            </a:spcBef>
-            <a:spcAft>
-              <a:spcPct val="35000"/>
-            </a:spcAft>
-          </a:pPr>
-          <a:r>
-            <a:rPr lang="en-US" sz="1500" kern="1200" noProof="0" dirty="0" smtClean="0"/>
-            <a:t>Synchronization Patterns</a:t>
-          </a:r>
-          <a:endParaRPr lang="en-US" sz="1500" kern="1200" noProof="0" dirty="0"/>
-        </a:p>
-      </dsp:txBody>
-      <dsp:txXfrm>
-        <a:off x="241190" y="1379489"/>
-        <a:ext cx="3225522" cy="578740"/>
-      </dsp:txXfrm>
-    </dsp:sp>
-    <dsp:sp modelId="{60494F3F-B686-4940-983F-1C72649574BB}">
-      <dsp:nvSpPr>
-        <dsp:cNvPr id="0" name=""/>
-        <dsp:cNvSpPr/>
-      </dsp:nvSpPr>
-      <dsp:spPr>
-        <a:xfrm>
-          <a:off x="209882" y="2021606"/>
-          <a:ext cx="3288138" cy="641356"/>
-        </a:xfrm>
-        <a:prstGeom prst="roundRect">
-          <a:avLst/>
-        </a:prstGeom>
-        <a:gradFill rotWithShape="0">
-          <a:gsLst>
-            <a:gs pos="0">
-              <a:schemeClr val="accent5">
-                <a:hueOff val="0"/>
-                <a:satOff val="0"/>
-                <a:lumOff val="0"/>
-                <a:alphaOff val="0"/>
-                <a:tint val="1000"/>
-                <a:satMod val="255000"/>
-              </a:schemeClr>
-            </a:gs>
-            <a:gs pos="55000">
-              <a:schemeClr val="accent5">
-                <a:hueOff val="0"/>
-                <a:satOff val="0"/>
-                <a:lumOff val="0"/>
-                <a:alphaOff val="0"/>
-                <a:tint val="12000"/>
-                <a:satMod val="255000"/>
-              </a:schemeClr>
-            </a:gs>
-            <a:gs pos="100000">
-              <a:schemeClr val="accent5">
-                <a:hueOff val="0"/>
-                <a:satOff val="0"/>
-                <a:lumOff val="0"/>
-                <a:alphaOff val="0"/>
-                <a:tint val="45000"/>
-                <a:satMod val="250000"/>
-              </a:schemeClr>
-            </a:gs>
-          </a:gsLst>
-          <a:path path="circle">
-            <a:fillToRect l="-40000" t="-90000" r="140000" b="190000"/>
-          </a:path>
-        </a:gradFill>
-        <a:ln>
-          <a:noFill/>
-        </a:ln>
-        <a:effectLst>
-          <a:outerShdw blurRad="51500" dist="25400" dir="5400000" rotWithShape="0">
-            <a:srgbClr val="000000">
-              <a:alpha val="40000"/>
-            </a:srgbClr>
-          </a:outerShdw>
-        </a:effectLst>
-        <a:scene3d>
-          <a:camera prst="orthographicFront"/>
-          <a:lightRig rig="flat" dir="t"/>
-        </a:scene3d>
-        <a:sp3d prstMaterial="dkEdge">
-          <a:bevelT w="8200" h="38100"/>
-        </a:sp3d>
-      </dsp:spPr>
-      <dsp:style>
-        <a:lnRef idx="0">
-          <a:scrgbClr r="0" g="0" b="0"/>
-        </a:lnRef>
-        <a:fillRef idx="2">
-          <a:scrgbClr r="0" g="0" b="0"/>
-        </a:fillRef>
-        <a:effectRef idx="1">
-          <a:scrgbClr r="0" g="0" b="0"/>
-        </a:effectRef>
-        <a:fontRef idx="minor">
-          <a:schemeClr val="dk1"/>
-        </a:fontRef>
-      </dsp:style>
-      <dsp:txBody>
-        <a:bodyPr spcFirstLastPara="0" vert="horz" wrap="square" lIns="57150" tIns="28575" rIns="57150" bIns="28575" numCol="1" spcCol="1270" anchor="ctr" anchorCtr="0">
-          <a:noAutofit/>
-        </a:bodyPr>
-        <a:lstStyle/>
-        <a:p>
-          <a:pPr lvl="0" algn="ctr" defTabSz="666750">
-            <a:lnSpc>
-              <a:spcPct val="90000"/>
-            </a:lnSpc>
-            <a:spcBef>
-              <a:spcPct val="0"/>
-            </a:spcBef>
-            <a:spcAft>
-              <a:spcPct val="35000"/>
-            </a:spcAft>
-          </a:pPr>
-          <a:r>
-            <a:rPr lang="en-US" sz="1500" kern="1200" noProof="0" dirty="0" smtClean="0"/>
-            <a:t>Concurrency Patterns</a:t>
-          </a:r>
-          <a:endParaRPr lang="en-US" sz="1500" kern="1200" noProof="0" dirty="0"/>
-        </a:p>
-      </dsp:txBody>
-      <dsp:txXfrm>
-        <a:off x="241190" y="2052914"/>
-        <a:ext cx="3225522" cy="578740"/>
-      </dsp:txXfrm>
-    </dsp:sp>
   </dsp:spTree>
 </dsp:drawing>
 </file>
@@ -19179,11 +17266,7 @@
             </a:r>
             <a:r>
               <a:rPr lang="de-DE" dirty="0" smtClean="0"/>
-              <a:t> Design </a:t>
-            </a:r>
-            <a:r>
-              <a:rPr lang="de-DE" dirty="0" smtClean="0"/>
-              <a:t>Patterns</a:t>
+              <a:t> Design Patterns</a:t>
             </a:r>
           </a:p>
           <a:p>
@@ -19246,7 +17329,15 @@
             </a:r>
             <a:r>
               <a:rPr lang="de-DE" dirty="0" smtClean="0"/>
-              <a:t> Design Patterns</a:t>
+              <a:t> Design Patterns (</a:t>
+            </a:r>
+            <a:r>
+              <a:rPr lang="de-DE" dirty="0" err="1" smtClean="0"/>
+              <a:t>Examples</a:t>
+            </a:r>
+            <a:r>
+              <a:rPr lang="de-DE" dirty="0" smtClean="0"/>
+              <a:t>)</a:t>
             </a:r>
           </a:p>
           <a:p>
@@ -19260,11 +17351,7 @@
             </a:r>
             <a:r>
               <a:rPr lang="de-DE" dirty="0" smtClean="0"/>
-              <a:t> </a:t>
-            </a:r>
-            <a:r>
-              <a:rPr lang="de-DE" dirty="0" smtClean="0"/>
-              <a:t>Pattern</a:t>
+              <a:t> Pattern</a:t>
             </a:r>
           </a:p>
           <a:p>
@@ -21314,46 +19401,18 @@
           <a:lstStyle/>
           <a:p>
             <a:r>
-              <a:rPr lang="de-DE" dirty="0" err="1" smtClean="0"/>
-              <a:t>Thank</a:t>
-            </a:r>
-            <a:r>
-              <a:rPr lang="de-DE" dirty="0" smtClean="0"/>
-              <a:t> </a:t>
-            </a:r>
-            <a:r>
-              <a:rPr lang="de-DE" dirty="0" err="1" smtClean="0"/>
-              <a:t>you</a:t>
-            </a:r>
-            <a:r>
-              <a:rPr lang="de-DE" dirty="0" smtClean="0"/>
-              <a:t> </a:t>
-            </a:r>
-            <a:r>
-              <a:rPr lang="de-DE" dirty="0" err="1" smtClean="0"/>
-              <a:t>for</a:t>
-            </a:r>
-            <a:r>
-              <a:rPr lang="de-DE" dirty="0" smtClean="0"/>
-              <a:t> </a:t>
-            </a:r>
-            <a:r>
-              <a:rPr lang="de-DE" dirty="0" err="1" smtClean="0"/>
-              <a:t>your</a:t>
-            </a:r>
-            <a:r>
-              <a:rPr lang="de-DE" dirty="0" smtClean="0"/>
-              <a:t> </a:t>
-            </a:r>
-            <a:r>
-              <a:rPr lang="de-DE" dirty="0" err="1" smtClean="0"/>
-              <a:t>attantion</a:t>
-            </a:r>
-            <a:r>
-              <a:rPr lang="de-DE" dirty="0" smtClean="0"/>
+              <a:rPr lang="en-US" dirty="0" smtClean="0"/>
+              <a:t>Thank you for </a:t>
+            </a:r>
+            <a:r>
+              <a:rPr lang="en-US" smtClean="0"/>
+              <a:t>your Attention</a:t>
+            </a:r>
+            <a:r>
+              <a:rPr lang="en-US" dirty="0" smtClean="0"/>
               <a:t>!</a:t>
             </a:r>
-            <a:endParaRPr lang="de-DE" dirty="0"/>
+            <a:endParaRPr lang="en-US" dirty="0"/>
           </a:p>
         </p:txBody>
       </p:sp>
@@ -21372,7 +19431,7 @@
           <a:bodyPr/>
           <a:lstStyle/>
           <a:p>
-            <a:endParaRPr lang="de-DE"/>
+            <a:endParaRPr lang="en-US" dirty="0"/>
           </a:p>
         </p:txBody>
       </p:sp>
